--- a/4_CustomizeModel2_ParallelSprings/OpenModelica_Tutorials_4.pptx
+++ b/4_CustomizeModel2_ParallelSprings/OpenModelica_Tutorials_4.pptx
@@ -132,14 +132,21 @@
   </p:defaultTextStyle>
   <p:extLst>
     <p:ext uri="{EFAFB233-063F-42B5-8137-9DF3F51BA10A}">
-      <p15:sldGuideLst xmlns:p15="http://schemas.microsoft.com/office/powerpoint/2012/main" xmlns=""/>
+      <p15:sldGuideLst xmlns:p15="http://schemas.microsoft.com/office/powerpoint/2012/main">
+        <p15:guide id="1" orient="horz" pos="2160">
+          <p15:clr>
+            <a:srgbClr val="A4A3A4"/>
+          </p15:clr>
+        </p15:guide>
+        <p15:guide id="2" pos="3840">
+          <p15:clr>
+            <a:srgbClr val="A4A3A4"/>
+          </p15:clr>
+        </p15:guide>
+      </p15:sldGuideLst>
     </p:ext>
   </p:extLst>
 </p:presentation>
-</file>
-
-<file path=ppt/revisionInfo.xml><?xml version="1.0" encoding="utf-8"?>
-<p1510:revInfo xmlns:a="http://schemas.openxmlformats.org/drawingml/2006/main" xmlns:r="http://schemas.openxmlformats.org/officeDocument/2006/relationships" xmlns:p1510="http://schemas.microsoft.com/office/powerpoint/2015/10/main"/>
 </file>
 
 <file path=ppt/notesMasters/notesMaster1.xml><?xml version="1.0" encoding="utf-8"?>
@@ -169,7 +176,7 @@
           <p:cNvPr id="2" name="ヘッダー プレースホルダー 1">
             <a:extLst>
               <a:ext uri="{FF2B5EF4-FFF2-40B4-BE49-F238E27FC236}">
-                <a16:creationId xmlns:a16="http://schemas.microsoft.com/office/drawing/2014/main" xmlns="" id="{AD19556B-3207-412E-8521-16EA71108E5B}"/>
+                <a16:creationId xmlns:a16="http://schemas.microsoft.com/office/drawing/2014/main" id="{AD19556B-3207-412E-8521-16EA71108E5B}"/>
               </a:ext>
             </a:extLst>
           </p:cNvPr>
@@ -206,7 +213,7 @@
           <p:cNvPr id="3" name="日付プレースホルダー 2">
             <a:extLst>
               <a:ext uri="{FF2B5EF4-FFF2-40B4-BE49-F238E27FC236}">
-                <a16:creationId xmlns:a16="http://schemas.microsoft.com/office/drawing/2014/main" xmlns="" id="{50A2E03F-C175-44E3-98C9-D41A4FBD3C05}"/>
+                <a16:creationId xmlns:a16="http://schemas.microsoft.com/office/drawing/2014/main" id="{50A2E03F-C175-44E3-98C9-D41A4FBD3C05}"/>
               </a:ext>
             </a:extLst>
           </p:cNvPr>
@@ -236,7 +243,7 @@
           <a:p>
             <a:fld id="{48BDAED4-8D25-43AD-8EF1-149C3264C00D}" type="datetimeFigureOut">
               <a:rPr kumimoji="1" lang="ja-JP" altLang="en-US" smtClean="0"/>
-              <a:t>2018/3/13</a:t>
+              <a:t>2019/8/23</a:t>
             </a:fld>
             <a:endParaRPr kumimoji="1" lang="ja-JP" altLang="en-US"/>
           </a:p>
@@ -247,7 +254,7 @@
           <p:cNvPr id="4" name="スライド イメージ プレースホルダー 3">
             <a:extLst>
               <a:ext uri="{FF2B5EF4-FFF2-40B4-BE49-F238E27FC236}">
-                <a16:creationId xmlns:a16="http://schemas.microsoft.com/office/drawing/2014/main" xmlns="" id="{32BFD7F7-A640-4D76-AC01-61039744C0CF}"/>
+                <a16:creationId xmlns:a16="http://schemas.microsoft.com/office/drawing/2014/main" id="{32BFD7F7-A640-4D76-AC01-61039744C0CF}"/>
               </a:ext>
             </a:extLst>
           </p:cNvPr>
@@ -286,7 +293,7 @@
           <p:cNvPr id="5" name="ノート プレースホルダー 4">
             <a:extLst>
               <a:ext uri="{FF2B5EF4-FFF2-40B4-BE49-F238E27FC236}">
-                <a16:creationId xmlns:a16="http://schemas.microsoft.com/office/drawing/2014/main" xmlns="" id="{AC534A3E-CF0A-400D-B912-11D691CC4B46}"/>
+                <a16:creationId xmlns:a16="http://schemas.microsoft.com/office/drawing/2014/main" id="{AC534A3E-CF0A-400D-B912-11D691CC4B46}"/>
               </a:ext>
             </a:extLst>
           </p:cNvPr>
@@ -383,7 +390,7 @@
           <p:cNvPr id="6" name="フッター プレースホルダー 5">
             <a:extLst>
               <a:ext uri="{FF2B5EF4-FFF2-40B4-BE49-F238E27FC236}">
-                <a16:creationId xmlns:a16="http://schemas.microsoft.com/office/drawing/2014/main" xmlns="" id="{3E4752AB-639F-4D77-B616-4DEB16AA2BAA}"/>
+                <a16:creationId xmlns:a16="http://schemas.microsoft.com/office/drawing/2014/main" id="{3E4752AB-639F-4D77-B616-4DEB16AA2BAA}"/>
               </a:ext>
             </a:extLst>
           </p:cNvPr>
@@ -420,7 +427,7 @@
           <p:cNvPr id="7" name="スライド番号プレースホルダー 6">
             <a:extLst>
               <a:ext uri="{FF2B5EF4-FFF2-40B4-BE49-F238E27FC236}">
-                <a16:creationId xmlns:a16="http://schemas.microsoft.com/office/drawing/2014/main" xmlns="" id="{6FA812B7-6FFC-4D91-B82A-9F4209A71810}"/>
+                <a16:creationId xmlns:a16="http://schemas.microsoft.com/office/drawing/2014/main" id="{6FA812B7-6FFC-4D91-B82A-9F4209A71810}"/>
               </a:ext>
             </a:extLst>
           </p:cNvPr>
@@ -581,7 +588,7 @@
           <p:cNvPr id="2" name="タイトル 1">
             <a:extLst>
               <a:ext uri="{FF2B5EF4-FFF2-40B4-BE49-F238E27FC236}">
-                <a16:creationId xmlns:a16="http://schemas.microsoft.com/office/drawing/2014/main" xmlns="" id="{C640A934-6052-47D7-9600-E017EFD518DE}"/>
+                <a16:creationId xmlns:a16="http://schemas.microsoft.com/office/drawing/2014/main" id="{C640A934-6052-47D7-9600-E017EFD518DE}"/>
               </a:ext>
             </a:extLst>
           </p:cNvPr>
@@ -618,7 +625,7 @@
           <p:cNvPr id="3" name="サブタイトル 2">
             <a:extLst>
               <a:ext uri="{FF2B5EF4-FFF2-40B4-BE49-F238E27FC236}">
-                <a16:creationId xmlns:a16="http://schemas.microsoft.com/office/drawing/2014/main" xmlns="" id="{3567CB88-D2AC-4759-A0FB-979F04B4A72A}"/>
+                <a16:creationId xmlns:a16="http://schemas.microsoft.com/office/drawing/2014/main" id="{3567CB88-D2AC-4759-A0FB-979F04B4A72A}"/>
               </a:ext>
             </a:extLst>
           </p:cNvPr>
@@ -688,7 +695,7 @@
           <p:cNvPr id="4" name="日付プレースホルダー 3">
             <a:extLst>
               <a:ext uri="{FF2B5EF4-FFF2-40B4-BE49-F238E27FC236}">
-                <a16:creationId xmlns:a16="http://schemas.microsoft.com/office/drawing/2014/main" xmlns="" id="{8F327D2F-D218-4DB3-A496-FC51084D5390}"/>
+                <a16:creationId xmlns:a16="http://schemas.microsoft.com/office/drawing/2014/main" id="{8F327D2F-D218-4DB3-A496-FC51084D5390}"/>
               </a:ext>
             </a:extLst>
           </p:cNvPr>
@@ -706,7 +713,7 @@
           <a:p>
             <a:fld id="{4BF116AF-D557-4F39-9FFB-27E038FB1090}" type="datetime1">
               <a:rPr kumimoji="1" lang="ja-JP" altLang="en-US" smtClean="0"/>
-              <a:t>2018/3/13</a:t>
+              <a:t>2019/8/23</a:t>
             </a:fld>
             <a:endParaRPr kumimoji="1" lang="ja-JP" altLang="en-US"/>
           </a:p>
@@ -717,7 +724,7 @@
           <p:cNvPr id="5" name="フッター プレースホルダー 4">
             <a:extLst>
               <a:ext uri="{FF2B5EF4-FFF2-40B4-BE49-F238E27FC236}">
-                <a16:creationId xmlns:a16="http://schemas.microsoft.com/office/drawing/2014/main" xmlns="" id="{D5CE8AFA-1A69-423A-AE33-53D4B86E36E2}"/>
+                <a16:creationId xmlns:a16="http://schemas.microsoft.com/office/drawing/2014/main" id="{D5CE8AFA-1A69-423A-AE33-53D4B86E36E2}"/>
               </a:ext>
             </a:extLst>
           </p:cNvPr>
@@ -742,7 +749,7 @@
           <p:cNvPr id="6" name="スライド番号プレースホルダー 5">
             <a:extLst>
               <a:ext uri="{FF2B5EF4-FFF2-40B4-BE49-F238E27FC236}">
-                <a16:creationId xmlns:a16="http://schemas.microsoft.com/office/drawing/2014/main" xmlns="" id="{2631D19D-2B03-4CD1-904A-35788E90CF51}"/>
+                <a16:creationId xmlns:a16="http://schemas.microsoft.com/office/drawing/2014/main" id="{2631D19D-2B03-4CD1-904A-35788E90CF51}"/>
               </a:ext>
             </a:extLst>
           </p:cNvPr>
@@ -801,7 +808,7 @@
           <p:cNvPr id="2" name="タイトル 1">
             <a:extLst>
               <a:ext uri="{FF2B5EF4-FFF2-40B4-BE49-F238E27FC236}">
-                <a16:creationId xmlns:a16="http://schemas.microsoft.com/office/drawing/2014/main" xmlns="" id="{1E9F8C32-40DD-4764-AA14-CA340E88402B}"/>
+                <a16:creationId xmlns:a16="http://schemas.microsoft.com/office/drawing/2014/main" id="{1E9F8C32-40DD-4764-AA14-CA340E88402B}"/>
               </a:ext>
             </a:extLst>
           </p:cNvPr>
@@ -829,7 +836,7 @@
           <p:cNvPr id="3" name="縦書きテキスト プレースホルダー 2">
             <a:extLst>
               <a:ext uri="{FF2B5EF4-FFF2-40B4-BE49-F238E27FC236}">
-                <a16:creationId xmlns:a16="http://schemas.microsoft.com/office/drawing/2014/main" xmlns="" id="{BB25EDB7-B389-43DE-88B0-2E43F12A7051}"/>
+                <a16:creationId xmlns:a16="http://schemas.microsoft.com/office/drawing/2014/main" id="{BB25EDB7-B389-43DE-88B0-2E43F12A7051}"/>
               </a:ext>
             </a:extLst>
           </p:cNvPr>
@@ -918,7 +925,7 @@
           <p:cNvPr id="4" name="日付プレースホルダー 3">
             <a:extLst>
               <a:ext uri="{FF2B5EF4-FFF2-40B4-BE49-F238E27FC236}">
-                <a16:creationId xmlns:a16="http://schemas.microsoft.com/office/drawing/2014/main" xmlns="" id="{F4750E22-4C4B-417A-8C48-347CB348ECFB}"/>
+                <a16:creationId xmlns:a16="http://schemas.microsoft.com/office/drawing/2014/main" id="{F4750E22-4C4B-417A-8C48-347CB348ECFB}"/>
               </a:ext>
             </a:extLst>
           </p:cNvPr>
@@ -936,7 +943,7 @@
           <a:p>
             <a:fld id="{593F3817-63D9-43DC-A6B4-F38E7E22B334}" type="datetime1">
               <a:rPr kumimoji="1" lang="ja-JP" altLang="en-US" smtClean="0"/>
-              <a:t>2018/3/13</a:t>
+              <a:t>2019/8/23</a:t>
             </a:fld>
             <a:endParaRPr kumimoji="1" lang="ja-JP" altLang="en-US"/>
           </a:p>
@@ -947,7 +954,7 @@
           <p:cNvPr id="5" name="フッター プレースホルダー 4">
             <a:extLst>
               <a:ext uri="{FF2B5EF4-FFF2-40B4-BE49-F238E27FC236}">
-                <a16:creationId xmlns:a16="http://schemas.microsoft.com/office/drawing/2014/main" xmlns="" id="{2C19161E-7AEC-4345-BBC9-3BC233DE1002}"/>
+                <a16:creationId xmlns:a16="http://schemas.microsoft.com/office/drawing/2014/main" id="{2C19161E-7AEC-4345-BBC9-3BC233DE1002}"/>
               </a:ext>
             </a:extLst>
           </p:cNvPr>
@@ -972,7 +979,7 @@
           <p:cNvPr id="6" name="スライド番号プレースホルダー 5">
             <a:extLst>
               <a:ext uri="{FF2B5EF4-FFF2-40B4-BE49-F238E27FC236}">
-                <a16:creationId xmlns:a16="http://schemas.microsoft.com/office/drawing/2014/main" xmlns="" id="{86EA905A-EBB0-4E40-9913-3C0464FD4749}"/>
+                <a16:creationId xmlns:a16="http://schemas.microsoft.com/office/drawing/2014/main" id="{86EA905A-EBB0-4E40-9913-3C0464FD4749}"/>
               </a:ext>
             </a:extLst>
           </p:cNvPr>
@@ -1031,7 +1038,7 @@
           <p:cNvPr id="2" name="縦書きタイトル 1">
             <a:extLst>
               <a:ext uri="{FF2B5EF4-FFF2-40B4-BE49-F238E27FC236}">
-                <a16:creationId xmlns:a16="http://schemas.microsoft.com/office/drawing/2014/main" xmlns="" id="{8A876662-0CE9-49E9-AC02-EE7ACC657BCD}"/>
+                <a16:creationId xmlns:a16="http://schemas.microsoft.com/office/drawing/2014/main" id="{8A876662-0CE9-49E9-AC02-EE7ACC657BCD}"/>
               </a:ext>
             </a:extLst>
           </p:cNvPr>
@@ -1064,7 +1071,7 @@
           <p:cNvPr id="3" name="縦書きテキスト プレースホルダー 2">
             <a:extLst>
               <a:ext uri="{FF2B5EF4-FFF2-40B4-BE49-F238E27FC236}">
-                <a16:creationId xmlns:a16="http://schemas.microsoft.com/office/drawing/2014/main" xmlns="" id="{B6FE2065-03F0-48E5-82DF-EC7EEE0207D8}"/>
+                <a16:creationId xmlns:a16="http://schemas.microsoft.com/office/drawing/2014/main" id="{B6FE2065-03F0-48E5-82DF-EC7EEE0207D8}"/>
               </a:ext>
             </a:extLst>
           </p:cNvPr>
@@ -1158,7 +1165,7 @@
           <p:cNvPr id="4" name="日付プレースホルダー 3">
             <a:extLst>
               <a:ext uri="{FF2B5EF4-FFF2-40B4-BE49-F238E27FC236}">
-                <a16:creationId xmlns:a16="http://schemas.microsoft.com/office/drawing/2014/main" xmlns="" id="{A1B9FF21-774F-48FE-A04C-9E8A7F644356}"/>
+                <a16:creationId xmlns:a16="http://schemas.microsoft.com/office/drawing/2014/main" id="{A1B9FF21-774F-48FE-A04C-9E8A7F644356}"/>
               </a:ext>
             </a:extLst>
           </p:cNvPr>
@@ -1176,7 +1183,7 @@
           <a:p>
             <a:fld id="{4B8AFDEF-C18E-4EED-9139-A18CEE1575B1}" type="datetime1">
               <a:rPr kumimoji="1" lang="ja-JP" altLang="en-US" smtClean="0"/>
-              <a:t>2018/3/13</a:t>
+              <a:t>2019/8/23</a:t>
             </a:fld>
             <a:endParaRPr kumimoji="1" lang="ja-JP" altLang="en-US"/>
           </a:p>
@@ -1187,7 +1194,7 @@
           <p:cNvPr id="5" name="フッター プレースホルダー 4">
             <a:extLst>
               <a:ext uri="{FF2B5EF4-FFF2-40B4-BE49-F238E27FC236}">
-                <a16:creationId xmlns:a16="http://schemas.microsoft.com/office/drawing/2014/main" xmlns="" id="{9D32535A-4B89-476F-B51B-EC1413A240CD}"/>
+                <a16:creationId xmlns:a16="http://schemas.microsoft.com/office/drawing/2014/main" id="{9D32535A-4B89-476F-B51B-EC1413A240CD}"/>
               </a:ext>
             </a:extLst>
           </p:cNvPr>
@@ -1212,7 +1219,7 @@
           <p:cNvPr id="6" name="スライド番号プレースホルダー 5">
             <a:extLst>
               <a:ext uri="{FF2B5EF4-FFF2-40B4-BE49-F238E27FC236}">
-                <a16:creationId xmlns:a16="http://schemas.microsoft.com/office/drawing/2014/main" xmlns="" id="{F5260F05-0529-4B2A-B354-E1AB043C95D1}"/>
+                <a16:creationId xmlns:a16="http://schemas.microsoft.com/office/drawing/2014/main" id="{F5260F05-0529-4B2A-B354-E1AB043C95D1}"/>
               </a:ext>
             </a:extLst>
           </p:cNvPr>
@@ -1271,7 +1278,7 @@
           <p:cNvPr id="2" name="タイトル 1">
             <a:extLst>
               <a:ext uri="{FF2B5EF4-FFF2-40B4-BE49-F238E27FC236}">
-                <a16:creationId xmlns:a16="http://schemas.microsoft.com/office/drawing/2014/main" xmlns="" id="{C414AC56-2C6E-4FD6-AC2A-C0C7474C804A}"/>
+                <a16:creationId xmlns:a16="http://schemas.microsoft.com/office/drawing/2014/main" id="{C414AC56-2C6E-4FD6-AC2A-C0C7474C804A}"/>
               </a:ext>
             </a:extLst>
           </p:cNvPr>
@@ -1299,7 +1306,7 @@
           <p:cNvPr id="3" name="コンテンツ プレースホルダー 2">
             <a:extLst>
               <a:ext uri="{FF2B5EF4-FFF2-40B4-BE49-F238E27FC236}">
-                <a16:creationId xmlns:a16="http://schemas.microsoft.com/office/drawing/2014/main" xmlns="" id="{B04E7051-D2C1-4B63-BA62-A08EA433436C}"/>
+                <a16:creationId xmlns:a16="http://schemas.microsoft.com/office/drawing/2014/main" id="{B04E7051-D2C1-4B63-BA62-A08EA433436C}"/>
               </a:ext>
             </a:extLst>
           </p:cNvPr>
@@ -1388,7 +1395,7 @@
           <p:cNvPr id="4" name="日付プレースホルダー 3">
             <a:extLst>
               <a:ext uri="{FF2B5EF4-FFF2-40B4-BE49-F238E27FC236}">
-                <a16:creationId xmlns:a16="http://schemas.microsoft.com/office/drawing/2014/main" xmlns="" id="{AE25CE84-A884-4ACE-B6EE-7E97B7475653}"/>
+                <a16:creationId xmlns:a16="http://schemas.microsoft.com/office/drawing/2014/main" id="{AE25CE84-A884-4ACE-B6EE-7E97B7475653}"/>
               </a:ext>
             </a:extLst>
           </p:cNvPr>
@@ -1406,7 +1413,7 @@
           <a:p>
             <a:fld id="{F5B489AD-72A1-4847-9821-843F353584A4}" type="datetime1">
               <a:rPr kumimoji="1" lang="ja-JP" altLang="en-US" smtClean="0"/>
-              <a:t>2018/3/13</a:t>
+              <a:t>2019/8/23</a:t>
             </a:fld>
             <a:endParaRPr kumimoji="1" lang="ja-JP" altLang="en-US"/>
           </a:p>
@@ -1417,7 +1424,7 @@
           <p:cNvPr id="5" name="フッター プレースホルダー 4">
             <a:extLst>
               <a:ext uri="{FF2B5EF4-FFF2-40B4-BE49-F238E27FC236}">
-                <a16:creationId xmlns:a16="http://schemas.microsoft.com/office/drawing/2014/main" xmlns="" id="{EBCBC0D2-F1DA-4C16-85D1-974CF48BC804}"/>
+                <a16:creationId xmlns:a16="http://schemas.microsoft.com/office/drawing/2014/main" id="{EBCBC0D2-F1DA-4C16-85D1-974CF48BC804}"/>
               </a:ext>
             </a:extLst>
           </p:cNvPr>
@@ -1442,7 +1449,7 @@
           <p:cNvPr id="6" name="スライド番号プレースホルダー 5">
             <a:extLst>
               <a:ext uri="{FF2B5EF4-FFF2-40B4-BE49-F238E27FC236}">
-                <a16:creationId xmlns:a16="http://schemas.microsoft.com/office/drawing/2014/main" xmlns="" id="{CBD1951C-19F9-4BB8-96D6-46797F90203F}"/>
+                <a16:creationId xmlns:a16="http://schemas.microsoft.com/office/drawing/2014/main" id="{CBD1951C-19F9-4BB8-96D6-46797F90203F}"/>
               </a:ext>
             </a:extLst>
           </p:cNvPr>
@@ -1501,7 +1508,7 @@
           <p:cNvPr id="2" name="タイトル 1">
             <a:extLst>
               <a:ext uri="{FF2B5EF4-FFF2-40B4-BE49-F238E27FC236}">
-                <a16:creationId xmlns:a16="http://schemas.microsoft.com/office/drawing/2014/main" xmlns="" id="{1D00A678-F443-4FEA-93D6-3926EB7E42DA}"/>
+                <a16:creationId xmlns:a16="http://schemas.microsoft.com/office/drawing/2014/main" id="{1D00A678-F443-4FEA-93D6-3926EB7E42DA}"/>
               </a:ext>
             </a:extLst>
           </p:cNvPr>
@@ -1538,7 +1545,7 @@
           <p:cNvPr id="3" name="テキスト プレースホルダー 2">
             <a:extLst>
               <a:ext uri="{FF2B5EF4-FFF2-40B4-BE49-F238E27FC236}">
-                <a16:creationId xmlns:a16="http://schemas.microsoft.com/office/drawing/2014/main" xmlns="" id="{6BDD3B79-A0F7-4C8D-918D-88BDE69250B1}"/>
+                <a16:creationId xmlns:a16="http://schemas.microsoft.com/office/drawing/2014/main" id="{6BDD3B79-A0F7-4C8D-918D-88BDE69250B1}"/>
               </a:ext>
             </a:extLst>
           </p:cNvPr>
@@ -1663,7 +1670,7 @@
           <p:cNvPr id="4" name="日付プレースホルダー 3">
             <a:extLst>
               <a:ext uri="{FF2B5EF4-FFF2-40B4-BE49-F238E27FC236}">
-                <a16:creationId xmlns:a16="http://schemas.microsoft.com/office/drawing/2014/main" xmlns="" id="{93E71825-7DD8-4B80-96D1-977008B856B9}"/>
+                <a16:creationId xmlns:a16="http://schemas.microsoft.com/office/drawing/2014/main" id="{93E71825-7DD8-4B80-96D1-977008B856B9}"/>
               </a:ext>
             </a:extLst>
           </p:cNvPr>
@@ -1681,7 +1688,7 @@
           <a:p>
             <a:fld id="{8F941BD6-9F86-4D2C-A2C8-918FE8A17ACD}" type="datetime1">
               <a:rPr kumimoji="1" lang="ja-JP" altLang="en-US" smtClean="0"/>
-              <a:t>2018/3/13</a:t>
+              <a:t>2019/8/23</a:t>
             </a:fld>
             <a:endParaRPr kumimoji="1" lang="ja-JP" altLang="en-US"/>
           </a:p>
@@ -1692,7 +1699,7 @@
           <p:cNvPr id="5" name="フッター プレースホルダー 4">
             <a:extLst>
               <a:ext uri="{FF2B5EF4-FFF2-40B4-BE49-F238E27FC236}">
-                <a16:creationId xmlns:a16="http://schemas.microsoft.com/office/drawing/2014/main" xmlns="" id="{5CED311E-FAA6-4C7D-9FC2-BC675C72336F}"/>
+                <a16:creationId xmlns:a16="http://schemas.microsoft.com/office/drawing/2014/main" id="{5CED311E-FAA6-4C7D-9FC2-BC675C72336F}"/>
               </a:ext>
             </a:extLst>
           </p:cNvPr>
@@ -1717,7 +1724,7 @@
           <p:cNvPr id="6" name="スライド番号プレースホルダー 5">
             <a:extLst>
               <a:ext uri="{FF2B5EF4-FFF2-40B4-BE49-F238E27FC236}">
-                <a16:creationId xmlns:a16="http://schemas.microsoft.com/office/drawing/2014/main" xmlns="" id="{6C4D0E2E-8245-4907-96CA-10999815D43E}"/>
+                <a16:creationId xmlns:a16="http://schemas.microsoft.com/office/drawing/2014/main" id="{6C4D0E2E-8245-4907-96CA-10999815D43E}"/>
               </a:ext>
             </a:extLst>
           </p:cNvPr>
@@ -1776,7 +1783,7 @@
           <p:cNvPr id="2" name="タイトル 1">
             <a:extLst>
               <a:ext uri="{FF2B5EF4-FFF2-40B4-BE49-F238E27FC236}">
-                <a16:creationId xmlns:a16="http://schemas.microsoft.com/office/drawing/2014/main" xmlns="" id="{1A5D23ED-03EA-4F07-87E3-28D2640C7457}"/>
+                <a16:creationId xmlns:a16="http://schemas.microsoft.com/office/drawing/2014/main" id="{1A5D23ED-03EA-4F07-87E3-28D2640C7457}"/>
               </a:ext>
             </a:extLst>
           </p:cNvPr>
@@ -1804,7 +1811,7 @@
           <p:cNvPr id="3" name="コンテンツ プレースホルダー 2">
             <a:extLst>
               <a:ext uri="{FF2B5EF4-FFF2-40B4-BE49-F238E27FC236}">
-                <a16:creationId xmlns:a16="http://schemas.microsoft.com/office/drawing/2014/main" xmlns="" id="{BDF3938E-99C2-4825-ABC3-D707D0C368D9}"/>
+                <a16:creationId xmlns:a16="http://schemas.microsoft.com/office/drawing/2014/main" id="{BDF3938E-99C2-4825-ABC3-D707D0C368D9}"/>
               </a:ext>
             </a:extLst>
           </p:cNvPr>
@@ -1898,7 +1905,7 @@
           <p:cNvPr id="4" name="コンテンツ プレースホルダー 3">
             <a:extLst>
               <a:ext uri="{FF2B5EF4-FFF2-40B4-BE49-F238E27FC236}">
-                <a16:creationId xmlns:a16="http://schemas.microsoft.com/office/drawing/2014/main" xmlns="" id="{A2B3DC81-B6AF-47A5-9EE9-0C3D54421CD9}"/>
+                <a16:creationId xmlns:a16="http://schemas.microsoft.com/office/drawing/2014/main" id="{A2B3DC81-B6AF-47A5-9EE9-0C3D54421CD9}"/>
               </a:ext>
             </a:extLst>
           </p:cNvPr>
@@ -1992,7 +1999,7 @@
           <p:cNvPr id="5" name="日付プレースホルダー 4">
             <a:extLst>
               <a:ext uri="{FF2B5EF4-FFF2-40B4-BE49-F238E27FC236}">
-                <a16:creationId xmlns:a16="http://schemas.microsoft.com/office/drawing/2014/main" xmlns="" id="{4C78BECE-026B-4F33-8924-AD8452F95547}"/>
+                <a16:creationId xmlns:a16="http://schemas.microsoft.com/office/drawing/2014/main" id="{4C78BECE-026B-4F33-8924-AD8452F95547}"/>
               </a:ext>
             </a:extLst>
           </p:cNvPr>
@@ -2010,7 +2017,7 @@
           <a:p>
             <a:fld id="{AA38B87E-EAC9-47F8-936F-712A38ACEEC0}" type="datetime1">
               <a:rPr kumimoji="1" lang="ja-JP" altLang="en-US" smtClean="0"/>
-              <a:t>2018/3/13</a:t>
+              <a:t>2019/8/23</a:t>
             </a:fld>
             <a:endParaRPr kumimoji="1" lang="ja-JP" altLang="en-US"/>
           </a:p>
@@ -2021,7 +2028,7 @@
           <p:cNvPr id="6" name="フッター プレースホルダー 5">
             <a:extLst>
               <a:ext uri="{FF2B5EF4-FFF2-40B4-BE49-F238E27FC236}">
-                <a16:creationId xmlns:a16="http://schemas.microsoft.com/office/drawing/2014/main" xmlns="" id="{49783764-5DB0-4331-BA1F-9C2D17E59721}"/>
+                <a16:creationId xmlns:a16="http://schemas.microsoft.com/office/drawing/2014/main" id="{49783764-5DB0-4331-BA1F-9C2D17E59721}"/>
               </a:ext>
             </a:extLst>
           </p:cNvPr>
@@ -2046,7 +2053,7 @@
           <p:cNvPr id="7" name="スライド番号プレースホルダー 6">
             <a:extLst>
               <a:ext uri="{FF2B5EF4-FFF2-40B4-BE49-F238E27FC236}">
-                <a16:creationId xmlns:a16="http://schemas.microsoft.com/office/drawing/2014/main" xmlns="" id="{127F6C2E-6C8F-41C1-B48C-2292951331AD}"/>
+                <a16:creationId xmlns:a16="http://schemas.microsoft.com/office/drawing/2014/main" id="{127F6C2E-6C8F-41C1-B48C-2292951331AD}"/>
               </a:ext>
             </a:extLst>
           </p:cNvPr>
@@ -2105,7 +2112,7 @@
           <p:cNvPr id="2" name="タイトル 1">
             <a:extLst>
               <a:ext uri="{FF2B5EF4-FFF2-40B4-BE49-F238E27FC236}">
-                <a16:creationId xmlns:a16="http://schemas.microsoft.com/office/drawing/2014/main" xmlns="" id="{56019687-F0F8-411B-B519-E0AE83C5CEA6}"/>
+                <a16:creationId xmlns:a16="http://schemas.microsoft.com/office/drawing/2014/main" id="{56019687-F0F8-411B-B519-E0AE83C5CEA6}"/>
               </a:ext>
             </a:extLst>
           </p:cNvPr>
@@ -2138,7 +2145,7 @@
           <p:cNvPr id="3" name="テキスト プレースホルダー 2">
             <a:extLst>
               <a:ext uri="{FF2B5EF4-FFF2-40B4-BE49-F238E27FC236}">
-                <a16:creationId xmlns:a16="http://schemas.microsoft.com/office/drawing/2014/main" xmlns="" id="{E486F68B-292D-4F65-9707-BC2217D31433}"/>
+                <a16:creationId xmlns:a16="http://schemas.microsoft.com/office/drawing/2014/main" id="{E486F68B-292D-4F65-9707-BC2217D31433}"/>
               </a:ext>
             </a:extLst>
           </p:cNvPr>
@@ -2209,7 +2216,7 @@
           <p:cNvPr id="4" name="コンテンツ プレースホルダー 3">
             <a:extLst>
               <a:ext uri="{FF2B5EF4-FFF2-40B4-BE49-F238E27FC236}">
-                <a16:creationId xmlns:a16="http://schemas.microsoft.com/office/drawing/2014/main" xmlns="" id="{374F2048-6469-4F18-8B58-31750801BC0C}"/>
+                <a16:creationId xmlns:a16="http://schemas.microsoft.com/office/drawing/2014/main" id="{374F2048-6469-4F18-8B58-31750801BC0C}"/>
               </a:ext>
             </a:extLst>
           </p:cNvPr>
@@ -2303,7 +2310,7 @@
           <p:cNvPr id="5" name="テキスト プレースホルダー 4">
             <a:extLst>
               <a:ext uri="{FF2B5EF4-FFF2-40B4-BE49-F238E27FC236}">
-                <a16:creationId xmlns:a16="http://schemas.microsoft.com/office/drawing/2014/main" xmlns="" id="{2E6D5D63-E489-48AC-A362-55DB02899B55}"/>
+                <a16:creationId xmlns:a16="http://schemas.microsoft.com/office/drawing/2014/main" id="{2E6D5D63-E489-48AC-A362-55DB02899B55}"/>
               </a:ext>
             </a:extLst>
           </p:cNvPr>
@@ -2374,7 +2381,7 @@
           <p:cNvPr id="6" name="コンテンツ プレースホルダー 5">
             <a:extLst>
               <a:ext uri="{FF2B5EF4-FFF2-40B4-BE49-F238E27FC236}">
-                <a16:creationId xmlns:a16="http://schemas.microsoft.com/office/drawing/2014/main" xmlns="" id="{148F1C4A-5767-4EC0-85C8-571505755EB0}"/>
+                <a16:creationId xmlns:a16="http://schemas.microsoft.com/office/drawing/2014/main" id="{148F1C4A-5767-4EC0-85C8-571505755EB0}"/>
               </a:ext>
             </a:extLst>
           </p:cNvPr>
@@ -2468,7 +2475,7 @@
           <p:cNvPr id="7" name="日付プレースホルダー 6">
             <a:extLst>
               <a:ext uri="{FF2B5EF4-FFF2-40B4-BE49-F238E27FC236}">
-                <a16:creationId xmlns:a16="http://schemas.microsoft.com/office/drawing/2014/main" xmlns="" id="{BC9ACD47-787F-4BE6-B29B-B3CFFDE55A9C}"/>
+                <a16:creationId xmlns:a16="http://schemas.microsoft.com/office/drawing/2014/main" id="{BC9ACD47-787F-4BE6-B29B-B3CFFDE55A9C}"/>
               </a:ext>
             </a:extLst>
           </p:cNvPr>
@@ -2486,7 +2493,7 @@
           <a:p>
             <a:fld id="{3BA45C1C-AE36-4B61-AE86-B22D986A54B4}" type="datetime1">
               <a:rPr kumimoji="1" lang="ja-JP" altLang="en-US" smtClean="0"/>
-              <a:t>2018/3/13</a:t>
+              <a:t>2019/8/23</a:t>
             </a:fld>
             <a:endParaRPr kumimoji="1" lang="ja-JP" altLang="en-US"/>
           </a:p>
@@ -2497,7 +2504,7 @@
           <p:cNvPr id="8" name="フッター プレースホルダー 7">
             <a:extLst>
               <a:ext uri="{FF2B5EF4-FFF2-40B4-BE49-F238E27FC236}">
-                <a16:creationId xmlns:a16="http://schemas.microsoft.com/office/drawing/2014/main" xmlns="" id="{BD4D869A-6245-47EA-826A-11903CEDCDF5}"/>
+                <a16:creationId xmlns:a16="http://schemas.microsoft.com/office/drawing/2014/main" id="{BD4D869A-6245-47EA-826A-11903CEDCDF5}"/>
               </a:ext>
             </a:extLst>
           </p:cNvPr>
@@ -2522,7 +2529,7 @@
           <p:cNvPr id="9" name="スライド番号プレースホルダー 8">
             <a:extLst>
               <a:ext uri="{FF2B5EF4-FFF2-40B4-BE49-F238E27FC236}">
-                <a16:creationId xmlns:a16="http://schemas.microsoft.com/office/drawing/2014/main" xmlns="" id="{EB8A9AF0-6356-40A0-8941-4F93A45D9286}"/>
+                <a16:creationId xmlns:a16="http://schemas.microsoft.com/office/drawing/2014/main" id="{EB8A9AF0-6356-40A0-8941-4F93A45D9286}"/>
               </a:ext>
             </a:extLst>
           </p:cNvPr>
@@ -2581,7 +2588,7 @@
           <p:cNvPr id="2" name="タイトル 1">
             <a:extLst>
               <a:ext uri="{FF2B5EF4-FFF2-40B4-BE49-F238E27FC236}">
-                <a16:creationId xmlns:a16="http://schemas.microsoft.com/office/drawing/2014/main" xmlns="" id="{450760D9-6747-4690-8F9A-C5AE1864B4E3}"/>
+                <a16:creationId xmlns:a16="http://schemas.microsoft.com/office/drawing/2014/main" id="{450760D9-6747-4690-8F9A-C5AE1864B4E3}"/>
               </a:ext>
             </a:extLst>
           </p:cNvPr>
@@ -2609,7 +2616,7 @@
           <p:cNvPr id="3" name="日付プレースホルダー 2">
             <a:extLst>
               <a:ext uri="{FF2B5EF4-FFF2-40B4-BE49-F238E27FC236}">
-                <a16:creationId xmlns:a16="http://schemas.microsoft.com/office/drawing/2014/main" xmlns="" id="{F2837AA8-1B7A-4F48-99C3-675552A1621E}"/>
+                <a16:creationId xmlns:a16="http://schemas.microsoft.com/office/drawing/2014/main" id="{F2837AA8-1B7A-4F48-99C3-675552A1621E}"/>
               </a:ext>
             </a:extLst>
           </p:cNvPr>
@@ -2627,7 +2634,7 @@
           <a:p>
             <a:fld id="{62A3CB3C-1835-46E7-8FFF-335DAFA2BABB}" type="datetime1">
               <a:rPr kumimoji="1" lang="ja-JP" altLang="en-US" smtClean="0"/>
-              <a:t>2018/3/13</a:t>
+              <a:t>2019/8/23</a:t>
             </a:fld>
             <a:endParaRPr kumimoji="1" lang="ja-JP" altLang="en-US"/>
           </a:p>
@@ -2638,7 +2645,7 @@
           <p:cNvPr id="4" name="フッター プレースホルダー 3">
             <a:extLst>
               <a:ext uri="{FF2B5EF4-FFF2-40B4-BE49-F238E27FC236}">
-                <a16:creationId xmlns:a16="http://schemas.microsoft.com/office/drawing/2014/main" xmlns="" id="{8AEAC055-ADBD-47BF-A7E2-EE031ABE5779}"/>
+                <a16:creationId xmlns:a16="http://schemas.microsoft.com/office/drawing/2014/main" id="{8AEAC055-ADBD-47BF-A7E2-EE031ABE5779}"/>
               </a:ext>
             </a:extLst>
           </p:cNvPr>
@@ -2663,7 +2670,7 @@
           <p:cNvPr id="5" name="スライド番号プレースホルダー 4">
             <a:extLst>
               <a:ext uri="{FF2B5EF4-FFF2-40B4-BE49-F238E27FC236}">
-                <a16:creationId xmlns:a16="http://schemas.microsoft.com/office/drawing/2014/main" xmlns="" id="{088EF311-DAB4-4685-91A4-BDE1EF3D5E04}"/>
+                <a16:creationId xmlns:a16="http://schemas.microsoft.com/office/drawing/2014/main" id="{088EF311-DAB4-4685-91A4-BDE1EF3D5E04}"/>
               </a:ext>
             </a:extLst>
           </p:cNvPr>
@@ -2722,7 +2729,7 @@
           <p:cNvPr id="2" name="日付プレースホルダー 1">
             <a:extLst>
               <a:ext uri="{FF2B5EF4-FFF2-40B4-BE49-F238E27FC236}">
-                <a16:creationId xmlns:a16="http://schemas.microsoft.com/office/drawing/2014/main" xmlns="" id="{12C283A7-F09B-44DA-AE34-70823E7FCA2A}"/>
+                <a16:creationId xmlns:a16="http://schemas.microsoft.com/office/drawing/2014/main" id="{12C283A7-F09B-44DA-AE34-70823E7FCA2A}"/>
               </a:ext>
             </a:extLst>
           </p:cNvPr>
@@ -2740,7 +2747,7 @@
           <a:p>
             <a:fld id="{289D324E-99C4-4D83-9165-0DF7EA0DDAED}" type="datetime1">
               <a:rPr kumimoji="1" lang="ja-JP" altLang="en-US" smtClean="0"/>
-              <a:t>2018/3/13</a:t>
+              <a:t>2019/8/23</a:t>
             </a:fld>
             <a:endParaRPr kumimoji="1" lang="ja-JP" altLang="en-US"/>
           </a:p>
@@ -2751,7 +2758,7 @@
           <p:cNvPr id="3" name="フッター プレースホルダー 2">
             <a:extLst>
               <a:ext uri="{FF2B5EF4-FFF2-40B4-BE49-F238E27FC236}">
-                <a16:creationId xmlns:a16="http://schemas.microsoft.com/office/drawing/2014/main" xmlns="" id="{BD19F830-754F-4C18-8FE4-2F04D270AA7D}"/>
+                <a16:creationId xmlns:a16="http://schemas.microsoft.com/office/drawing/2014/main" id="{BD19F830-754F-4C18-8FE4-2F04D270AA7D}"/>
               </a:ext>
             </a:extLst>
           </p:cNvPr>
@@ -2776,7 +2783,7 @@
           <p:cNvPr id="4" name="スライド番号プレースホルダー 3">
             <a:extLst>
               <a:ext uri="{FF2B5EF4-FFF2-40B4-BE49-F238E27FC236}">
-                <a16:creationId xmlns:a16="http://schemas.microsoft.com/office/drawing/2014/main" xmlns="" id="{AF30F06F-B6C9-459E-9D53-161CC5800883}"/>
+                <a16:creationId xmlns:a16="http://schemas.microsoft.com/office/drawing/2014/main" id="{AF30F06F-B6C9-459E-9D53-161CC5800883}"/>
               </a:ext>
             </a:extLst>
           </p:cNvPr>
@@ -2835,7 +2842,7 @@
           <p:cNvPr id="2" name="タイトル 1">
             <a:extLst>
               <a:ext uri="{FF2B5EF4-FFF2-40B4-BE49-F238E27FC236}">
-                <a16:creationId xmlns:a16="http://schemas.microsoft.com/office/drawing/2014/main" xmlns="" id="{94039C46-50B8-4DD5-BF93-3CBBC0EBABDC}"/>
+                <a16:creationId xmlns:a16="http://schemas.microsoft.com/office/drawing/2014/main" id="{94039C46-50B8-4DD5-BF93-3CBBC0EBABDC}"/>
               </a:ext>
             </a:extLst>
           </p:cNvPr>
@@ -2872,7 +2879,7 @@
           <p:cNvPr id="3" name="コンテンツ プレースホルダー 2">
             <a:extLst>
               <a:ext uri="{FF2B5EF4-FFF2-40B4-BE49-F238E27FC236}">
-                <a16:creationId xmlns:a16="http://schemas.microsoft.com/office/drawing/2014/main" xmlns="" id="{FAC67650-298A-4F61-B23F-88F3E8456AC1}"/>
+                <a16:creationId xmlns:a16="http://schemas.microsoft.com/office/drawing/2014/main" id="{FAC67650-298A-4F61-B23F-88F3E8456AC1}"/>
               </a:ext>
             </a:extLst>
           </p:cNvPr>
@@ -2994,7 +3001,7 @@
           <p:cNvPr id="4" name="テキスト プレースホルダー 3">
             <a:extLst>
               <a:ext uri="{FF2B5EF4-FFF2-40B4-BE49-F238E27FC236}">
-                <a16:creationId xmlns:a16="http://schemas.microsoft.com/office/drawing/2014/main" xmlns="" id="{ABAF77E6-1E08-4613-B05D-57C5EDE232F7}"/>
+                <a16:creationId xmlns:a16="http://schemas.microsoft.com/office/drawing/2014/main" id="{ABAF77E6-1E08-4613-B05D-57C5EDE232F7}"/>
               </a:ext>
             </a:extLst>
           </p:cNvPr>
@@ -3065,7 +3072,7 @@
           <p:cNvPr id="5" name="日付プレースホルダー 4">
             <a:extLst>
               <a:ext uri="{FF2B5EF4-FFF2-40B4-BE49-F238E27FC236}">
-                <a16:creationId xmlns:a16="http://schemas.microsoft.com/office/drawing/2014/main" xmlns="" id="{CD6E41A3-42D9-4D44-A093-4D97E3D0DEDF}"/>
+                <a16:creationId xmlns:a16="http://schemas.microsoft.com/office/drawing/2014/main" id="{CD6E41A3-42D9-4D44-A093-4D97E3D0DEDF}"/>
               </a:ext>
             </a:extLst>
           </p:cNvPr>
@@ -3083,7 +3090,7 @@
           <a:p>
             <a:fld id="{07081287-B7B6-4D06-92AC-65C5C199F8D4}" type="datetime1">
               <a:rPr kumimoji="1" lang="ja-JP" altLang="en-US" smtClean="0"/>
-              <a:t>2018/3/13</a:t>
+              <a:t>2019/8/23</a:t>
             </a:fld>
             <a:endParaRPr kumimoji="1" lang="ja-JP" altLang="en-US"/>
           </a:p>
@@ -3094,7 +3101,7 @@
           <p:cNvPr id="6" name="フッター プレースホルダー 5">
             <a:extLst>
               <a:ext uri="{FF2B5EF4-FFF2-40B4-BE49-F238E27FC236}">
-                <a16:creationId xmlns:a16="http://schemas.microsoft.com/office/drawing/2014/main" xmlns="" id="{35791E1E-DDBA-44B3-9ED6-75CDC9639CFF}"/>
+                <a16:creationId xmlns:a16="http://schemas.microsoft.com/office/drawing/2014/main" id="{35791E1E-DDBA-44B3-9ED6-75CDC9639CFF}"/>
               </a:ext>
             </a:extLst>
           </p:cNvPr>
@@ -3119,7 +3126,7 @@
           <p:cNvPr id="7" name="スライド番号プレースホルダー 6">
             <a:extLst>
               <a:ext uri="{FF2B5EF4-FFF2-40B4-BE49-F238E27FC236}">
-                <a16:creationId xmlns:a16="http://schemas.microsoft.com/office/drawing/2014/main" xmlns="" id="{1FA0BBAC-041B-4530-8DE5-67BB03F942B4}"/>
+                <a16:creationId xmlns:a16="http://schemas.microsoft.com/office/drawing/2014/main" id="{1FA0BBAC-041B-4530-8DE5-67BB03F942B4}"/>
               </a:ext>
             </a:extLst>
           </p:cNvPr>
@@ -3178,7 +3185,7 @@
           <p:cNvPr id="2" name="タイトル 1">
             <a:extLst>
               <a:ext uri="{FF2B5EF4-FFF2-40B4-BE49-F238E27FC236}">
-                <a16:creationId xmlns:a16="http://schemas.microsoft.com/office/drawing/2014/main" xmlns="" id="{D32961A6-5FD9-4DD1-9399-79025E702D77}"/>
+                <a16:creationId xmlns:a16="http://schemas.microsoft.com/office/drawing/2014/main" id="{D32961A6-5FD9-4DD1-9399-79025E702D77}"/>
               </a:ext>
             </a:extLst>
           </p:cNvPr>
@@ -3215,7 +3222,7 @@
           <p:cNvPr id="3" name="図プレースホルダー 2">
             <a:extLst>
               <a:ext uri="{FF2B5EF4-FFF2-40B4-BE49-F238E27FC236}">
-                <a16:creationId xmlns:a16="http://schemas.microsoft.com/office/drawing/2014/main" xmlns="" id="{D8E8218E-30F7-4056-BD7E-9E862E2C6EC8}"/>
+                <a16:creationId xmlns:a16="http://schemas.microsoft.com/office/drawing/2014/main" id="{D8E8218E-30F7-4056-BD7E-9E862E2C6EC8}"/>
               </a:ext>
             </a:extLst>
           </p:cNvPr>
@@ -3282,7 +3289,7 @@
           <p:cNvPr id="4" name="テキスト プレースホルダー 3">
             <a:extLst>
               <a:ext uri="{FF2B5EF4-FFF2-40B4-BE49-F238E27FC236}">
-                <a16:creationId xmlns:a16="http://schemas.microsoft.com/office/drawing/2014/main" xmlns="" id="{76A51302-49EB-4A71-8C42-03C06785F97F}"/>
+                <a16:creationId xmlns:a16="http://schemas.microsoft.com/office/drawing/2014/main" id="{76A51302-49EB-4A71-8C42-03C06785F97F}"/>
               </a:ext>
             </a:extLst>
           </p:cNvPr>
@@ -3353,7 +3360,7 @@
           <p:cNvPr id="5" name="日付プレースホルダー 4">
             <a:extLst>
               <a:ext uri="{FF2B5EF4-FFF2-40B4-BE49-F238E27FC236}">
-                <a16:creationId xmlns:a16="http://schemas.microsoft.com/office/drawing/2014/main" xmlns="" id="{122867D7-B298-4F34-BF60-7897C1D26B0C}"/>
+                <a16:creationId xmlns:a16="http://schemas.microsoft.com/office/drawing/2014/main" id="{122867D7-B298-4F34-BF60-7897C1D26B0C}"/>
               </a:ext>
             </a:extLst>
           </p:cNvPr>
@@ -3371,7 +3378,7 @@
           <a:p>
             <a:fld id="{F6E40CD1-55DA-4072-86C4-A863BC58A941}" type="datetime1">
               <a:rPr kumimoji="1" lang="ja-JP" altLang="en-US" smtClean="0"/>
-              <a:t>2018/3/13</a:t>
+              <a:t>2019/8/23</a:t>
             </a:fld>
             <a:endParaRPr kumimoji="1" lang="ja-JP" altLang="en-US"/>
           </a:p>
@@ -3382,7 +3389,7 @@
           <p:cNvPr id="6" name="フッター プレースホルダー 5">
             <a:extLst>
               <a:ext uri="{FF2B5EF4-FFF2-40B4-BE49-F238E27FC236}">
-                <a16:creationId xmlns:a16="http://schemas.microsoft.com/office/drawing/2014/main" xmlns="" id="{42E40EFE-69CF-4922-A072-21BEA5904E07}"/>
+                <a16:creationId xmlns:a16="http://schemas.microsoft.com/office/drawing/2014/main" id="{42E40EFE-69CF-4922-A072-21BEA5904E07}"/>
               </a:ext>
             </a:extLst>
           </p:cNvPr>
@@ -3407,7 +3414,7 @@
           <p:cNvPr id="7" name="スライド番号プレースホルダー 6">
             <a:extLst>
               <a:ext uri="{FF2B5EF4-FFF2-40B4-BE49-F238E27FC236}">
-                <a16:creationId xmlns:a16="http://schemas.microsoft.com/office/drawing/2014/main" xmlns="" id="{A23CBFBD-4D74-4C68-B5BD-F1D021B97C39}"/>
+                <a16:creationId xmlns:a16="http://schemas.microsoft.com/office/drawing/2014/main" id="{A23CBFBD-4D74-4C68-B5BD-F1D021B97C39}"/>
               </a:ext>
             </a:extLst>
           </p:cNvPr>
@@ -3471,7 +3478,7 @@
           <p:cNvPr id="2" name="タイトル プレースホルダー 1">
             <a:extLst>
               <a:ext uri="{FF2B5EF4-FFF2-40B4-BE49-F238E27FC236}">
-                <a16:creationId xmlns:a16="http://schemas.microsoft.com/office/drawing/2014/main" xmlns="" id="{ED3DF858-0510-483E-A45F-3B55021841E7}"/>
+                <a16:creationId xmlns:a16="http://schemas.microsoft.com/office/drawing/2014/main" id="{ED3DF858-0510-483E-A45F-3B55021841E7}"/>
               </a:ext>
             </a:extLst>
           </p:cNvPr>
@@ -3509,7 +3516,7 @@
           <p:cNvPr id="3" name="テキスト プレースホルダー 2">
             <a:extLst>
               <a:ext uri="{FF2B5EF4-FFF2-40B4-BE49-F238E27FC236}">
-                <a16:creationId xmlns:a16="http://schemas.microsoft.com/office/drawing/2014/main" xmlns="" id="{B1E53387-6A73-4453-AABC-8B3D4C31451B}"/>
+                <a16:creationId xmlns:a16="http://schemas.microsoft.com/office/drawing/2014/main" id="{B1E53387-6A73-4453-AABC-8B3D4C31451B}"/>
               </a:ext>
             </a:extLst>
           </p:cNvPr>
@@ -3608,7 +3615,7 @@
           <p:cNvPr id="4" name="日付プレースホルダー 3">
             <a:extLst>
               <a:ext uri="{FF2B5EF4-FFF2-40B4-BE49-F238E27FC236}">
-                <a16:creationId xmlns:a16="http://schemas.microsoft.com/office/drawing/2014/main" xmlns="" id="{FA47AD39-5B31-4CF5-81B8-8F59795ECFD0}"/>
+                <a16:creationId xmlns:a16="http://schemas.microsoft.com/office/drawing/2014/main" id="{FA47AD39-5B31-4CF5-81B8-8F59795ECFD0}"/>
               </a:ext>
             </a:extLst>
           </p:cNvPr>
@@ -3644,7 +3651,7 @@
           <a:p>
             <a:fld id="{73DA6C2B-08CB-4C9C-9AF4-BCD1DDC1A46D}" type="datetime1">
               <a:rPr kumimoji="1" lang="ja-JP" altLang="en-US" smtClean="0"/>
-              <a:t>2018/3/13</a:t>
+              <a:t>2019/8/23</a:t>
             </a:fld>
             <a:endParaRPr kumimoji="1" lang="ja-JP" altLang="en-US"/>
           </a:p>
@@ -3655,7 +3662,7 @@
           <p:cNvPr id="5" name="フッター プレースホルダー 4">
             <a:extLst>
               <a:ext uri="{FF2B5EF4-FFF2-40B4-BE49-F238E27FC236}">
-                <a16:creationId xmlns:a16="http://schemas.microsoft.com/office/drawing/2014/main" xmlns="" id="{1BF83D56-A9B3-4EDF-BFEA-EBC848414D02}"/>
+                <a16:creationId xmlns:a16="http://schemas.microsoft.com/office/drawing/2014/main" id="{1BF83D56-A9B3-4EDF-BFEA-EBC848414D02}"/>
               </a:ext>
             </a:extLst>
           </p:cNvPr>
@@ -3698,7 +3705,7 @@
           <p:cNvPr id="6" name="スライド番号プレースホルダー 5">
             <a:extLst>
               <a:ext uri="{FF2B5EF4-FFF2-40B4-BE49-F238E27FC236}">
-                <a16:creationId xmlns:a16="http://schemas.microsoft.com/office/drawing/2014/main" xmlns="" id="{BDCF5551-4BBA-4B6C-8390-6BC3D9EA83CE}"/>
+                <a16:creationId xmlns:a16="http://schemas.microsoft.com/office/drawing/2014/main" id="{BDCF5551-4BBA-4B6C-8390-6BC3D9EA83CE}"/>
               </a:ext>
             </a:extLst>
           </p:cNvPr>
@@ -4067,7 +4074,7 @@
           <p:cNvPr id="6" name="テキスト ボックス 5">
             <a:extLst>
               <a:ext uri="{FF2B5EF4-FFF2-40B4-BE49-F238E27FC236}">
-                <a16:creationId xmlns:a16="http://schemas.microsoft.com/office/drawing/2014/main" xmlns="" id="{1F0A6FEE-5F30-47CD-92B6-24311CE0EC92}"/>
+                <a16:creationId xmlns:a16="http://schemas.microsoft.com/office/drawing/2014/main" id="{1F0A6FEE-5F30-47CD-92B6-24311CE0EC92}"/>
               </a:ext>
             </a:extLst>
           </p:cNvPr>
@@ -4106,7 +4113,7 @@
           <p:cNvPr id="2" name="正方形/長方形 1">
             <a:extLst>
               <a:ext uri="{FF2B5EF4-FFF2-40B4-BE49-F238E27FC236}">
-                <a16:creationId xmlns:a16="http://schemas.microsoft.com/office/drawing/2014/main" xmlns="" id="{A3839584-586E-4BF7-B7D0-CF7E5BDF7807}"/>
+                <a16:creationId xmlns:a16="http://schemas.microsoft.com/office/drawing/2014/main" id="{A3839584-586E-4BF7-B7D0-CF7E5BDF7807}"/>
               </a:ext>
             </a:extLst>
           </p:cNvPr>
@@ -4149,7 +4156,7 @@
           <p:cNvPr id="5" name="スライド番号プレースホルダー 4">
             <a:extLst>
               <a:ext uri="{FF2B5EF4-FFF2-40B4-BE49-F238E27FC236}">
-                <a16:creationId xmlns:a16="http://schemas.microsoft.com/office/drawing/2014/main" xmlns="" id="{74F80834-6ECE-4BE4-BFEB-0C8DB3022436}"/>
+                <a16:creationId xmlns:a16="http://schemas.microsoft.com/office/drawing/2014/main" id="{74F80834-6ECE-4BE4-BFEB-0C8DB3022436}"/>
               </a:ext>
             </a:extLst>
           </p:cNvPr>
@@ -4178,7 +4185,7 @@
           <p:cNvPr id="7" name="正方形/長方形 6">
             <a:extLst>
               <a:ext uri="{FF2B5EF4-FFF2-40B4-BE49-F238E27FC236}">
-                <a16:creationId xmlns:a16="http://schemas.microsoft.com/office/drawing/2014/main" xmlns="" id="{13A77C0C-D94F-40AE-B718-6F4E2F995363}"/>
+                <a16:creationId xmlns:a16="http://schemas.microsoft.com/office/drawing/2014/main" id="{13A77C0C-D94F-40AE-B718-6F4E2F995363}"/>
               </a:ext>
             </a:extLst>
           </p:cNvPr>
@@ -4264,7 +4271,7 @@
           <p:cNvPr id="5" name="Shape 130">
             <a:extLst>
               <a:ext uri="{FF2B5EF4-FFF2-40B4-BE49-F238E27FC236}">
-                <a16:creationId xmlns:a16="http://schemas.microsoft.com/office/drawing/2014/main" xmlns="" id="{A6551EB4-F459-4E50-83D7-2A1C930077BE}"/>
+                <a16:creationId xmlns:a16="http://schemas.microsoft.com/office/drawing/2014/main" id="{A6551EB4-F459-4E50-83D7-2A1C930077BE}"/>
               </a:ext>
             </a:extLst>
           </p:cNvPr>
@@ -4284,7 +4291,7 @@
           </a:ln>
           <a:extLst>
             <a:ext uri="{C572A759-6A51-4108-AA02-DFA0A04FC94B}">
-              <ma14:wrappingTextBoxFlag xmlns="" xmlns:ma14="http://schemas.microsoft.com/office/mac/drawingml/2011/main" val="1"/>
+              <ma14:wrappingTextBoxFlag xmlns:ma14="http://schemas.microsoft.com/office/mac/drawingml/2011/main" xmlns="" val="1"/>
             </a:ext>
           </a:extLst>
         </p:spPr>
@@ -4323,7 +4330,7 @@
           <p:cNvPr id="11" name="グループ化 10">
             <a:extLst>
               <a:ext uri="{FF2B5EF4-FFF2-40B4-BE49-F238E27FC236}">
-                <a16:creationId xmlns:a16="http://schemas.microsoft.com/office/drawing/2014/main" xmlns="" id="{B4E2F169-03F3-4680-BA1F-45A5838757EF}"/>
+                <a16:creationId xmlns:a16="http://schemas.microsoft.com/office/drawing/2014/main" id="{B4E2F169-03F3-4680-BA1F-45A5838757EF}"/>
               </a:ext>
             </a:extLst>
           </p:cNvPr>
@@ -4343,7 +4350,7 @@
             <p:cNvPr id="12" name="テキスト ボックス 11">
               <a:extLst>
                 <a:ext uri="{FF2B5EF4-FFF2-40B4-BE49-F238E27FC236}">
-                  <a16:creationId xmlns:a16="http://schemas.microsoft.com/office/drawing/2014/main" xmlns="" id="{0D11EFDA-27C4-40BD-8626-636B84B8DEE1}"/>
+                  <a16:creationId xmlns:a16="http://schemas.microsoft.com/office/drawing/2014/main" id="{0D11EFDA-27C4-40BD-8626-636B84B8DEE1}"/>
                 </a:ext>
               </a:extLst>
             </p:cNvPr>
@@ -4378,7 +4385,7 @@
             <p:cNvPr id="13" name="テキスト ボックス 12">
               <a:extLst>
                 <a:ext uri="{FF2B5EF4-FFF2-40B4-BE49-F238E27FC236}">
-                  <a16:creationId xmlns:a16="http://schemas.microsoft.com/office/drawing/2014/main" xmlns="" id="{4E69986D-F807-4D87-B340-459EDA276EEB}"/>
+                  <a16:creationId xmlns:a16="http://schemas.microsoft.com/office/drawing/2014/main" id="{4E69986D-F807-4D87-B340-459EDA276EEB}"/>
                 </a:ext>
               </a:extLst>
             </p:cNvPr>
@@ -4414,7 +4421,7 @@
           <p:cNvPr id="2" name="グループ化 1">
             <a:extLst>
               <a:ext uri="{FF2B5EF4-FFF2-40B4-BE49-F238E27FC236}">
-                <a16:creationId xmlns:a16="http://schemas.microsoft.com/office/drawing/2014/main" xmlns="" id="{BDB04426-35FB-4250-BFB1-BB0C7F6722A7}"/>
+                <a16:creationId xmlns:a16="http://schemas.microsoft.com/office/drawing/2014/main" id="{BDB04426-35FB-4250-BFB1-BB0C7F6722A7}"/>
               </a:ext>
             </a:extLst>
           </p:cNvPr>
@@ -4434,7 +4441,7 @@
             <p:cNvPr id="8" name="図 7">
               <a:extLst>
                 <a:ext uri="{FF2B5EF4-FFF2-40B4-BE49-F238E27FC236}">
-                  <a16:creationId xmlns:a16="http://schemas.microsoft.com/office/drawing/2014/main" xmlns="" id="{C05D2F57-AFD8-4EB0-89F3-2209FA001225}"/>
+                  <a16:creationId xmlns:a16="http://schemas.microsoft.com/office/drawing/2014/main" id="{C05D2F57-AFD8-4EB0-89F3-2209FA001225}"/>
                 </a:ext>
               </a:extLst>
             </p:cNvPr>
@@ -4469,7 +4476,7 @@
             <p:cNvPr id="9" name="図 8">
               <a:extLst>
                 <a:ext uri="{FF2B5EF4-FFF2-40B4-BE49-F238E27FC236}">
-                  <a16:creationId xmlns:a16="http://schemas.microsoft.com/office/drawing/2014/main" xmlns="" id="{105F8564-ACD4-49A1-80CB-7929F5C3F342}"/>
+                  <a16:creationId xmlns:a16="http://schemas.microsoft.com/office/drawing/2014/main" id="{105F8564-ACD4-49A1-80CB-7929F5C3F342}"/>
                 </a:ext>
               </a:extLst>
             </p:cNvPr>
@@ -4504,7 +4511,7 @@
             <p:cNvPr id="17" name="直線矢印コネクタ 16">
               <a:extLst>
                 <a:ext uri="{FF2B5EF4-FFF2-40B4-BE49-F238E27FC236}">
-                  <a16:creationId xmlns:a16="http://schemas.microsoft.com/office/drawing/2014/main" xmlns="" id="{9DD38C90-B990-4CEB-B0D5-0114A7E300B0}"/>
+                  <a16:creationId xmlns:a16="http://schemas.microsoft.com/office/drawing/2014/main" id="{9DD38C90-B990-4CEB-B0D5-0114A7E300B0}"/>
                 </a:ext>
               </a:extLst>
             </p:cNvPr>
@@ -4551,7 +4558,7 @@
             <p:cNvPr id="18" name="四角形: 角を丸くする 17">
               <a:extLst>
                 <a:ext uri="{FF2B5EF4-FFF2-40B4-BE49-F238E27FC236}">
-                  <a16:creationId xmlns:a16="http://schemas.microsoft.com/office/drawing/2014/main" xmlns="" id="{2AD8E54A-001B-4D58-9C4A-170D9DA8D902}"/>
+                  <a16:creationId xmlns:a16="http://schemas.microsoft.com/office/drawing/2014/main" id="{2AD8E54A-001B-4D58-9C4A-170D9DA8D902}"/>
                 </a:ext>
               </a:extLst>
             </p:cNvPr>
@@ -4604,7 +4611,7 @@
           <p:cNvPr id="7" name="スライド番号プレースホルダー 6">
             <a:extLst>
               <a:ext uri="{FF2B5EF4-FFF2-40B4-BE49-F238E27FC236}">
-                <a16:creationId xmlns:a16="http://schemas.microsoft.com/office/drawing/2014/main" xmlns="" id="{7B73F269-FAEF-4A56-818E-4FDE979D9718}"/>
+                <a16:creationId xmlns:a16="http://schemas.microsoft.com/office/drawing/2014/main" id="{7B73F269-FAEF-4A56-818E-4FDE979D9718}"/>
               </a:ext>
             </a:extLst>
           </p:cNvPr>
@@ -4633,7 +4640,7 @@
           <p:cNvPr id="14" name="図 13">
             <a:extLst>
               <a:ext uri="{FF2B5EF4-FFF2-40B4-BE49-F238E27FC236}">
-                <a16:creationId xmlns:a16="http://schemas.microsoft.com/office/drawing/2014/main" xmlns="" id="{3930A7CB-6395-4AC1-9969-7FE43FB63EA6}"/>
+                <a16:creationId xmlns:a16="http://schemas.microsoft.com/office/drawing/2014/main" id="{3930A7CB-6395-4AC1-9969-7FE43FB63EA6}"/>
               </a:ext>
             </a:extLst>
           </p:cNvPr>
@@ -4668,7 +4675,7 @@
           <p:cNvPr id="15" name="グループ化 14">
             <a:extLst>
               <a:ext uri="{FF2B5EF4-FFF2-40B4-BE49-F238E27FC236}">
-                <a16:creationId xmlns:a16="http://schemas.microsoft.com/office/drawing/2014/main" xmlns="" id="{AC8C9B13-8E91-4D5E-95C8-DE61288A0081}"/>
+                <a16:creationId xmlns:a16="http://schemas.microsoft.com/office/drawing/2014/main" id="{AC8C9B13-8E91-4D5E-95C8-DE61288A0081}"/>
               </a:ext>
             </a:extLst>
           </p:cNvPr>
@@ -4688,7 +4695,7 @@
             <p:cNvPr id="16" name="テキスト ボックス 15">
               <a:extLst>
                 <a:ext uri="{FF2B5EF4-FFF2-40B4-BE49-F238E27FC236}">
-                  <a16:creationId xmlns:a16="http://schemas.microsoft.com/office/drawing/2014/main" xmlns="" id="{2F613B5F-EC4A-4843-8FDD-CC2844C6CA4D}"/>
+                  <a16:creationId xmlns:a16="http://schemas.microsoft.com/office/drawing/2014/main" id="{2F613B5F-EC4A-4843-8FDD-CC2844C6CA4D}"/>
                 </a:ext>
               </a:extLst>
             </p:cNvPr>
@@ -4730,7 +4737,7 @@
             <p:cNvPr id="19" name="テキスト ボックス 18">
               <a:extLst>
                 <a:ext uri="{FF2B5EF4-FFF2-40B4-BE49-F238E27FC236}">
-                  <a16:creationId xmlns:a16="http://schemas.microsoft.com/office/drawing/2014/main" xmlns="" id="{89143030-FC50-4FE3-BEB3-0B48240B954C}"/>
+                  <a16:creationId xmlns:a16="http://schemas.microsoft.com/office/drawing/2014/main" id="{89143030-FC50-4FE3-BEB3-0B48240B954C}"/>
                 </a:ext>
               </a:extLst>
             </p:cNvPr>
@@ -4766,7 +4773,7 @@
           <p:cNvPr id="21" name="四角形: 角を丸くする 20">
             <a:extLst>
               <a:ext uri="{FF2B5EF4-FFF2-40B4-BE49-F238E27FC236}">
-                <a16:creationId xmlns:a16="http://schemas.microsoft.com/office/drawing/2014/main" xmlns="" id="{935EDAA2-F0D3-4A1D-9ED1-B14399E908C4}"/>
+                <a16:creationId xmlns:a16="http://schemas.microsoft.com/office/drawing/2014/main" id="{935EDAA2-F0D3-4A1D-9ED1-B14399E908C4}"/>
               </a:ext>
             </a:extLst>
           </p:cNvPr>
@@ -4950,7 +4957,7 @@
           <p:cNvPr id="5" name="Shape 130">
             <a:extLst>
               <a:ext uri="{FF2B5EF4-FFF2-40B4-BE49-F238E27FC236}">
-                <a16:creationId xmlns:a16="http://schemas.microsoft.com/office/drawing/2014/main" xmlns="" id="{A6551EB4-F459-4E50-83D7-2A1C930077BE}"/>
+                <a16:creationId xmlns:a16="http://schemas.microsoft.com/office/drawing/2014/main" id="{A6551EB4-F459-4E50-83D7-2A1C930077BE}"/>
               </a:ext>
             </a:extLst>
           </p:cNvPr>
@@ -4970,7 +4977,7 @@
           </a:ln>
           <a:extLst>
             <a:ext uri="{C572A759-6A51-4108-AA02-DFA0A04FC94B}">
-              <ma14:wrappingTextBoxFlag xmlns="" xmlns:ma14="http://schemas.microsoft.com/office/mac/drawingml/2011/main" val="1"/>
+              <ma14:wrappingTextBoxFlag xmlns:ma14="http://schemas.microsoft.com/office/mac/drawingml/2011/main" xmlns="" val="1"/>
             </a:ext>
           </a:extLst>
         </p:spPr>
@@ -5020,7 +5027,7 @@
           <p:cNvPr id="3" name="図 2">
             <a:extLst>
               <a:ext uri="{FF2B5EF4-FFF2-40B4-BE49-F238E27FC236}">
-                <a16:creationId xmlns:a16="http://schemas.microsoft.com/office/drawing/2014/main" xmlns="" id="{9B9CA9C3-69FD-4986-96A5-97939ACB448F}"/>
+                <a16:creationId xmlns:a16="http://schemas.microsoft.com/office/drawing/2014/main" id="{9B9CA9C3-69FD-4986-96A5-97939ACB448F}"/>
               </a:ext>
             </a:extLst>
           </p:cNvPr>
@@ -5056,7 +5063,7 @@
           <p:cNvPr id="6" name="グループ化 5">
             <a:extLst>
               <a:ext uri="{FF2B5EF4-FFF2-40B4-BE49-F238E27FC236}">
-                <a16:creationId xmlns:a16="http://schemas.microsoft.com/office/drawing/2014/main" xmlns="" id="{6F84EC2F-F836-42DD-9FBD-517DD49362A7}"/>
+                <a16:creationId xmlns:a16="http://schemas.microsoft.com/office/drawing/2014/main" id="{6F84EC2F-F836-42DD-9FBD-517DD49362A7}"/>
               </a:ext>
             </a:extLst>
           </p:cNvPr>
@@ -5076,7 +5083,7 @@
             <p:cNvPr id="7" name="テキスト ボックス 6">
               <a:extLst>
                 <a:ext uri="{FF2B5EF4-FFF2-40B4-BE49-F238E27FC236}">
-                  <a16:creationId xmlns:a16="http://schemas.microsoft.com/office/drawing/2014/main" xmlns="" id="{67AE9326-F786-46C2-861C-448B33CBDCBA}"/>
+                  <a16:creationId xmlns:a16="http://schemas.microsoft.com/office/drawing/2014/main" id="{67AE9326-F786-46C2-861C-448B33CBDCBA}"/>
                 </a:ext>
               </a:extLst>
             </p:cNvPr>
@@ -5115,7 +5122,7 @@
             <p:cNvPr id="8" name="テキスト ボックス 7">
               <a:extLst>
                 <a:ext uri="{FF2B5EF4-FFF2-40B4-BE49-F238E27FC236}">
-                  <a16:creationId xmlns:a16="http://schemas.microsoft.com/office/drawing/2014/main" xmlns="" id="{DC09286D-2B5B-49AA-B5CB-18C85519606F}"/>
+                  <a16:creationId xmlns:a16="http://schemas.microsoft.com/office/drawing/2014/main" id="{DC09286D-2B5B-49AA-B5CB-18C85519606F}"/>
                 </a:ext>
               </a:extLst>
             </p:cNvPr>
@@ -5151,7 +5158,7 @@
           <p:cNvPr id="9" name="グループ化 8">
             <a:extLst>
               <a:ext uri="{FF2B5EF4-FFF2-40B4-BE49-F238E27FC236}">
-                <a16:creationId xmlns:a16="http://schemas.microsoft.com/office/drawing/2014/main" xmlns="" id="{B86FED5F-B603-4FCA-B759-9A5AA9CF2CD6}"/>
+                <a16:creationId xmlns:a16="http://schemas.microsoft.com/office/drawing/2014/main" id="{B86FED5F-B603-4FCA-B759-9A5AA9CF2CD6}"/>
               </a:ext>
             </a:extLst>
           </p:cNvPr>
@@ -5171,7 +5178,7 @@
             <p:cNvPr id="10" name="テキスト ボックス 9">
               <a:extLst>
                 <a:ext uri="{FF2B5EF4-FFF2-40B4-BE49-F238E27FC236}">
-                  <a16:creationId xmlns:a16="http://schemas.microsoft.com/office/drawing/2014/main" xmlns="" id="{DC6F4582-271D-45FB-A5DD-314A34A012EA}"/>
+                  <a16:creationId xmlns:a16="http://schemas.microsoft.com/office/drawing/2014/main" id="{DC6F4582-271D-45FB-A5DD-314A34A012EA}"/>
                 </a:ext>
               </a:extLst>
             </p:cNvPr>
@@ -5214,7 +5221,7 @@
             <p:cNvPr id="11" name="テキスト ボックス 10">
               <a:extLst>
                 <a:ext uri="{FF2B5EF4-FFF2-40B4-BE49-F238E27FC236}">
-                  <a16:creationId xmlns:a16="http://schemas.microsoft.com/office/drawing/2014/main" xmlns="" id="{86BD7177-49E9-4B25-8755-04EA05903387}"/>
+                  <a16:creationId xmlns:a16="http://schemas.microsoft.com/office/drawing/2014/main" id="{86BD7177-49E9-4B25-8755-04EA05903387}"/>
                 </a:ext>
               </a:extLst>
             </p:cNvPr>
@@ -5250,7 +5257,7 @@
           <p:cNvPr id="12" name="四角形: 角を丸くする 11">
             <a:extLst>
               <a:ext uri="{FF2B5EF4-FFF2-40B4-BE49-F238E27FC236}">
-                <a16:creationId xmlns:a16="http://schemas.microsoft.com/office/drawing/2014/main" xmlns="" id="{5763BFFB-2033-4515-BBA7-7752EFD4157B}"/>
+                <a16:creationId xmlns:a16="http://schemas.microsoft.com/office/drawing/2014/main" id="{5763BFFB-2033-4515-BBA7-7752EFD4157B}"/>
               </a:ext>
             </a:extLst>
           </p:cNvPr>
@@ -5302,7 +5309,7 @@
           <p:cNvPr id="2" name="図 1">
             <a:extLst>
               <a:ext uri="{FF2B5EF4-FFF2-40B4-BE49-F238E27FC236}">
-                <a16:creationId xmlns:a16="http://schemas.microsoft.com/office/drawing/2014/main" xmlns="" id="{9D6CFF3B-6013-4497-B8BC-63BA07D55EA3}"/>
+                <a16:creationId xmlns:a16="http://schemas.microsoft.com/office/drawing/2014/main" id="{9D6CFF3B-6013-4497-B8BC-63BA07D55EA3}"/>
               </a:ext>
             </a:extLst>
           </p:cNvPr>
@@ -5338,7 +5345,7 @@
           <p:cNvPr id="13" name="四角形: 角を丸くする 12">
             <a:extLst>
               <a:ext uri="{FF2B5EF4-FFF2-40B4-BE49-F238E27FC236}">
-                <a16:creationId xmlns:a16="http://schemas.microsoft.com/office/drawing/2014/main" xmlns="" id="{C1FDBAAF-FA3B-445B-98B6-E17047FF16CD}"/>
+                <a16:creationId xmlns:a16="http://schemas.microsoft.com/office/drawing/2014/main" id="{C1FDBAAF-FA3B-445B-98B6-E17047FF16CD}"/>
               </a:ext>
             </a:extLst>
           </p:cNvPr>
@@ -5390,7 +5397,7 @@
           <p:cNvPr id="14" name="直線矢印コネクタ 13">
             <a:extLst>
               <a:ext uri="{FF2B5EF4-FFF2-40B4-BE49-F238E27FC236}">
-                <a16:creationId xmlns:a16="http://schemas.microsoft.com/office/drawing/2014/main" xmlns="" id="{54311BD0-83AC-45C7-AA8D-22A0745E1EB1}"/>
+                <a16:creationId xmlns:a16="http://schemas.microsoft.com/office/drawing/2014/main" id="{54311BD0-83AC-45C7-AA8D-22A0745E1EB1}"/>
               </a:ext>
             </a:extLst>
           </p:cNvPr>
@@ -5436,7 +5443,7 @@
           <p:cNvPr id="17" name="スライド番号プレースホルダー 16">
             <a:extLst>
               <a:ext uri="{FF2B5EF4-FFF2-40B4-BE49-F238E27FC236}">
-                <a16:creationId xmlns:a16="http://schemas.microsoft.com/office/drawing/2014/main" xmlns="" id="{E31FFEAF-A325-4EC2-886C-F2CC12EB108D}"/>
+                <a16:creationId xmlns:a16="http://schemas.microsoft.com/office/drawing/2014/main" id="{E31FFEAF-A325-4EC2-886C-F2CC12EB108D}"/>
               </a:ext>
             </a:extLst>
           </p:cNvPr>
@@ -5470,7 +5477,7 @@
           <p:cNvPr id="4" name="正方形/長方形 3">
             <a:extLst>
               <a:ext uri="{FF2B5EF4-FFF2-40B4-BE49-F238E27FC236}">
-                <a16:creationId xmlns:a16="http://schemas.microsoft.com/office/drawing/2014/main" xmlns="" id="{58E206A3-2358-46FC-A27F-62C288D6AD23}"/>
+                <a16:creationId xmlns:a16="http://schemas.microsoft.com/office/drawing/2014/main" id="{58E206A3-2358-46FC-A27F-62C288D6AD23}"/>
               </a:ext>
             </a:extLst>
           </p:cNvPr>
@@ -5561,7 +5568,7 @@
           <p:cNvPr id="5" name="Shape 130">
             <a:extLst>
               <a:ext uri="{FF2B5EF4-FFF2-40B4-BE49-F238E27FC236}">
-                <a16:creationId xmlns:a16="http://schemas.microsoft.com/office/drawing/2014/main" xmlns="" id="{A6551EB4-F459-4E50-83D7-2A1C930077BE}"/>
+                <a16:creationId xmlns:a16="http://schemas.microsoft.com/office/drawing/2014/main" id="{A6551EB4-F459-4E50-83D7-2A1C930077BE}"/>
               </a:ext>
             </a:extLst>
           </p:cNvPr>
@@ -5581,7 +5588,7 @@
           </a:ln>
           <a:extLst>
             <a:ext uri="{C572A759-6A51-4108-AA02-DFA0A04FC94B}">
-              <ma14:wrappingTextBoxFlag xmlns="" xmlns:ma14="http://schemas.microsoft.com/office/mac/drawingml/2011/main" val="1"/>
+              <ma14:wrappingTextBoxFlag xmlns:ma14="http://schemas.microsoft.com/office/mac/drawingml/2011/main" xmlns="" val="1"/>
             </a:ext>
           </a:extLst>
         </p:spPr>
@@ -5631,7 +5638,7 @@
           <p:cNvPr id="4" name="図 3">
             <a:extLst>
               <a:ext uri="{FF2B5EF4-FFF2-40B4-BE49-F238E27FC236}">
-                <a16:creationId xmlns:a16="http://schemas.microsoft.com/office/drawing/2014/main" xmlns="" id="{EA6F2121-1C1D-45BD-B501-A58040ECF123}"/>
+                <a16:creationId xmlns:a16="http://schemas.microsoft.com/office/drawing/2014/main" id="{EA6F2121-1C1D-45BD-B501-A58040ECF123}"/>
               </a:ext>
             </a:extLst>
           </p:cNvPr>
@@ -5667,7 +5674,7 @@
           <p:cNvPr id="6" name="グループ化 5">
             <a:extLst>
               <a:ext uri="{FF2B5EF4-FFF2-40B4-BE49-F238E27FC236}">
-                <a16:creationId xmlns:a16="http://schemas.microsoft.com/office/drawing/2014/main" xmlns="" id="{445C4387-A8D3-4FC2-BC8E-95BFDF2A4677}"/>
+                <a16:creationId xmlns:a16="http://schemas.microsoft.com/office/drawing/2014/main" id="{445C4387-A8D3-4FC2-BC8E-95BFDF2A4677}"/>
               </a:ext>
             </a:extLst>
           </p:cNvPr>
@@ -5687,7 +5694,7 @@
             <p:cNvPr id="7" name="テキスト ボックス 6">
               <a:extLst>
                 <a:ext uri="{FF2B5EF4-FFF2-40B4-BE49-F238E27FC236}">
-                  <a16:creationId xmlns:a16="http://schemas.microsoft.com/office/drawing/2014/main" xmlns="" id="{D95B215A-84BC-4F52-ACF2-73C1B8EF1C3D}"/>
+                  <a16:creationId xmlns:a16="http://schemas.microsoft.com/office/drawing/2014/main" id="{D95B215A-84BC-4F52-ACF2-73C1B8EF1C3D}"/>
                 </a:ext>
               </a:extLst>
             </p:cNvPr>
@@ -5730,7 +5737,7 @@
             <p:cNvPr id="8" name="テキスト ボックス 7">
               <a:extLst>
                 <a:ext uri="{FF2B5EF4-FFF2-40B4-BE49-F238E27FC236}">
-                  <a16:creationId xmlns:a16="http://schemas.microsoft.com/office/drawing/2014/main" xmlns="" id="{8B09DBF2-66F5-4F29-9999-092CB5C885EE}"/>
+                  <a16:creationId xmlns:a16="http://schemas.microsoft.com/office/drawing/2014/main" id="{8B09DBF2-66F5-4F29-9999-092CB5C885EE}"/>
                 </a:ext>
               </a:extLst>
             </p:cNvPr>
@@ -5763,7 +5770,7 @@
           <p:cNvPr id="9" name="四角形: 角を丸くする 8">
             <a:extLst>
               <a:ext uri="{FF2B5EF4-FFF2-40B4-BE49-F238E27FC236}">
-                <a16:creationId xmlns:a16="http://schemas.microsoft.com/office/drawing/2014/main" xmlns="" id="{4FD7D87D-A621-47D9-9D2D-4DC87F460DB8}"/>
+                <a16:creationId xmlns:a16="http://schemas.microsoft.com/office/drawing/2014/main" id="{4FD7D87D-A621-47D9-9D2D-4DC87F460DB8}"/>
               </a:ext>
             </a:extLst>
           </p:cNvPr>
@@ -5815,7 +5822,7 @@
           <p:cNvPr id="10" name="直線矢印コネクタ 9">
             <a:extLst>
               <a:ext uri="{FF2B5EF4-FFF2-40B4-BE49-F238E27FC236}">
-                <a16:creationId xmlns:a16="http://schemas.microsoft.com/office/drawing/2014/main" xmlns="" id="{CBF9C8E6-B67E-4699-A5D9-3A0FBD795F18}"/>
+                <a16:creationId xmlns:a16="http://schemas.microsoft.com/office/drawing/2014/main" id="{CBF9C8E6-B67E-4699-A5D9-3A0FBD795F18}"/>
               </a:ext>
             </a:extLst>
           </p:cNvPr>
@@ -5861,7 +5868,7 @@
           <p:cNvPr id="13" name="スライド番号プレースホルダー 12">
             <a:extLst>
               <a:ext uri="{FF2B5EF4-FFF2-40B4-BE49-F238E27FC236}">
-                <a16:creationId xmlns:a16="http://schemas.microsoft.com/office/drawing/2014/main" xmlns="" id="{E13DA7B2-9032-4C37-9AFA-D2AB1A819A78}"/>
+                <a16:creationId xmlns:a16="http://schemas.microsoft.com/office/drawing/2014/main" id="{E13DA7B2-9032-4C37-9AFA-D2AB1A819A78}"/>
               </a:ext>
             </a:extLst>
           </p:cNvPr>
@@ -5920,7 +5927,7 @@
           <p:cNvPr id="5" name="Shape 130">
             <a:extLst>
               <a:ext uri="{FF2B5EF4-FFF2-40B4-BE49-F238E27FC236}">
-                <a16:creationId xmlns:a16="http://schemas.microsoft.com/office/drawing/2014/main" xmlns="" id="{A6551EB4-F459-4E50-83D7-2A1C930077BE}"/>
+                <a16:creationId xmlns:a16="http://schemas.microsoft.com/office/drawing/2014/main" id="{A6551EB4-F459-4E50-83D7-2A1C930077BE}"/>
               </a:ext>
             </a:extLst>
           </p:cNvPr>
@@ -5940,7 +5947,7 @@
           </a:ln>
           <a:extLst>
             <a:ext uri="{C572A759-6A51-4108-AA02-DFA0A04FC94B}">
-              <ma14:wrappingTextBoxFlag xmlns="" xmlns:ma14="http://schemas.microsoft.com/office/mac/drawingml/2011/main" val="1"/>
+              <ma14:wrappingTextBoxFlag xmlns:ma14="http://schemas.microsoft.com/office/mac/drawingml/2011/main" xmlns="" val="1"/>
             </a:ext>
           </a:extLst>
         </p:spPr>
@@ -5982,7 +5989,7 @@
           <p:cNvPr id="2" name="図 1">
             <a:extLst>
               <a:ext uri="{FF2B5EF4-FFF2-40B4-BE49-F238E27FC236}">
-                <a16:creationId xmlns:a16="http://schemas.microsoft.com/office/drawing/2014/main" xmlns="" id="{7C4AC2DE-0324-44EA-995F-099F4534B033}"/>
+                <a16:creationId xmlns:a16="http://schemas.microsoft.com/office/drawing/2014/main" id="{7C4AC2DE-0324-44EA-995F-099F4534B033}"/>
               </a:ext>
             </a:extLst>
           </p:cNvPr>
@@ -6018,7 +6025,7 @@
           <p:cNvPr id="6" name="グループ化 5">
             <a:extLst>
               <a:ext uri="{FF2B5EF4-FFF2-40B4-BE49-F238E27FC236}">
-                <a16:creationId xmlns:a16="http://schemas.microsoft.com/office/drawing/2014/main" xmlns="" id="{943C2C8B-F6E3-42B9-82A9-EAF4154E803F}"/>
+                <a16:creationId xmlns:a16="http://schemas.microsoft.com/office/drawing/2014/main" id="{943C2C8B-F6E3-42B9-82A9-EAF4154E803F}"/>
               </a:ext>
             </a:extLst>
           </p:cNvPr>
@@ -6038,7 +6045,7 @@
             <p:cNvPr id="7" name="テキスト ボックス 6">
               <a:extLst>
                 <a:ext uri="{FF2B5EF4-FFF2-40B4-BE49-F238E27FC236}">
-                  <a16:creationId xmlns:a16="http://schemas.microsoft.com/office/drawing/2014/main" xmlns="" id="{1C5D8D82-CA7B-4385-B95F-E5BB4251EB69}"/>
+                  <a16:creationId xmlns:a16="http://schemas.microsoft.com/office/drawing/2014/main" id="{1C5D8D82-CA7B-4385-B95F-E5BB4251EB69}"/>
                 </a:ext>
               </a:extLst>
             </p:cNvPr>
@@ -6073,7 +6080,7 @@
             <p:cNvPr id="8" name="テキスト ボックス 7">
               <a:extLst>
                 <a:ext uri="{FF2B5EF4-FFF2-40B4-BE49-F238E27FC236}">
-                  <a16:creationId xmlns:a16="http://schemas.microsoft.com/office/drawing/2014/main" xmlns="" id="{259BB4CA-83D3-478A-AA82-ED2DE7631B4B}"/>
+                  <a16:creationId xmlns:a16="http://schemas.microsoft.com/office/drawing/2014/main" id="{259BB4CA-83D3-478A-AA82-ED2DE7631B4B}"/>
                 </a:ext>
               </a:extLst>
             </p:cNvPr>
@@ -6109,7 +6116,7 @@
           <p:cNvPr id="4" name="四角形: 角を丸くする 3">
             <a:extLst>
               <a:ext uri="{FF2B5EF4-FFF2-40B4-BE49-F238E27FC236}">
-                <a16:creationId xmlns:a16="http://schemas.microsoft.com/office/drawing/2014/main" xmlns="" id="{56D9F661-7B32-47FD-AF1B-0CD3575AD2F7}"/>
+                <a16:creationId xmlns:a16="http://schemas.microsoft.com/office/drawing/2014/main" id="{56D9F661-7B32-47FD-AF1B-0CD3575AD2F7}"/>
               </a:ext>
             </a:extLst>
           </p:cNvPr>
@@ -6161,7 +6168,7 @@
           <p:cNvPr id="9" name="グループ化 8">
             <a:extLst>
               <a:ext uri="{FF2B5EF4-FFF2-40B4-BE49-F238E27FC236}">
-                <a16:creationId xmlns:a16="http://schemas.microsoft.com/office/drawing/2014/main" xmlns="" id="{86D82EFD-4ACD-44BF-B3D2-B8507B69F61C}"/>
+                <a16:creationId xmlns:a16="http://schemas.microsoft.com/office/drawing/2014/main" id="{86D82EFD-4ACD-44BF-B3D2-B8507B69F61C}"/>
               </a:ext>
             </a:extLst>
           </p:cNvPr>
@@ -6181,7 +6188,7 @@
             <p:cNvPr id="10" name="テキスト ボックス 9">
               <a:extLst>
                 <a:ext uri="{FF2B5EF4-FFF2-40B4-BE49-F238E27FC236}">
-                  <a16:creationId xmlns:a16="http://schemas.microsoft.com/office/drawing/2014/main" xmlns="" id="{463D7975-6A96-4A74-BC0F-53A33FAD28C4}"/>
+                  <a16:creationId xmlns:a16="http://schemas.microsoft.com/office/drawing/2014/main" id="{463D7975-6A96-4A74-BC0F-53A33FAD28C4}"/>
                 </a:ext>
               </a:extLst>
             </p:cNvPr>
@@ -6230,7 +6237,7 @@
             <p:cNvPr id="11" name="テキスト ボックス 10">
               <a:extLst>
                 <a:ext uri="{FF2B5EF4-FFF2-40B4-BE49-F238E27FC236}">
-                  <a16:creationId xmlns:a16="http://schemas.microsoft.com/office/drawing/2014/main" xmlns="" id="{F0656FB8-B375-452A-AEA2-B20541A9DA89}"/>
+                  <a16:creationId xmlns:a16="http://schemas.microsoft.com/office/drawing/2014/main" id="{F0656FB8-B375-452A-AEA2-B20541A9DA89}"/>
                 </a:ext>
               </a:extLst>
             </p:cNvPr>
@@ -6266,7 +6273,7 @@
           <p:cNvPr id="12" name="直線矢印コネクタ 11">
             <a:extLst>
               <a:ext uri="{FF2B5EF4-FFF2-40B4-BE49-F238E27FC236}">
-                <a16:creationId xmlns:a16="http://schemas.microsoft.com/office/drawing/2014/main" xmlns="" id="{BAD52477-7B70-4E4E-A2A1-88E82CE16318}"/>
+                <a16:creationId xmlns:a16="http://schemas.microsoft.com/office/drawing/2014/main" id="{BAD52477-7B70-4E4E-A2A1-88E82CE16318}"/>
               </a:ext>
             </a:extLst>
           </p:cNvPr>
@@ -6312,7 +6319,7 @@
           <p:cNvPr id="15" name="四角形: 角を丸くする 14">
             <a:extLst>
               <a:ext uri="{FF2B5EF4-FFF2-40B4-BE49-F238E27FC236}">
-                <a16:creationId xmlns:a16="http://schemas.microsoft.com/office/drawing/2014/main" xmlns="" id="{CAED68F2-06BF-4534-B5F1-A1ACB6D2155C}"/>
+                <a16:creationId xmlns:a16="http://schemas.microsoft.com/office/drawing/2014/main" id="{CAED68F2-06BF-4534-B5F1-A1ACB6D2155C}"/>
               </a:ext>
             </a:extLst>
           </p:cNvPr>
@@ -6364,7 +6371,7 @@
           <p:cNvPr id="16" name="直線矢印コネクタ 15">
             <a:extLst>
               <a:ext uri="{FF2B5EF4-FFF2-40B4-BE49-F238E27FC236}">
-                <a16:creationId xmlns:a16="http://schemas.microsoft.com/office/drawing/2014/main" xmlns="" id="{F762077A-7EE7-463F-B283-D137523F1444}"/>
+                <a16:creationId xmlns:a16="http://schemas.microsoft.com/office/drawing/2014/main" id="{F762077A-7EE7-463F-B283-D137523F1444}"/>
               </a:ext>
             </a:extLst>
           </p:cNvPr>
@@ -6411,7 +6418,7 @@
           <p:cNvPr id="23" name="スライド番号プレースホルダー 22">
             <a:extLst>
               <a:ext uri="{FF2B5EF4-FFF2-40B4-BE49-F238E27FC236}">
-                <a16:creationId xmlns:a16="http://schemas.microsoft.com/office/drawing/2014/main" xmlns="" id="{EA63AD32-A5FD-4470-BDD3-56BE194EEB88}"/>
+                <a16:creationId xmlns:a16="http://schemas.microsoft.com/office/drawing/2014/main" id="{EA63AD32-A5FD-4470-BDD3-56BE194EEB88}"/>
               </a:ext>
             </a:extLst>
           </p:cNvPr>
@@ -6470,7 +6477,7 @@
           <p:cNvPr id="3" name="図 2">
             <a:extLst>
               <a:ext uri="{FF2B5EF4-FFF2-40B4-BE49-F238E27FC236}">
-                <a16:creationId xmlns:a16="http://schemas.microsoft.com/office/drawing/2014/main" xmlns="" id="{ACF36090-09B8-4167-A6FB-226D56F9DE3D}"/>
+                <a16:creationId xmlns:a16="http://schemas.microsoft.com/office/drawing/2014/main" id="{ACF36090-09B8-4167-A6FB-226D56F9DE3D}"/>
               </a:ext>
             </a:extLst>
           </p:cNvPr>
@@ -6506,7 +6513,7 @@
           <p:cNvPr id="4" name="図 3">
             <a:extLst>
               <a:ext uri="{FF2B5EF4-FFF2-40B4-BE49-F238E27FC236}">
-                <a16:creationId xmlns:a16="http://schemas.microsoft.com/office/drawing/2014/main" xmlns="" id="{277977C4-F465-4C23-851A-05EE6875DCED}"/>
+                <a16:creationId xmlns:a16="http://schemas.microsoft.com/office/drawing/2014/main" id="{277977C4-F465-4C23-851A-05EE6875DCED}"/>
               </a:ext>
             </a:extLst>
           </p:cNvPr>
@@ -6542,7 +6549,7 @@
           <p:cNvPr id="2" name="テキスト ボックス 1">
             <a:extLst>
               <a:ext uri="{FF2B5EF4-FFF2-40B4-BE49-F238E27FC236}">
-                <a16:creationId xmlns:a16="http://schemas.microsoft.com/office/drawing/2014/main" xmlns="" id="{E5BCDB82-5D70-477B-9645-6FC3B72BB936}"/>
+                <a16:creationId xmlns:a16="http://schemas.microsoft.com/office/drawing/2014/main" id="{E5BCDB82-5D70-477B-9645-6FC3B72BB936}"/>
               </a:ext>
             </a:extLst>
           </p:cNvPr>
@@ -6593,7 +6600,7 @@
           <p:cNvPr id="7" name="Shape 130">
             <a:extLst>
               <a:ext uri="{FF2B5EF4-FFF2-40B4-BE49-F238E27FC236}">
-                <a16:creationId xmlns:a16="http://schemas.microsoft.com/office/drawing/2014/main" xmlns="" id="{A59EE6D5-2F3B-4EA0-940C-84CF6F287A3E}"/>
+                <a16:creationId xmlns:a16="http://schemas.microsoft.com/office/drawing/2014/main" id="{A59EE6D5-2F3B-4EA0-940C-84CF6F287A3E}"/>
               </a:ext>
             </a:extLst>
           </p:cNvPr>
@@ -6613,7 +6620,7 @@
           </a:ln>
           <a:extLst>
             <a:ext uri="{C572A759-6A51-4108-AA02-DFA0A04FC94B}">
-              <ma14:wrappingTextBoxFlag xmlns="" xmlns:ma14="http://schemas.microsoft.com/office/mac/drawingml/2011/main" val="1"/>
+              <ma14:wrappingTextBoxFlag xmlns:ma14="http://schemas.microsoft.com/office/mac/drawingml/2011/main" xmlns="" val="1"/>
             </a:ext>
           </a:extLst>
         </p:spPr>
@@ -6655,7 +6662,7 @@
           <p:cNvPr id="8" name="グループ化 7">
             <a:extLst>
               <a:ext uri="{FF2B5EF4-FFF2-40B4-BE49-F238E27FC236}">
-                <a16:creationId xmlns:a16="http://schemas.microsoft.com/office/drawing/2014/main" xmlns="" id="{00AA2A0D-417E-4930-AAB8-363B5066A43D}"/>
+                <a16:creationId xmlns:a16="http://schemas.microsoft.com/office/drawing/2014/main" id="{00AA2A0D-417E-4930-AAB8-363B5066A43D}"/>
               </a:ext>
             </a:extLst>
           </p:cNvPr>
@@ -6675,7 +6682,7 @@
             <p:cNvPr id="9" name="テキスト ボックス 8">
               <a:extLst>
                 <a:ext uri="{FF2B5EF4-FFF2-40B4-BE49-F238E27FC236}">
-                  <a16:creationId xmlns:a16="http://schemas.microsoft.com/office/drawing/2014/main" xmlns="" id="{3776994F-1B87-472E-891D-2299AD5F8676}"/>
+                  <a16:creationId xmlns:a16="http://schemas.microsoft.com/office/drawing/2014/main" id="{3776994F-1B87-472E-891D-2299AD5F8676}"/>
                 </a:ext>
               </a:extLst>
             </p:cNvPr>
@@ -6710,7 +6717,7 @@
             <p:cNvPr id="10" name="テキスト ボックス 9">
               <a:extLst>
                 <a:ext uri="{FF2B5EF4-FFF2-40B4-BE49-F238E27FC236}">
-                  <a16:creationId xmlns:a16="http://schemas.microsoft.com/office/drawing/2014/main" xmlns="" id="{B3F979FA-F14C-49F1-977E-12376CAC4FEA}"/>
+                  <a16:creationId xmlns:a16="http://schemas.microsoft.com/office/drawing/2014/main" id="{B3F979FA-F14C-49F1-977E-12376CAC4FEA}"/>
                 </a:ext>
               </a:extLst>
             </p:cNvPr>
@@ -6746,7 +6753,7 @@
           <p:cNvPr id="11" name="四角形: 角を丸くする 10">
             <a:extLst>
               <a:ext uri="{FF2B5EF4-FFF2-40B4-BE49-F238E27FC236}">
-                <a16:creationId xmlns:a16="http://schemas.microsoft.com/office/drawing/2014/main" xmlns="" id="{D03466A5-C6BE-4146-8E80-9C0DF314E27D}"/>
+                <a16:creationId xmlns:a16="http://schemas.microsoft.com/office/drawing/2014/main" id="{D03466A5-C6BE-4146-8E80-9C0DF314E27D}"/>
               </a:ext>
             </a:extLst>
           </p:cNvPr>
@@ -6798,7 +6805,7 @@
           <p:cNvPr id="12" name="直線矢印コネクタ 11">
             <a:extLst>
               <a:ext uri="{FF2B5EF4-FFF2-40B4-BE49-F238E27FC236}">
-                <a16:creationId xmlns:a16="http://schemas.microsoft.com/office/drawing/2014/main" xmlns="" id="{77D5BD6B-C06C-4A0F-92CA-965A568D67D6}"/>
+                <a16:creationId xmlns:a16="http://schemas.microsoft.com/office/drawing/2014/main" id="{77D5BD6B-C06C-4A0F-92CA-965A568D67D6}"/>
               </a:ext>
             </a:extLst>
           </p:cNvPr>
@@ -6844,7 +6851,7 @@
           <p:cNvPr id="16" name="グループ化 15">
             <a:extLst>
               <a:ext uri="{FF2B5EF4-FFF2-40B4-BE49-F238E27FC236}">
-                <a16:creationId xmlns:a16="http://schemas.microsoft.com/office/drawing/2014/main" xmlns="" id="{B6D950E1-3A5D-46A9-B6BD-2395911E4167}"/>
+                <a16:creationId xmlns:a16="http://schemas.microsoft.com/office/drawing/2014/main" id="{B6D950E1-3A5D-46A9-B6BD-2395911E4167}"/>
               </a:ext>
             </a:extLst>
           </p:cNvPr>
@@ -6864,7 +6871,7 @@
             <p:cNvPr id="17" name="テキスト ボックス 16">
               <a:extLst>
                 <a:ext uri="{FF2B5EF4-FFF2-40B4-BE49-F238E27FC236}">
-                  <a16:creationId xmlns:a16="http://schemas.microsoft.com/office/drawing/2014/main" xmlns="" id="{6AD1F360-119E-4355-9497-399FBBD0CE01}"/>
+                  <a16:creationId xmlns:a16="http://schemas.microsoft.com/office/drawing/2014/main" id="{6AD1F360-119E-4355-9497-399FBBD0CE01}"/>
                 </a:ext>
               </a:extLst>
             </p:cNvPr>
@@ -6899,7 +6906,7 @@
             <p:cNvPr id="18" name="テキスト ボックス 17">
               <a:extLst>
                 <a:ext uri="{FF2B5EF4-FFF2-40B4-BE49-F238E27FC236}">
-                  <a16:creationId xmlns:a16="http://schemas.microsoft.com/office/drawing/2014/main" xmlns="" id="{62F63424-D254-4114-B643-B6B148657173}"/>
+                  <a16:creationId xmlns:a16="http://schemas.microsoft.com/office/drawing/2014/main" id="{62F63424-D254-4114-B643-B6B148657173}"/>
                 </a:ext>
               </a:extLst>
             </p:cNvPr>
@@ -6935,7 +6942,7 @@
           <p:cNvPr id="21" name="四角形: 角を丸くする 20">
             <a:extLst>
               <a:ext uri="{FF2B5EF4-FFF2-40B4-BE49-F238E27FC236}">
-                <a16:creationId xmlns:a16="http://schemas.microsoft.com/office/drawing/2014/main" xmlns="" id="{814BABFB-91FD-4E0C-A262-D85CAEE2833D}"/>
+                <a16:creationId xmlns:a16="http://schemas.microsoft.com/office/drawing/2014/main" id="{814BABFB-91FD-4E0C-A262-D85CAEE2833D}"/>
               </a:ext>
             </a:extLst>
           </p:cNvPr>
@@ -6987,7 +6994,7 @@
           <p:cNvPr id="22" name="直線矢印コネクタ 21">
             <a:extLst>
               <a:ext uri="{FF2B5EF4-FFF2-40B4-BE49-F238E27FC236}">
-                <a16:creationId xmlns:a16="http://schemas.microsoft.com/office/drawing/2014/main" xmlns="" id="{81830030-7BCB-47CC-81AD-589706D10541}"/>
+                <a16:creationId xmlns:a16="http://schemas.microsoft.com/office/drawing/2014/main" id="{81830030-7BCB-47CC-81AD-589706D10541}"/>
               </a:ext>
             </a:extLst>
           </p:cNvPr>
@@ -7034,7 +7041,7 @@
           <p:cNvPr id="25" name="グループ化 24">
             <a:extLst>
               <a:ext uri="{FF2B5EF4-FFF2-40B4-BE49-F238E27FC236}">
-                <a16:creationId xmlns:a16="http://schemas.microsoft.com/office/drawing/2014/main" xmlns="" id="{9BDC4EDC-BE37-473B-BD21-D1054495A807}"/>
+                <a16:creationId xmlns:a16="http://schemas.microsoft.com/office/drawing/2014/main" id="{9BDC4EDC-BE37-473B-BD21-D1054495A807}"/>
               </a:ext>
             </a:extLst>
           </p:cNvPr>
@@ -7054,7 +7061,7 @@
             <p:cNvPr id="26" name="テキスト ボックス 25">
               <a:extLst>
                 <a:ext uri="{FF2B5EF4-FFF2-40B4-BE49-F238E27FC236}">
-                  <a16:creationId xmlns:a16="http://schemas.microsoft.com/office/drawing/2014/main" xmlns="" id="{FE569874-6542-4949-B1E7-AA72B79F4A07}"/>
+                  <a16:creationId xmlns:a16="http://schemas.microsoft.com/office/drawing/2014/main" id="{FE569874-6542-4949-B1E7-AA72B79F4A07}"/>
                 </a:ext>
               </a:extLst>
             </p:cNvPr>
@@ -7104,7 +7111,7 @@
             <p:cNvPr id="27" name="テキスト ボックス 26">
               <a:extLst>
                 <a:ext uri="{FF2B5EF4-FFF2-40B4-BE49-F238E27FC236}">
-                  <a16:creationId xmlns:a16="http://schemas.microsoft.com/office/drawing/2014/main" xmlns="" id="{B238350C-537A-45DC-AF0E-2530CA5057DE}"/>
+                  <a16:creationId xmlns:a16="http://schemas.microsoft.com/office/drawing/2014/main" id="{B238350C-537A-45DC-AF0E-2530CA5057DE}"/>
                 </a:ext>
               </a:extLst>
             </p:cNvPr>
@@ -7140,7 +7147,7 @@
           <p:cNvPr id="30" name="四角形: 角を丸くする 29">
             <a:extLst>
               <a:ext uri="{FF2B5EF4-FFF2-40B4-BE49-F238E27FC236}">
-                <a16:creationId xmlns:a16="http://schemas.microsoft.com/office/drawing/2014/main" xmlns="" id="{BED0B226-8049-430C-BA43-91CA525638AC}"/>
+                <a16:creationId xmlns:a16="http://schemas.microsoft.com/office/drawing/2014/main" id="{BED0B226-8049-430C-BA43-91CA525638AC}"/>
               </a:ext>
             </a:extLst>
           </p:cNvPr>
@@ -7192,7 +7199,7 @@
           <p:cNvPr id="31" name="直線矢印コネクタ 30">
             <a:extLst>
               <a:ext uri="{FF2B5EF4-FFF2-40B4-BE49-F238E27FC236}">
-                <a16:creationId xmlns:a16="http://schemas.microsoft.com/office/drawing/2014/main" xmlns="" id="{9AEACFDC-A308-49E5-9751-ACD43A989775}"/>
+                <a16:creationId xmlns:a16="http://schemas.microsoft.com/office/drawing/2014/main" id="{9AEACFDC-A308-49E5-9751-ACD43A989775}"/>
               </a:ext>
             </a:extLst>
           </p:cNvPr>
@@ -7238,7 +7245,7 @@
           <p:cNvPr id="33" name="グループ化 32">
             <a:extLst>
               <a:ext uri="{FF2B5EF4-FFF2-40B4-BE49-F238E27FC236}">
-                <a16:creationId xmlns:a16="http://schemas.microsoft.com/office/drawing/2014/main" xmlns="" id="{FD1C0E5B-D80D-4ACE-91CE-F9F501F5BA4A}"/>
+                <a16:creationId xmlns:a16="http://schemas.microsoft.com/office/drawing/2014/main" id="{FD1C0E5B-D80D-4ACE-91CE-F9F501F5BA4A}"/>
               </a:ext>
             </a:extLst>
           </p:cNvPr>
@@ -7258,7 +7265,7 @@
             <p:cNvPr id="34" name="テキスト ボックス 33">
               <a:extLst>
                 <a:ext uri="{FF2B5EF4-FFF2-40B4-BE49-F238E27FC236}">
-                  <a16:creationId xmlns:a16="http://schemas.microsoft.com/office/drawing/2014/main" xmlns="" id="{59D84F3F-DE66-410E-BFE8-6611F2B86139}"/>
+                  <a16:creationId xmlns:a16="http://schemas.microsoft.com/office/drawing/2014/main" id="{59D84F3F-DE66-410E-BFE8-6611F2B86139}"/>
                 </a:ext>
               </a:extLst>
             </p:cNvPr>
@@ -7301,7 +7308,7 @@
             <p:cNvPr id="35" name="テキスト ボックス 34">
               <a:extLst>
                 <a:ext uri="{FF2B5EF4-FFF2-40B4-BE49-F238E27FC236}">
-                  <a16:creationId xmlns:a16="http://schemas.microsoft.com/office/drawing/2014/main" xmlns="" id="{7A008B59-B9EA-4764-845F-7E1DC5798E74}"/>
+                  <a16:creationId xmlns:a16="http://schemas.microsoft.com/office/drawing/2014/main" id="{7A008B59-B9EA-4764-845F-7E1DC5798E74}"/>
                 </a:ext>
               </a:extLst>
             </p:cNvPr>
@@ -7337,7 +7344,7 @@
           <p:cNvPr id="36" name="スライド番号プレースホルダー 35">
             <a:extLst>
               <a:ext uri="{FF2B5EF4-FFF2-40B4-BE49-F238E27FC236}">
-                <a16:creationId xmlns:a16="http://schemas.microsoft.com/office/drawing/2014/main" xmlns="" id="{CC5434F5-E11B-48B4-954C-A767BA1631CB}"/>
+                <a16:creationId xmlns:a16="http://schemas.microsoft.com/office/drawing/2014/main" id="{CC5434F5-E11B-48B4-954C-A767BA1631CB}"/>
               </a:ext>
             </a:extLst>
           </p:cNvPr>
@@ -7396,7 +7403,7 @@
           <p:cNvPr id="4" name="図 3">
             <a:extLst>
               <a:ext uri="{FF2B5EF4-FFF2-40B4-BE49-F238E27FC236}">
-                <a16:creationId xmlns:a16="http://schemas.microsoft.com/office/drawing/2014/main" xmlns="" id="{5D7B786B-4F71-4DEC-89F5-C89B77AA0ABD}"/>
+                <a16:creationId xmlns:a16="http://schemas.microsoft.com/office/drawing/2014/main" id="{5D7B786B-4F71-4DEC-89F5-C89B77AA0ABD}"/>
               </a:ext>
             </a:extLst>
           </p:cNvPr>
@@ -7432,7 +7439,7 @@
           <p:cNvPr id="6" name="グループ化 5">
             <a:extLst>
               <a:ext uri="{FF2B5EF4-FFF2-40B4-BE49-F238E27FC236}">
-                <a16:creationId xmlns:a16="http://schemas.microsoft.com/office/drawing/2014/main" xmlns="" id="{F1062F67-F82D-401A-A845-DBE94F38239C}"/>
+                <a16:creationId xmlns:a16="http://schemas.microsoft.com/office/drawing/2014/main" id="{F1062F67-F82D-401A-A845-DBE94F38239C}"/>
               </a:ext>
             </a:extLst>
           </p:cNvPr>
@@ -7452,7 +7459,7 @@
             <p:cNvPr id="7" name="テキスト ボックス 6">
               <a:extLst>
                 <a:ext uri="{FF2B5EF4-FFF2-40B4-BE49-F238E27FC236}">
-                  <a16:creationId xmlns:a16="http://schemas.microsoft.com/office/drawing/2014/main" xmlns="" id="{B1864617-DF6C-48DF-9C41-1901A56DE4A4}"/>
+                  <a16:creationId xmlns:a16="http://schemas.microsoft.com/office/drawing/2014/main" id="{B1864617-DF6C-48DF-9C41-1901A56DE4A4}"/>
                 </a:ext>
               </a:extLst>
             </p:cNvPr>
@@ -7487,7 +7494,7 @@
             <p:cNvPr id="8" name="テキスト ボックス 7">
               <a:extLst>
                 <a:ext uri="{FF2B5EF4-FFF2-40B4-BE49-F238E27FC236}">
-                  <a16:creationId xmlns:a16="http://schemas.microsoft.com/office/drawing/2014/main" xmlns="" id="{281C8CF4-2EC1-4D24-84DF-610C2400386F}"/>
+                  <a16:creationId xmlns:a16="http://schemas.microsoft.com/office/drawing/2014/main" id="{281C8CF4-2EC1-4D24-84DF-610C2400386F}"/>
                 </a:ext>
               </a:extLst>
             </p:cNvPr>
@@ -7520,7 +7527,7 @@
           <p:cNvPr id="9" name="Shape 130">
             <a:extLst>
               <a:ext uri="{FF2B5EF4-FFF2-40B4-BE49-F238E27FC236}">
-                <a16:creationId xmlns:a16="http://schemas.microsoft.com/office/drawing/2014/main" xmlns="" id="{47D633A0-656A-4365-B325-85502D8921CC}"/>
+                <a16:creationId xmlns:a16="http://schemas.microsoft.com/office/drawing/2014/main" id="{47D633A0-656A-4365-B325-85502D8921CC}"/>
               </a:ext>
             </a:extLst>
           </p:cNvPr>
@@ -7540,7 +7547,7 @@
           </a:ln>
           <a:extLst>
             <a:ext uri="{C572A759-6A51-4108-AA02-DFA0A04FC94B}">
-              <ma14:wrappingTextBoxFlag xmlns="" xmlns:ma14="http://schemas.microsoft.com/office/mac/drawingml/2011/main" val="1"/>
+              <ma14:wrappingTextBoxFlag xmlns:ma14="http://schemas.microsoft.com/office/mac/drawingml/2011/main" xmlns="" val="1"/>
             </a:ext>
           </a:extLst>
         </p:spPr>
@@ -7582,7 +7589,7 @@
           <p:cNvPr id="3" name="スライド番号プレースホルダー 2">
             <a:extLst>
               <a:ext uri="{FF2B5EF4-FFF2-40B4-BE49-F238E27FC236}">
-                <a16:creationId xmlns:a16="http://schemas.microsoft.com/office/drawing/2014/main" xmlns="" id="{46BFD4E3-F3D2-4DB9-A404-4AB7C07B5D00}"/>
+                <a16:creationId xmlns:a16="http://schemas.microsoft.com/office/drawing/2014/main" id="{46BFD4E3-F3D2-4DB9-A404-4AB7C07B5D00}"/>
               </a:ext>
             </a:extLst>
           </p:cNvPr>
@@ -7641,7 +7648,7 @@
           <p:cNvPr id="5" name="Shape 130">
             <a:extLst>
               <a:ext uri="{FF2B5EF4-FFF2-40B4-BE49-F238E27FC236}">
-                <a16:creationId xmlns:a16="http://schemas.microsoft.com/office/drawing/2014/main" xmlns="" id="{A6551EB4-F459-4E50-83D7-2A1C930077BE}"/>
+                <a16:creationId xmlns:a16="http://schemas.microsoft.com/office/drawing/2014/main" id="{A6551EB4-F459-4E50-83D7-2A1C930077BE}"/>
               </a:ext>
             </a:extLst>
           </p:cNvPr>
@@ -7661,7 +7668,7 @@
           </a:ln>
           <a:extLst>
             <a:ext uri="{C572A759-6A51-4108-AA02-DFA0A04FC94B}">
-              <ma14:wrappingTextBoxFlag xmlns="" xmlns:ma14="http://schemas.microsoft.com/office/mac/drawingml/2011/main" val="1"/>
+              <ma14:wrappingTextBoxFlag xmlns:ma14="http://schemas.microsoft.com/office/mac/drawingml/2011/main" xmlns="" val="1"/>
             </a:ext>
           </a:extLst>
         </p:spPr>
@@ -7703,7 +7710,7 @@
           <p:cNvPr id="2" name="図 1">
             <a:extLst>
               <a:ext uri="{FF2B5EF4-FFF2-40B4-BE49-F238E27FC236}">
-                <a16:creationId xmlns:a16="http://schemas.microsoft.com/office/drawing/2014/main" xmlns="" id="{EFBAD8FC-B0CC-4462-A9E7-02958168FDAE}"/>
+                <a16:creationId xmlns:a16="http://schemas.microsoft.com/office/drawing/2014/main" id="{EFBAD8FC-B0CC-4462-A9E7-02958168FDAE}"/>
               </a:ext>
             </a:extLst>
           </p:cNvPr>
@@ -7738,7 +7745,7 @@
           <p:cNvPr id="4" name="図 3">
             <a:extLst>
               <a:ext uri="{FF2B5EF4-FFF2-40B4-BE49-F238E27FC236}">
-                <a16:creationId xmlns:a16="http://schemas.microsoft.com/office/drawing/2014/main" xmlns="" id="{9257C906-57A5-4933-B33A-838E1099E9B7}"/>
+                <a16:creationId xmlns:a16="http://schemas.microsoft.com/office/drawing/2014/main" id="{9257C906-57A5-4933-B33A-838E1099E9B7}"/>
               </a:ext>
             </a:extLst>
           </p:cNvPr>
@@ -7774,7 +7781,7 @@
           <p:cNvPr id="6" name="グループ化 5">
             <a:extLst>
               <a:ext uri="{FF2B5EF4-FFF2-40B4-BE49-F238E27FC236}">
-                <a16:creationId xmlns:a16="http://schemas.microsoft.com/office/drawing/2014/main" xmlns="" id="{9DAA7C01-D0D7-4E88-82AC-8C8F6F08FE26}"/>
+                <a16:creationId xmlns:a16="http://schemas.microsoft.com/office/drawing/2014/main" id="{9DAA7C01-D0D7-4E88-82AC-8C8F6F08FE26}"/>
               </a:ext>
             </a:extLst>
           </p:cNvPr>
@@ -7794,7 +7801,7 @@
             <p:cNvPr id="7" name="テキスト ボックス 6">
               <a:extLst>
                 <a:ext uri="{FF2B5EF4-FFF2-40B4-BE49-F238E27FC236}">
-                  <a16:creationId xmlns:a16="http://schemas.microsoft.com/office/drawing/2014/main" xmlns="" id="{3C446414-93EC-423A-A0CE-C478C38E0B55}"/>
+                  <a16:creationId xmlns:a16="http://schemas.microsoft.com/office/drawing/2014/main" id="{3C446414-93EC-423A-A0CE-C478C38E0B55}"/>
                 </a:ext>
               </a:extLst>
             </p:cNvPr>
@@ -7852,7 +7859,7 @@
             <p:cNvPr id="8" name="テキスト ボックス 7">
               <a:extLst>
                 <a:ext uri="{FF2B5EF4-FFF2-40B4-BE49-F238E27FC236}">
-                  <a16:creationId xmlns:a16="http://schemas.microsoft.com/office/drawing/2014/main" xmlns="" id="{C2B10088-5074-453A-A99F-0B031A9AAACF}"/>
+                  <a16:creationId xmlns:a16="http://schemas.microsoft.com/office/drawing/2014/main" id="{C2B10088-5074-453A-A99F-0B031A9AAACF}"/>
                 </a:ext>
               </a:extLst>
             </p:cNvPr>
@@ -7888,7 +7895,7 @@
           <p:cNvPr id="9" name="グループ化 8">
             <a:extLst>
               <a:ext uri="{FF2B5EF4-FFF2-40B4-BE49-F238E27FC236}">
-                <a16:creationId xmlns:a16="http://schemas.microsoft.com/office/drawing/2014/main" xmlns="" id="{3C768F35-B4B6-4B5F-8FEE-38BBEAE2B08D}"/>
+                <a16:creationId xmlns:a16="http://schemas.microsoft.com/office/drawing/2014/main" id="{3C768F35-B4B6-4B5F-8FEE-38BBEAE2B08D}"/>
               </a:ext>
             </a:extLst>
           </p:cNvPr>
@@ -7908,7 +7915,7 @@
             <p:cNvPr id="10" name="テキスト ボックス 9">
               <a:extLst>
                 <a:ext uri="{FF2B5EF4-FFF2-40B4-BE49-F238E27FC236}">
-                  <a16:creationId xmlns:a16="http://schemas.microsoft.com/office/drawing/2014/main" xmlns="" id="{951D3E96-7659-4340-B300-31DCA2345BF0}"/>
+                  <a16:creationId xmlns:a16="http://schemas.microsoft.com/office/drawing/2014/main" id="{951D3E96-7659-4340-B300-31DCA2345BF0}"/>
                 </a:ext>
               </a:extLst>
             </p:cNvPr>
@@ -7962,7 +7969,7 @@
             <p:cNvPr id="11" name="テキスト ボックス 10">
               <a:extLst>
                 <a:ext uri="{FF2B5EF4-FFF2-40B4-BE49-F238E27FC236}">
-                  <a16:creationId xmlns:a16="http://schemas.microsoft.com/office/drawing/2014/main" xmlns="" id="{9344769E-9967-4C01-AD52-2D9DE66914EB}"/>
+                  <a16:creationId xmlns:a16="http://schemas.microsoft.com/office/drawing/2014/main" id="{9344769E-9967-4C01-AD52-2D9DE66914EB}"/>
                 </a:ext>
               </a:extLst>
             </p:cNvPr>
@@ -7998,7 +8005,7 @@
           <p:cNvPr id="14" name="四角形: 角を丸くする 13">
             <a:extLst>
               <a:ext uri="{FF2B5EF4-FFF2-40B4-BE49-F238E27FC236}">
-                <a16:creationId xmlns:a16="http://schemas.microsoft.com/office/drawing/2014/main" xmlns="" id="{1DADF61F-EF1D-4843-8C48-B0C640E98936}"/>
+                <a16:creationId xmlns:a16="http://schemas.microsoft.com/office/drawing/2014/main" id="{1DADF61F-EF1D-4843-8C48-B0C640E98936}"/>
               </a:ext>
             </a:extLst>
           </p:cNvPr>
@@ -8050,7 +8057,7 @@
           <p:cNvPr id="15" name="直線矢印コネクタ 14">
             <a:extLst>
               <a:ext uri="{FF2B5EF4-FFF2-40B4-BE49-F238E27FC236}">
-                <a16:creationId xmlns:a16="http://schemas.microsoft.com/office/drawing/2014/main" xmlns="" id="{BB2E1406-A862-4840-B645-28723CAD0EB8}"/>
+                <a16:creationId xmlns:a16="http://schemas.microsoft.com/office/drawing/2014/main" id="{BB2E1406-A862-4840-B645-28723CAD0EB8}"/>
               </a:ext>
             </a:extLst>
           </p:cNvPr>
@@ -8097,7 +8104,7 @@
           <p:cNvPr id="20" name="スライド番号プレースホルダー 19">
             <a:extLst>
               <a:ext uri="{FF2B5EF4-FFF2-40B4-BE49-F238E27FC236}">
-                <a16:creationId xmlns:a16="http://schemas.microsoft.com/office/drawing/2014/main" xmlns="" id="{BFA87586-8B90-429A-88B4-5B36887B8D70}"/>
+                <a16:creationId xmlns:a16="http://schemas.microsoft.com/office/drawing/2014/main" id="{BFA87586-8B90-429A-88B4-5B36887B8D70}"/>
               </a:ext>
             </a:extLst>
           </p:cNvPr>
@@ -8156,7 +8163,7 @@
           <p:cNvPr id="5" name="Shape 130">
             <a:extLst>
               <a:ext uri="{FF2B5EF4-FFF2-40B4-BE49-F238E27FC236}">
-                <a16:creationId xmlns:a16="http://schemas.microsoft.com/office/drawing/2014/main" xmlns="" id="{A6551EB4-F459-4E50-83D7-2A1C930077BE}"/>
+                <a16:creationId xmlns:a16="http://schemas.microsoft.com/office/drawing/2014/main" id="{A6551EB4-F459-4E50-83D7-2A1C930077BE}"/>
               </a:ext>
             </a:extLst>
           </p:cNvPr>
@@ -8176,7 +8183,7 @@
           </a:ln>
           <a:extLst>
             <a:ext uri="{C572A759-6A51-4108-AA02-DFA0A04FC94B}">
-              <ma14:wrappingTextBoxFlag xmlns="" xmlns:ma14="http://schemas.microsoft.com/office/mac/drawingml/2011/main" val="1"/>
+              <ma14:wrappingTextBoxFlag xmlns:ma14="http://schemas.microsoft.com/office/mac/drawingml/2011/main" xmlns="" val="1"/>
             </a:ext>
           </a:extLst>
         </p:spPr>
@@ -8218,7 +8225,7 @@
           <p:cNvPr id="2" name="図 1">
             <a:extLst>
               <a:ext uri="{FF2B5EF4-FFF2-40B4-BE49-F238E27FC236}">
-                <a16:creationId xmlns:a16="http://schemas.microsoft.com/office/drawing/2014/main" xmlns="" id="{B99D0D7F-5B98-4B46-BFC1-71B561812AFE}"/>
+                <a16:creationId xmlns:a16="http://schemas.microsoft.com/office/drawing/2014/main" id="{B99D0D7F-5B98-4B46-BFC1-71B561812AFE}"/>
               </a:ext>
             </a:extLst>
           </p:cNvPr>
@@ -8254,7 +8261,7 @@
           <p:cNvPr id="4" name="グループ化 3">
             <a:extLst>
               <a:ext uri="{FF2B5EF4-FFF2-40B4-BE49-F238E27FC236}">
-                <a16:creationId xmlns:a16="http://schemas.microsoft.com/office/drawing/2014/main" xmlns="" id="{5AF349BC-B25B-4B39-9DB4-9D479A9464E1}"/>
+                <a16:creationId xmlns:a16="http://schemas.microsoft.com/office/drawing/2014/main" id="{5AF349BC-B25B-4B39-9DB4-9D479A9464E1}"/>
               </a:ext>
             </a:extLst>
           </p:cNvPr>
@@ -8274,7 +8281,7 @@
             <p:cNvPr id="6" name="テキスト ボックス 5">
               <a:extLst>
                 <a:ext uri="{FF2B5EF4-FFF2-40B4-BE49-F238E27FC236}">
-                  <a16:creationId xmlns:a16="http://schemas.microsoft.com/office/drawing/2014/main" xmlns="" id="{153EB5CC-41D2-4CEC-ABC5-D248FBDFA36E}"/>
+                  <a16:creationId xmlns:a16="http://schemas.microsoft.com/office/drawing/2014/main" id="{153EB5CC-41D2-4CEC-ABC5-D248FBDFA36E}"/>
                 </a:ext>
               </a:extLst>
             </p:cNvPr>
@@ -8309,7 +8316,7 @@
             <p:cNvPr id="7" name="テキスト ボックス 6">
               <a:extLst>
                 <a:ext uri="{FF2B5EF4-FFF2-40B4-BE49-F238E27FC236}">
-                  <a16:creationId xmlns:a16="http://schemas.microsoft.com/office/drawing/2014/main" xmlns="" id="{116EC938-F95F-484C-9793-2913118A1122}"/>
+                  <a16:creationId xmlns:a16="http://schemas.microsoft.com/office/drawing/2014/main" id="{116EC938-F95F-484C-9793-2913118A1122}"/>
                 </a:ext>
               </a:extLst>
             </p:cNvPr>
@@ -8342,7 +8349,7 @@
           <p:cNvPr id="3" name="スライド番号プレースホルダー 2">
             <a:extLst>
               <a:ext uri="{FF2B5EF4-FFF2-40B4-BE49-F238E27FC236}">
-                <a16:creationId xmlns:a16="http://schemas.microsoft.com/office/drawing/2014/main" xmlns="" id="{7F981417-709B-4BE6-A171-63D6529E58B6}"/>
+                <a16:creationId xmlns:a16="http://schemas.microsoft.com/office/drawing/2014/main" id="{7F981417-709B-4BE6-A171-63D6529E58B6}"/>
               </a:ext>
             </a:extLst>
           </p:cNvPr>
@@ -8401,7 +8408,7 @@
           <p:cNvPr id="5" name="Shape 130">
             <a:extLst>
               <a:ext uri="{FF2B5EF4-FFF2-40B4-BE49-F238E27FC236}">
-                <a16:creationId xmlns:a16="http://schemas.microsoft.com/office/drawing/2014/main" xmlns="" id="{A6551EB4-F459-4E50-83D7-2A1C930077BE}"/>
+                <a16:creationId xmlns:a16="http://schemas.microsoft.com/office/drawing/2014/main" id="{A6551EB4-F459-4E50-83D7-2A1C930077BE}"/>
               </a:ext>
             </a:extLst>
           </p:cNvPr>
@@ -8421,7 +8428,7 @@
           </a:ln>
           <a:extLst>
             <a:ext uri="{C572A759-6A51-4108-AA02-DFA0A04FC94B}">
-              <ma14:wrappingTextBoxFlag xmlns="" xmlns:ma14="http://schemas.microsoft.com/office/mac/drawingml/2011/main" val="1"/>
+              <ma14:wrappingTextBoxFlag xmlns:ma14="http://schemas.microsoft.com/office/mac/drawingml/2011/main" xmlns="" val="1"/>
             </a:ext>
           </a:extLst>
         </p:spPr>
@@ -8455,7 +8462,7 @@
           <p:cNvPr id="4" name="図 3">
             <a:extLst>
               <a:ext uri="{FF2B5EF4-FFF2-40B4-BE49-F238E27FC236}">
-                <a16:creationId xmlns:a16="http://schemas.microsoft.com/office/drawing/2014/main" xmlns="" id="{4B06470B-9DC7-48A7-874E-561BB9037ADC}"/>
+                <a16:creationId xmlns:a16="http://schemas.microsoft.com/office/drawing/2014/main" id="{4B06470B-9DC7-48A7-874E-561BB9037ADC}"/>
               </a:ext>
             </a:extLst>
           </p:cNvPr>
@@ -8491,7 +8498,7 @@
           <p:cNvPr id="6" name="テキスト ボックス 5">
             <a:extLst>
               <a:ext uri="{FF2B5EF4-FFF2-40B4-BE49-F238E27FC236}">
-                <a16:creationId xmlns:a16="http://schemas.microsoft.com/office/drawing/2014/main" xmlns="" id="{C8C1B181-6ACA-481D-ABDD-B3E8D7C9B1A7}"/>
+                <a16:creationId xmlns:a16="http://schemas.microsoft.com/office/drawing/2014/main" id="{C8C1B181-6ACA-481D-ABDD-B3E8D7C9B1A7}"/>
               </a:ext>
             </a:extLst>
           </p:cNvPr>
@@ -8526,7 +8533,7 @@
           <p:cNvPr id="7" name="図 6">
             <a:extLst>
               <a:ext uri="{FF2B5EF4-FFF2-40B4-BE49-F238E27FC236}">
-                <a16:creationId xmlns:a16="http://schemas.microsoft.com/office/drawing/2014/main" xmlns="" id="{D6149C17-8AA6-4C81-8A3B-AF5007B33288}"/>
+                <a16:creationId xmlns:a16="http://schemas.microsoft.com/office/drawing/2014/main" id="{D6149C17-8AA6-4C81-8A3B-AF5007B33288}"/>
               </a:ext>
             </a:extLst>
           </p:cNvPr>
@@ -8562,7 +8569,7 @@
           <p:cNvPr id="9" name="スライド番号プレースホルダー 8">
             <a:extLst>
               <a:ext uri="{FF2B5EF4-FFF2-40B4-BE49-F238E27FC236}">
-                <a16:creationId xmlns:a16="http://schemas.microsoft.com/office/drawing/2014/main" xmlns="" id="{657F670C-D0A9-4B76-A7F7-C5A7CAD03C77}"/>
+                <a16:creationId xmlns:a16="http://schemas.microsoft.com/office/drawing/2014/main" id="{657F670C-D0A9-4B76-A7F7-C5A7CAD03C77}"/>
               </a:ext>
             </a:extLst>
           </p:cNvPr>
@@ -8591,7 +8598,7 @@
           <p:cNvPr id="10" name="グループ化 9">
             <a:extLst>
               <a:ext uri="{FF2B5EF4-FFF2-40B4-BE49-F238E27FC236}">
-                <a16:creationId xmlns:a16="http://schemas.microsoft.com/office/drawing/2014/main" xmlns="" id="{40614598-A609-4C5C-93C9-150523280BAA}"/>
+                <a16:creationId xmlns:a16="http://schemas.microsoft.com/office/drawing/2014/main" id="{40614598-A609-4C5C-93C9-150523280BAA}"/>
               </a:ext>
             </a:extLst>
           </p:cNvPr>
@@ -8611,7 +8618,7 @@
             <p:cNvPr id="11" name="テキスト ボックス 10">
               <a:extLst>
                 <a:ext uri="{FF2B5EF4-FFF2-40B4-BE49-F238E27FC236}">
-                  <a16:creationId xmlns:a16="http://schemas.microsoft.com/office/drawing/2014/main" xmlns="" id="{A497D643-5944-4E64-BD27-FA344FFBA628}"/>
+                  <a16:creationId xmlns:a16="http://schemas.microsoft.com/office/drawing/2014/main" id="{A497D643-5944-4E64-BD27-FA344FFBA628}"/>
                 </a:ext>
               </a:extLst>
             </p:cNvPr>
@@ -8665,7 +8672,7 @@
             <p:cNvPr id="12" name="テキスト ボックス 11">
               <a:extLst>
                 <a:ext uri="{FF2B5EF4-FFF2-40B4-BE49-F238E27FC236}">
-                  <a16:creationId xmlns:a16="http://schemas.microsoft.com/office/drawing/2014/main" xmlns="" id="{437A27E9-886C-453B-BA97-10F07B2D0A72}"/>
+                  <a16:creationId xmlns:a16="http://schemas.microsoft.com/office/drawing/2014/main" id="{437A27E9-886C-453B-BA97-10F07B2D0A72}"/>
                 </a:ext>
               </a:extLst>
             </p:cNvPr>
@@ -8731,7 +8738,7 @@
           <p:cNvPr id="4" name="図 3">
             <a:extLst>
               <a:ext uri="{FF2B5EF4-FFF2-40B4-BE49-F238E27FC236}">
-                <a16:creationId xmlns:a16="http://schemas.microsoft.com/office/drawing/2014/main" xmlns="" id="{E07E7280-131B-4877-82CB-57436851BFF5}"/>
+                <a16:creationId xmlns:a16="http://schemas.microsoft.com/office/drawing/2014/main" id="{E07E7280-131B-4877-82CB-57436851BFF5}"/>
               </a:ext>
             </a:extLst>
           </p:cNvPr>
@@ -8767,7 +8774,7 @@
           <p:cNvPr id="6" name="テキスト ボックス 5">
             <a:extLst>
               <a:ext uri="{FF2B5EF4-FFF2-40B4-BE49-F238E27FC236}">
-                <a16:creationId xmlns:a16="http://schemas.microsoft.com/office/drawing/2014/main" xmlns="" id="{B1E7D2DF-E2A6-4A83-93EB-F1174CD7136D}"/>
+                <a16:creationId xmlns:a16="http://schemas.microsoft.com/office/drawing/2014/main" id="{B1E7D2DF-E2A6-4A83-93EB-F1174CD7136D}"/>
               </a:ext>
             </a:extLst>
           </p:cNvPr>
@@ -8802,7 +8809,7 @@
           <p:cNvPr id="7" name="スライド番号プレースホルダー 6">
             <a:extLst>
               <a:ext uri="{FF2B5EF4-FFF2-40B4-BE49-F238E27FC236}">
-                <a16:creationId xmlns:a16="http://schemas.microsoft.com/office/drawing/2014/main" xmlns="" id="{57C001DB-2C19-44B2-8982-D6CE08BEABE1}"/>
+                <a16:creationId xmlns:a16="http://schemas.microsoft.com/office/drawing/2014/main" id="{57C001DB-2C19-44B2-8982-D6CE08BEABE1}"/>
               </a:ext>
             </a:extLst>
           </p:cNvPr>
@@ -8831,7 +8838,7 @@
           <p:cNvPr id="9" name="Shape 130">
             <a:extLst>
               <a:ext uri="{FF2B5EF4-FFF2-40B4-BE49-F238E27FC236}">
-                <a16:creationId xmlns:a16="http://schemas.microsoft.com/office/drawing/2014/main" xmlns="" id="{5F5D2529-935D-4ADD-B91E-5A6C3A88C451}"/>
+                <a16:creationId xmlns:a16="http://schemas.microsoft.com/office/drawing/2014/main" id="{5F5D2529-935D-4ADD-B91E-5A6C3A88C451}"/>
               </a:ext>
             </a:extLst>
           </p:cNvPr>
@@ -8851,7 +8858,7 @@
           </a:ln>
           <a:extLst>
             <a:ext uri="{C572A759-6A51-4108-AA02-DFA0A04FC94B}">
-              <ma14:wrappingTextBoxFlag xmlns="" xmlns:ma14="http://schemas.microsoft.com/office/mac/drawingml/2011/main" val="1"/>
+              <ma14:wrappingTextBoxFlag xmlns:ma14="http://schemas.microsoft.com/office/mac/drawingml/2011/main" xmlns="" val="1"/>
             </a:ext>
           </a:extLst>
         </p:spPr>
@@ -8915,7 +8922,7 @@
           <p:cNvPr id="4" name="テキスト ボックス 3">
             <a:extLst>
               <a:ext uri="{FF2B5EF4-FFF2-40B4-BE49-F238E27FC236}">
-                <a16:creationId xmlns:a16="http://schemas.microsoft.com/office/drawing/2014/main" xmlns="" id="{CFED29EE-AF3E-4341-969E-62CE8E0A3F31}"/>
+                <a16:creationId xmlns:a16="http://schemas.microsoft.com/office/drawing/2014/main" id="{CFED29EE-AF3E-4341-969E-62CE8E0A3F31}"/>
               </a:ext>
             </a:extLst>
           </p:cNvPr>
@@ -8950,7 +8957,7 @@
           <p:cNvPr id="9" name="テキスト ボックス 8">
             <a:extLst>
               <a:ext uri="{FF2B5EF4-FFF2-40B4-BE49-F238E27FC236}">
-                <a16:creationId xmlns:a16="http://schemas.microsoft.com/office/drawing/2014/main" xmlns="" id="{14E72353-C904-4A0B-BA69-50B235C2EE8F}"/>
+                <a16:creationId xmlns:a16="http://schemas.microsoft.com/office/drawing/2014/main" id="{14E72353-C904-4A0B-BA69-50B235C2EE8F}"/>
               </a:ext>
             </a:extLst>
           </p:cNvPr>
@@ -9012,7 +9019,7 @@
           <p:cNvPr id="6" name="テキスト ボックス 5">
             <a:extLst>
               <a:ext uri="{FF2B5EF4-FFF2-40B4-BE49-F238E27FC236}">
-                <a16:creationId xmlns:a16="http://schemas.microsoft.com/office/drawing/2014/main" xmlns="" id="{3D28E84A-0A42-4576-A660-C29DA2E3FF19}"/>
+                <a16:creationId xmlns:a16="http://schemas.microsoft.com/office/drawing/2014/main" id="{3D28E84A-0A42-4576-A660-C29DA2E3FF19}"/>
               </a:ext>
             </a:extLst>
           </p:cNvPr>
@@ -9136,7 +9143,7 @@
           <p:cNvPr id="2" name="スライド番号プレースホルダー 1">
             <a:extLst>
               <a:ext uri="{FF2B5EF4-FFF2-40B4-BE49-F238E27FC236}">
-                <a16:creationId xmlns:a16="http://schemas.microsoft.com/office/drawing/2014/main" xmlns="" id="{BCF3A9ED-B42D-4BFB-B427-5F7D437CC1F8}"/>
+                <a16:creationId xmlns:a16="http://schemas.microsoft.com/office/drawing/2014/main" id="{BCF3A9ED-B42D-4BFB-B427-5F7D437CC1F8}"/>
               </a:ext>
             </a:extLst>
           </p:cNvPr>
@@ -9190,12 +9197,42 @@
           <a:chExt cx="0" cy="0"/>
         </a:xfrm>
       </p:grpSpPr>
+      <p:pic>
+        <p:nvPicPr>
+          <p:cNvPr id="2" name="図 1">
+            <a:extLst>
+              <a:ext uri="{FF2B5EF4-FFF2-40B4-BE49-F238E27FC236}">
+                <a16:creationId xmlns:a16="http://schemas.microsoft.com/office/drawing/2014/main" id="{11BFA5BE-A41B-4B9B-A2C6-092CEFDC56D8}"/>
+              </a:ext>
+            </a:extLst>
+          </p:cNvPr>
+          <p:cNvPicPr>
+            <a:picLocks noChangeAspect="1"/>
+          </p:cNvPicPr>
+          <p:nvPr/>
+        </p:nvPicPr>
+        <p:blipFill>
+          <a:blip r:embed="rId2"/>
+          <a:stretch>
+            <a:fillRect/>
+          </a:stretch>
+        </p:blipFill>
+        <p:spPr>
+          <a:xfrm>
+            <a:off x="3339355" y="4422088"/>
+            <a:ext cx="4932135" cy="1489451"/>
+          </a:xfrm>
+          <a:prstGeom prst="rect">
+            <a:avLst/>
+          </a:prstGeom>
+        </p:spPr>
+      </p:pic>
       <p:sp>
         <p:nvSpPr>
           <p:cNvPr id="5" name="Shape 130">
             <a:extLst>
               <a:ext uri="{FF2B5EF4-FFF2-40B4-BE49-F238E27FC236}">
-                <a16:creationId xmlns:a16="http://schemas.microsoft.com/office/drawing/2014/main" xmlns="" id="{A6551EB4-F459-4E50-83D7-2A1C930077BE}"/>
+                <a16:creationId xmlns:a16="http://schemas.microsoft.com/office/drawing/2014/main" id="{A6551EB4-F459-4E50-83D7-2A1C930077BE}"/>
               </a:ext>
             </a:extLst>
           </p:cNvPr>
@@ -9215,7 +9252,7 @@
           </a:ln>
           <a:extLst>
             <a:ext uri="{C572A759-6A51-4108-AA02-DFA0A04FC94B}">
-              <ma14:wrappingTextBoxFlag xmlns="" xmlns:ma14="http://schemas.microsoft.com/office/mac/drawingml/2011/main" val="1"/>
+              <ma14:wrappingTextBoxFlag xmlns:ma14="http://schemas.microsoft.com/office/mac/drawingml/2011/main" xmlns="" val="1"/>
             </a:ext>
           </a:extLst>
         </p:spPr>
@@ -9246,7 +9283,7 @@
           <p:cNvPr id="3" name="図 2">
             <a:extLst>
               <a:ext uri="{FF2B5EF4-FFF2-40B4-BE49-F238E27FC236}">
-                <a16:creationId xmlns:a16="http://schemas.microsoft.com/office/drawing/2014/main" xmlns="" id="{B80197E1-002C-4B5B-8CAD-22A619C6B682}"/>
+                <a16:creationId xmlns:a16="http://schemas.microsoft.com/office/drawing/2014/main" id="{B80197E1-002C-4B5B-8CAD-22A619C6B682}"/>
               </a:ext>
             </a:extLst>
           </p:cNvPr>
@@ -9256,7 +9293,7 @@
           <p:nvPr/>
         </p:nvPicPr>
         <p:blipFill rotWithShape="1">
-          <a:blip r:embed="rId2">
+          <a:blip r:embed="rId3">
             <a:extLst>
               <a:ext uri="{28A0092B-C50C-407E-A947-70E740481C1C}">
                 <a14:useLocalDpi xmlns:a14="http://schemas.microsoft.com/office/drawing/2010/main" val="0"/>
@@ -9281,7 +9318,7 @@
           <p:cNvPr id="6" name="スライド番号プレースホルダー 5">
             <a:extLst>
               <a:ext uri="{FF2B5EF4-FFF2-40B4-BE49-F238E27FC236}">
-                <a16:creationId xmlns:a16="http://schemas.microsoft.com/office/drawing/2014/main" xmlns="" id="{2CD8CDDC-2309-46AA-8941-A43B0ECD0551}"/>
+                <a16:creationId xmlns:a16="http://schemas.microsoft.com/office/drawing/2014/main" id="{2CD8CDDC-2309-46AA-8941-A43B0ECD0551}"/>
               </a:ext>
             </a:extLst>
           </p:cNvPr>
@@ -9310,7 +9347,7 @@
           <p:cNvPr id="7" name="グループ化 6">
             <a:extLst>
               <a:ext uri="{FF2B5EF4-FFF2-40B4-BE49-F238E27FC236}">
-                <a16:creationId xmlns:a16="http://schemas.microsoft.com/office/drawing/2014/main" xmlns="" id="{757DCA3C-601F-4827-9474-FBF53A1D94E6}"/>
+                <a16:creationId xmlns:a16="http://schemas.microsoft.com/office/drawing/2014/main" id="{757DCA3C-601F-4827-9474-FBF53A1D94E6}"/>
               </a:ext>
             </a:extLst>
           </p:cNvPr>
@@ -9330,7 +9367,7 @@
             <p:cNvPr id="8" name="テキスト ボックス 7">
               <a:extLst>
                 <a:ext uri="{FF2B5EF4-FFF2-40B4-BE49-F238E27FC236}">
-                  <a16:creationId xmlns:a16="http://schemas.microsoft.com/office/drawing/2014/main" xmlns="" id="{4312921B-5336-47D0-8729-5756022FF4A8}"/>
+                  <a16:creationId xmlns:a16="http://schemas.microsoft.com/office/drawing/2014/main" id="{4312921B-5336-47D0-8729-5756022FF4A8}"/>
                 </a:ext>
               </a:extLst>
             </p:cNvPr>
@@ -9384,7 +9421,7 @@
             <p:cNvPr id="9" name="テキスト ボックス 8">
               <a:extLst>
                 <a:ext uri="{FF2B5EF4-FFF2-40B4-BE49-F238E27FC236}">
-                  <a16:creationId xmlns:a16="http://schemas.microsoft.com/office/drawing/2014/main" xmlns="" id="{1BDC3E10-1771-4B0B-AC33-73F0EA10BF59}"/>
+                  <a16:creationId xmlns:a16="http://schemas.microsoft.com/office/drawing/2014/main" id="{1BDC3E10-1771-4B0B-AC33-73F0EA10BF59}"/>
                 </a:ext>
               </a:extLst>
             </p:cNvPr>
@@ -9415,47 +9452,12 @@
           </p:txBody>
         </p:sp>
       </p:grpSp>
-      <p:pic>
-        <p:nvPicPr>
-          <p:cNvPr id="10" name="図 9">
-            <a:extLst>
-              <a:ext uri="{FF2B5EF4-FFF2-40B4-BE49-F238E27FC236}">
-                <a16:creationId xmlns:a16="http://schemas.microsoft.com/office/drawing/2014/main" xmlns="" id="{1ECD4A91-438B-495E-B122-2B36AAB9E7E7}"/>
-              </a:ext>
-            </a:extLst>
-          </p:cNvPr>
-          <p:cNvPicPr>
-            <a:picLocks noChangeAspect="1"/>
-          </p:cNvPicPr>
-          <p:nvPr/>
-        </p:nvPicPr>
-        <p:blipFill rotWithShape="1">
-          <a:blip r:embed="rId3">
-            <a:extLst>
-              <a:ext uri="{28A0092B-C50C-407E-A947-70E740481C1C}">
-                <a14:useLocalDpi xmlns:a14="http://schemas.microsoft.com/office/drawing/2010/main" val="0"/>
-              </a:ext>
-            </a:extLst>
-          </a:blip>
-          <a:srcRect b="-3"/>
-          <a:stretch/>
-        </p:blipFill>
-        <p:spPr>
-          <a:xfrm>
-            <a:off x="163302" y="3699943"/>
-            <a:ext cx="11653520" cy="407921"/>
-          </a:xfrm>
-          <a:prstGeom prst="rect">
-            <a:avLst/>
-          </a:prstGeom>
-        </p:spPr>
-      </p:pic>
       <p:grpSp>
         <p:nvGrpSpPr>
           <p:cNvPr id="11" name="グループ化 10">
             <a:extLst>
               <a:ext uri="{FF2B5EF4-FFF2-40B4-BE49-F238E27FC236}">
-                <a16:creationId xmlns:a16="http://schemas.microsoft.com/office/drawing/2014/main" xmlns="" id="{0FC0D26F-BCD4-4C64-AC17-8A478246A5B6}"/>
+                <a16:creationId xmlns:a16="http://schemas.microsoft.com/office/drawing/2014/main" id="{0FC0D26F-BCD4-4C64-AC17-8A478246A5B6}"/>
               </a:ext>
             </a:extLst>
           </p:cNvPr>
@@ -9464,7 +9466,7 @@
         </p:nvGrpSpPr>
         <p:grpSpPr>
           <a:xfrm>
-            <a:off x="290830" y="2968442"/>
+            <a:off x="290830" y="2696593"/>
             <a:ext cx="11910306" cy="395586"/>
             <a:chOff x="254945" y="903513"/>
             <a:chExt cx="11910306" cy="395586"/>
@@ -9475,7 +9477,7 @@
             <p:cNvPr id="12" name="テキスト ボックス 11">
               <a:extLst>
                 <a:ext uri="{FF2B5EF4-FFF2-40B4-BE49-F238E27FC236}">
-                  <a16:creationId xmlns:a16="http://schemas.microsoft.com/office/drawing/2014/main" xmlns="" id="{6C7AE161-80AD-4C45-B387-3D78C056FE00}"/>
+                  <a16:creationId xmlns:a16="http://schemas.microsoft.com/office/drawing/2014/main" id="{6C7AE161-80AD-4C45-B387-3D78C056FE00}"/>
                 </a:ext>
               </a:extLst>
             </p:cNvPr>
@@ -9518,7 +9520,7 @@
             <p:cNvPr id="13" name="テキスト ボックス 12">
               <a:extLst>
                 <a:ext uri="{FF2B5EF4-FFF2-40B4-BE49-F238E27FC236}">
-                  <a16:creationId xmlns:a16="http://schemas.microsoft.com/office/drawing/2014/main" xmlns="" id="{9A0EB87F-9E15-457D-AF28-D2DD89584F29}"/>
+                  <a16:creationId xmlns:a16="http://schemas.microsoft.com/office/drawing/2014/main" id="{9A0EB87F-9E15-457D-AF28-D2DD89584F29}"/>
                 </a:ext>
               </a:extLst>
             </p:cNvPr>
@@ -9549,64 +9551,12 @@
           </p:txBody>
         </p:sp>
       </p:grpSp>
-      <p:sp>
-        <p:nvSpPr>
-          <p:cNvPr id="14" name="四角形: 角を丸くする 13">
-            <a:extLst>
-              <a:ext uri="{FF2B5EF4-FFF2-40B4-BE49-F238E27FC236}">
-                <a16:creationId xmlns:a16="http://schemas.microsoft.com/office/drawing/2014/main" xmlns="" id="{CA627236-342C-446E-837F-F02F74BAA4D3}"/>
-              </a:ext>
-            </a:extLst>
-          </p:cNvPr>
-          <p:cNvSpPr/>
-          <p:nvPr/>
-        </p:nvSpPr>
-        <p:spPr>
-          <a:xfrm>
-            <a:off x="6438901" y="3609975"/>
-            <a:ext cx="5414962" cy="604838"/>
-          </a:xfrm>
-          <a:prstGeom prst="roundRect">
-            <a:avLst/>
-          </a:prstGeom>
-          <a:noFill/>
-          <a:ln w="28575">
-            <a:solidFill>
-              <a:srgbClr val="FF0000"/>
-            </a:solidFill>
-          </a:ln>
-        </p:spPr>
-        <p:style>
-          <a:lnRef idx="2">
-            <a:schemeClr val="accent1">
-              <a:shade val="50000"/>
-            </a:schemeClr>
-          </a:lnRef>
-          <a:fillRef idx="1">
-            <a:schemeClr val="accent1"/>
-          </a:fillRef>
-          <a:effectRef idx="0">
-            <a:schemeClr val="accent1"/>
-          </a:effectRef>
-          <a:fontRef idx="minor">
-            <a:schemeClr val="lt1"/>
-          </a:fontRef>
-        </p:style>
-        <p:txBody>
-          <a:bodyPr rtlCol="0" anchor="ctr"/>
-          <a:lstStyle/>
-          <a:p>
-            <a:pPr algn="ctr"/>
-            <a:endParaRPr kumimoji="1" lang="ja-JP" altLang="en-US"/>
-          </a:p>
-        </p:txBody>
-      </p:sp>
       <p:grpSp>
         <p:nvGrpSpPr>
           <p:cNvPr id="15" name="グループ化 14">
             <a:extLst>
               <a:ext uri="{FF2B5EF4-FFF2-40B4-BE49-F238E27FC236}">
-                <a16:creationId xmlns:a16="http://schemas.microsoft.com/office/drawing/2014/main" xmlns="" id="{F076A1E6-C367-4C35-8D9D-7C463E748F32}"/>
+                <a16:creationId xmlns:a16="http://schemas.microsoft.com/office/drawing/2014/main" id="{F076A1E6-C367-4C35-8D9D-7C463E748F32}"/>
               </a:ext>
             </a:extLst>
           </p:cNvPr>
@@ -9615,7 +9565,7 @@
         </p:nvGrpSpPr>
         <p:grpSpPr>
           <a:xfrm>
-            <a:off x="2751416" y="5232431"/>
+            <a:off x="2717333" y="6015556"/>
             <a:ext cx="6089802" cy="830997"/>
             <a:chOff x="254945" y="903513"/>
             <a:chExt cx="6089802" cy="830997"/>
@@ -9626,7 +9576,7 @@
             <p:cNvPr id="16" name="テキスト ボックス 15">
               <a:extLst>
                 <a:ext uri="{FF2B5EF4-FFF2-40B4-BE49-F238E27FC236}">
-                  <a16:creationId xmlns:a16="http://schemas.microsoft.com/office/drawing/2014/main" xmlns="" id="{9FE51C4B-1B88-4A47-AA79-34D858A545DC}"/>
+                  <a16:creationId xmlns:a16="http://schemas.microsoft.com/office/drawing/2014/main" id="{9FE51C4B-1B88-4A47-AA79-34D858A545DC}"/>
                 </a:ext>
               </a:extLst>
             </p:cNvPr>
@@ -9669,7 +9619,7 @@
             <p:cNvPr id="17" name="テキスト ボックス 16">
               <a:extLst>
                 <a:ext uri="{FF2B5EF4-FFF2-40B4-BE49-F238E27FC236}">
-                  <a16:creationId xmlns:a16="http://schemas.microsoft.com/office/drawing/2014/main" xmlns="" id="{7F70B54D-E4DB-4B7F-856E-9C04605D764F}"/>
+                  <a16:creationId xmlns:a16="http://schemas.microsoft.com/office/drawing/2014/main" id="{7F70B54D-E4DB-4B7F-856E-9C04605D764F}"/>
                 </a:ext>
               </a:extLst>
             </p:cNvPr>
@@ -9697,6 +9647,217 @@
           </p:txBody>
         </p:sp>
       </p:grpSp>
+      <p:grpSp>
+        <p:nvGrpSpPr>
+          <p:cNvPr id="18" name="グループ化 17">
+            <a:extLst>
+              <a:ext uri="{FF2B5EF4-FFF2-40B4-BE49-F238E27FC236}">
+                <a16:creationId xmlns:a16="http://schemas.microsoft.com/office/drawing/2014/main" id="{095B2110-6B81-44CC-820A-124A513E8DD5}"/>
+              </a:ext>
+            </a:extLst>
+          </p:cNvPr>
+          <p:cNvGrpSpPr/>
+          <p:nvPr/>
+        </p:nvGrpSpPr>
+        <p:grpSpPr>
+          <a:xfrm>
+            <a:off x="311403" y="4026502"/>
+            <a:ext cx="7551741" cy="395586"/>
+            <a:chOff x="254945" y="903513"/>
+            <a:chExt cx="7551741" cy="395586"/>
+          </a:xfrm>
+        </p:grpSpPr>
+        <p:sp>
+          <p:nvSpPr>
+            <p:cNvPr id="19" name="テキスト ボックス 18">
+              <a:extLst>
+                <a:ext uri="{FF2B5EF4-FFF2-40B4-BE49-F238E27FC236}">
+                  <a16:creationId xmlns:a16="http://schemas.microsoft.com/office/drawing/2014/main" id="{092CE571-D839-4F13-B3CA-5A02A99FD13E}"/>
+                </a:ext>
+              </a:extLst>
+            </p:cNvPr>
+            <p:cNvSpPr txBox="1"/>
+            <p:nvPr/>
+          </p:nvSpPr>
+          <p:spPr>
+            <a:xfrm>
+              <a:off x="620103" y="903513"/>
+              <a:ext cx="7186583" cy="369332"/>
+            </a:xfrm>
+            <a:prstGeom prst="rect">
+              <a:avLst/>
+            </a:prstGeom>
+            <a:noFill/>
+          </p:spPr>
+          <p:txBody>
+            <a:bodyPr wrap="none" rtlCol="0">
+              <a:spAutoFit/>
+            </a:bodyPr>
+            <a:lstStyle/>
+            <a:p>
+              <a:r>
+                <a:rPr lang="ja-JP" altLang="en-US" dirty="0"/>
+                <a:t>ダイアグラムビューから</a:t>
+              </a:r>
+              <a:r>
+                <a:rPr lang="en-US" altLang="ja-JP" dirty="0"/>
+                <a:t>Spring1,2</a:t>
+              </a:r>
+              <a:r>
+                <a:rPr lang="ja-JP" altLang="en-US" dirty="0"/>
+                <a:t>のパラメータを確認してください</a:t>
+              </a:r>
+            </a:p>
+          </p:txBody>
+        </p:sp>
+        <p:sp>
+          <p:nvSpPr>
+            <p:cNvPr id="20" name="テキスト ボックス 19">
+              <a:extLst>
+                <a:ext uri="{FF2B5EF4-FFF2-40B4-BE49-F238E27FC236}">
+                  <a16:creationId xmlns:a16="http://schemas.microsoft.com/office/drawing/2014/main" id="{F71C96B6-A8EF-41C2-A60A-A780DDD9C381}"/>
+                </a:ext>
+              </a:extLst>
+            </p:cNvPr>
+            <p:cNvSpPr txBox="1"/>
+            <p:nvPr/>
+          </p:nvSpPr>
+          <p:spPr>
+            <a:xfrm>
+              <a:off x="254945" y="929767"/>
+              <a:ext cx="415498" cy="369332"/>
+            </a:xfrm>
+            <a:prstGeom prst="rect">
+              <a:avLst/>
+            </a:prstGeom>
+            <a:noFill/>
+          </p:spPr>
+          <p:txBody>
+            <a:bodyPr wrap="none" rtlCol="0">
+              <a:spAutoFit/>
+            </a:bodyPr>
+            <a:lstStyle/>
+            <a:p>
+              <a:r>
+                <a:rPr kumimoji="1" lang="ja-JP" altLang="en-US" dirty="0"/>
+                <a:t>③</a:t>
+              </a:r>
+            </a:p>
+          </p:txBody>
+        </p:sp>
+      </p:grpSp>
+      <p:pic>
+        <p:nvPicPr>
+          <p:cNvPr id="24" name="図 23">
+            <a:extLst>
+              <a:ext uri="{FF2B5EF4-FFF2-40B4-BE49-F238E27FC236}">
+                <a16:creationId xmlns:a16="http://schemas.microsoft.com/office/drawing/2014/main" id="{C7050328-A7DB-4785-9E08-C4852F646B25}"/>
+              </a:ext>
+            </a:extLst>
+          </p:cNvPr>
+          <p:cNvPicPr>
+            <a:picLocks noChangeAspect="1"/>
+          </p:cNvPicPr>
+          <p:nvPr/>
+        </p:nvPicPr>
+        <p:blipFill>
+          <a:blip r:embed="rId4"/>
+          <a:stretch>
+            <a:fillRect/>
+          </a:stretch>
+        </p:blipFill>
+        <p:spPr>
+          <a:xfrm>
+            <a:off x="636251" y="3313160"/>
+            <a:ext cx="11217612" cy="175275"/>
+          </a:xfrm>
+          <a:prstGeom prst="rect">
+            <a:avLst/>
+          </a:prstGeom>
+        </p:spPr>
+      </p:pic>
+      <p:pic>
+        <p:nvPicPr>
+          <p:cNvPr id="25" name="図 24">
+            <a:extLst>
+              <a:ext uri="{FF2B5EF4-FFF2-40B4-BE49-F238E27FC236}">
+                <a16:creationId xmlns:a16="http://schemas.microsoft.com/office/drawing/2014/main" id="{6890FA31-4342-4F41-8288-E7B2D0E8A0AD}"/>
+              </a:ext>
+            </a:extLst>
+          </p:cNvPr>
+          <p:cNvPicPr>
+            <a:picLocks noChangeAspect="1"/>
+          </p:cNvPicPr>
+          <p:nvPr/>
+        </p:nvPicPr>
+        <p:blipFill>
+          <a:blip r:embed="rId5"/>
+          <a:stretch>
+            <a:fillRect/>
+          </a:stretch>
+        </p:blipFill>
+        <p:spPr>
+          <a:xfrm>
+            <a:off x="636251" y="3576684"/>
+            <a:ext cx="11217612" cy="167655"/>
+          </a:xfrm>
+          <a:prstGeom prst="rect">
+            <a:avLst/>
+          </a:prstGeom>
+        </p:spPr>
+      </p:pic>
+      <p:sp>
+        <p:nvSpPr>
+          <p:cNvPr id="14" name="四角形: 角を丸くする 13">
+            <a:extLst>
+              <a:ext uri="{FF2B5EF4-FFF2-40B4-BE49-F238E27FC236}">
+                <a16:creationId xmlns:a16="http://schemas.microsoft.com/office/drawing/2014/main" id="{CA627236-342C-446E-837F-F02F74BAA4D3}"/>
+              </a:ext>
+            </a:extLst>
+          </p:cNvPr>
+          <p:cNvSpPr/>
+          <p:nvPr/>
+        </p:nvSpPr>
+        <p:spPr>
+          <a:xfrm>
+            <a:off x="5981700" y="3231037"/>
+            <a:ext cx="5973763" cy="604838"/>
+          </a:xfrm>
+          <a:prstGeom prst="roundRect">
+            <a:avLst/>
+          </a:prstGeom>
+          <a:noFill/>
+          <a:ln w="28575">
+            <a:solidFill>
+              <a:srgbClr val="FF0000"/>
+            </a:solidFill>
+          </a:ln>
+        </p:spPr>
+        <p:style>
+          <a:lnRef idx="2">
+            <a:schemeClr val="accent1">
+              <a:shade val="50000"/>
+            </a:schemeClr>
+          </a:lnRef>
+          <a:fillRef idx="1">
+            <a:schemeClr val="accent1"/>
+          </a:fillRef>
+          <a:effectRef idx="0">
+            <a:schemeClr val="accent1"/>
+          </a:effectRef>
+          <a:fontRef idx="minor">
+            <a:schemeClr val="lt1"/>
+          </a:fontRef>
+        </p:style>
+        <p:txBody>
+          <a:bodyPr rtlCol="0" anchor="ctr"/>
+          <a:lstStyle/>
+          <a:p>
+            <a:pPr algn="ctr"/>
+            <a:endParaRPr kumimoji="1" lang="ja-JP" altLang="en-US"/>
+          </a:p>
+        </p:txBody>
+      </p:sp>
     </p:spTree>
     <p:extLst>
       <p:ext uri="{BB962C8B-B14F-4D97-AF65-F5344CB8AC3E}">
@@ -9732,7 +9893,7 @@
           <p:cNvPr id="5" name="Shape 130">
             <a:extLst>
               <a:ext uri="{FF2B5EF4-FFF2-40B4-BE49-F238E27FC236}">
-                <a16:creationId xmlns:a16="http://schemas.microsoft.com/office/drawing/2014/main" xmlns="" id="{A6551EB4-F459-4E50-83D7-2A1C930077BE}"/>
+                <a16:creationId xmlns:a16="http://schemas.microsoft.com/office/drawing/2014/main" id="{A6551EB4-F459-4E50-83D7-2A1C930077BE}"/>
               </a:ext>
             </a:extLst>
           </p:cNvPr>
@@ -9752,7 +9913,7 @@
           </a:ln>
           <a:extLst>
             <a:ext uri="{C572A759-6A51-4108-AA02-DFA0A04FC94B}">
-              <ma14:wrappingTextBoxFlag xmlns="" xmlns:ma14="http://schemas.microsoft.com/office/mac/drawingml/2011/main" val="1"/>
+              <ma14:wrappingTextBoxFlag xmlns:ma14="http://schemas.microsoft.com/office/mac/drawingml/2011/main" xmlns="" val="1"/>
             </a:ext>
           </a:extLst>
         </p:spPr>
@@ -9786,7 +9947,7 @@
           <p:cNvPr id="4" name="図 3">
             <a:extLst>
               <a:ext uri="{FF2B5EF4-FFF2-40B4-BE49-F238E27FC236}">
-                <a16:creationId xmlns:a16="http://schemas.microsoft.com/office/drawing/2014/main" xmlns="" id="{BB868450-2D9A-41F1-9B7D-EF917413291F}"/>
+                <a16:creationId xmlns:a16="http://schemas.microsoft.com/office/drawing/2014/main" id="{BB868450-2D9A-41F1-9B7D-EF917413291F}"/>
               </a:ext>
             </a:extLst>
           </p:cNvPr>
@@ -9822,7 +9983,7 @@
           <p:cNvPr id="6" name="図 5">
             <a:extLst>
               <a:ext uri="{FF2B5EF4-FFF2-40B4-BE49-F238E27FC236}">
-                <a16:creationId xmlns:a16="http://schemas.microsoft.com/office/drawing/2014/main" xmlns="" id="{F24DFC6E-E490-4614-AF51-8BB4E418EBD2}"/>
+                <a16:creationId xmlns:a16="http://schemas.microsoft.com/office/drawing/2014/main" id="{F24DFC6E-E490-4614-AF51-8BB4E418EBD2}"/>
               </a:ext>
             </a:extLst>
           </p:cNvPr>
@@ -9858,7 +10019,7 @@
           <p:cNvPr id="7" name="スライド番号プレースホルダー 6">
             <a:extLst>
               <a:ext uri="{FF2B5EF4-FFF2-40B4-BE49-F238E27FC236}">
-                <a16:creationId xmlns:a16="http://schemas.microsoft.com/office/drawing/2014/main" xmlns="" id="{38A12E08-BE2B-45B9-A02E-19915D293BB0}"/>
+                <a16:creationId xmlns:a16="http://schemas.microsoft.com/office/drawing/2014/main" id="{38A12E08-BE2B-45B9-A02E-19915D293BB0}"/>
               </a:ext>
             </a:extLst>
           </p:cNvPr>
@@ -9887,7 +10048,7 @@
           <p:cNvPr id="8" name="グループ化 7">
             <a:extLst>
               <a:ext uri="{FF2B5EF4-FFF2-40B4-BE49-F238E27FC236}">
-                <a16:creationId xmlns:a16="http://schemas.microsoft.com/office/drawing/2014/main" xmlns="" id="{E0FF3421-D931-432A-99B2-A2BAD4499487}"/>
+                <a16:creationId xmlns:a16="http://schemas.microsoft.com/office/drawing/2014/main" id="{E0FF3421-D931-432A-99B2-A2BAD4499487}"/>
               </a:ext>
             </a:extLst>
           </p:cNvPr>
@@ -9907,7 +10068,7 @@
             <p:cNvPr id="9" name="テキスト ボックス 8">
               <a:extLst>
                 <a:ext uri="{FF2B5EF4-FFF2-40B4-BE49-F238E27FC236}">
-                  <a16:creationId xmlns:a16="http://schemas.microsoft.com/office/drawing/2014/main" xmlns="" id="{7B0C900D-4BA3-4086-8290-AE81BE8C54C9}"/>
+                  <a16:creationId xmlns:a16="http://schemas.microsoft.com/office/drawing/2014/main" id="{7B0C900D-4BA3-4086-8290-AE81BE8C54C9}"/>
                 </a:ext>
               </a:extLst>
             </p:cNvPr>
@@ -9950,7 +10111,7 @@
             <p:cNvPr id="10" name="テキスト ボックス 9">
               <a:extLst>
                 <a:ext uri="{FF2B5EF4-FFF2-40B4-BE49-F238E27FC236}">
-                  <a16:creationId xmlns:a16="http://schemas.microsoft.com/office/drawing/2014/main" xmlns="" id="{F9B5DFA2-740E-4806-8835-B24DD2C918EF}"/>
+                  <a16:creationId xmlns:a16="http://schemas.microsoft.com/office/drawing/2014/main" id="{F9B5DFA2-740E-4806-8835-B24DD2C918EF}"/>
                 </a:ext>
               </a:extLst>
             </p:cNvPr>
@@ -9986,7 +10147,7 @@
           <p:cNvPr id="11" name="グループ化 10">
             <a:extLst>
               <a:ext uri="{FF2B5EF4-FFF2-40B4-BE49-F238E27FC236}">
-                <a16:creationId xmlns:a16="http://schemas.microsoft.com/office/drawing/2014/main" xmlns="" id="{6EC52DB8-7228-43C5-8DF2-47888B2FFBA4}"/>
+                <a16:creationId xmlns:a16="http://schemas.microsoft.com/office/drawing/2014/main" id="{6EC52DB8-7228-43C5-8DF2-47888B2FFBA4}"/>
               </a:ext>
             </a:extLst>
           </p:cNvPr>
@@ -10006,7 +10167,7 @@
             <p:cNvPr id="12" name="テキスト ボックス 11">
               <a:extLst>
                 <a:ext uri="{FF2B5EF4-FFF2-40B4-BE49-F238E27FC236}">
-                  <a16:creationId xmlns:a16="http://schemas.microsoft.com/office/drawing/2014/main" xmlns="" id="{B64779DF-4724-4C26-B1BD-CE72A6CA5B6E}"/>
+                  <a16:creationId xmlns:a16="http://schemas.microsoft.com/office/drawing/2014/main" id="{B64779DF-4724-4C26-B1BD-CE72A6CA5B6E}"/>
                 </a:ext>
               </a:extLst>
             </p:cNvPr>
@@ -10065,7 +10226,7 @@
             <p:cNvPr id="13" name="テキスト ボックス 12">
               <a:extLst>
                 <a:ext uri="{FF2B5EF4-FFF2-40B4-BE49-F238E27FC236}">
-                  <a16:creationId xmlns:a16="http://schemas.microsoft.com/office/drawing/2014/main" xmlns="" id="{F3BD0150-0AF8-49C8-BB88-B7509B7AD47A}"/>
+                  <a16:creationId xmlns:a16="http://schemas.microsoft.com/office/drawing/2014/main" id="{F3BD0150-0AF8-49C8-BB88-B7509B7AD47A}"/>
                 </a:ext>
               </a:extLst>
             </p:cNvPr>
@@ -10101,7 +10262,7 @@
           <p:cNvPr id="14" name="直線矢印コネクタ 13">
             <a:extLst>
               <a:ext uri="{FF2B5EF4-FFF2-40B4-BE49-F238E27FC236}">
-                <a16:creationId xmlns:a16="http://schemas.microsoft.com/office/drawing/2014/main" xmlns="" id="{D1FF1141-398A-4D21-B38F-3A1154F93C1E}"/>
+                <a16:creationId xmlns:a16="http://schemas.microsoft.com/office/drawing/2014/main" id="{D1FF1141-398A-4D21-B38F-3A1154F93C1E}"/>
               </a:ext>
             </a:extLst>
           </p:cNvPr>
@@ -10146,7 +10307,7 @@
           <p:cNvPr id="17" name="グループ化 16">
             <a:extLst>
               <a:ext uri="{FF2B5EF4-FFF2-40B4-BE49-F238E27FC236}">
-                <a16:creationId xmlns:a16="http://schemas.microsoft.com/office/drawing/2014/main" xmlns="" id="{48407B91-B9EF-4851-9CE5-8DA205EDA5F6}"/>
+                <a16:creationId xmlns:a16="http://schemas.microsoft.com/office/drawing/2014/main" id="{48407B91-B9EF-4851-9CE5-8DA205EDA5F6}"/>
               </a:ext>
             </a:extLst>
           </p:cNvPr>
@@ -10166,7 +10327,7 @@
             <p:cNvPr id="18" name="テキスト ボックス 17">
               <a:extLst>
                 <a:ext uri="{FF2B5EF4-FFF2-40B4-BE49-F238E27FC236}">
-                  <a16:creationId xmlns:a16="http://schemas.microsoft.com/office/drawing/2014/main" xmlns="" id="{9D43168F-5E5F-4F59-9C40-3B55B7D2BCD8}"/>
+                  <a16:creationId xmlns:a16="http://schemas.microsoft.com/office/drawing/2014/main" id="{9D43168F-5E5F-4F59-9C40-3B55B7D2BCD8}"/>
                 </a:ext>
               </a:extLst>
             </p:cNvPr>
@@ -10221,7 +10382,7 @@
             <p:cNvPr id="19" name="テキスト ボックス 18">
               <a:extLst>
                 <a:ext uri="{FF2B5EF4-FFF2-40B4-BE49-F238E27FC236}">
-                  <a16:creationId xmlns:a16="http://schemas.microsoft.com/office/drawing/2014/main" xmlns="" id="{7C2F8BDB-23A4-4FA5-88C4-8546D02EEE7A}"/>
+                  <a16:creationId xmlns:a16="http://schemas.microsoft.com/office/drawing/2014/main" id="{7C2F8BDB-23A4-4FA5-88C4-8546D02EEE7A}"/>
                 </a:ext>
               </a:extLst>
             </p:cNvPr>
@@ -10287,7 +10448,7 @@
           <p:cNvPr id="5" name="Shape 130">
             <a:extLst>
               <a:ext uri="{FF2B5EF4-FFF2-40B4-BE49-F238E27FC236}">
-                <a16:creationId xmlns:a16="http://schemas.microsoft.com/office/drawing/2014/main" xmlns="" id="{A6551EB4-F459-4E50-83D7-2A1C930077BE}"/>
+                <a16:creationId xmlns:a16="http://schemas.microsoft.com/office/drawing/2014/main" id="{A6551EB4-F459-4E50-83D7-2A1C930077BE}"/>
               </a:ext>
             </a:extLst>
           </p:cNvPr>
@@ -10307,7 +10468,7 @@
           </a:ln>
           <a:extLst>
             <a:ext uri="{C572A759-6A51-4108-AA02-DFA0A04FC94B}">
-              <ma14:wrappingTextBoxFlag xmlns="" xmlns:ma14="http://schemas.microsoft.com/office/mac/drawingml/2011/main" val="1"/>
+              <ma14:wrappingTextBoxFlag xmlns:ma14="http://schemas.microsoft.com/office/mac/drawingml/2011/main" xmlns="" val="1"/>
             </a:ext>
           </a:extLst>
         </p:spPr>
@@ -10341,7 +10502,7 @@
           <p:cNvPr id="7" name="スライド番号プレースホルダー 6">
             <a:extLst>
               <a:ext uri="{FF2B5EF4-FFF2-40B4-BE49-F238E27FC236}">
-                <a16:creationId xmlns:a16="http://schemas.microsoft.com/office/drawing/2014/main" xmlns="" id="{38A12E08-BE2B-45B9-A02E-19915D293BB0}"/>
+                <a16:creationId xmlns:a16="http://schemas.microsoft.com/office/drawing/2014/main" id="{38A12E08-BE2B-45B9-A02E-19915D293BB0}"/>
               </a:ext>
             </a:extLst>
           </p:cNvPr>
@@ -10370,7 +10531,7 @@
           <p:cNvPr id="16" name="グループ化 15">
             <a:extLst>
               <a:ext uri="{FF2B5EF4-FFF2-40B4-BE49-F238E27FC236}">
-                <a16:creationId xmlns:a16="http://schemas.microsoft.com/office/drawing/2014/main" xmlns="" id="{F4B30176-9E99-4704-B0BB-F9FF941FF579}"/>
+                <a16:creationId xmlns:a16="http://schemas.microsoft.com/office/drawing/2014/main" id="{F4B30176-9E99-4704-B0BB-F9FF941FF579}"/>
               </a:ext>
             </a:extLst>
           </p:cNvPr>
@@ -10390,7 +10551,7 @@
             <p:cNvPr id="20" name="テキスト ボックス 19">
               <a:extLst>
                 <a:ext uri="{FF2B5EF4-FFF2-40B4-BE49-F238E27FC236}">
-                  <a16:creationId xmlns:a16="http://schemas.microsoft.com/office/drawing/2014/main" xmlns="" id="{1EE542A8-19E9-4FF2-9481-BBEA8F922F61}"/>
+                  <a16:creationId xmlns:a16="http://schemas.microsoft.com/office/drawing/2014/main" id="{1EE542A8-19E9-4FF2-9481-BBEA8F922F61}"/>
                 </a:ext>
               </a:extLst>
             </p:cNvPr>
@@ -10433,7 +10594,7 @@
             <p:cNvPr id="21" name="テキスト ボックス 20">
               <a:extLst>
                 <a:ext uri="{FF2B5EF4-FFF2-40B4-BE49-F238E27FC236}">
-                  <a16:creationId xmlns:a16="http://schemas.microsoft.com/office/drawing/2014/main" xmlns="" id="{EDE76C1F-2880-49F9-ACDD-A289DE569650}"/>
+                  <a16:creationId xmlns:a16="http://schemas.microsoft.com/office/drawing/2014/main" id="{EDE76C1F-2880-49F9-ACDD-A289DE569650}"/>
                 </a:ext>
               </a:extLst>
             </p:cNvPr>
@@ -10469,7 +10630,7 @@
           <p:cNvPr id="22" name="グループ化 21">
             <a:extLst>
               <a:ext uri="{FF2B5EF4-FFF2-40B4-BE49-F238E27FC236}">
-                <a16:creationId xmlns:a16="http://schemas.microsoft.com/office/drawing/2014/main" xmlns="" id="{4423123C-03BD-46A1-A9D9-AD6818746D2A}"/>
+                <a16:creationId xmlns:a16="http://schemas.microsoft.com/office/drawing/2014/main" id="{4423123C-03BD-46A1-A9D9-AD6818746D2A}"/>
               </a:ext>
             </a:extLst>
           </p:cNvPr>
@@ -10489,7 +10650,7 @@
             <p:cNvPr id="23" name="テキスト ボックス 22">
               <a:extLst>
                 <a:ext uri="{FF2B5EF4-FFF2-40B4-BE49-F238E27FC236}">
-                  <a16:creationId xmlns:a16="http://schemas.microsoft.com/office/drawing/2014/main" xmlns="" id="{17C531AB-0852-43FE-AD76-71C58028071E}"/>
+                  <a16:creationId xmlns:a16="http://schemas.microsoft.com/office/drawing/2014/main" id="{17C531AB-0852-43FE-AD76-71C58028071E}"/>
                 </a:ext>
               </a:extLst>
             </p:cNvPr>
@@ -10524,7 +10685,7 @@
             <p:cNvPr id="24" name="テキスト ボックス 23">
               <a:extLst>
                 <a:ext uri="{FF2B5EF4-FFF2-40B4-BE49-F238E27FC236}">
-                  <a16:creationId xmlns:a16="http://schemas.microsoft.com/office/drawing/2014/main" xmlns="" id="{F493BFDC-9DF3-4279-AF67-70DB40C9E162}"/>
+                  <a16:creationId xmlns:a16="http://schemas.microsoft.com/office/drawing/2014/main" id="{F493BFDC-9DF3-4279-AF67-70DB40C9E162}"/>
                 </a:ext>
               </a:extLst>
             </p:cNvPr>
@@ -10560,7 +10721,7 @@
           <p:cNvPr id="25" name="図 24">
             <a:extLst>
               <a:ext uri="{FF2B5EF4-FFF2-40B4-BE49-F238E27FC236}">
-                <a16:creationId xmlns:a16="http://schemas.microsoft.com/office/drawing/2014/main" xmlns="" id="{9E519B0A-6AD3-4CFB-B107-02FE9DDBC4EB}"/>
+                <a16:creationId xmlns:a16="http://schemas.microsoft.com/office/drawing/2014/main" id="{9E519B0A-6AD3-4CFB-B107-02FE9DDBC4EB}"/>
               </a:ext>
             </a:extLst>
           </p:cNvPr>
@@ -10626,7 +10787,7 @@
           <p:cNvPr id="5" name="Shape 130">
             <a:extLst>
               <a:ext uri="{FF2B5EF4-FFF2-40B4-BE49-F238E27FC236}">
-                <a16:creationId xmlns:a16="http://schemas.microsoft.com/office/drawing/2014/main" xmlns="" id="{A6551EB4-F459-4E50-83D7-2A1C930077BE}"/>
+                <a16:creationId xmlns:a16="http://schemas.microsoft.com/office/drawing/2014/main" id="{A6551EB4-F459-4E50-83D7-2A1C930077BE}"/>
               </a:ext>
             </a:extLst>
           </p:cNvPr>
@@ -10646,7 +10807,7 @@
           </a:ln>
           <a:extLst>
             <a:ext uri="{C572A759-6A51-4108-AA02-DFA0A04FC94B}">
-              <ma14:wrappingTextBoxFlag xmlns="" xmlns:ma14="http://schemas.microsoft.com/office/mac/drawingml/2011/main" val="1"/>
+              <ma14:wrappingTextBoxFlag xmlns:ma14="http://schemas.microsoft.com/office/mac/drawingml/2011/main" xmlns="" val="1"/>
             </a:ext>
           </a:extLst>
         </p:spPr>
@@ -10677,7 +10838,7 @@
           <p:cNvPr id="2" name="図 1">
             <a:extLst>
               <a:ext uri="{FF2B5EF4-FFF2-40B4-BE49-F238E27FC236}">
-                <a16:creationId xmlns:a16="http://schemas.microsoft.com/office/drawing/2014/main" xmlns="" id="{962E0DB9-4817-4711-8997-8686A3BDA54E}"/>
+                <a16:creationId xmlns:a16="http://schemas.microsoft.com/office/drawing/2014/main" id="{962E0DB9-4817-4711-8997-8686A3BDA54E}"/>
               </a:ext>
             </a:extLst>
           </p:cNvPr>
@@ -10713,7 +10874,7 @@
           <p:cNvPr id="3" name="スライド番号プレースホルダー 2">
             <a:extLst>
               <a:ext uri="{FF2B5EF4-FFF2-40B4-BE49-F238E27FC236}">
-                <a16:creationId xmlns:a16="http://schemas.microsoft.com/office/drawing/2014/main" xmlns="" id="{3A36A27A-07D1-4CD4-BA08-00C821629A6C}"/>
+                <a16:creationId xmlns:a16="http://schemas.microsoft.com/office/drawing/2014/main" id="{3A36A27A-07D1-4CD4-BA08-00C821629A6C}"/>
               </a:ext>
             </a:extLst>
           </p:cNvPr>
@@ -10742,7 +10903,7 @@
           <p:cNvPr id="6" name="グループ化 5">
             <a:extLst>
               <a:ext uri="{FF2B5EF4-FFF2-40B4-BE49-F238E27FC236}">
-                <a16:creationId xmlns:a16="http://schemas.microsoft.com/office/drawing/2014/main" xmlns="" id="{66458901-F2F5-4A27-AFA2-0350422D4DBF}"/>
+                <a16:creationId xmlns:a16="http://schemas.microsoft.com/office/drawing/2014/main" id="{66458901-F2F5-4A27-AFA2-0350422D4DBF}"/>
               </a:ext>
             </a:extLst>
           </p:cNvPr>
@@ -10762,7 +10923,7 @@
             <p:cNvPr id="7" name="テキスト ボックス 6">
               <a:extLst>
                 <a:ext uri="{FF2B5EF4-FFF2-40B4-BE49-F238E27FC236}">
-                  <a16:creationId xmlns:a16="http://schemas.microsoft.com/office/drawing/2014/main" xmlns="" id="{405BCF47-34BB-4CE3-B4BD-BE7DD3B64B56}"/>
+                  <a16:creationId xmlns:a16="http://schemas.microsoft.com/office/drawing/2014/main" id="{405BCF47-34BB-4CE3-B4BD-BE7DD3B64B56}"/>
                 </a:ext>
               </a:extLst>
             </p:cNvPr>
@@ -10805,7 +10966,7 @@
             <p:cNvPr id="8" name="テキスト ボックス 7">
               <a:extLst>
                 <a:ext uri="{FF2B5EF4-FFF2-40B4-BE49-F238E27FC236}">
-                  <a16:creationId xmlns:a16="http://schemas.microsoft.com/office/drawing/2014/main" xmlns="" id="{8EFD6340-A8AD-44EB-B1A6-19373FEAF0F9}"/>
+                  <a16:creationId xmlns:a16="http://schemas.microsoft.com/office/drawing/2014/main" id="{8EFD6340-A8AD-44EB-B1A6-19373FEAF0F9}"/>
                 </a:ext>
               </a:extLst>
             </p:cNvPr>
@@ -10841,7 +11002,7 @@
           <p:cNvPr id="9" name="グループ化 8">
             <a:extLst>
               <a:ext uri="{FF2B5EF4-FFF2-40B4-BE49-F238E27FC236}">
-                <a16:creationId xmlns:a16="http://schemas.microsoft.com/office/drawing/2014/main" xmlns="" id="{E623A0B7-CB37-4F62-86E2-3B72A7829D3C}"/>
+                <a16:creationId xmlns:a16="http://schemas.microsoft.com/office/drawing/2014/main" id="{E623A0B7-CB37-4F62-86E2-3B72A7829D3C}"/>
               </a:ext>
             </a:extLst>
           </p:cNvPr>
@@ -10861,7 +11022,7 @@
             <p:cNvPr id="10" name="テキスト ボックス 9">
               <a:extLst>
                 <a:ext uri="{FF2B5EF4-FFF2-40B4-BE49-F238E27FC236}">
-                  <a16:creationId xmlns:a16="http://schemas.microsoft.com/office/drawing/2014/main" xmlns="" id="{42FBFA94-6D8B-4154-8D1E-92F2CCE5C2AE}"/>
+                  <a16:creationId xmlns:a16="http://schemas.microsoft.com/office/drawing/2014/main" id="{42FBFA94-6D8B-4154-8D1E-92F2CCE5C2AE}"/>
                 </a:ext>
               </a:extLst>
             </p:cNvPr>
@@ -10916,7 +11077,7 @@
             <p:cNvPr id="11" name="テキスト ボックス 10">
               <a:extLst>
                 <a:ext uri="{FF2B5EF4-FFF2-40B4-BE49-F238E27FC236}">
-                  <a16:creationId xmlns:a16="http://schemas.microsoft.com/office/drawing/2014/main" xmlns="" id="{699535E3-23E1-4B96-8B5B-F0EC59224610}"/>
+                  <a16:creationId xmlns:a16="http://schemas.microsoft.com/office/drawing/2014/main" id="{699535E3-23E1-4B96-8B5B-F0EC59224610}"/>
                 </a:ext>
               </a:extLst>
             </p:cNvPr>
@@ -10982,7 +11143,7 @@
           <p:cNvPr id="5" name="Shape 130">
             <a:extLst>
               <a:ext uri="{FF2B5EF4-FFF2-40B4-BE49-F238E27FC236}">
-                <a16:creationId xmlns:a16="http://schemas.microsoft.com/office/drawing/2014/main" xmlns="" id="{A6551EB4-F459-4E50-83D7-2A1C930077BE}"/>
+                <a16:creationId xmlns:a16="http://schemas.microsoft.com/office/drawing/2014/main" id="{A6551EB4-F459-4E50-83D7-2A1C930077BE}"/>
               </a:ext>
             </a:extLst>
           </p:cNvPr>
@@ -11002,7 +11163,7 @@
           </a:ln>
           <a:extLst>
             <a:ext uri="{C572A759-6A51-4108-AA02-DFA0A04FC94B}">
-              <ma14:wrappingTextBoxFlag xmlns="" xmlns:ma14="http://schemas.microsoft.com/office/mac/drawingml/2011/main" val="1"/>
+              <ma14:wrappingTextBoxFlag xmlns:ma14="http://schemas.microsoft.com/office/mac/drawingml/2011/main" xmlns="" val="1"/>
             </a:ext>
           </a:extLst>
         </p:spPr>
@@ -11032,7 +11193,7 @@
           <p:cNvPr id="2" name="テキスト ボックス 1">
             <a:extLst>
               <a:ext uri="{FF2B5EF4-FFF2-40B4-BE49-F238E27FC236}">
-                <a16:creationId xmlns:a16="http://schemas.microsoft.com/office/drawing/2014/main" xmlns="" id="{13BF6981-F9E6-4F88-9388-C45999E02726}"/>
+                <a16:creationId xmlns:a16="http://schemas.microsoft.com/office/drawing/2014/main" id="{13BF6981-F9E6-4F88-9388-C45999E02726}"/>
               </a:ext>
             </a:extLst>
           </p:cNvPr>
@@ -11057,11 +11218,7 @@
           <a:p>
             <a:r>
               <a:rPr kumimoji="1" lang="ja-JP" altLang="en-US" dirty="0"/>
-              <a:t>・パラメータを変更し、どのような結果になるか確認して</a:t>
-            </a:r>
-            <a:r>
-              <a:rPr kumimoji="1" lang="ja-JP" altLang="en-US" dirty="0" smtClean="0"/>
-              <a:t>ください</a:t>
+              <a:t>・パラメータを変更し、どのような結果になるか確認してください</a:t>
             </a:r>
             <a:endParaRPr kumimoji="1" lang="en-US" altLang="ja-JP" dirty="0"/>
           </a:p>
@@ -11072,7 +11229,7 @@
           <p:cNvPr id="4" name="テキスト ボックス 3">
             <a:extLst>
               <a:ext uri="{FF2B5EF4-FFF2-40B4-BE49-F238E27FC236}">
-                <a16:creationId xmlns:a16="http://schemas.microsoft.com/office/drawing/2014/main" xmlns="" id="{4E34B5B8-148B-4744-8AA6-8DBD56971BC6}"/>
+                <a16:creationId xmlns:a16="http://schemas.microsoft.com/office/drawing/2014/main" id="{4E34B5B8-148B-4744-8AA6-8DBD56971BC6}"/>
               </a:ext>
             </a:extLst>
           </p:cNvPr>
@@ -11123,7 +11280,7 @@
           <p:cNvPr id="3" name="スライド番号プレースホルダー 2">
             <a:extLst>
               <a:ext uri="{FF2B5EF4-FFF2-40B4-BE49-F238E27FC236}">
-                <a16:creationId xmlns:a16="http://schemas.microsoft.com/office/drawing/2014/main" xmlns="" id="{94936D4F-379D-40B9-AC4D-09D42B6E3930}"/>
+                <a16:creationId xmlns:a16="http://schemas.microsoft.com/office/drawing/2014/main" id="{94936D4F-379D-40B9-AC4D-09D42B6E3930}"/>
               </a:ext>
             </a:extLst>
           </p:cNvPr>
@@ -11170,11 +11327,7 @@
           <a:p>
             <a:r>
               <a:rPr lang="ja-JP" altLang="en-US" dirty="0"/>
-              <a:t>・</a:t>
-            </a:r>
-            <a:r>
-              <a:rPr lang="ja-JP" altLang="en-US" dirty="0" smtClean="0"/>
-              <a:t>パラメーター</a:t>
+              <a:t>・パラメーター</a:t>
             </a:r>
             <a:r>
               <a:rPr lang="en-US" altLang="ja-JP" dirty="0"/>
@@ -11191,7 +11344,6 @@
               <a:rPr lang="ja-JP" altLang="en-US" dirty="0"/>
               <a:t>　原因を考察してみてください</a:t>
             </a:r>
-            <a:endParaRPr lang="ja-JP" altLang="en-US" dirty="0"/>
           </a:p>
         </p:txBody>
       </p:sp>
@@ -11230,7 +11382,7 @@
           <p:cNvPr id="4" name="Shape 130">
             <a:extLst>
               <a:ext uri="{FF2B5EF4-FFF2-40B4-BE49-F238E27FC236}">
-                <a16:creationId xmlns:a16="http://schemas.microsoft.com/office/drawing/2014/main" xmlns="" id="{925B04DB-30E4-42E2-80C9-D742CED3A8D8}"/>
+                <a16:creationId xmlns:a16="http://schemas.microsoft.com/office/drawing/2014/main" id="{925B04DB-30E4-42E2-80C9-D742CED3A8D8}"/>
               </a:ext>
             </a:extLst>
           </p:cNvPr>
@@ -11250,7 +11402,7 @@
           </a:ln>
           <a:extLst>
             <a:ext uri="{C572A759-6A51-4108-AA02-DFA0A04FC94B}">
-              <ma14:wrappingTextBoxFlag xmlns="" xmlns:ma14="http://schemas.microsoft.com/office/mac/drawingml/2011/main" val="1"/>
+              <ma14:wrappingTextBoxFlag xmlns:ma14="http://schemas.microsoft.com/office/mac/drawingml/2011/main" xmlns="" val="1"/>
             </a:ext>
           </a:extLst>
         </p:spPr>
@@ -11281,7 +11433,7 @@
           <p:cNvPr id="2" name="テキスト ボックス 1">
             <a:extLst>
               <a:ext uri="{FF2B5EF4-FFF2-40B4-BE49-F238E27FC236}">
-                <a16:creationId xmlns:a16="http://schemas.microsoft.com/office/drawing/2014/main" xmlns="" id="{64A833D5-5AB2-488D-A54D-E9CDA5738841}"/>
+                <a16:creationId xmlns:a16="http://schemas.microsoft.com/office/drawing/2014/main" id="{64A833D5-5AB2-488D-A54D-E9CDA5738841}"/>
               </a:ext>
             </a:extLst>
           </p:cNvPr>
@@ -11306,19 +11458,11 @@
           <a:p>
             <a:r>
               <a:rPr kumimoji="1" lang="ja-JP" altLang="en-US" sz="2400" dirty="0"/>
-              <a:t>既存のモデルを自分の欲しいモデルになるよう</a:t>
-            </a:r>
-            <a:r>
-              <a:rPr kumimoji="1" lang="ja-JP" altLang="en-US" sz="2400" dirty="0" smtClean="0"/>
-              <a:t>に</a:t>
-            </a:r>
-            <a:r>
-              <a:rPr kumimoji="1" lang="ja-JP" altLang="en-US" sz="2800" b="1" dirty="0" smtClean="0"/>
-              <a:t>組み合わせてみましょう</a:t>
+              <a:t>既存のモデルを自分の欲しいモデルになるように</a:t>
             </a:r>
             <a:r>
               <a:rPr kumimoji="1" lang="ja-JP" altLang="en-US" sz="2800" b="1" dirty="0"/>
-              <a:t>。</a:t>
+              <a:t>組み合わせてみましょう。</a:t>
             </a:r>
             <a:endParaRPr kumimoji="1" lang="en-US" altLang="ja-JP" sz="2800" b="1" dirty="0"/>
           </a:p>
@@ -11329,7 +11473,7 @@
           <p:cNvPr id="6" name="テキスト ボックス 5">
             <a:extLst>
               <a:ext uri="{FF2B5EF4-FFF2-40B4-BE49-F238E27FC236}">
-                <a16:creationId xmlns:a16="http://schemas.microsoft.com/office/drawing/2014/main" xmlns="" id="{3584E5C0-5BA4-49BA-B1F6-15F4C82108C1}"/>
+                <a16:creationId xmlns:a16="http://schemas.microsoft.com/office/drawing/2014/main" id="{3584E5C0-5BA4-49BA-B1F6-15F4C82108C1}"/>
               </a:ext>
             </a:extLst>
           </p:cNvPr>
@@ -11365,7 +11509,7 @@
           <p:cNvPr id="7" name="テキスト ボックス 6">
             <a:extLst>
               <a:ext uri="{FF2B5EF4-FFF2-40B4-BE49-F238E27FC236}">
-                <a16:creationId xmlns:a16="http://schemas.microsoft.com/office/drawing/2014/main" xmlns="" id="{1E75CFAD-D320-49CE-BFDB-2AF74B9D6F09}"/>
+                <a16:creationId xmlns:a16="http://schemas.microsoft.com/office/drawing/2014/main" id="{1E75CFAD-D320-49CE-BFDB-2AF74B9D6F09}"/>
               </a:ext>
             </a:extLst>
           </p:cNvPr>
@@ -11559,7 +11703,7 @@
           <p:cNvPr id="4" name="Shape 130">
             <a:extLst>
               <a:ext uri="{FF2B5EF4-FFF2-40B4-BE49-F238E27FC236}">
-                <a16:creationId xmlns:a16="http://schemas.microsoft.com/office/drawing/2014/main" xmlns="" id="{925B04DB-30E4-42E2-80C9-D742CED3A8D8}"/>
+                <a16:creationId xmlns:a16="http://schemas.microsoft.com/office/drawing/2014/main" id="{925B04DB-30E4-42E2-80C9-D742CED3A8D8}"/>
               </a:ext>
             </a:extLst>
           </p:cNvPr>
@@ -11579,7 +11723,7 @@
           </a:ln>
           <a:extLst>
             <a:ext uri="{C572A759-6A51-4108-AA02-DFA0A04FC94B}">
-              <ma14:wrappingTextBoxFlag xmlns="" xmlns:ma14="http://schemas.microsoft.com/office/mac/drawingml/2011/main" val="1"/>
+              <ma14:wrappingTextBoxFlag xmlns:ma14="http://schemas.microsoft.com/office/mac/drawingml/2011/main" xmlns="" val="1"/>
             </a:ext>
           </a:extLst>
         </p:spPr>
@@ -11598,7 +11742,7 @@
               </a:defRPr>
             </a:pPr>
             <a:r>
-              <a:rPr lang="ja-JP" altLang="en-US" dirty="0" smtClean="0"/>
+              <a:rPr lang="ja-JP" altLang="en-US" dirty="0"/>
               <a:t>本チュートリアルの内容</a:t>
             </a:r>
             <a:endParaRPr lang="en-US" altLang="ja-JP" dirty="0"/>
@@ -11610,7 +11754,7 @@
           <p:cNvPr id="5" name="テキスト ボックス 4">
             <a:extLst>
               <a:ext uri="{FF2B5EF4-FFF2-40B4-BE49-F238E27FC236}">
-                <a16:creationId xmlns:a16="http://schemas.microsoft.com/office/drawing/2014/main" xmlns="" id="{0DEE16CD-0F0A-48BE-B9FE-79118042DF53}"/>
+                <a16:creationId xmlns:a16="http://schemas.microsoft.com/office/drawing/2014/main" id="{0DEE16CD-0F0A-48BE-B9FE-79118042DF53}"/>
               </a:ext>
             </a:extLst>
           </p:cNvPr>
@@ -11639,30 +11783,14 @@
             </a:r>
             <a:r>
               <a:rPr kumimoji="1" lang="ja-JP" altLang="en-US" sz="3200" b="1" dirty="0"/>
-              <a:t>を</a:t>
-            </a:r>
-            <a:r>
-              <a:rPr kumimoji="1" lang="ja-JP" altLang="en-US" sz="3200" b="1" dirty="0" smtClean="0"/>
-              <a:t>つないで</a:t>
-            </a:r>
-            <a:endParaRPr kumimoji="1" lang="en-US" altLang="ja-JP" sz="3200" b="1" dirty="0" smtClean="0"/>
-          </a:p>
-          <a:p>
-            <a:r>
-              <a:rPr lang="ja-JP" altLang="en-US" sz="3200" b="1" dirty="0" smtClean="0"/>
-              <a:t>新しい</a:t>
-            </a:r>
+              <a:t>をつないで</a:t>
+            </a:r>
+            <a:endParaRPr kumimoji="1" lang="en-US" altLang="ja-JP" sz="3200" b="1" dirty="0"/>
+          </a:p>
+          <a:p>
             <a:r>
               <a:rPr lang="ja-JP" altLang="en-US" sz="3200" b="1" dirty="0"/>
-              <a:t>部品図を</a:t>
-            </a:r>
-            <a:r>
-              <a:rPr lang="ja-JP" altLang="en-US" sz="3200" b="1" dirty="0" smtClean="0"/>
-              <a:t>作成して</a:t>
-            </a:r>
-            <a:r>
-              <a:rPr lang="ja-JP" altLang="en-US" sz="3200" b="1" dirty="0"/>
-              <a:t>みましょう</a:t>
+              <a:t>新しい部品図を作成してみましょう</a:t>
             </a:r>
             <a:endParaRPr lang="en-US" altLang="ja-JP" sz="3200" b="1" dirty="0"/>
           </a:p>
@@ -11673,7 +11801,7 @@
           <p:cNvPr id="6" name="スライド番号プレースホルダー 5">
             <a:extLst>
               <a:ext uri="{FF2B5EF4-FFF2-40B4-BE49-F238E27FC236}">
-                <a16:creationId xmlns:a16="http://schemas.microsoft.com/office/drawing/2014/main" xmlns="" id="{7860792B-91CB-4ED5-B7C0-F0BB8D1637FC}"/>
+                <a16:creationId xmlns:a16="http://schemas.microsoft.com/office/drawing/2014/main" id="{7860792B-91CB-4ED5-B7C0-F0BB8D1637FC}"/>
               </a:ext>
             </a:extLst>
           </p:cNvPr>
@@ -11740,7 +11868,7 @@
           <a:p>
             <a:pPr algn="ctr"/>
             <a:r>
-              <a:rPr kumimoji="1" lang="ja-JP" altLang="en-US" dirty="0" smtClean="0">
+              <a:rPr kumimoji="1" lang="ja-JP" altLang="en-US" dirty="0">
                 <a:solidFill>
                   <a:schemeClr val="tx1"/>
                 </a:solidFill>
@@ -11748,7 +11876,7 @@
               <a:t>モデル</a:t>
             </a:r>
             <a:r>
-              <a:rPr kumimoji="1" lang="en-US" altLang="ja-JP" dirty="0" smtClean="0">
+              <a:rPr kumimoji="1" lang="en-US" altLang="ja-JP" dirty="0">
                 <a:solidFill>
                   <a:schemeClr val="tx1"/>
                 </a:solidFill>
@@ -11806,7 +11934,7 @@
           <a:p>
             <a:pPr algn="ctr"/>
             <a:r>
-              <a:rPr kumimoji="1" lang="ja-JP" altLang="en-US" dirty="0" smtClean="0">
+              <a:rPr kumimoji="1" lang="ja-JP" altLang="en-US" dirty="0">
                 <a:solidFill>
                   <a:schemeClr val="tx1"/>
                 </a:solidFill>
@@ -11814,7 +11942,7 @@
               <a:t>モデル</a:t>
             </a:r>
             <a:r>
-              <a:rPr kumimoji="1" lang="en-US" altLang="ja-JP" dirty="0" smtClean="0">
+              <a:rPr kumimoji="1" lang="en-US" altLang="ja-JP" dirty="0">
                 <a:solidFill>
                   <a:schemeClr val="tx1"/>
                 </a:solidFill>
@@ -11852,10 +11980,9 @@
           <a:lstStyle/>
           <a:p>
             <a:r>
-              <a:rPr kumimoji="1" lang="ja-JP" altLang="en-US" dirty="0" smtClean="0"/>
+              <a:rPr kumimoji="1" lang="ja-JP" altLang="en-US" dirty="0"/>
               <a:t>＋</a:t>
             </a:r>
-            <a:endParaRPr kumimoji="1" lang="ja-JP" altLang="en-US" dirty="0"/>
           </a:p>
         </p:txBody>
       </p:sp>
@@ -11950,7 +12077,7 @@
           <a:p>
             <a:pPr algn="ctr"/>
             <a:r>
-              <a:rPr kumimoji="1" lang="ja-JP" altLang="en-US" dirty="0" smtClean="0">
+              <a:rPr kumimoji="1" lang="ja-JP" altLang="en-US" dirty="0">
                 <a:solidFill>
                   <a:schemeClr val="tx1"/>
                 </a:solidFill>
@@ -11992,7 +12119,7 @@
             <p:cNvPr id="2" name="テキスト ボックス 1">
               <a:extLst>
                 <a:ext uri="{FF2B5EF4-FFF2-40B4-BE49-F238E27FC236}">
-                  <a16:creationId xmlns:a16="http://schemas.microsoft.com/office/drawing/2014/main" xmlns="" id="{47B09A49-C95A-4D4B-9B00-B59A111014CE}"/>
+                  <a16:creationId xmlns:a16="http://schemas.microsoft.com/office/drawing/2014/main" id="{47B09A49-C95A-4D4B-9B00-B59A111014CE}"/>
                 </a:ext>
               </a:extLst>
             </p:cNvPr>
@@ -12071,7 +12198,7 @@
             <p:cNvPr id="3" name="テキスト ボックス 2">
               <a:extLst>
                 <a:ext uri="{FF2B5EF4-FFF2-40B4-BE49-F238E27FC236}">
-                  <a16:creationId xmlns:a16="http://schemas.microsoft.com/office/drawing/2014/main" xmlns="" id="{5A4BAE0E-E883-40EC-83AE-73A9B5C0F534}"/>
+                  <a16:creationId xmlns:a16="http://schemas.microsoft.com/office/drawing/2014/main" id="{5A4BAE0E-E883-40EC-83AE-73A9B5C0F534}"/>
                 </a:ext>
               </a:extLst>
             </p:cNvPr>
@@ -12285,10 +12412,9 @@
             <a:lstStyle/>
             <a:p>
               <a:r>
-                <a:rPr kumimoji="1" lang="ja-JP" altLang="en-US" sz="1600" dirty="0" smtClean="0"/>
+                <a:rPr kumimoji="1" lang="ja-JP" altLang="en-US" sz="1600" dirty="0"/>
                 <a:t>今回のカスタマイズはこちら</a:t>
               </a:r>
-              <a:endParaRPr kumimoji="1" lang="ja-JP" altLang="en-US" sz="1600" dirty="0"/>
             </a:p>
           </p:txBody>
         </p:sp>
@@ -12337,18 +12463,13 @@
             <a:p>
               <a:pPr algn="ctr"/>
               <a:r>
-                <a:rPr kumimoji="1" lang="ja-JP" altLang="en-US" sz="2000" dirty="0" smtClean="0">
+                <a:rPr kumimoji="1" lang="ja-JP" altLang="en-US" sz="2000" dirty="0">
                   <a:solidFill>
                     <a:schemeClr val="tx1"/>
                   </a:solidFill>
                 </a:rPr>
                 <a:t>再掲</a:t>
               </a:r>
-              <a:endParaRPr kumimoji="1" lang="ja-JP" altLang="en-US" sz="2000" dirty="0">
-                <a:solidFill>
-                  <a:schemeClr val="tx1"/>
-                </a:solidFill>
-              </a:endParaRPr>
             </a:p>
           </p:txBody>
         </p:sp>
@@ -12388,7 +12509,7 @@
           <p:cNvPr id="4" name="Shape 130">
             <a:extLst>
               <a:ext uri="{FF2B5EF4-FFF2-40B4-BE49-F238E27FC236}">
-                <a16:creationId xmlns:a16="http://schemas.microsoft.com/office/drawing/2014/main" xmlns="" id="{925B04DB-30E4-42E2-80C9-D742CED3A8D8}"/>
+                <a16:creationId xmlns:a16="http://schemas.microsoft.com/office/drawing/2014/main" id="{925B04DB-30E4-42E2-80C9-D742CED3A8D8}"/>
               </a:ext>
             </a:extLst>
           </p:cNvPr>
@@ -12408,7 +12529,7 @@
           </a:ln>
           <a:extLst>
             <a:ext uri="{C572A759-6A51-4108-AA02-DFA0A04FC94B}">
-              <ma14:wrappingTextBoxFlag xmlns="" xmlns:ma14="http://schemas.microsoft.com/office/mac/drawingml/2011/main" val="1"/>
+              <ma14:wrappingTextBoxFlag xmlns:ma14="http://schemas.microsoft.com/office/mac/drawingml/2011/main" xmlns="" val="1"/>
             </a:ext>
           </a:extLst>
         </p:spPr>
@@ -12439,7 +12560,7 @@
           <p:cNvPr id="7" name="テキスト ボックス 6">
             <a:extLst>
               <a:ext uri="{FF2B5EF4-FFF2-40B4-BE49-F238E27FC236}">
-                <a16:creationId xmlns:a16="http://schemas.microsoft.com/office/drawing/2014/main" xmlns="" id="{58A4BB3B-BC94-46DC-97C4-4B803B7FB633}"/>
+                <a16:creationId xmlns:a16="http://schemas.microsoft.com/office/drawing/2014/main" id="{58A4BB3B-BC94-46DC-97C4-4B803B7FB633}"/>
               </a:ext>
             </a:extLst>
           </p:cNvPr>
@@ -12494,7 +12615,7 @@
           <p:cNvPr id="2" name="テキスト ボックス 1">
             <a:extLst>
               <a:ext uri="{FF2B5EF4-FFF2-40B4-BE49-F238E27FC236}">
-                <a16:creationId xmlns:a16="http://schemas.microsoft.com/office/drawing/2014/main" xmlns="" id="{2880DA32-0968-405B-A5FF-EA33B9449781}"/>
+                <a16:creationId xmlns:a16="http://schemas.microsoft.com/office/drawing/2014/main" id="{2880DA32-0968-405B-A5FF-EA33B9449781}"/>
               </a:ext>
             </a:extLst>
           </p:cNvPr>
@@ -12529,7 +12650,7 @@
           <p:cNvPr id="11" name="図 10">
             <a:extLst>
               <a:ext uri="{FF2B5EF4-FFF2-40B4-BE49-F238E27FC236}">
-                <a16:creationId xmlns:a16="http://schemas.microsoft.com/office/drawing/2014/main" xmlns="" id="{03A9DFE3-80E7-4BA5-A03A-C7687E6A75BC}"/>
+                <a16:creationId xmlns:a16="http://schemas.microsoft.com/office/drawing/2014/main" id="{03A9DFE3-80E7-4BA5-A03A-C7687E6A75BC}"/>
               </a:ext>
             </a:extLst>
           </p:cNvPr>
@@ -12565,7 +12686,7 @@
           <p:cNvPr id="12" name="図 11">
             <a:extLst>
               <a:ext uri="{FF2B5EF4-FFF2-40B4-BE49-F238E27FC236}">
-                <a16:creationId xmlns:a16="http://schemas.microsoft.com/office/drawing/2014/main" xmlns="" id="{3FB4F31C-BD0B-4F87-9489-8621387A44B7}"/>
+                <a16:creationId xmlns:a16="http://schemas.microsoft.com/office/drawing/2014/main" id="{3FB4F31C-BD0B-4F87-9489-8621387A44B7}"/>
               </a:ext>
             </a:extLst>
           </p:cNvPr>
@@ -12601,7 +12722,7 @@
           <p:cNvPr id="46" name="テキスト ボックス 45">
             <a:extLst>
               <a:ext uri="{FF2B5EF4-FFF2-40B4-BE49-F238E27FC236}">
-                <a16:creationId xmlns:a16="http://schemas.microsoft.com/office/drawing/2014/main" xmlns="" id="{25AA9269-AF39-47F9-94B0-6F308F4BD143}"/>
+                <a16:creationId xmlns:a16="http://schemas.microsoft.com/office/drawing/2014/main" id="{25AA9269-AF39-47F9-94B0-6F308F4BD143}"/>
               </a:ext>
             </a:extLst>
           </p:cNvPr>
@@ -12649,7 +12770,7 @@
           <p:cNvPr id="9" name="直線矢印コネクタ 8">
             <a:extLst>
               <a:ext uri="{FF2B5EF4-FFF2-40B4-BE49-F238E27FC236}">
-                <a16:creationId xmlns:a16="http://schemas.microsoft.com/office/drawing/2014/main" xmlns="" id="{E5824E3B-5A9E-4FB7-B232-80CE676EF0D4}"/>
+                <a16:creationId xmlns:a16="http://schemas.microsoft.com/office/drawing/2014/main" id="{E5824E3B-5A9E-4FB7-B232-80CE676EF0D4}"/>
               </a:ext>
             </a:extLst>
           </p:cNvPr>
@@ -12694,7 +12815,7 @@
           <p:cNvPr id="8" name="四角形: 角を丸くする 7">
             <a:extLst>
               <a:ext uri="{FF2B5EF4-FFF2-40B4-BE49-F238E27FC236}">
-                <a16:creationId xmlns:a16="http://schemas.microsoft.com/office/drawing/2014/main" xmlns="" id="{64EA7896-3E4A-4CF1-A2B0-6EB3063ACC37}"/>
+                <a16:creationId xmlns:a16="http://schemas.microsoft.com/office/drawing/2014/main" id="{64EA7896-3E4A-4CF1-A2B0-6EB3063ACC37}"/>
               </a:ext>
             </a:extLst>
           </p:cNvPr>
@@ -12746,7 +12867,7 @@
           <p:cNvPr id="18" name="スライド番号プレースホルダー 17">
             <a:extLst>
               <a:ext uri="{FF2B5EF4-FFF2-40B4-BE49-F238E27FC236}">
-                <a16:creationId xmlns:a16="http://schemas.microsoft.com/office/drawing/2014/main" xmlns="" id="{38F9DD60-03DA-4B3C-A884-C2549EE6387B}"/>
+                <a16:creationId xmlns:a16="http://schemas.microsoft.com/office/drawing/2014/main" id="{38F9DD60-03DA-4B3C-A884-C2549EE6387B}"/>
               </a:ext>
             </a:extLst>
           </p:cNvPr>
@@ -12805,7 +12926,7 @@
           <p:cNvPr id="4" name="Shape 130">
             <a:extLst>
               <a:ext uri="{FF2B5EF4-FFF2-40B4-BE49-F238E27FC236}">
-                <a16:creationId xmlns:a16="http://schemas.microsoft.com/office/drawing/2014/main" xmlns="" id="{925B04DB-30E4-42E2-80C9-D742CED3A8D8}"/>
+                <a16:creationId xmlns:a16="http://schemas.microsoft.com/office/drawing/2014/main" id="{925B04DB-30E4-42E2-80C9-D742CED3A8D8}"/>
               </a:ext>
             </a:extLst>
           </p:cNvPr>
@@ -12825,7 +12946,7 @@
           </a:ln>
           <a:extLst>
             <a:ext uri="{C572A759-6A51-4108-AA02-DFA0A04FC94B}">
-              <ma14:wrappingTextBoxFlag xmlns="" xmlns:ma14="http://schemas.microsoft.com/office/mac/drawingml/2011/main" val="1"/>
+              <ma14:wrappingTextBoxFlag xmlns:ma14="http://schemas.microsoft.com/office/mac/drawingml/2011/main" xmlns="" val="1"/>
             </a:ext>
           </a:extLst>
         </p:spPr>
@@ -12856,7 +12977,7 @@
           <p:cNvPr id="18" name="スライド番号プレースホルダー 17">
             <a:extLst>
               <a:ext uri="{FF2B5EF4-FFF2-40B4-BE49-F238E27FC236}">
-                <a16:creationId xmlns:a16="http://schemas.microsoft.com/office/drawing/2014/main" xmlns="" id="{38F9DD60-03DA-4B3C-A884-C2549EE6387B}"/>
+                <a16:creationId xmlns:a16="http://schemas.microsoft.com/office/drawing/2014/main" id="{38F9DD60-03DA-4B3C-A884-C2549EE6387B}"/>
               </a:ext>
             </a:extLst>
           </p:cNvPr>
@@ -12885,7 +13006,7 @@
           <p:cNvPr id="13" name="図 12">
             <a:extLst>
               <a:ext uri="{FF2B5EF4-FFF2-40B4-BE49-F238E27FC236}">
-                <a16:creationId xmlns:a16="http://schemas.microsoft.com/office/drawing/2014/main" xmlns="" id="{6FD93217-6FE9-435E-B265-D1C68DBA6D51}"/>
+                <a16:creationId xmlns:a16="http://schemas.microsoft.com/office/drawing/2014/main" id="{6FD93217-6FE9-435E-B265-D1C68DBA6D51}"/>
               </a:ext>
             </a:extLst>
           </p:cNvPr>
@@ -12921,7 +13042,7 @@
           <p:cNvPr id="14" name="テキスト ボックス 13">
             <a:extLst>
               <a:ext uri="{FF2B5EF4-FFF2-40B4-BE49-F238E27FC236}">
-                <a16:creationId xmlns:a16="http://schemas.microsoft.com/office/drawing/2014/main" xmlns="" id="{55CED313-8089-4551-9847-3191FC917F49}"/>
+                <a16:creationId xmlns:a16="http://schemas.microsoft.com/office/drawing/2014/main" id="{55CED313-8089-4551-9847-3191FC917F49}"/>
               </a:ext>
             </a:extLst>
           </p:cNvPr>
@@ -12961,7 +13082,7 @@
           <p:cNvPr id="3" name="図 2">
             <a:extLst>
               <a:ext uri="{FF2B5EF4-FFF2-40B4-BE49-F238E27FC236}">
-                <a16:creationId xmlns:a16="http://schemas.microsoft.com/office/drawing/2014/main" xmlns="" id="{D5CBDD76-BFF4-4783-9C96-0EB5080C54B9}"/>
+                <a16:creationId xmlns:a16="http://schemas.microsoft.com/office/drawing/2014/main" id="{D5CBDD76-BFF4-4783-9C96-0EB5080C54B9}"/>
               </a:ext>
             </a:extLst>
           </p:cNvPr>
@@ -12997,7 +13118,7 @@
           <p:cNvPr id="5" name="図 4">
             <a:extLst>
               <a:ext uri="{FF2B5EF4-FFF2-40B4-BE49-F238E27FC236}">
-                <a16:creationId xmlns:a16="http://schemas.microsoft.com/office/drawing/2014/main" xmlns="" id="{428E1DBA-5490-4E2A-9DC0-98342138C4C6}"/>
+                <a16:creationId xmlns:a16="http://schemas.microsoft.com/office/drawing/2014/main" id="{428E1DBA-5490-4E2A-9DC0-98342138C4C6}"/>
               </a:ext>
             </a:extLst>
           </p:cNvPr>
@@ -13033,7 +13154,7 @@
           <p:cNvPr id="10" name="直線矢印コネクタ 9">
             <a:extLst>
               <a:ext uri="{FF2B5EF4-FFF2-40B4-BE49-F238E27FC236}">
-                <a16:creationId xmlns:a16="http://schemas.microsoft.com/office/drawing/2014/main" xmlns="" id="{05409D9F-2EB4-49B7-9D6D-0DE80846E2EA}"/>
+                <a16:creationId xmlns:a16="http://schemas.microsoft.com/office/drawing/2014/main" id="{05409D9F-2EB4-49B7-9D6D-0DE80846E2EA}"/>
               </a:ext>
             </a:extLst>
           </p:cNvPr>
@@ -13080,7 +13201,7 @@
           <p:cNvPr id="23" name="直線矢印コネクタ 22">
             <a:extLst>
               <a:ext uri="{FF2B5EF4-FFF2-40B4-BE49-F238E27FC236}">
-                <a16:creationId xmlns:a16="http://schemas.microsoft.com/office/drawing/2014/main" xmlns="" id="{D241C7B4-3BBB-4BFB-9CD1-D7950FE613E1}"/>
+                <a16:creationId xmlns:a16="http://schemas.microsoft.com/office/drawing/2014/main" id="{D241C7B4-3BBB-4BFB-9CD1-D7950FE613E1}"/>
               </a:ext>
             </a:extLst>
           </p:cNvPr>
@@ -13127,7 +13248,7 @@
           <p:cNvPr id="15" name="テキスト ボックス 14">
             <a:extLst>
               <a:ext uri="{FF2B5EF4-FFF2-40B4-BE49-F238E27FC236}">
-                <a16:creationId xmlns:a16="http://schemas.microsoft.com/office/drawing/2014/main" xmlns="" id="{08C3414D-3CC7-4BE4-8FD8-0F6BA71F1BB0}"/>
+                <a16:creationId xmlns:a16="http://schemas.microsoft.com/office/drawing/2014/main" id="{08C3414D-3CC7-4BE4-8FD8-0F6BA71F1BB0}"/>
               </a:ext>
             </a:extLst>
           </p:cNvPr>
@@ -13170,7 +13291,7 @@
           <p:cNvPr id="9" name="テキスト ボックス 8">
             <a:extLst>
               <a:ext uri="{FF2B5EF4-FFF2-40B4-BE49-F238E27FC236}">
-                <a16:creationId xmlns:a16="http://schemas.microsoft.com/office/drawing/2014/main" xmlns="" id="{BF9E0597-0C56-4006-BF5C-2524B19B93D3}"/>
+                <a16:creationId xmlns:a16="http://schemas.microsoft.com/office/drawing/2014/main" id="{BF9E0597-0C56-4006-BF5C-2524B19B93D3}"/>
               </a:ext>
             </a:extLst>
           </p:cNvPr>
@@ -13235,7 +13356,7 @@
           <p:cNvPr id="4" name="Shape 130">
             <a:extLst>
               <a:ext uri="{FF2B5EF4-FFF2-40B4-BE49-F238E27FC236}">
-                <a16:creationId xmlns:a16="http://schemas.microsoft.com/office/drawing/2014/main" xmlns="" id="{925B04DB-30E4-42E2-80C9-D742CED3A8D8}"/>
+                <a16:creationId xmlns:a16="http://schemas.microsoft.com/office/drawing/2014/main" id="{925B04DB-30E4-42E2-80C9-D742CED3A8D8}"/>
               </a:ext>
             </a:extLst>
           </p:cNvPr>
@@ -13255,7 +13376,7 @@
           </a:ln>
           <a:extLst>
             <a:ext uri="{C572A759-6A51-4108-AA02-DFA0A04FC94B}">
-              <ma14:wrappingTextBoxFlag xmlns="" xmlns:ma14="http://schemas.microsoft.com/office/mac/drawingml/2011/main" val="1"/>
+              <ma14:wrappingTextBoxFlag xmlns:ma14="http://schemas.microsoft.com/office/mac/drawingml/2011/main" xmlns="" val="1"/>
             </a:ext>
           </a:extLst>
         </p:spPr>
@@ -13286,7 +13407,7 @@
           <p:cNvPr id="18" name="スライド番号プレースホルダー 17">
             <a:extLst>
               <a:ext uri="{FF2B5EF4-FFF2-40B4-BE49-F238E27FC236}">
-                <a16:creationId xmlns:a16="http://schemas.microsoft.com/office/drawing/2014/main" xmlns="" id="{38F9DD60-03DA-4B3C-A884-C2549EE6387B}"/>
+                <a16:creationId xmlns:a16="http://schemas.microsoft.com/office/drawing/2014/main" id="{38F9DD60-03DA-4B3C-A884-C2549EE6387B}"/>
               </a:ext>
             </a:extLst>
           </p:cNvPr>
@@ -13315,7 +13436,7 @@
           <p:cNvPr id="3" name="四角形: 角を丸くする 2">
             <a:extLst>
               <a:ext uri="{FF2B5EF4-FFF2-40B4-BE49-F238E27FC236}">
-                <a16:creationId xmlns:a16="http://schemas.microsoft.com/office/drawing/2014/main" xmlns="" id="{65D54BEB-D652-4A99-9B8D-7A84E540C3D1}"/>
+                <a16:creationId xmlns:a16="http://schemas.microsoft.com/office/drawing/2014/main" id="{65D54BEB-D652-4A99-9B8D-7A84E540C3D1}"/>
               </a:ext>
             </a:extLst>
           </p:cNvPr>
@@ -13390,7 +13511,7 @@
           <p:cNvPr id="13" name="四角形: 角を丸くする 12">
             <a:extLst>
               <a:ext uri="{FF2B5EF4-FFF2-40B4-BE49-F238E27FC236}">
-                <a16:creationId xmlns:a16="http://schemas.microsoft.com/office/drawing/2014/main" xmlns="" id="{DE5D8352-F071-49A8-BD39-6FB4904156BD}"/>
+                <a16:creationId xmlns:a16="http://schemas.microsoft.com/office/drawing/2014/main" id="{DE5D8352-F071-49A8-BD39-6FB4904156BD}"/>
               </a:ext>
             </a:extLst>
           </p:cNvPr>
@@ -13486,7 +13607,7 @@
           <p:cNvPr id="14" name="四角形: 角を丸くする 13">
             <a:extLst>
               <a:ext uri="{FF2B5EF4-FFF2-40B4-BE49-F238E27FC236}">
-                <a16:creationId xmlns:a16="http://schemas.microsoft.com/office/drawing/2014/main" xmlns="" id="{7F20ED16-C979-443F-8E84-C3DC74B309EF}"/>
+                <a16:creationId xmlns:a16="http://schemas.microsoft.com/office/drawing/2014/main" id="{7F20ED16-C979-443F-8E84-C3DC74B309EF}"/>
               </a:ext>
             </a:extLst>
           </p:cNvPr>
@@ -13545,7 +13666,7 @@
           <p:cNvPr id="15" name="四角形: 角を丸くする 14">
             <a:extLst>
               <a:ext uri="{FF2B5EF4-FFF2-40B4-BE49-F238E27FC236}">
-                <a16:creationId xmlns:a16="http://schemas.microsoft.com/office/drawing/2014/main" xmlns="" id="{FBF79948-F868-4D2F-952E-8DF38BF9A190}"/>
+                <a16:creationId xmlns:a16="http://schemas.microsoft.com/office/drawing/2014/main" id="{FBF79948-F868-4D2F-952E-8DF38BF9A190}"/>
               </a:ext>
             </a:extLst>
           </p:cNvPr>
@@ -13604,7 +13725,7 @@
           <p:cNvPr id="16" name="直線矢印コネクタ 15">
             <a:extLst>
               <a:ext uri="{FF2B5EF4-FFF2-40B4-BE49-F238E27FC236}">
-                <a16:creationId xmlns:a16="http://schemas.microsoft.com/office/drawing/2014/main" xmlns="" id="{6471EE3B-D066-4758-92B6-70F7450DD12E}"/>
+                <a16:creationId xmlns:a16="http://schemas.microsoft.com/office/drawing/2014/main" id="{6471EE3B-D066-4758-92B6-70F7450DD12E}"/>
               </a:ext>
             </a:extLst>
           </p:cNvPr>
@@ -13651,7 +13772,7 @@
           <p:cNvPr id="19" name="直線矢印コネクタ 18">
             <a:extLst>
               <a:ext uri="{FF2B5EF4-FFF2-40B4-BE49-F238E27FC236}">
-                <a16:creationId xmlns:a16="http://schemas.microsoft.com/office/drawing/2014/main" xmlns="" id="{B1E9209E-7C6F-42E4-BC96-8F78F250018E}"/>
+                <a16:creationId xmlns:a16="http://schemas.microsoft.com/office/drawing/2014/main" id="{B1E9209E-7C6F-42E4-BC96-8F78F250018E}"/>
               </a:ext>
             </a:extLst>
           </p:cNvPr>
@@ -13698,7 +13819,7 @@
           <p:cNvPr id="20" name="直線矢印コネクタ 19">
             <a:extLst>
               <a:ext uri="{FF2B5EF4-FFF2-40B4-BE49-F238E27FC236}">
-                <a16:creationId xmlns:a16="http://schemas.microsoft.com/office/drawing/2014/main" xmlns="" id="{A8634485-7BF8-4208-A28C-E753BED99ED4}"/>
+                <a16:creationId xmlns:a16="http://schemas.microsoft.com/office/drawing/2014/main" id="{A8634485-7BF8-4208-A28C-E753BED99ED4}"/>
               </a:ext>
             </a:extLst>
           </p:cNvPr>
@@ -13745,7 +13866,7 @@
           <p:cNvPr id="24" name="テキスト ボックス 23">
             <a:extLst>
               <a:ext uri="{FF2B5EF4-FFF2-40B4-BE49-F238E27FC236}">
-                <a16:creationId xmlns:a16="http://schemas.microsoft.com/office/drawing/2014/main" xmlns="" id="{AE5D16DF-E407-42E8-9CC1-1597AA68F7BD}"/>
+                <a16:creationId xmlns:a16="http://schemas.microsoft.com/office/drawing/2014/main" id="{AE5D16DF-E407-42E8-9CC1-1597AA68F7BD}"/>
               </a:ext>
             </a:extLst>
           </p:cNvPr>
@@ -13780,7 +13901,7 @@
           <p:cNvPr id="29" name="四角形: 角を丸くする 28">
             <a:extLst>
               <a:ext uri="{FF2B5EF4-FFF2-40B4-BE49-F238E27FC236}">
-                <a16:creationId xmlns:a16="http://schemas.microsoft.com/office/drawing/2014/main" xmlns="" id="{9F10CFC5-1A7B-4900-BB11-D4A6BFDE19F7}"/>
+                <a16:creationId xmlns:a16="http://schemas.microsoft.com/office/drawing/2014/main" id="{9F10CFC5-1A7B-4900-BB11-D4A6BFDE19F7}"/>
               </a:ext>
             </a:extLst>
           </p:cNvPr>
@@ -13839,7 +13960,7 @@
           <p:cNvPr id="33" name="直線矢印コネクタ 32">
             <a:extLst>
               <a:ext uri="{FF2B5EF4-FFF2-40B4-BE49-F238E27FC236}">
-                <a16:creationId xmlns:a16="http://schemas.microsoft.com/office/drawing/2014/main" xmlns="" id="{3C8E64A5-0CFA-471C-A5DB-FDBEDC46A901}"/>
+                <a16:creationId xmlns:a16="http://schemas.microsoft.com/office/drawing/2014/main" id="{3C8E64A5-0CFA-471C-A5DB-FDBEDC46A901}"/>
               </a:ext>
             </a:extLst>
           </p:cNvPr>
@@ -13886,7 +14007,7 @@
           <p:cNvPr id="36" name="テキスト ボックス 35">
             <a:extLst>
               <a:ext uri="{FF2B5EF4-FFF2-40B4-BE49-F238E27FC236}">
-                <a16:creationId xmlns:a16="http://schemas.microsoft.com/office/drawing/2014/main" xmlns="" id="{40EF380F-9F69-4078-903A-4ACC2EEBBC8F}"/>
+                <a16:creationId xmlns:a16="http://schemas.microsoft.com/office/drawing/2014/main" id="{40EF380F-9F69-4078-903A-4ACC2EEBBC8F}"/>
               </a:ext>
             </a:extLst>
           </p:cNvPr>
@@ -13921,7 +14042,7 @@
           <p:cNvPr id="37" name="テキスト ボックス 36">
             <a:extLst>
               <a:ext uri="{FF2B5EF4-FFF2-40B4-BE49-F238E27FC236}">
-                <a16:creationId xmlns:a16="http://schemas.microsoft.com/office/drawing/2014/main" xmlns="" id="{1DC4709D-83CD-4620-8C48-F922725D63FF}"/>
+                <a16:creationId xmlns:a16="http://schemas.microsoft.com/office/drawing/2014/main" id="{1DC4709D-83CD-4620-8C48-F922725D63FF}"/>
               </a:ext>
             </a:extLst>
           </p:cNvPr>
@@ -13956,7 +14077,7 @@
           <p:cNvPr id="40" name="四角形: 角を丸くする 39">
             <a:extLst>
               <a:ext uri="{FF2B5EF4-FFF2-40B4-BE49-F238E27FC236}">
-                <a16:creationId xmlns:a16="http://schemas.microsoft.com/office/drawing/2014/main" xmlns="" id="{4D0F023E-2844-44C6-91DB-AA9B78AD9580}"/>
+                <a16:creationId xmlns:a16="http://schemas.microsoft.com/office/drawing/2014/main" id="{4D0F023E-2844-44C6-91DB-AA9B78AD9580}"/>
               </a:ext>
             </a:extLst>
           </p:cNvPr>
@@ -14031,7 +14152,7 @@
           <p:cNvPr id="45" name="テキスト ボックス 44">
             <a:extLst>
               <a:ext uri="{FF2B5EF4-FFF2-40B4-BE49-F238E27FC236}">
-                <a16:creationId xmlns:a16="http://schemas.microsoft.com/office/drawing/2014/main" xmlns="" id="{ACD7FBA1-C368-47BD-8094-A1D2DE7E39AA}"/>
+                <a16:creationId xmlns:a16="http://schemas.microsoft.com/office/drawing/2014/main" id="{ACD7FBA1-C368-47BD-8094-A1D2DE7E39AA}"/>
               </a:ext>
             </a:extLst>
           </p:cNvPr>
@@ -14071,7 +14192,7 @@
           <p:cNvPr id="47" name="直線矢印コネクタ 46">
             <a:extLst>
               <a:ext uri="{FF2B5EF4-FFF2-40B4-BE49-F238E27FC236}">
-                <a16:creationId xmlns:a16="http://schemas.microsoft.com/office/drawing/2014/main" xmlns="" id="{7E54663F-6F65-4115-9AA4-521B86553D4B}"/>
+                <a16:creationId xmlns:a16="http://schemas.microsoft.com/office/drawing/2014/main" id="{7E54663F-6F65-4115-9AA4-521B86553D4B}"/>
               </a:ext>
             </a:extLst>
           </p:cNvPr>
@@ -14118,7 +14239,7 @@
           <p:cNvPr id="52" name="テキスト ボックス 51">
             <a:extLst>
               <a:ext uri="{FF2B5EF4-FFF2-40B4-BE49-F238E27FC236}">
-                <a16:creationId xmlns:a16="http://schemas.microsoft.com/office/drawing/2014/main" xmlns="" id="{359B9FBB-0191-43FA-AEAC-CE2A3547FDF6}"/>
+                <a16:creationId xmlns:a16="http://schemas.microsoft.com/office/drawing/2014/main" id="{359B9FBB-0191-43FA-AEAC-CE2A3547FDF6}"/>
               </a:ext>
             </a:extLst>
           </p:cNvPr>
@@ -14153,7 +14274,7 @@
           <p:cNvPr id="53" name="テキスト ボックス 52">
             <a:extLst>
               <a:ext uri="{FF2B5EF4-FFF2-40B4-BE49-F238E27FC236}">
-                <a16:creationId xmlns:a16="http://schemas.microsoft.com/office/drawing/2014/main" xmlns="" id="{3471819B-5627-4F3F-B634-210F0B3AF394}"/>
+                <a16:creationId xmlns:a16="http://schemas.microsoft.com/office/drawing/2014/main" id="{3471819B-5627-4F3F-B634-210F0B3AF394}"/>
               </a:ext>
             </a:extLst>
           </p:cNvPr>
@@ -14218,7 +14339,7 @@
           <p:cNvPr id="5" name="Shape 130">
             <a:extLst>
               <a:ext uri="{FF2B5EF4-FFF2-40B4-BE49-F238E27FC236}">
-                <a16:creationId xmlns:a16="http://schemas.microsoft.com/office/drawing/2014/main" xmlns="" id="{A6551EB4-F459-4E50-83D7-2A1C930077BE}"/>
+                <a16:creationId xmlns:a16="http://schemas.microsoft.com/office/drawing/2014/main" id="{A6551EB4-F459-4E50-83D7-2A1C930077BE}"/>
               </a:ext>
             </a:extLst>
           </p:cNvPr>
@@ -14238,7 +14359,7 @@
           </a:ln>
           <a:extLst>
             <a:ext uri="{C572A759-6A51-4108-AA02-DFA0A04FC94B}">
-              <ma14:wrappingTextBoxFlag xmlns="" xmlns:ma14="http://schemas.microsoft.com/office/mac/drawingml/2011/main" val="1"/>
+              <ma14:wrappingTextBoxFlag xmlns:ma14="http://schemas.microsoft.com/office/mac/drawingml/2011/main" xmlns="" val="1"/>
             </a:ext>
           </a:extLst>
         </p:spPr>
@@ -14269,7 +14390,7 @@
           <p:cNvPr id="6" name="図 5">
             <a:extLst>
               <a:ext uri="{FF2B5EF4-FFF2-40B4-BE49-F238E27FC236}">
-                <a16:creationId xmlns:a16="http://schemas.microsoft.com/office/drawing/2014/main" xmlns="" id="{8A9CAE8D-78D7-4BD8-8676-26EA93A2051D}"/>
+                <a16:creationId xmlns:a16="http://schemas.microsoft.com/office/drawing/2014/main" id="{8A9CAE8D-78D7-4BD8-8676-26EA93A2051D}"/>
               </a:ext>
             </a:extLst>
           </p:cNvPr>
@@ -14305,7 +14426,7 @@
           <p:cNvPr id="10" name="グループ化 9">
             <a:extLst>
               <a:ext uri="{FF2B5EF4-FFF2-40B4-BE49-F238E27FC236}">
-                <a16:creationId xmlns:a16="http://schemas.microsoft.com/office/drawing/2014/main" xmlns="" id="{CA4A8AAB-0E97-4AE6-835F-F2E8FDD9FFD0}"/>
+                <a16:creationId xmlns:a16="http://schemas.microsoft.com/office/drawing/2014/main" id="{CA4A8AAB-0E97-4AE6-835F-F2E8FDD9FFD0}"/>
               </a:ext>
             </a:extLst>
           </p:cNvPr>
@@ -14325,7 +14446,7 @@
             <p:cNvPr id="8" name="テキスト ボックス 7">
               <a:extLst>
                 <a:ext uri="{FF2B5EF4-FFF2-40B4-BE49-F238E27FC236}">
-                  <a16:creationId xmlns:a16="http://schemas.microsoft.com/office/drawing/2014/main" xmlns="" id="{5753B1E7-0D9B-4E25-92E5-8AF70EE2A48B}"/>
+                  <a16:creationId xmlns:a16="http://schemas.microsoft.com/office/drawing/2014/main" id="{5753B1E7-0D9B-4E25-92E5-8AF70EE2A48B}"/>
                 </a:ext>
               </a:extLst>
             </p:cNvPr>
@@ -14391,7 +14512,7 @@
             <p:cNvPr id="9" name="テキスト ボックス 8">
               <a:extLst>
                 <a:ext uri="{FF2B5EF4-FFF2-40B4-BE49-F238E27FC236}">
-                  <a16:creationId xmlns:a16="http://schemas.microsoft.com/office/drawing/2014/main" xmlns="" id="{062C70D9-2810-47C3-A405-EC152BFE665A}"/>
+                  <a16:creationId xmlns:a16="http://schemas.microsoft.com/office/drawing/2014/main" id="{062C70D9-2810-47C3-A405-EC152BFE665A}"/>
                 </a:ext>
               </a:extLst>
             </p:cNvPr>
@@ -14427,7 +14548,7 @@
           <p:cNvPr id="11" name="グループ化 10">
             <a:extLst>
               <a:ext uri="{FF2B5EF4-FFF2-40B4-BE49-F238E27FC236}">
-                <a16:creationId xmlns:a16="http://schemas.microsoft.com/office/drawing/2014/main" xmlns="" id="{12754AD9-FBDC-4292-8F1A-D9B538417EF4}"/>
+                <a16:creationId xmlns:a16="http://schemas.microsoft.com/office/drawing/2014/main" id="{12754AD9-FBDC-4292-8F1A-D9B538417EF4}"/>
               </a:ext>
             </a:extLst>
           </p:cNvPr>
@@ -14447,7 +14568,7 @@
             <p:cNvPr id="12" name="テキスト ボックス 11">
               <a:extLst>
                 <a:ext uri="{FF2B5EF4-FFF2-40B4-BE49-F238E27FC236}">
-                  <a16:creationId xmlns:a16="http://schemas.microsoft.com/office/drawing/2014/main" xmlns="" id="{8F2ECD8C-C03E-470A-AAE9-5B0D5039544D}"/>
+                  <a16:creationId xmlns:a16="http://schemas.microsoft.com/office/drawing/2014/main" id="{8F2ECD8C-C03E-470A-AAE9-5B0D5039544D}"/>
                 </a:ext>
               </a:extLst>
             </p:cNvPr>
@@ -14509,7 +14630,7 @@
             <p:cNvPr id="13" name="テキスト ボックス 12">
               <a:extLst>
                 <a:ext uri="{FF2B5EF4-FFF2-40B4-BE49-F238E27FC236}">
-                  <a16:creationId xmlns:a16="http://schemas.microsoft.com/office/drawing/2014/main" xmlns="" id="{8B0E9923-FF9E-4968-AA69-0AEAEFAB3B7D}"/>
+                  <a16:creationId xmlns:a16="http://schemas.microsoft.com/office/drawing/2014/main" id="{8B0E9923-FF9E-4968-AA69-0AEAEFAB3B7D}"/>
                 </a:ext>
               </a:extLst>
             </p:cNvPr>
@@ -14545,7 +14666,7 @@
           <p:cNvPr id="14" name="スライド番号プレースホルダー 13">
             <a:extLst>
               <a:ext uri="{FF2B5EF4-FFF2-40B4-BE49-F238E27FC236}">
-                <a16:creationId xmlns:a16="http://schemas.microsoft.com/office/drawing/2014/main" xmlns="" id="{2F357E1C-FBF5-499E-9B95-E2411AA15159}"/>
+                <a16:creationId xmlns:a16="http://schemas.microsoft.com/office/drawing/2014/main" id="{2F357E1C-FBF5-499E-9B95-E2411AA15159}"/>
               </a:ext>
             </a:extLst>
           </p:cNvPr>
@@ -14604,7 +14725,7 @@
           <p:cNvPr id="5" name="Shape 130">
             <a:extLst>
               <a:ext uri="{FF2B5EF4-FFF2-40B4-BE49-F238E27FC236}">
-                <a16:creationId xmlns:a16="http://schemas.microsoft.com/office/drawing/2014/main" xmlns="" id="{A6551EB4-F459-4E50-83D7-2A1C930077BE}"/>
+                <a16:creationId xmlns:a16="http://schemas.microsoft.com/office/drawing/2014/main" id="{A6551EB4-F459-4E50-83D7-2A1C930077BE}"/>
               </a:ext>
             </a:extLst>
           </p:cNvPr>
@@ -14624,7 +14745,7 @@
           </a:ln>
           <a:extLst>
             <a:ext uri="{C572A759-6A51-4108-AA02-DFA0A04FC94B}">
-              <ma14:wrappingTextBoxFlag xmlns="" xmlns:ma14="http://schemas.microsoft.com/office/mac/drawingml/2011/main" val="1"/>
+              <ma14:wrappingTextBoxFlag xmlns:ma14="http://schemas.microsoft.com/office/mac/drawingml/2011/main" xmlns="" val="1"/>
             </a:ext>
           </a:extLst>
         </p:spPr>
@@ -14663,7 +14784,7 @@
           <p:cNvPr id="11" name="グループ化 10">
             <a:extLst>
               <a:ext uri="{FF2B5EF4-FFF2-40B4-BE49-F238E27FC236}">
-                <a16:creationId xmlns:a16="http://schemas.microsoft.com/office/drawing/2014/main" xmlns="" id="{B4E2F169-03F3-4680-BA1F-45A5838757EF}"/>
+                <a16:creationId xmlns:a16="http://schemas.microsoft.com/office/drawing/2014/main" id="{B4E2F169-03F3-4680-BA1F-45A5838757EF}"/>
               </a:ext>
             </a:extLst>
           </p:cNvPr>
@@ -14683,7 +14804,7 @@
             <p:cNvPr id="12" name="テキスト ボックス 11">
               <a:extLst>
                 <a:ext uri="{FF2B5EF4-FFF2-40B4-BE49-F238E27FC236}">
-                  <a16:creationId xmlns:a16="http://schemas.microsoft.com/office/drawing/2014/main" xmlns="" id="{0D11EFDA-27C4-40BD-8626-636B84B8DEE1}"/>
+                  <a16:creationId xmlns:a16="http://schemas.microsoft.com/office/drawing/2014/main" id="{0D11EFDA-27C4-40BD-8626-636B84B8DEE1}"/>
                 </a:ext>
               </a:extLst>
             </p:cNvPr>
@@ -14725,7 +14846,7 @@
             <p:cNvPr id="13" name="テキスト ボックス 12">
               <a:extLst>
                 <a:ext uri="{FF2B5EF4-FFF2-40B4-BE49-F238E27FC236}">
-                  <a16:creationId xmlns:a16="http://schemas.microsoft.com/office/drawing/2014/main" xmlns="" id="{4E69986D-F807-4D87-B340-459EDA276EEB}"/>
+                  <a16:creationId xmlns:a16="http://schemas.microsoft.com/office/drawing/2014/main" id="{4E69986D-F807-4D87-B340-459EDA276EEB}"/>
                 </a:ext>
               </a:extLst>
             </p:cNvPr>
@@ -14758,7 +14879,7 @@
           <p:cNvPr id="21" name="グループ化 20">
             <a:extLst>
               <a:ext uri="{FF2B5EF4-FFF2-40B4-BE49-F238E27FC236}">
-                <a16:creationId xmlns:a16="http://schemas.microsoft.com/office/drawing/2014/main" xmlns="" id="{E7C1D530-A73D-44B0-98B6-EBDAFB3EF7DE}"/>
+                <a16:creationId xmlns:a16="http://schemas.microsoft.com/office/drawing/2014/main" id="{E7C1D530-A73D-44B0-98B6-EBDAFB3EF7DE}"/>
               </a:ext>
             </a:extLst>
           </p:cNvPr>
@@ -14778,7 +14899,7 @@
             <p:cNvPr id="10" name="図 9">
               <a:extLst>
                 <a:ext uri="{FF2B5EF4-FFF2-40B4-BE49-F238E27FC236}">
-                  <a16:creationId xmlns:a16="http://schemas.microsoft.com/office/drawing/2014/main" xmlns="" id="{76F9C89F-A568-41C6-BA60-343AC95538E0}"/>
+                  <a16:creationId xmlns:a16="http://schemas.microsoft.com/office/drawing/2014/main" id="{76F9C89F-A568-41C6-BA60-343AC95538E0}"/>
                 </a:ext>
               </a:extLst>
             </p:cNvPr>
@@ -14814,7 +14935,7 @@
             <p:cNvPr id="17" name="正方形/長方形 16">
               <a:extLst>
                 <a:ext uri="{FF2B5EF4-FFF2-40B4-BE49-F238E27FC236}">
-                  <a16:creationId xmlns:a16="http://schemas.microsoft.com/office/drawing/2014/main" xmlns="" id="{89751642-74ED-4D93-BA23-F060D1FB16AA}"/>
+                  <a16:creationId xmlns:a16="http://schemas.microsoft.com/office/drawing/2014/main" id="{89751642-74ED-4D93-BA23-F060D1FB16AA}"/>
                 </a:ext>
               </a:extLst>
             </p:cNvPr>
@@ -14894,7 +15015,7 @@
             <p:cNvPr id="18" name="直線矢印コネクタ 17">
               <a:extLst>
                 <a:ext uri="{FF2B5EF4-FFF2-40B4-BE49-F238E27FC236}">
-                  <a16:creationId xmlns:a16="http://schemas.microsoft.com/office/drawing/2014/main" xmlns="" id="{2A3B55D7-0BE8-433C-ADE2-23B0A2893AC6}"/>
+                  <a16:creationId xmlns:a16="http://schemas.microsoft.com/office/drawing/2014/main" id="{2A3B55D7-0BE8-433C-ADE2-23B0A2893AC6}"/>
                 </a:ext>
               </a:extLst>
             </p:cNvPr>
@@ -14941,7 +15062,7 @@
             <p:cNvPr id="19" name="四角形: 角を丸くする 18">
               <a:extLst>
                 <a:ext uri="{FF2B5EF4-FFF2-40B4-BE49-F238E27FC236}">
-                  <a16:creationId xmlns:a16="http://schemas.microsoft.com/office/drawing/2014/main" xmlns="" id="{1B5CACDA-9100-445D-A15F-C76DFAE082EB}"/>
+                  <a16:creationId xmlns:a16="http://schemas.microsoft.com/office/drawing/2014/main" id="{1B5CACDA-9100-445D-A15F-C76DFAE082EB}"/>
                 </a:ext>
               </a:extLst>
             </p:cNvPr>
@@ -14993,7 +15114,7 @@
             <p:cNvPr id="20" name="四角形: 角を丸くする 19">
               <a:extLst>
                 <a:ext uri="{FF2B5EF4-FFF2-40B4-BE49-F238E27FC236}">
-                  <a16:creationId xmlns:a16="http://schemas.microsoft.com/office/drawing/2014/main" xmlns="" id="{1ABA28C1-1CCE-48F9-A04D-253C06954D12}"/>
+                  <a16:creationId xmlns:a16="http://schemas.microsoft.com/office/drawing/2014/main" id="{1ABA28C1-1CCE-48F9-A04D-253C06954D12}"/>
                 </a:ext>
               </a:extLst>
             </p:cNvPr>
@@ -15045,7 +15166,7 @@
             <p:cNvPr id="23" name="直線矢印コネクタ 22">
               <a:extLst>
                 <a:ext uri="{FF2B5EF4-FFF2-40B4-BE49-F238E27FC236}">
-                  <a16:creationId xmlns:a16="http://schemas.microsoft.com/office/drawing/2014/main" xmlns="" id="{B3CCB0E6-3521-47B6-B047-C6AA1E22894B}"/>
+                  <a16:creationId xmlns:a16="http://schemas.microsoft.com/office/drawing/2014/main" id="{B3CCB0E6-3521-47B6-B047-C6AA1E22894B}"/>
                 </a:ext>
               </a:extLst>
             </p:cNvPr>
@@ -15093,7 +15214,7 @@
           <p:cNvPr id="26" name="スライド番号プレースホルダー 25">
             <a:extLst>
               <a:ext uri="{FF2B5EF4-FFF2-40B4-BE49-F238E27FC236}">
-                <a16:creationId xmlns:a16="http://schemas.microsoft.com/office/drawing/2014/main" xmlns="" id="{FAC3224A-507B-4454-96D0-7D0105C5947A}"/>
+                <a16:creationId xmlns:a16="http://schemas.microsoft.com/office/drawing/2014/main" id="{FAC3224A-507B-4454-96D0-7D0105C5947A}"/>
               </a:ext>
             </a:extLst>
           </p:cNvPr>
@@ -15479,7 +15600,7 @@
   <a:extraClrSchemeLst/>
   <a:extLst>
     <a:ext uri="{05A4C25C-085E-4340-85A3-A5531E510DB2}">
-      <thm15:themeFamily xmlns:thm15="http://schemas.microsoft.com/office/thememl/2012/main" xmlns="" name="Office Theme" id="{62F939B6-93AF-4DB8-9C6B-D6C7DFDC589F}" vid="{4A3C46E8-61CC-4603-A589-7422A47A8E4A}"/>
+      <thm15:themeFamily xmlns:thm15="http://schemas.microsoft.com/office/thememl/2012/main" name="Office Theme" id="{62F939B6-93AF-4DB8-9C6B-D6C7DFDC589F}" vid="{4A3C46E8-61CC-4603-A589-7422A47A8E4A}"/>
     </a:ext>
   </a:extLst>
 </a:theme>
@@ -15774,7 +15895,7 @@
   <a:extraClrSchemeLst/>
   <a:extLst>
     <a:ext uri="{05A4C25C-085E-4340-85A3-A5531E510DB2}">
-      <thm15:themeFamily xmlns:thm15="http://schemas.microsoft.com/office/thememl/2012/main" xmlns="" name="Office Theme" id="{62F939B6-93AF-4DB8-9C6B-D6C7DFDC589F}" vid="{4A3C46E8-61CC-4603-A589-7422A47A8E4A}"/>
+      <thm15:themeFamily xmlns:thm15="http://schemas.microsoft.com/office/thememl/2012/main" name="Office Theme" id="{62F939B6-93AF-4DB8-9C6B-D6C7DFDC589F}" vid="{4A3C46E8-61CC-4603-A589-7422A47A8E4A}"/>
     </a:ext>
   </a:extLst>
 </a:theme>

--- a/4_CustomizeModel2_ParallelSprings/OpenModelica_Tutorials_4.pptx
+++ b/4_CustomizeModel2_ParallelSprings/OpenModelica_Tutorials_4.pptx
@@ -5,7 +5,7 @@
     <p:sldMasterId id="2147483648" r:id="rId1"/>
   </p:sldMasterIdLst>
   <p:notesMasterIdLst>
-    <p:notesMasterId r:id="rId26"/>
+    <p:notesMasterId r:id="rId28"/>
   </p:notesMasterIdLst>
   <p:sldIdLst>
     <p:sldId id="256" r:id="rId2"/>
@@ -22,16 +22,18 @@
     <p:sldId id="308" r:id="rId13"/>
     <p:sldId id="305" r:id="rId14"/>
     <p:sldId id="315" r:id="rId15"/>
-    <p:sldId id="316" r:id="rId16"/>
-    <p:sldId id="317" r:id="rId17"/>
-    <p:sldId id="318" r:id="rId18"/>
-    <p:sldId id="313" r:id="rId19"/>
-    <p:sldId id="310" r:id="rId20"/>
-    <p:sldId id="319" r:id="rId21"/>
-    <p:sldId id="323" r:id="rId22"/>
-    <p:sldId id="332" r:id="rId23"/>
-    <p:sldId id="324" r:id="rId24"/>
-    <p:sldId id="325" r:id="rId25"/>
+    <p:sldId id="334" r:id="rId16"/>
+    <p:sldId id="316" r:id="rId17"/>
+    <p:sldId id="317" r:id="rId18"/>
+    <p:sldId id="318" r:id="rId19"/>
+    <p:sldId id="313" r:id="rId20"/>
+    <p:sldId id="336" r:id="rId21"/>
+    <p:sldId id="319" r:id="rId22"/>
+    <p:sldId id="339" r:id="rId23"/>
+    <p:sldId id="323" r:id="rId24"/>
+    <p:sldId id="332" r:id="rId25"/>
+    <p:sldId id="324" r:id="rId26"/>
+    <p:sldId id="325" r:id="rId27"/>
   </p:sldIdLst>
   <p:sldSz cx="12192000" cy="6858000"/>
   <p:notesSz cx="6858000" cy="9144000"/>
@@ -243,7 +245,7 @@
           <a:p>
             <a:fld id="{48BDAED4-8D25-43AD-8EF1-149C3264C00D}" type="datetimeFigureOut">
               <a:rPr kumimoji="1" lang="ja-JP" altLang="en-US" smtClean="0"/>
-              <a:t>2019/8/23</a:t>
+              <a:t>2020/4/9</a:t>
             </a:fld>
             <a:endParaRPr kumimoji="1" lang="ja-JP" altLang="en-US"/>
           </a:p>
@@ -713,7 +715,7 @@
           <a:p>
             <a:fld id="{4BF116AF-D557-4F39-9FFB-27E038FB1090}" type="datetime1">
               <a:rPr kumimoji="1" lang="ja-JP" altLang="en-US" smtClean="0"/>
-              <a:t>2019/8/23</a:t>
+              <a:t>2020/4/9</a:t>
             </a:fld>
             <a:endParaRPr kumimoji="1" lang="ja-JP" altLang="en-US"/>
           </a:p>
@@ -943,7 +945,7 @@
           <a:p>
             <a:fld id="{593F3817-63D9-43DC-A6B4-F38E7E22B334}" type="datetime1">
               <a:rPr kumimoji="1" lang="ja-JP" altLang="en-US" smtClean="0"/>
-              <a:t>2019/8/23</a:t>
+              <a:t>2020/4/9</a:t>
             </a:fld>
             <a:endParaRPr kumimoji="1" lang="ja-JP" altLang="en-US"/>
           </a:p>
@@ -1183,7 +1185,7 @@
           <a:p>
             <a:fld id="{4B8AFDEF-C18E-4EED-9139-A18CEE1575B1}" type="datetime1">
               <a:rPr kumimoji="1" lang="ja-JP" altLang="en-US" smtClean="0"/>
-              <a:t>2019/8/23</a:t>
+              <a:t>2020/4/9</a:t>
             </a:fld>
             <a:endParaRPr kumimoji="1" lang="ja-JP" altLang="en-US"/>
           </a:p>
@@ -1413,7 +1415,7 @@
           <a:p>
             <a:fld id="{F5B489AD-72A1-4847-9821-843F353584A4}" type="datetime1">
               <a:rPr kumimoji="1" lang="ja-JP" altLang="en-US" smtClean="0"/>
-              <a:t>2019/8/23</a:t>
+              <a:t>2020/4/9</a:t>
             </a:fld>
             <a:endParaRPr kumimoji="1" lang="ja-JP" altLang="en-US"/>
           </a:p>
@@ -1688,7 +1690,7 @@
           <a:p>
             <a:fld id="{8F941BD6-9F86-4D2C-A2C8-918FE8A17ACD}" type="datetime1">
               <a:rPr kumimoji="1" lang="ja-JP" altLang="en-US" smtClean="0"/>
-              <a:t>2019/8/23</a:t>
+              <a:t>2020/4/9</a:t>
             </a:fld>
             <a:endParaRPr kumimoji="1" lang="ja-JP" altLang="en-US"/>
           </a:p>
@@ -2017,7 +2019,7 @@
           <a:p>
             <a:fld id="{AA38B87E-EAC9-47F8-936F-712A38ACEEC0}" type="datetime1">
               <a:rPr kumimoji="1" lang="ja-JP" altLang="en-US" smtClean="0"/>
-              <a:t>2019/8/23</a:t>
+              <a:t>2020/4/9</a:t>
             </a:fld>
             <a:endParaRPr kumimoji="1" lang="ja-JP" altLang="en-US"/>
           </a:p>
@@ -2493,7 +2495,7 @@
           <a:p>
             <a:fld id="{3BA45C1C-AE36-4B61-AE86-B22D986A54B4}" type="datetime1">
               <a:rPr kumimoji="1" lang="ja-JP" altLang="en-US" smtClean="0"/>
-              <a:t>2019/8/23</a:t>
+              <a:t>2020/4/9</a:t>
             </a:fld>
             <a:endParaRPr kumimoji="1" lang="ja-JP" altLang="en-US"/>
           </a:p>
@@ -2634,7 +2636,7 @@
           <a:p>
             <a:fld id="{62A3CB3C-1835-46E7-8FFF-335DAFA2BABB}" type="datetime1">
               <a:rPr kumimoji="1" lang="ja-JP" altLang="en-US" smtClean="0"/>
-              <a:t>2019/8/23</a:t>
+              <a:t>2020/4/9</a:t>
             </a:fld>
             <a:endParaRPr kumimoji="1" lang="ja-JP" altLang="en-US"/>
           </a:p>
@@ -2747,7 +2749,7 @@
           <a:p>
             <a:fld id="{289D324E-99C4-4D83-9165-0DF7EA0DDAED}" type="datetime1">
               <a:rPr kumimoji="1" lang="ja-JP" altLang="en-US" smtClean="0"/>
-              <a:t>2019/8/23</a:t>
+              <a:t>2020/4/9</a:t>
             </a:fld>
             <a:endParaRPr kumimoji="1" lang="ja-JP" altLang="en-US"/>
           </a:p>
@@ -3090,7 +3092,7 @@
           <a:p>
             <a:fld id="{07081287-B7B6-4D06-92AC-65C5C199F8D4}" type="datetime1">
               <a:rPr kumimoji="1" lang="ja-JP" altLang="en-US" smtClean="0"/>
-              <a:t>2019/8/23</a:t>
+              <a:t>2020/4/9</a:t>
             </a:fld>
             <a:endParaRPr kumimoji="1" lang="ja-JP" altLang="en-US"/>
           </a:p>
@@ -3378,7 +3380,7 @@
           <a:p>
             <a:fld id="{F6E40CD1-55DA-4072-86C4-A863BC58A941}" type="datetime1">
               <a:rPr kumimoji="1" lang="ja-JP" altLang="en-US" smtClean="0"/>
-              <a:t>2019/8/23</a:t>
+              <a:t>2020/4/9</a:t>
             </a:fld>
             <a:endParaRPr kumimoji="1" lang="ja-JP" altLang="en-US"/>
           </a:p>
@@ -3651,7 +3653,7 @@
           <a:p>
             <a:fld id="{73DA6C2B-08CB-4C9C-9AF4-BCD1DDC1A46D}" type="datetime1">
               <a:rPr kumimoji="1" lang="ja-JP" altLang="en-US" smtClean="0"/>
-              <a:t>2019/8/23</a:t>
+              <a:t>2020/4/9</a:t>
             </a:fld>
             <a:endParaRPr kumimoji="1" lang="ja-JP" altLang="en-US"/>
           </a:p>
@@ -4210,7 +4212,15 @@
             <a:pPr algn="ctr"/>
             <a:r>
               <a:rPr lang="en-US" altLang="ja-JP" dirty="0"/>
-              <a:t>Copyright (C) 2017 Shigenori Ueda</a:t>
+              <a:t>Copyright (C) </a:t>
+            </a:r>
+            <a:r>
+              <a:rPr lang="en-US" altLang="ja-JP" dirty="0" smtClean="0"/>
+              <a:t>2020 </a:t>
+            </a:r>
+            <a:r>
+              <a:rPr lang="en-US" altLang="ja-JP" dirty="0"/>
+              <a:t>Shigenori Ueda</a:t>
             </a:r>
           </a:p>
           <a:p>
@@ -4291,7 +4301,7 @@
           </a:ln>
           <a:extLst>
             <a:ext uri="{C572A759-6A51-4108-AA02-DFA0A04FC94B}">
-              <ma14:wrappingTextBoxFlag xmlns:ma14="http://schemas.microsoft.com/office/mac/drawingml/2011/main" xmlns="" val="1"/>
+              <ma14:wrappingTextBoxFlag xmlns="" xmlns:ma14="http://schemas.microsoft.com/office/mac/drawingml/2011/main" val="1"/>
             </a:ext>
           </a:extLst>
         </p:spPr>
@@ -4340,9 +4350,9 @@
         <p:grpSpPr>
           <a:xfrm>
             <a:off x="792892" y="2527364"/>
-            <a:ext cx="5166472" cy="395586"/>
+            <a:ext cx="5397305" cy="395586"/>
             <a:chOff x="254945" y="903513"/>
-            <a:chExt cx="5166472" cy="395586"/>
+            <a:chExt cx="5397305" cy="395586"/>
           </a:xfrm>
         </p:grpSpPr>
         <p:sp>
@@ -4360,7 +4370,7 @@
           <p:spPr>
             <a:xfrm>
               <a:off x="620103" y="903513"/>
-              <a:ext cx="4801314" cy="369332"/>
+              <a:ext cx="5032147" cy="369332"/>
             </a:xfrm>
             <a:prstGeom prst="rect">
               <a:avLst/>
@@ -4375,8 +4385,13 @@
             <a:p>
               <a:r>
                 <a:rPr lang="ja-JP" altLang="en-US" dirty="0"/>
-                <a:t>グリッド線を表示させて配置しやすくします</a:t>
-              </a:r>
+                <a:t>グリッド線を表示させて配置しやすく</a:t>
+              </a:r>
+              <a:r>
+                <a:rPr lang="ja-JP" altLang="en-US" dirty="0" smtClean="0"/>
+                <a:t>します。</a:t>
+              </a:r>
+              <a:endParaRPr lang="ja-JP" altLang="en-US" dirty="0"/>
             </a:p>
           </p:txBody>
         </p:sp>
@@ -4431,9 +4446,9 @@
         <p:grpSpPr>
           <a:xfrm>
             <a:off x="1760417" y="2973353"/>
-            <a:ext cx="4981574" cy="3884647"/>
+            <a:ext cx="4981574" cy="1344073"/>
             <a:chOff x="2232658" y="1277329"/>
-            <a:chExt cx="6901816" cy="5382058"/>
+            <a:chExt cx="6901816" cy="1862171"/>
           </a:xfrm>
         </p:grpSpPr>
         <p:pic>
@@ -4471,41 +4486,6 @@
             </a:prstGeom>
           </p:spPr>
         </p:pic>
-        <p:pic>
-          <p:nvPicPr>
-            <p:cNvPr id="9" name="図 8">
-              <a:extLst>
-                <a:ext uri="{FF2B5EF4-FFF2-40B4-BE49-F238E27FC236}">
-                  <a16:creationId xmlns:a16="http://schemas.microsoft.com/office/drawing/2014/main" id="{105F8564-ACD4-49A1-80CB-7929F5C3F342}"/>
-                </a:ext>
-              </a:extLst>
-            </p:cNvPr>
-            <p:cNvPicPr>
-              <a:picLocks noChangeAspect="1"/>
-            </p:cNvPicPr>
-            <p:nvPr/>
-          </p:nvPicPr>
-          <p:blipFill rotWithShape="1">
-            <a:blip r:embed="rId3" cstate="print">
-              <a:extLst>
-                <a:ext uri="{28A0092B-C50C-407E-A947-70E740481C1C}">
-                  <a14:useLocalDpi xmlns:a14="http://schemas.microsoft.com/office/drawing/2010/main" val="0"/>
-                </a:ext>
-              </a:extLst>
-            </a:blip>
-            <a:srcRect/>
-            <a:stretch/>
-          </p:blipFill>
-          <p:spPr>
-            <a:xfrm>
-              <a:off x="3139801" y="3139500"/>
-              <a:ext cx="3544028" cy="3519887"/>
-            </a:xfrm>
-            <a:prstGeom prst="rect">
-              <a:avLst/>
-            </a:prstGeom>
-          </p:spPr>
-        </p:pic>
         <p:cxnSp>
           <p:nvCxnSpPr>
             <p:cNvPr id="17" name="直線矢印コネクタ 16">
@@ -4517,7 +4497,6 @@
             </p:cNvPr>
             <p:cNvCxnSpPr>
               <a:cxnSpLocks/>
-              <a:stCxn id="9" idx="0"/>
               <a:endCxn id="18" idx="2"/>
             </p:cNvCxnSpPr>
             <p:nvPr/>
@@ -4650,7 +4629,7 @@
           <p:nvPr/>
         </p:nvPicPr>
         <p:blipFill rotWithShape="1">
-          <a:blip r:embed="rId4">
+          <a:blip r:embed="rId3">
             <a:extLst>
               <a:ext uri="{28A0092B-C50C-407E-A947-70E740481C1C}">
                 <a14:useLocalDpi xmlns:a14="http://schemas.microsoft.com/office/drawing/2010/main" val="0"/>
@@ -4720,15 +4699,24 @@
             <a:p>
               <a:r>
                 <a:rPr lang="ja-JP" altLang="en-US" dirty="0"/>
-                <a:t>アイコンの作成はアイコンビューから行います</a:t>
+                <a:t>アイコンの作成はアイコンビューから</a:t>
+              </a:r>
+              <a:r>
+                <a:rPr lang="ja-JP" altLang="en-US" dirty="0" smtClean="0"/>
+                <a:t>行います。</a:t>
               </a:r>
               <a:endParaRPr lang="en-US" altLang="ja-JP" dirty="0"/>
             </a:p>
             <a:p>
               <a:r>
                 <a:rPr lang="ja-JP" altLang="en-US" dirty="0"/>
-                <a:t>画面左上にあるアイコンビューをクリックしてください</a:t>
-              </a:r>
+                <a:t>画面左上にあるアイコンビューをクリックして</a:t>
+              </a:r>
+              <a:r>
+                <a:rPr lang="ja-JP" altLang="en-US" dirty="0" smtClean="0"/>
+                <a:t>ください。</a:t>
+              </a:r>
+              <a:endParaRPr lang="ja-JP" altLang="en-US" dirty="0"/>
             </a:p>
           </p:txBody>
         </p:sp>
@@ -4820,6 +4808,30 @@
           </a:p>
         </p:txBody>
       </p:sp>
+      <p:pic>
+        <p:nvPicPr>
+          <p:cNvPr id="3" name="図 2"/>
+          <p:cNvPicPr>
+            <a:picLocks noChangeAspect="1"/>
+          </p:cNvPicPr>
+          <p:nvPr/>
+        </p:nvPicPr>
+        <p:blipFill>
+          <a:blip r:embed="rId4"/>
+          <a:stretch>
+            <a:fillRect/>
+          </a:stretch>
+        </p:blipFill>
+        <p:spPr>
+          <a:xfrm>
+            <a:off x="2734067" y="4351020"/>
+            <a:ext cx="2475572" cy="2427190"/>
+          </a:xfrm>
+          <a:prstGeom prst="rect">
+            <a:avLst/>
+          </a:prstGeom>
+        </p:spPr>
+      </p:pic>
     </p:spTree>
     <p:extLst>
       <p:ext uri="{BB962C8B-B14F-4D97-AF65-F5344CB8AC3E}">
@@ -4952,6 +4964,54 @@
           <a:chExt cx="0" cy="0"/>
         </a:xfrm>
       </p:grpSpPr>
+      <p:pic>
+        <p:nvPicPr>
+          <p:cNvPr id="19" name="図 18"/>
+          <p:cNvPicPr>
+            <a:picLocks noChangeAspect="1"/>
+          </p:cNvPicPr>
+          <p:nvPr/>
+        </p:nvPicPr>
+        <p:blipFill>
+          <a:blip r:embed="rId2"/>
+          <a:stretch>
+            <a:fillRect/>
+          </a:stretch>
+        </p:blipFill>
+        <p:spPr>
+          <a:xfrm>
+            <a:off x="1217279" y="5401821"/>
+            <a:ext cx="9861135" cy="1082134"/>
+          </a:xfrm>
+          <a:prstGeom prst="rect">
+            <a:avLst/>
+          </a:prstGeom>
+        </p:spPr>
+      </p:pic>
+      <p:pic>
+        <p:nvPicPr>
+          <p:cNvPr id="15" name="図 14"/>
+          <p:cNvPicPr>
+            <a:picLocks noChangeAspect="1"/>
+          </p:cNvPicPr>
+          <p:nvPr/>
+        </p:nvPicPr>
+        <p:blipFill>
+          <a:blip r:embed="rId3"/>
+          <a:stretch>
+            <a:fillRect/>
+          </a:stretch>
+        </p:blipFill>
+        <p:spPr>
+          <a:xfrm>
+            <a:off x="1526667" y="1157347"/>
+            <a:ext cx="4812276" cy="3772308"/>
+          </a:xfrm>
+          <a:prstGeom prst="rect">
+            <a:avLst/>
+          </a:prstGeom>
+        </p:spPr>
+      </p:pic>
       <p:sp>
         <p:nvSpPr>
           <p:cNvPr id="5" name="Shape 130">
@@ -4977,7 +5037,7 @@
           </a:ln>
           <a:extLst>
             <a:ext uri="{C572A759-6A51-4108-AA02-DFA0A04FC94B}">
-              <ma14:wrappingTextBoxFlag xmlns:ma14="http://schemas.microsoft.com/office/mac/drawingml/2011/main" xmlns="" val="1"/>
+              <ma14:wrappingTextBoxFlag xmlns="" xmlns:ma14="http://schemas.microsoft.com/office/mac/drawingml/2011/main" val="1"/>
             </a:ext>
           </a:extLst>
         </p:spPr>
@@ -5022,60 +5082,18 @@
           </a:p>
         </p:txBody>
       </p:sp>
-      <p:pic>
-        <p:nvPicPr>
-          <p:cNvPr id="3" name="図 2">
-            <a:extLst>
-              <a:ext uri="{FF2B5EF4-FFF2-40B4-BE49-F238E27FC236}">
-                <a16:creationId xmlns:a16="http://schemas.microsoft.com/office/drawing/2014/main" id="{9B9CA9C3-69FD-4986-96A5-97939ACB448F}"/>
-              </a:ext>
-            </a:extLst>
-          </p:cNvPr>
-          <p:cNvPicPr>
-            <a:picLocks noChangeAspect="1"/>
-          </p:cNvPicPr>
-          <p:nvPr/>
-        </p:nvPicPr>
-        <p:blipFill>
-          <a:blip r:embed="rId2">
-            <a:extLst>
-              <a:ext uri="{28A0092B-C50C-407E-A947-70E740481C1C}">
-                <a14:useLocalDpi xmlns:a14="http://schemas.microsoft.com/office/drawing/2010/main" val="0"/>
-              </a:ext>
-            </a:extLst>
-          </a:blip>
-          <a:stretch>
-            <a:fillRect/>
-          </a:stretch>
-        </p:blipFill>
-        <p:spPr>
-          <a:xfrm>
-            <a:off x="1460309" y="5350404"/>
-            <a:ext cx="9801918" cy="1176542"/>
-          </a:xfrm>
-          <a:prstGeom prst="rect">
-            <a:avLst/>
-          </a:prstGeom>
-        </p:spPr>
-      </p:pic>
       <p:grpSp>
         <p:nvGrpSpPr>
-          <p:cNvPr id="6" name="グループ化 5">
-            <a:extLst>
-              <a:ext uri="{FF2B5EF4-FFF2-40B4-BE49-F238E27FC236}">
-                <a16:creationId xmlns:a16="http://schemas.microsoft.com/office/drawing/2014/main" id="{6F84EC2F-F836-42DD-9FBD-517DD49362A7}"/>
-              </a:ext>
-            </a:extLst>
-          </p:cNvPr>
+          <p:cNvPr id="2" name="グループ化 1"/>
           <p:cNvGrpSpPr/>
           <p:nvPr/>
         </p:nvGrpSpPr>
         <p:grpSpPr>
           <a:xfrm>
             <a:off x="564292" y="736598"/>
-            <a:ext cx="11184145" cy="395586"/>
-            <a:chOff x="254945" y="903513"/>
-            <a:chExt cx="11184145" cy="395586"/>
+            <a:ext cx="11414978" cy="369332"/>
+            <a:chOff x="564292" y="736598"/>
+            <a:chExt cx="11414978" cy="369332"/>
           </a:xfrm>
         </p:grpSpPr>
         <p:sp>
@@ -5092,8 +5110,8 @@
           </p:nvSpPr>
           <p:spPr>
             <a:xfrm>
-              <a:off x="620103" y="903513"/>
-              <a:ext cx="10818987" cy="369332"/>
+              <a:off x="929450" y="736598"/>
+              <a:ext cx="11049820" cy="369332"/>
             </a:xfrm>
             <a:prstGeom prst="rect">
               <a:avLst/>
@@ -5112,8 +5130,13 @@
               </a:r>
               <a:r>
                 <a:rPr lang="ja-JP" altLang="en-US" dirty="0"/>
-                <a:t>をアイコンビュー左端中央に配置してください</a:t>
-              </a:r>
+                <a:t>をアイコンビュー左端中央に配置して</a:t>
+              </a:r>
+              <a:r>
+                <a:rPr lang="ja-JP" altLang="en-US" dirty="0" smtClean="0"/>
+                <a:t>ください。</a:t>
+              </a:r>
+              <a:endParaRPr lang="ja-JP" altLang="en-US" dirty="0"/>
             </a:p>
           </p:txBody>
         </p:sp>
@@ -5131,7 +5154,7 @@
           </p:nvSpPr>
           <p:spPr>
             <a:xfrm>
-              <a:off x="254945" y="929767"/>
+              <a:off x="564292" y="736598"/>
               <a:ext cx="415498" cy="369332"/>
             </a:xfrm>
             <a:prstGeom prst="rect">
@@ -5155,22 +5178,16 @@
       </p:grpSp>
       <p:grpSp>
         <p:nvGrpSpPr>
-          <p:cNvPr id="9" name="グループ化 8">
-            <a:extLst>
-              <a:ext uri="{FF2B5EF4-FFF2-40B4-BE49-F238E27FC236}">
-                <a16:creationId xmlns:a16="http://schemas.microsoft.com/office/drawing/2014/main" id="{B86FED5F-B603-4FCA-B759-9A5AA9CF2CD6}"/>
-              </a:ext>
-            </a:extLst>
-          </p:cNvPr>
+          <p:cNvPr id="3" name="グループ化 2"/>
           <p:cNvGrpSpPr/>
           <p:nvPr/>
         </p:nvGrpSpPr>
         <p:grpSpPr>
           <a:xfrm>
             <a:off x="557111" y="4981072"/>
-            <a:ext cx="8608120" cy="395586"/>
-            <a:chOff x="254945" y="903513"/>
-            <a:chExt cx="8608120" cy="395586"/>
+            <a:ext cx="8838953" cy="369332"/>
+            <a:chOff x="557111" y="4981072"/>
+            <a:chExt cx="8838953" cy="369332"/>
           </a:xfrm>
         </p:grpSpPr>
         <p:sp>
@@ -5187,8 +5204,8 @@
           </p:nvSpPr>
           <p:spPr>
             <a:xfrm>
-              <a:off x="620103" y="903513"/>
-              <a:ext cx="8242962" cy="369332"/>
+              <a:off x="922269" y="4981072"/>
+              <a:ext cx="8473795" cy="369332"/>
             </a:xfrm>
             <a:prstGeom prst="rect">
               <a:avLst/>
@@ -5211,8 +5228,13 @@
               </a:r>
               <a:r>
                 <a:rPr lang="ja-JP" altLang="en-US" dirty="0"/>
-                <a:t>というインスタンスが作成されています</a:t>
-              </a:r>
+                <a:t>というインスタンスが作成されて</a:t>
+              </a:r>
+              <a:r>
+                <a:rPr lang="ja-JP" altLang="en-US" dirty="0" smtClean="0"/>
+                <a:t>います。</a:t>
+              </a:r>
+              <a:endParaRPr lang="ja-JP" altLang="en-US" dirty="0"/>
             </a:p>
           </p:txBody>
         </p:sp>
@@ -5230,7 +5252,7 @@
           </p:nvSpPr>
           <p:spPr>
             <a:xfrm>
-              <a:off x="254945" y="929767"/>
+              <a:off x="557111" y="4981072"/>
               <a:ext cx="415498" cy="369332"/>
             </a:xfrm>
             <a:prstGeom prst="rect">
@@ -5266,7 +5288,7 @@
         </p:nvSpPr>
         <p:spPr>
           <a:xfrm>
-            <a:off x="1280574" y="6156903"/>
+            <a:off x="1040475" y="6158201"/>
             <a:ext cx="10214741" cy="396297"/>
           </a:xfrm>
           <a:prstGeom prst="roundRect">
@@ -5304,58 +5326,22 @@
           </a:p>
         </p:txBody>
       </p:sp>
-      <p:pic>
-        <p:nvPicPr>
-          <p:cNvPr id="2" name="図 1">
-            <a:extLst>
-              <a:ext uri="{FF2B5EF4-FFF2-40B4-BE49-F238E27FC236}">
-                <a16:creationId xmlns:a16="http://schemas.microsoft.com/office/drawing/2014/main" id="{9D6CFF3B-6013-4497-B8BC-63BA07D55EA3}"/>
-              </a:ext>
-            </a:extLst>
-          </p:cNvPr>
-          <p:cNvPicPr>
-            <a:picLocks noChangeAspect="1"/>
-          </p:cNvPicPr>
-          <p:nvPr/>
-        </p:nvPicPr>
-        <p:blipFill>
-          <a:blip r:embed="rId3">
-            <a:extLst>
-              <a:ext uri="{28A0092B-C50C-407E-A947-70E740481C1C}">
-                <a14:useLocalDpi xmlns:a14="http://schemas.microsoft.com/office/drawing/2010/main" val="0"/>
-              </a:ext>
-            </a:extLst>
-          </a:blip>
-          <a:stretch>
-            <a:fillRect/>
-          </a:stretch>
-        </p:blipFill>
+      <p:sp>
+        <p:nvSpPr>
+          <p:cNvPr id="13" name="四角形: 角を丸くする 12">
+            <a:extLst>
+              <a:ext uri="{FF2B5EF4-FFF2-40B4-BE49-F238E27FC236}">
+                <a16:creationId xmlns:a16="http://schemas.microsoft.com/office/drawing/2014/main" id="{C1FDBAAF-FA3B-445B-98B6-E17047FF16CD}"/>
+              </a:ext>
+            </a:extLst>
+          </p:cNvPr>
+          <p:cNvSpPr/>
+          <p:nvPr/>
+        </p:nvSpPr>
         <p:spPr>
           <a:xfrm>
-            <a:off x="1596569" y="1132184"/>
-            <a:ext cx="6001659" cy="3602014"/>
-          </a:xfrm>
-          <a:prstGeom prst="rect">
-            <a:avLst/>
-          </a:prstGeom>
-        </p:spPr>
-      </p:pic>
-      <p:sp>
-        <p:nvSpPr>
-          <p:cNvPr id="13" name="四角形: 角を丸くする 12">
-            <a:extLst>
-              <a:ext uri="{FF2B5EF4-FFF2-40B4-BE49-F238E27FC236}">
-                <a16:creationId xmlns:a16="http://schemas.microsoft.com/office/drawing/2014/main" id="{C1FDBAAF-FA3B-445B-98B6-E17047FF16CD}"/>
-              </a:ext>
-            </a:extLst>
-          </p:cNvPr>
-          <p:cNvSpPr/>
-          <p:nvPr/>
-        </p:nvSpPr>
-        <p:spPr>
-          <a:xfrm>
-            <a:off x="1596569" y="4230309"/>
-            <a:ext cx="1393269" cy="210078"/>
+            <a:off x="1978839" y="3977579"/>
+            <a:ext cx="1163141" cy="210078"/>
           </a:xfrm>
           <a:prstGeom prst="roundRect">
             <a:avLst/>
@@ -5409,8 +5395,8 @@
         </p:nvCxnSpPr>
         <p:spPr>
           <a:xfrm flipH="1">
-            <a:off x="2989838" y="3163635"/>
-            <a:ext cx="630475" cy="1171713"/>
+            <a:off x="3141980" y="3319780"/>
+            <a:ext cx="1074420" cy="762838"/>
           </a:xfrm>
           <a:prstGeom prst="straightConnector1">
             <a:avLst/>
@@ -5486,7 +5472,7 @@
         </p:nvSpPr>
         <p:spPr>
           <a:xfrm>
-            <a:off x="7884807" y="2142966"/>
+            <a:off x="6310389" y="2905001"/>
             <a:ext cx="4075155" cy="646331"/>
           </a:xfrm>
           <a:prstGeom prst="rect">
@@ -5527,8 +5513,12 @@
               <a:t>f</a:t>
             </a:r>
             <a:r>
+              <a:rPr lang="ja-JP" altLang="en-US" dirty="0" smtClean="0"/>
+              <a:t>の受け渡しを</a:t>
+            </a:r>
+            <a:r>
               <a:rPr lang="ja-JP" altLang="en-US" dirty="0"/>
-              <a:t>のやり取りを可能にします</a:t>
+              <a:t>可能にします</a:t>
             </a:r>
           </a:p>
         </p:txBody>
@@ -5543,6 +5533,13 @@
   <p:clrMapOvr>
     <a:masterClrMapping/>
   </p:clrMapOvr>
+  <p:timing>
+    <p:tnLst>
+      <p:par>
+        <p:cTn id="1" dur="indefinite" restart="never" nodeType="tmRoot"/>
+      </p:par>
+    </p:tnLst>
+  </p:timing>
 </p:sld>
 </file>
 
@@ -5563,6 +5560,30 @@
           <a:chExt cx="0" cy="0"/>
         </a:xfrm>
       </p:grpSpPr>
+      <p:pic>
+        <p:nvPicPr>
+          <p:cNvPr id="2" name="図 1"/>
+          <p:cNvPicPr>
+            <a:picLocks noChangeAspect="1"/>
+          </p:cNvPicPr>
+          <p:nvPr/>
+        </p:nvPicPr>
+        <p:blipFill>
+          <a:blip r:embed="rId2"/>
+          <a:stretch>
+            <a:fillRect/>
+          </a:stretch>
+        </p:blipFill>
+        <p:spPr>
+          <a:xfrm>
+            <a:off x="879483" y="1483435"/>
+            <a:ext cx="9246722" cy="4813669"/>
+          </a:xfrm>
+          <a:prstGeom prst="rect">
+            <a:avLst/>
+          </a:prstGeom>
+        </p:spPr>
+      </p:pic>
       <p:sp>
         <p:nvSpPr>
           <p:cNvPr id="5" name="Shape 130">
@@ -5588,7 +5609,7 @@
           </a:ln>
           <a:extLst>
             <a:ext uri="{C572A759-6A51-4108-AA02-DFA0A04FC94B}">
-              <ma14:wrappingTextBoxFlag xmlns:ma14="http://schemas.microsoft.com/office/mac/drawingml/2011/main" xmlns="" val="1"/>
+              <ma14:wrappingTextBoxFlag xmlns="" xmlns:ma14="http://schemas.microsoft.com/office/mac/drawingml/2011/main" val="1"/>
             </a:ext>
           </a:extLst>
         </p:spPr>
@@ -5633,60 +5654,18 @@
           </a:p>
         </p:txBody>
       </p:sp>
-      <p:pic>
-        <p:nvPicPr>
-          <p:cNvPr id="4" name="図 3">
-            <a:extLst>
-              <a:ext uri="{FF2B5EF4-FFF2-40B4-BE49-F238E27FC236}">
-                <a16:creationId xmlns:a16="http://schemas.microsoft.com/office/drawing/2014/main" id="{EA6F2121-1C1D-45BD-B501-A58040ECF123}"/>
-              </a:ext>
-            </a:extLst>
-          </p:cNvPr>
-          <p:cNvPicPr>
-            <a:picLocks noChangeAspect="1"/>
-          </p:cNvPicPr>
-          <p:nvPr/>
-        </p:nvPicPr>
-        <p:blipFill>
-          <a:blip r:embed="rId2">
-            <a:extLst>
-              <a:ext uri="{28A0092B-C50C-407E-A947-70E740481C1C}">
-                <a14:useLocalDpi xmlns:a14="http://schemas.microsoft.com/office/drawing/2010/main" val="0"/>
-              </a:ext>
-            </a:extLst>
-          </a:blip>
-          <a:stretch>
-            <a:fillRect/>
-          </a:stretch>
-        </p:blipFill>
-        <p:spPr>
-          <a:xfrm>
-            <a:off x="476577" y="1429657"/>
-            <a:ext cx="8940245" cy="4915354"/>
-          </a:xfrm>
-          <a:prstGeom prst="rect">
-            <a:avLst/>
-          </a:prstGeom>
-        </p:spPr>
-      </p:pic>
       <p:grpSp>
         <p:nvGrpSpPr>
-          <p:cNvPr id="6" name="グループ化 5">
-            <a:extLst>
-              <a:ext uri="{FF2B5EF4-FFF2-40B4-BE49-F238E27FC236}">
-                <a16:creationId xmlns:a16="http://schemas.microsoft.com/office/drawing/2014/main" id="{445C4387-A8D3-4FC2-BC8E-95BFDF2A4677}"/>
-              </a:ext>
-            </a:extLst>
-          </p:cNvPr>
+          <p:cNvPr id="3" name="グループ化 2"/>
           <p:cNvGrpSpPr/>
           <p:nvPr/>
         </p:nvGrpSpPr>
         <p:grpSpPr>
           <a:xfrm>
             <a:off x="476577" y="765628"/>
-            <a:ext cx="7290452" cy="395586"/>
-            <a:chOff x="254945" y="903513"/>
-            <a:chExt cx="7290452" cy="395586"/>
+            <a:ext cx="7521284" cy="369332"/>
+            <a:chOff x="476577" y="765628"/>
+            <a:chExt cx="7521284" cy="369332"/>
           </a:xfrm>
         </p:grpSpPr>
         <p:sp>
@@ -5703,8 +5682,8 @@
           </p:nvSpPr>
           <p:spPr>
             <a:xfrm>
-              <a:off x="620103" y="903513"/>
-              <a:ext cx="6925294" cy="369332"/>
+              <a:off x="841735" y="765628"/>
+              <a:ext cx="7156126" cy="369332"/>
             </a:xfrm>
             <a:prstGeom prst="rect">
               <a:avLst/>
@@ -5727,8 +5706,13 @@
               </a:r>
               <a:r>
                 <a:rPr lang="ja-JP" altLang="en-US" dirty="0"/>
-                <a:t>のインスタンスを右端中央部に作成してください</a:t>
-              </a:r>
+                <a:t>のインスタンスを右端中央部に作成して</a:t>
+              </a:r>
+              <a:r>
+                <a:rPr lang="ja-JP" altLang="en-US" dirty="0" smtClean="0"/>
+                <a:t>ください。</a:t>
+              </a:r>
+              <a:endParaRPr lang="ja-JP" altLang="en-US" dirty="0"/>
             </a:p>
           </p:txBody>
         </p:sp>
@@ -5746,8 +5730,8 @@
           </p:nvSpPr>
           <p:spPr>
             <a:xfrm>
-              <a:off x="254945" y="929767"/>
-              <a:ext cx="184731" cy="369332"/>
+              <a:off x="476577" y="765628"/>
+              <a:ext cx="415498" cy="369332"/>
             </a:xfrm>
             <a:prstGeom prst="rect">
               <a:avLst/>
@@ -5760,6 +5744,10 @@
             </a:bodyPr>
             <a:lstStyle/>
             <a:p>
+              <a:r>
+                <a:rPr kumimoji="1" lang="ja-JP" altLang="en-US" dirty="0" smtClean="0"/>
+                <a:t>③</a:t>
+              </a:r>
               <a:endParaRPr kumimoji="1" lang="ja-JP" altLang="en-US" dirty="0"/>
             </a:p>
           </p:txBody>
@@ -5779,8 +5767,8 @@
         </p:nvSpPr>
         <p:spPr>
           <a:xfrm>
-            <a:off x="841735" y="6044595"/>
-            <a:ext cx="1531351" cy="300416"/>
+            <a:off x="1558172" y="3683180"/>
+            <a:ext cx="1821337" cy="384486"/>
           </a:xfrm>
           <a:prstGeom prst="roundRect">
             <a:avLst/>
@@ -5834,8 +5822,8 @@
         </p:nvCxnSpPr>
         <p:spPr>
           <a:xfrm flipH="1">
-            <a:off x="2373086" y="4114800"/>
-            <a:ext cx="6342743" cy="2080003"/>
+            <a:off x="3379509" y="3683180"/>
+            <a:ext cx="5689077" cy="192243"/>
           </a:xfrm>
           <a:prstGeom prst="straightConnector1">
             <a:avLst/>
@@ -5902,6 +5890,13 @@
   <p:clrMapOvr>
     <a:masterClrMapping/>
   </p:clrMapOvr>
+  <p:timing>
+    <p:tnLst>
+      <p:par>
+        <p:cTn id="1" dur="indefinite" restart="never" nodeType="tmRoot"/>
+      </p:par>
+    </p:tnLst>
+  </p:timing>
 </p:sld>
 </file>
 
@@ -5922,6 +5917,30 @@
           <a:chExt cx="0" cy="0"/>
         </a:xfrm>
       </p:grpSpPr>
+      <p:pic>
+        <p:nvPicPr>
+          <p:cNvPr id="3" name="図 2"/>
+          <p:cNvPicPr>
+            <a:picLocks noChangeAspect="1"/>
+          </p:cNvPicPr>
+          <p:nvPr/>
+        </p:nvPicPr>
+        <p:blipFill>
+          <a:blip r:embed="rId2"/>
+          <a:stretch>
+            <a:fillRect/>
+          </a:stretch>
+        </p:blipFill>
+        <p:spPr>
+          <a:xfrm>
+            <a:off x="1229248" y="1417964"/>
+            <a:ext cx="5274965" cy="5222321"/>
+          </a:xfrm>
+          <a:prstGeom prst="rect">
+            <a:avLst/>
+          </a:prstGeom>
+        </p:spPr>
+      </p:pic>
       <p:sp>
         <p:nvSpPr>
           <p:cNvPr id="5" name="Shape 130">
@@ -5947,7 +5966,7 @@
           </a:ln>
           <a:extLst>
             <a:ext uri="{C572A759-6A51-4108-AA02-DFA0A04FC94B}">
-              <ma14:wrappingTextBoxFlag xmlns:ma14="http://schemas.microsoft.com/office/mac/drawingml/2011/main" xmlns="" val="1"/>
+              <ma14:wrappingTextBoxFlag xmlns="" xmlns:ma14="http://schemas.microsoft.com/office/mac/drawingml/2011/main" val="1"/>
             </a:ext>
           </a:extLst>
         </p:spPr>
@@ -5984,60 +6003,18 @@
           </a:p>
         </p:txBody>
       </p:sp>
-      <p:pic>
-        <p:nvPicPr>
-          <p:cNvPr id="2" name="図 1">
-            <a:extLst>
-              <a:ext uri="{FF2B5EF4-FFF2-40B4-BE49-F238E27FC236}">
-                <a16:creationId xmlns:a16="http://schemas.microsoft.com/office/drawing/2014/main" id="{7C4AC2DE-0324-44EA-995F-099F4534B033}"/>
-              </a:ext>
-            </a:extLst>
-          </p:cNvPr>
-          <p:cNvPicPr>
-            <a:picLocks noChangeAspect="1"/>
-          </p:cNvPicPr>
-          <p:nvPr/>
-        </p:nvPicPr>
-        <p:blipFill>
-          <a:blip r:embed="rId2">
-            <a:extLst>
-              <a:ext uri="{28A0092B-C50C-407E-A947-70E740481C1C}">
-                <a14:useLocalDpi xmlns:a14="http://schemas.microsoft.com/office/drawing/2010/main" val="0"/>
-              </a:ext>
-            </a:extLst>
-          </a:blip>
-          <a:stretch>
-            <a:fillRect/>
-          </a:stretch>
-        </p:blipFill>
-        <p:spPr>
-          <a:xfrm>
-            <a:off x="1364342" y="1441634"/>
-            <a:ext cx="4682464" cy="5118822"/>
-          </a:xfrm>
-          <a:prstGeom prst="rect">
-            <a:avLst/>
-          </a:prstGeom>
-        </p:spPr>
-      </p:pic>
       <p:grpSp>
         <p:nvGrpSpPr>
-          <p:cNvPr id="6" name="グループ化 5">
-            <a:extLst>
-              <a:ext uri="{FF2B5EF4-FFF2-40B4-BE49-F238E27FC236}">
-                <a16:creationId xmlns:a16="http://schemas.microsoft.com/office/drawing/2014/main" id="{943C2C8B-F6E3-42B9-82A9-EAF4154E803F}"/>
-              </a:ext>
-            </a:extLst>
-          </p:cNvPr>
+          <p:cNvPr id="2" name="グループ化 1"/>
           <p:cNvGrpSpPr/>
           <p:nvPr/>
         </p:nvGrpSpPr>
         <p:grpSpPr>
           <a:xfrm>
             <a:off x="557035" y="902941"/>
-            <a:ext cx="6551467" cy="395586"/>
-            <a:chOff x="254945" y="903513"/>
-            <a:chExt cx="6551467" cy="395586"/>
+            <a:ext cx="6551467" cy="369332"/>
+            <a:chOff x="557035" y="902941"/>
+            <a:chExt cx="6551467" cy="369332"/>
           </a:xfrm>
         </p:grpSpPr>
         <p:sp>
@@ -6054,7 +6031,7 @@
           </p:nvSpPr>
           <p:spPr>
             <a:xfrm>
-              <a:off x="620103" y="903513"/>
+              <a:off x="922193" y="902941"/>
               <a:ext cx="6186309" cy="369332"/>
             </a:xfrm>
             <a:prstGeom prst="rect">
@@ -6070,8 +6047,13 @@
             <a:p>
               <a:r>
                 <a:rPr lang="ja-JP" altLang="en-US" dirty="0"/>
-                <a:t>画面上部にある長方形アイコンをクリックしてください</a:t>
-              </a:r>
+                <a:t>画面上部にある長方形アイコンをクリックして</a:t>
+              </a:r>
+              <a:r>
+                <a:rPr lang="ja-JP" altLang="en-US" dirty="0" smtClean="0"/>
+                <a:t>ください。</a:t>
+              </a:r>
+              <a:endParaRPr lang="ja-JP" altLang="en-US" dirty="0"/>
             </a:p>
           </p:txBody>
         </p:sp>
@@ -6089,7 +6071,7 @@
           </p:nvSpPr>
           <p:spPr>
             <a:xfrm>
-              <a:off x="254945" y="929767"/>
+              <a:off x="557035" y="902941"/>
               <a:ext cx="415498" cy="369332"/>
             </a:xfrm>
             <a:prstGeom prst="rect">
@@ -6125,7 +6107,7 @@
         </p:nvSpPr>
         <p:spPr>
           <a:xfrm>
-            <a:off x="2982686" y="1441634"/>
+            <a:off x="2703286" y="1423795"/>
             <a:ext cx="529771" cy="532309"/>
           </a:xfrm>
           <a:prstGeom prst="roundRect">
@@ -6178,9 +6160,9 @@
         <p:grpSpPr>
           <a:xfrm>
             <a:off x="6661622" y="2898656"/>
-            <a:ext cx="4704808" cy="923330"/>
+            <a:ext cx="4935640" cy="923330"/>
             <a:chOff x="254945" y="903513"/>
-            <a:chExt cx="4704808" cy="923330"/>
+            <a:chExt cx="4935640" cy="923330"/>
           </a:xfrm>
         </p:grpSpPr>
         <p:sp>
@@ -6198,7 +6180,7 @@
           <p:spPr>
             <a:xfrm>
               <a:off x="620103" y="903513"/>
-              <a:ext cx="4339650" cy="923330"/>
+              <a:ext cx="4570482" cy="923330"/>
             </a:xfrm>
             <a:prstGeom prst="rect">
               <a:avLst/>
@@ -6220,15 +6202,24 @@
             <a:p>
               <a:r>
                 <a:rPr lang="ja-JP" altLang="en-US" dirty="0"/>
-                <a:t>ドラッグして長方形を作成してください</a:t>
+                <a:t>ドラッグして長方形を作成して</a:t>
+              </a:r>
+              <a:r>
+                <a:rPr lang="ja-JP" altLang="en-US" dirty="0" smtClean="0"/>
+                <a:t>ください。</a:t>
               </a:r>
               <a:endParaRPr lang="en-US" altLang="ja-JP" dirty="0"/>
             </a:p>
             <a:p>
               <a:r>
                 <a:rPr lang="ja-JP" altLang="en-US" dirty="0"/>
-                <a:t>左クリックで終点を指定できます</a:t>
-              </a:r>
+                <a:t>左クリックで終点を指定</a:t>
+              </a:r>
+              <a:r>
+                <a:rPr lang="ja-JP" altLang="en-US" dirty="0" smtClean="0"/>
+                <a:t>できます。</a:t>
+              </a:r>
+              <a:endParaRPr lang="ja-JP" altLang="en-US" dirty="0"/>
             </a:p>
           </p:txBody>
         </p:sp>
@@ -6285,7 +6276,7 @@
         </p:nvCxnSpPr>
         <p:spPr>
           <a:xfrm flipH="1">
-            <a:off x="3247572" y="1182914"/>
+            <a:off x="2968172" y="1165075"/>
             <a:ext cx="141514" cy="258720"/>
           </a:xfrm>
           <a:prstGeom prst="straightConnector1">
@@ -6328,8 +6319,8 @@
         </p:nvSpPr>
         <p:spPr>
           <a:xfrm>
-            <a:off x="1538515" y="2271486"/>
-            <a:ext cx="4376056" cy="4368799"/>
+            <a:off x="1686560" y="2458720"/>
+            <a:ext cx="4480559" cy="4327256"/>
           </a:xfrm>
           <a:prstGeom prst="roundRect">
             <a:avLst/>
@@ -6384,8 +6375,8 @@
         </p:nvCxnSpPr>
         <p:spPr>
           <a:xfrm flipH="1">
-            <a:off x="5914571" y="3294242"/>
-            <a:ext cx="954800" cy="1161644"/>
+            <a:off x="6167119" y="3294242"/>
+            <a:ext cx="702252" cy="1328106"/>
           </a:xfrm>
           <a:prstGeom prst="straightConnector1">
             <a:avLst/>
@@ -6452,6 +6443,13 @@
   <p:clrMapOvr>
     <a:masterClrMapping/>
   </p:clrMapOvr>
+  <p:timing>
+    <p:tnLst>
+      <p:par>
+        <p:cTn id="1" dur="indefinite" restart="never" nodeType="tmRoot"/>
+      </p:par>
+    </p:tnLst>
+  </p:timing>
 </p:sld>
 </file>
 
@@ -6472,129 +6470,6 @@
           <a:chExt cx="0" cy="0"/>
         </a:xfrm>
       </p:grpSpPr>
-      <p:pic>
-        <p:nvPicPr>
-          <p:cNvPr id="3" name="図 2">
-            <a:extLst>
-              <a:ext uri="{FF2B5EF4-FFF2-40B4-BE49-F238E27FC236}">
-                <a16:creationId xmlns:a16="http://schemas.microsoft.com/office/drawing/2014/main" id="{ACF36090-09B8-4167-A6FB-226D56F9DE3D}"/>
-              </a:ext>
-            </a:extLst>
-          </p:cNvPr>
-          <p:cNvPicPr>
-            <a:picLocks noChangeAspect="1"/>
-          </p:cNvPicPr>
-          <p:nvPr/>
-        </p:nvPicPr>
-        <p:blipFill>
-          <a:blip r:embed="rId2">
-            <a:extLst>
-              <a:ext uri="{28A0092B-C50C-407E-A947-70E740481C1C}">
-                <a14:useLocalDpi xmlns:a14="http://schemas.microsoft.com/office/drawing/2010/main" val="0"/>
-              </a:ext>
-            </a:extLst>
-          </a:blip>
-          <a:stretch>
-            <a:fillRect/>
-          </a:stretch>
-        </p:blipFill>
-        <p:spPr>
-          <a:xfrm>
-            <a:off x="595164" y="1947068"/>
-            <a:ext cx="6054494" cy="4332625"/>
-          </a:xfrm>
-          <a:prstGeom prst="rect">
-            <a:avLst/>
-          </a:prstGeom>
-        </p:spPr>
-      </p:pic>
-      <p:pic>
-        <p:nvPicPr>
-          <p:cNvPr id="4" name="図 3">
-            <a:extLst>
-              <a:ext uri="{FF2B5EF4-FFF2-40B4-BE49-F238E27FC236}">
-                <a16:creationId xmlns:a16="http://schemas.microsoft.com/office/drawing/2014/main" id="{277977C4-F465-4C23-851A-05EE6875DCED}"/>
-              </a:ext>
-            </a:extLst>
-          </p:cNvPr>
-          <p:cNvPicPr>
-            <a:picLocks noChangeAspect="1"/>
-          </p:cNvPicPr>
-          <p:nvPr/>
-        </p:nvPicPr>
-        <p:blipFill>
-          <a:blip r:embed="rId3">
-            <a:extLst>
-              <a:ext uri="{28A0092B-C50C-407E-A947-70E740481C1C}">
-                <a14:useLocalDpi xmlns:a14="http://schemas.microsoft.com/office/drawing/2010/main" val="0"/>
-              </a:ext>
-            </a:extLst>
-          </a:blip>
-          <a:stretch>
-            <a:fillRect/>
-          </a:stretch>
-        </p:blipFill>
-        <p:spPr>
-          <a:xfrm>
-            <a:off x="7707504" y="754495"/>
-            <a:ext cx="3979812" cy="3589406"/>
-          </a:xfrm>
-          <a:prstGeom prst="rect">
-            <a:avLst/>
-          </a:prstGeom>
-        </p:spPr>
-      </p:pic>
-      <p:sp>
-        <p:nvSpPr>
-          <p:cNvPr id="2" name="テキスト ボックス 1">
-            <a:extLst>
-              <a:ext uri="{FF2B5EF4-FFF2-40B4-BE49-F238E27FC236}">
-                <a16:creationId xmlns:a16="http://schemas.microsoft.com/office/drawing/2014/main" id="{E5BCDB82-5D70-477B-9645-6FC3B72BB936}"/>
-              </a:ext>
-            </a:extLst>
-          </p:cNvPr>
-          <p:cNvSpPr txBox="1"/>
-          <p:nvPr/>
-        </p:nvSpPr>
-        <p:spPr>
-          <a:xfrm>
-            <a:off x="328728" y="637699"/>
-            <a:ext cx="7109639" cy="646331"/>
-          </a:xfrm>
-          <a:prstGeom prst="rect">
-            <a:avLst/>
-          </a:prstGeom>
-          <a:noFill/>
-        </p:spPr>
-        <p:txBody>
-          <a:bodyPr wrap="none" rtlCol="0">
-            <a:spAutoFit/>
-          </a:bodyPr>
-          <a:lstStyle/>
-          <a:p>
-            <a:r>
-              <a:rPr kumimoji="1" lang="ja-JP" altLang="en-US" dirty="0"/>
-              <a:t>右クリックから「特性」をクリックすると</a:t>
-            </a:r>
-            <a:endParaRPr kumimoji="1" lang="en-US" altLang="ja-JP" dirty="0"/>
-          </a:p>
-          <a:p>
-            <a:r>
-              <a:rPr lang="ja-JP" altLang="en-US" dirty="0"/>
-              <a:t>特性</a:t>
-            </a:r>
-            <a:r>
-              <a:rPr kumimoji="1" lang="ja-JP" altLang="en-US" dirty="0"/>
-              <a:t>ウィンドウが表示され長方形アイコン</a:t>
-            </a:r>
-            <a:r>
-              <a:rPr lang="ja-JP" altLang="en-US" dirty="0"/>
-              <a:t>の色や線を指定できます</a:t>
-            </a:r>
-            <a:endParaRPr lang="en-US" altLang="ja-JP" dirty="0"/>
-          </a:p>
-        </p:txBody>
-      </p:sp>
       <p:sp>
         <p:nvSpPr>
           <p:cNvPr id="7" name="Shape 130">
@@ -6620,7 +6495,7 @@
           </a:ln>
           <a:extLst>
             <a:ext uri="{C572A759-6A51-4108-AA02-DFA0A04FC94B}">
-              <ma14:wrappingTextBoxFlag xmlns:ma14="http://schemas.microsoft.com/office/mac/drawingml/2011/main" xmlns="" val="1"/>
+              <ma14:wrappingTextBoxFlag xmlns="" xmlns:ma14="http://schemas.microsoft.com/office/mac/drawingml/2011/main" val="1"/>
             </a:ext>
           </a:extLst>
         </p:spPr>
@@ -6657,9 +6532,38 @@
           </a:p>
         </p:txBody>
       </p:sp>
+      <p:sp>
+        <p:nvSpPr>
+          <p:cNvPr id="36" name="スライド番号プレースホルダー 35">
+            <a:extLst>
+              <a:ext uri="{FF2B5EF4-FFF2-40B4-BE49-F238E27FC236}">
+                <a16:creationId xmlns:a16="http://schemas.microsoft.com/office/drawing/2014/main" id="{CC5434F5-E11B-48B4-954C-A767BA1631CB}"/>
+              </a:ext>
+            </a:extLst>
+          </p:cNvPr>
+          <p:cNvSpPr>
+            <a:spLocks noGrp="1"/>
+          </p:cNvSpPr>
+          <p:nvPr>
+            <p:ph type="sldNum" sz="quarter" idx="12"/>
+          </p:nvPr>
+        </p:nvSpPr>
+        <p:spPr/>
+        <p:txBody>
+          <a:bodyPr/>
+          <a:lstStyle/>
+          <a:p>
+            <a:fld id="{D836F367-8F14-4921-8441-15DE2D973248}" type="slidenum">
+              <a:rPr kumimoji="1" lang="ja-JP" altLang="en-US" smtClean="0"/>
+              <a:t>14</a:t>
+            </a:fld>
+            <a:endParaRPr kumimoji="1" lang="ja-JP" altLang="en-US"/>
+          </a:p>
+        </p:txBody>
+      </p:sp>
       <p:grpSp>
         <p:nvGrpSpPr>
-          <p:cNvPr id="8" name="グループ化 7">
+          <p:cNvPr id="29" name="グループ化 28">
             <a:extLst>
               <a:ext uri="{FF2B5EF4-FFF2-40B4-BE49-F238E27FC236}">
                 <a16:creationId xmlns:a16="http://schemas.microsoft.com/office/drawing/2014/main" id="{00AA2A0D-417E-4930-AAB8-363B5066A43D}"/>
@@ -6671,15 +6575,15 @@
         </p:nvGrpSpPr>
         <p:grpSpPr>
           <a:xfrm>
-            <a:off x="179666" y="1410941"/>
-            <a:ext cx="6551467" cy="395586"/>
+            <a:off x="418426" y="862301"/>
+            <a:ext cx="7705629" cy="646331"/>
             <a:chOff x="254945" y="903513"/>
-            <a:chExt cx="6551467" cy="395586"/>
+            <a:chExt cx="7705629" cy="646331"/>
           </a:xfrm>
         </p:grpSpPr>
         <p:sp>
           <p:nvSpPr>
-            <p:cNvPr id="9" name="テキスト ボックス 8">
+            <p:cNvPr id="32" name="テキスト ボックス 31">
               <a:extLst>
                 <a:ext uri="{FF2B5EF4-FFF2-40B4-BE49-F238E27FC236}">
                   <a16:creationId xmlns:a16="http://schemas.microsoft.com/office/drawing/2014/main" id="{3776994F-1B87-472E-891D-2299AD5F8676}"/>
@@ -6692,7 +6596,7 @@
           <p:spPr>
             <a:xfrm>
               <a:off x="620103" y="903513"/>
-              <a:ext cx="6186309" cy="369332"/>
+              <a:ext cx="7340471" cy="646331"/>
             </a:xfrm>
             <a:prstGeom prst="rect">
               <a:avLst/>
@@ -6706,15 +6610,31 @@
             <a:lstStyle/>
             <a:p>
               <a:r>
+                <a:rPr lang="ja-JP" altLang="en-US" dirty="0" smtClean="0"/>
+                <a:t>長方形オブジェクト上で右クリックし、「</a:t>
+              </a:r>
+              <a:r>
                 <a:rPr lang="ja-JP" altLang="en-US" dirty="0"/>
-                <a:t>今回は「塗りつぶしタイプ」の「色」を選択してください</a:t>
-              </a:r>
+                <a:t>特性」をクリックすると</a:t>
+              </a:r>
+              <a:endParaRPr lang="en-US" altLang="ja-JP" dirty="0"/>
+            </a:p>
+            <a:p>
+              <a:r>
+                <a:rPr lang="ja-JP" altLang="en-US" dirty="0"/>
+                <a:t>特性ウィンドウが表示され長方形アイコンの色や線を指定</a:t>
+              </a:r>
+              <a:r>
+                <a:rPr lang="ja-JP" altLang="en-US" dirty="0" smtClean="0"/>
+                <a:t>できます。</a:t>
+              </a:r>
+              <a:endParaRPr lang="en-US" altLang="ja-JP" dirty="0"/>
             </a:p>
           </p:txBody>
         </p:sp>
         <p:sp>
           <p:nvSpPr>
-            <p:cNvPr id="10" name="テキスト ボックス 9">
+            <p:cNvPr id="37" name="テキスト ボックス 36">
               <a:extLst>
                 <a:ext uri="{FF2B5EF4-FFF2-40B4-BE49-F238E27FC236}">
                   <a16:creationId xmlns:a16="http://schemas.microsoft.com/office/drawing/2014/main" id="{B3F979FA-F14C-49F1-977E-12376CAC4FEA}"/>
@@ -6741,16 +6661,41 @@
             <a:lstStyle/>
             <a:p>
               <a:r>
-                <a:rPr kumimoji="1" lang="ja-JP" altLang="en-US" dirty="0"/>
-                <a:t>①</a:t>
-              </a:r>
+                <a:rPr lang="ja-JP" altLang="en-US" dirty="0"/>
+                <a:t>③</a:t>
+              </a:r>
+              <a:endParaRPr kumimoji="1" lang="ja-JP" altLang="en-US" dirty="0"/>
             </a:p>
           </p:txBody>
         </p:sp>
       </p:grpSp>
-      <p:sp>
-        <p:nvSpPr>
-          <p:cNvPr id="11" name="四角形: 角を丸くする 10">
+      <p:pic>
+        <p:nvPicPr>
+          <p:cNvPr id="19" name="図 18"/>
+          <p:cNvPicPr>
+            <a:picLocks noChangeAspect="1"/>
+          </p:cNvPicPr>
+          <p:nvPr/>
+        </p:nvPicPr>
+        <p:blipFill>
+          <a:blip r:embed="rId2"/>
+          <a:stretch>
+            <a:fillRect/>
+          </a:stretch>
+        </p:blipFill>
+        <p:spPr>
+          <a:xfrm>
+            <a:off x="1356144" y="1810893"/>
+            <a:ext cx="7528776" cy="4411031"/>
+          </a:xfrm>
+          <a:prstGeom prst="rect">
+            <a:avLst/>
+          </a:prstGeom>
+        </p:spPr>
+      </p:pic>
+      <p:sp>
+        <p:nvSpPr>
+          <p:cNvPr id="38" name="四角形: 角を丸くする 10">
             <a:extLst>
               <a:ext uri="{FF2B5EF4-FFF2-40B4-BE49-F238E27FC236}">
                 <a16:creationId xmlns:a16="http://schemas.microsoft.com/office/drawing/2014/main" id="{D03466A5-C6BE-4146-8E80-9C0DF314E27D}"/>
@@ -6762,8 +6707,8 @@
         </p:nvSpPr>
         <p:spPr>
           <a:xfrm>
-            <a:off x="3687353" y="4963722"/>
-            <a:ext cx="2823030" cy="277223"/>
+            <a:off x="6061890" y="2281483"/>
+            <a:ext cx="831670" cy="268678"/>
           </a:xfrm>
           <a:prstGeom prst="roundRect">
             <a:avLst/>
@@ -6800,6 +6745,325 @@
           </a:p>
         </p:txBody>
       </p:sp>
+    </p:spTree>
+    <p:extLst>
+      <p:ext uri="{BB962C8B-B14F-4D97-AF65-F5344CB8AC3E}">
+        <p14:creationId xmlns:p14="http://schemas.microsoft.com/office/powerpoint/2010/main" val="2597469249"/>
+      </p:ext>
+    </p:extLst>
+  </p:cSld>
+  <p:clrMapOvr>
+    <a:masterClrMapping/>
+  </p:clrMapOvr>
+  <p:timing>
+    <p:tnLst>
+      <p:par>
+        <p:cTn id="1" dur="indefinite" restart="never" nodeType="tmRoot"/>
+      </p:par>
+    </p:tnLst>
+  </p:timing>
+</p:sld>
+</file>
+
+<file path=ppt/slides/slide15.xml><?xml version="1.0" encoding="utf-8"?>
+<p:sld xmlns:a="http://schemas.openxmlformats.org/drawingml/2006/main" xmlns:r="http://schemas.openxmlformats.org/officeDocument/2006/relationships" xmlns:p="http://schemas.openxmlformats.org/presentationml/2006/main">
+  <p:cSld>
+    <p:spTree>
+      <p:nvGrpSpPr>
+        <p:cNvPr id="1" name=""/>
+        <p:cNvGrpSpPr/>
+        <p:nvPr/>
+      </p:nvGrpSpPr>
+      <p:grpSpPr>
+        <a:xfrm>
+          <a:off x="0" y="0"/>
+          <a:ext cx="0" cy="0"/>
+          <a:chOff x="0" y="0"/>
+          <a:chExt cx="0" cy="0"/>
+        </a:xfrm>
+      </p:grpSpPr>
+      <p:pic>
+        <p:nvPicPr>
+          <p:cNvPr id="3" name="図 2">
+            <a:extLst>
+              <a:ext uri="{FF2B5EF4-FFF2-40B4-BE49-F238E27FC236}">
+                <a16:creationId xmlns:a16="http://schemas.microsoft.com/office/drawing/2014/main" id="{ACF36090-09B8-4167-A6FB-226D56F9DE3D}"/>
+              </a:ext>
+            </a:extLst>
+          </p:cNvPr>
+          <p:cNvPicPr>
+            <a:picLocks noChangeAspect="1"/>
+          </p:cNvPicPr>
+          <p:nvPr/>
+        </p:nvPicPr>
+        <p:blipFill>
+          <a:blip r:embed="rId2">
+            <a:extLst>
+              <a:ext uri="{28A0092B-C50C-407E-A947-70E740481C1C}">
+                <a14:useLocalDpi xmlns:a14="http://schemas.microsoft.com/office/drawing/2010/main" val="0"/>
+              </a:ext>
+            </a:extLst>
+          </a:blip>
+          <a:stretch>
+            <a:fillRect/>
+          </a:stretch>
+        </p:blipFill>
+        <p:spPr>
+          <a:xfrm>
+            <a:off x="595164" y="1296828"/>
+            <a:ext cx="6054494" cy="4332625"/>
+          </a:xfrm>
+          <a:prstGeom prst="rect">
+            <a:avLst/>
+          </a:prstGeom>
+        </p:spPr>
+      </p:pic>
+      <p:pic>
+        <p:nvPicPr>
+          <p:cNvPr id="4" name="図 3">
+            <a:extLst>
+              <a:ext uri="{FF2B5EF4-FFF2-40B4-BE49-F238E27FC236}">
+                <a16:creationId xmlns:a16="http://schemas.microsoft.com/office/drawing/2014/main" id="{277977C4-F465-4C23-851A-05EE6875DCED}"/>
+              </a:ext>
+            </a:extLst>
+          </p:cNvPr>
+          <p:cNvPicPr>
+            <a:picLocks noChangeAspect="1"/>
+          </p:cNvPicPr>
+          <p:nvPr/>
+        </p:nvPicPr>
+        <p:blipFill>
+          <a:blip r:embed="rId3">
+            <a:extLst>
+              <a:ext uri="{28A0092B-C50C-407E-A947-70E740481C1C}">
+                <a14:useLocalDpi xmlns:a14="http://schemas.microsoft.com/office/drawing/2010/main" val="0"/>
+              </a:ext>
+            </a:extLst>
+          </a:blip>
+          <a:stretch>
+            <a:fillRect/>
+          </a:stretch>
+        </p:blipFill>
+        <p:spPr>
+          <a:xfrm>
+            <a:off x="7692264" y="1094678"/>
+            <a:ext cx="3979812" cy="3589406"/>
+          </a:xfrm>
+          <a:prstGeom prst="rect">
+            <a:avLst/>
+          </a:prstGeom>
+        </p:spPr>
+      </p:pic>
+      <p:sp>
+        <p:nvSpPr>
+          <p:cNvPr id="7" name="Shape 130">
+            <a:extLst>
+              <a:ext uri="{FF2B5EF4-FFF2-40B4-BE49-F238E27FC236}">
+                <a16:creationId xmlns:a16="http://schemas.microsoft.com/office/drawing/2014/main" id="{A59EE6D5-2F3B-4EA0-940C-84CF6F287A3E}"/>
+              </a:ext>
+            </a:extLst>
+          </p:cNvPr>
+          <p:cNvSpPr/>
+          <p:nvPr/>
+        </p:nvSpPr>
+        <p:spPr>
+          <a:xfrm>
+            <a:off x="179666" y="87415"/>
+            <a:ext cx="4078039" cy="579646"/>
+          </a:xfrm>
+          <a:prstGeom prst="rect">
+            <a:avLst/>
+          </a:prstGeom>
+          <a:ln w="12700">
+            <a:miter lim="400000"/>
+          </a:ln>
+          <a:extLst>
+            <a:ext uri="{C572A759-6A51-4108-AA02-DFA0A04FC94B}">
+              <ma14:wrappingTextBoxFlag xmlns="" xmlns:ma14="http://schemas.microsoft.com/office/mac/drawingml/2011/main" val="1"/>
+            </a:ext>
+          </a:extLst>
+        </p:spPr>
+        <p:txBody>
+          <a:bodyPr wrap="none" lIns="50800" tIns="50800" rIns="50800" bIns="50800" anchor="ctr">
+            <a:spAutoFit/>
+          </a:bodyPr>
+          <a:lstStyle/>
+          <a:p>
+            <a:pPr>
+              <a:defRPr sz="3100" u="sng">
+                <a:latin typeface="YuMincho Medium"/>
+                <a:ea typeface="YuMincho Medium"/>
+                <a:cs typeface="YuMincho Medium"/>
+                <a:sym typeface="YuMincho Medium"/>
+              </a:defRPr>
+            </a:pPr>
+            <a:r>
+              <a:rPr lang="ja-JP" altLang="en-US" dirty="0"/>
+              <a:t>アイコンの作成 </a:t>
+            </a:r>
+            <a:r>
+              <a:rPr lang="en-US" altLang="ja-JP" dirty="0"/>
+              <a:t>– </a:t>
+            </a:r>
+            <a:r>
+              <a:rPr lang="ja-JP" altLang="en-US" dirty="0" smtClean="0"/>
+              <a:t>外枠</a:t>
+            </a:r>
+            <a:r>
+              <a:rPr lang="en-US" altLang="ja-JP" dirty="0" smtClean="0"/>
+              <a:t>3</a:t>
+            </a:r>
+            <a:endParaRPr lang="en-US" altLang="ja-JP" dirty="0"/>
+          </a:p>
+        </p:txBody>
+      </p:sp>
+      <p:grpSp>
+        <p:nvGrpSpPr>
+          <p:cNvPr id="2" name="グループ化 1"/>
+          <p:cNvGrpSpPr/>
+          <p:nvPr/>
+        </p:nvGrpSpPr>
+        <p:grpSpPr>
+          <a:xfrm>
+            <a:off x="179666" y="760701"/>
+            <a:ext cx="4473975" cy="369332"/>
+            <a:chOff x="179666" y="760701"/>
+            <a:chExt cx="4473975" cy="369332"/>
+          </a:xfrm>
+        </p:grpSpPr>
+        <p:sp>
+          <p:nvSpPr>
+            <p:cNvPr id="9" name="テキスト ボックス 8">
+              <a:extLst>
+                <a:ext uri="{FF2B5EF4-FFF2-40B4-BE49-F238E27FC236}">
+                  <a16:creationId xmlns:a16="http://schemas.microsoft.com/office/drawing/2014/main" id="{3776994F-1B87-472E-891D-2299AD5F8676}"/>
+                </a:ext>
+              </a:extLst>
+            </p:cNvPr>
+            <p:cNvSpPr txBox="1"/>
+            <p:nvPr/>
+          </p:nvSpPr>
+          <p:spPr>
+            <a:xfrm>
+              <a:off x="544824" y="760701"/>
+              <a:ext cx="4108817" cy="369332"/>
+            </a:xfrm>
+            <a:prstGeom prst="rect">
+              <a:avLst/>
+            </a:prstGeom>
+            <a:noFill/>
+          </p:spPr>
+          <p:txBody>
+            <a:bodyPr wrap="none" rtlCol="0">
+              <a:spAutoFit/>
+            </a:bodyPr>
+            <a:lstStyle/>
+            <a:p>
+              <a:r>
+                <a:rPr lang="ja-JP" altLang="en-US" dirty="0" smtClean="0"/>
+                <a:t>「</a:t>
+              </a:r>
+              <a:r>
+                <a:rPr lang="ja-JP" altLang="en-US" dirty="0"/>
+                <a:t>塗りつぶしタイプ」の「色」を</a:t>
+              </a:r>
+              <a:r>
+                <a:rPr lang="ja-JP" altLang="en-US" dirty="0" smtClean="0"/>
+                <a:t>選択</a:t>
+              </a:r>
+              <a:endParaRPr lang="ja-JP" altLang="en-US" dirty="0"/>
+            </a:p>
+          </p:txBody>
+        </p:sp>
+        <p:sp>
+          <p:nvSpPr>
+            <p:cNvPr id="10" name="テキスト ボックス 9">
+              <a:extLst>
+                <a:ext uri="{FF2B5EF4-FFF2-40B4-BE49-F238E27FC236}">
+                  <a16:creationId xmlns:a16="http://schemas.microsoft.com/office/drawing/2014/main" id="{B3F979FA-F14C-49F1-977E-12376CAC4FEA}"/>
+                </a:ext>
+              </a:extLst>
+            </p:cNvPr>
+            <p:cNvSpPr txBox="1"/>
+            <p:nvPr/>
+          </p:nvSpPr>
+          <p:spPr>
+            <a:xfrm>
+              <a:off x="179666" y="760701"/>
+              <a:ext cx="415498" cy="369332"/>
+            </a:xfrm>
+            <a:prstGeom prst="rect">
+              <a:avLst/>
+            </a:prstGeom>
+            <a:noFill/>
+          </p:spPr>
+          <p:txBody>
+            <a:bodyPr wrap="none" rtlCol="0">
+              <a:spAutoFit/>
+            </a:bodyPr>
+            <a:lstStyle/>
+            <a:p>
+              <a:r>
+                <a:rPr kumimoji="1" lang="ja-JP" altLang="en-US" dirty="0" smtClean="0"/>
+                <a:t>④</a:t>
+              </a:r>
+              <a:endParaRPr kumimoji="1" lang="ja-JP" altLang="en-US" dirty="0"/>
+            </a:p>
+          </p:txBody>
+        </p:sp>
+      </p:grpSp>
+      <p:sp>
+        <p:nvSpPr>
+          <p:cNvPr id="11" name="四角形: 角を丸くする 10">
+            <a:extLst>
+              <a:ext uri="{FF2B5EF4-FFF2-40B4-BE49-F238E27FC236}">
+                <a16:creationId xmlns:a16="http://schemas.microsoft.com/office/drawing/2014/main" id="{D03466A5-C6BE-4146-8E80-9C0DF314E27D}"/>
+              </a:ext>
+            </a:extLst>
+          </p:cNvPr>
+          <p:cNvSpPr/>
+          <p:nvPr/>
+        </p:nvSpPr>
+        <p:spPr>
+          <a:xfrm>
+            <a:off x="3687353" y="4313482"/>
+            <a:ext cx="2823030" cy="277223"/>
+          </a:xfrm>
+          <a:prstGeom prst="roundRect">
+            <a:avLst/>
+          </a:prstGeom>
+          <a:noFill/>
+          <a:ln w="28575">
+            <a:solidFill>
+              <a:srgbClr val="FF0000"/>
+            </a:solidFill>
+          </a:ln>
+        </p:spPr>
+        <p:style>
+          <a:lnRef idx="2">
+            <a:schemeClr val="accent1">
+              <a:shade val="50000"/>
+            </a:schemeClr>
+          </a:lnRef>
+          <a:fillRef idx="1">
+            <a:schemeClr val="accent1"/>
+          </a:fillRef>
+          <a:effectRef idx="0">
+            <a:schemeClr val="accent1"/>
+          </a:effectRef>
+          <a:fontRef idx="minor">
+            <a:schemeClr val="lt1"/>
+          </a:fontRef>
+        </p:style>
+        <p:txBody>
+          <a:bodyPr rtlCol="0" anchor="ctr"/>
+          <a:lstStyle/>
+          <a:p>
+            <a:pPr algn="ctr"/>
+            <a:endParaRPr kumimoji="1" lang="ja-JP" altLang="en-US"/>
+          </a:p>
+        </p:txBody>
+      </p:sp>
       <p:cxnSp>
         <p:nvCxnSpPr>
           <p:cNvPr id="12" name="直線矢印コネクタ 11">
@@ -6817,8 +7081,8 @@
         </p:nvCxnSpPr>
         <p:spPr>
           <a:xfrm flipH="1">
-            <a:off x="6510383" y="1859562"/>
-            <a:ext cx="2119086" cy="3242772"/>
+            <a:off x="6510383" y="2214880"/>
+            <a:ext cx="2100217" cy="2237214"/>
           </a:xfrm>
           <a:prstGeom prst="straightConnector1">
             <a:avLst/>
@@ -6848,22 +7112,16 @@
       </p:cxnSp>
       <p:grpSp>
         <p:nvGrpSpPr>
-          <p:cNvPr id="16" name="グループ化 15">
-            <a:extLst>
-              <a:ext uri="{FF2B5EF4-FFF2-40B4-BE49-F238E27FC236}">
-                <a16:creationId xmlns:a16="http://schemas.microsoft.com/office/drawing/2014/main" id="{B6D950E1-3A5D-46A9-B6BD-2395911E4167}"/>
-              </a:ext>
-            </a:extLst>
-          </p:cNvPr>
+          <p:cNvPr id="5" name="グループ化 4"/>
           <p:cNvGrpSpPr/>
           <p:nvPr/>
         </p:nvGrpSpPr>
         <p:grpSpPr>
           <a:xfrm>
-            <a:off x="7162365" y="242778"/>
-            <a:ext cx="3550645" cy="395586"/>
-            <a:chOff x="254945" y="903513"/>
-            <a:chExt cx="3550645" cy="395586"/>
+            <a:off x="7147125" y="582961"/>
+            <a:ext cx="2165651" cy="369332"/>
+            <a:chOff x="7147125" y="582961"/>
+            <a:chExt cx="2165651" cy="369332"/>
           </a:xfrm>
         </p:grpSpPr>
         <p:sp>
@@ -6880,8 +7138,8 @@
           </p:nvSpPr>
           <p:spPr>
             <a:xfrm>
-              <a:off x="620103" y="903513"/>
-              <a:ext cx="3185487" cy="369332"/>
+              <a:off x="7512283" y="582961"/>
+              <a:ext cx="1800493" cy="369332"/>
             </a:xfrm>
             <a:prstGeom prst="rect">
               <a:avLst/>
@@ -6896,8 +7154,13 @@
             <a:p>
               <a:r>
                 <a:rPr lang="ja-JP" altLang="en-US" dirty="0"/>
-                <a:t>好みの色を選択してください</a:t>
-              </a:r>
+                <a:t>好みの色を</a:t>
+              </a:r>
+              <a:r>
+                <a:rPr lang="ja-JP" altLang="en-US" dirty="0" smtClean="0"/>
+                <a:t>選択</a:t>
+              </a:r>
+              <a:endParaRPr lang="ja-JP" altLang="en-US" dirty="0"/>
             </a:p>
           </p:txBody>
         </p:sp>
@@ -6915,7 +7178,7 @@
           </p:nvSpPr>
           <p:spPr>
             <a:xfrm>
-              <a:off x="254945" y="929767"/>
+              <a:off x="7147125" y="582961"/>
               <a:ext cx="415498" cy="369332"/>
             </a:xfrm>
             <a:prstGeom prst="rect">
@@ -6930,9 +7193,10 @@
             <a:lstStyle/>
             <a:p>
               <a:r>
-                <a:rPr kumimoji="1" lang="ja-JP" altLang="en-US" dirty="0"/>
-                <a:t>②</a:t>
-              </a:r>
+                <a:rPr lang="ja-JP" altLang="en-US" dirty="0"/>
+                <a:t>⑤</a:t>
+              </a:r>
+              <a:endParaRPr kumimoji="1" lang="ja-JP" altLang="en-US" dirty="0"/>
             </a:p>
           </p:txBody>
         </p:sp>
@@ -6951,7 +7215,7 @@
         </p:nvSpPr>
         <p:spPr>
           <a:xfrm>
-            <a:off x="3687353" y="5314130"/>
+            <a:off x="3687353" y="4663890"/>
             <a:ext cx="2823030" cy="277223"/>
           </a:xfrm>
           <a:prstGeom prst="roundRect">
@@ -7006,9 +7270,9 @@
           <p:nvPr/>
         </p:nvCxnSpPr>
         <p:spPr>
-          <a:xfrm flipH="1">
-            <a:off x="6510383" y="5086742"/>
-            <a:ext cx="1227727" cy="366000"/>
+          <a:xfrm flipH="1" flipV="1">
+            <a:off x="6510383" y="4802502"/>
+            <a:ext cx="1227727" cy="257986"/>
           </a:xfrm>
           <a:prstGeom prst="straightConnector1">
             <a:avLst/>
@@ -7017,8 +7281,8 @@
             <a:solidFill>
               <a:srgbClr val="FF0000"/>
             </a:solidFill>
-            <a:headEnd type="triangle" w="med" len="med"/>
-            <a:tailEnd type="none" w="med" len="med"/>
+            <a:headEnd type="none" w="med" len="med"/>
+            <a:tailEnd type="triangle" w="med" len="med"/>
           </a:ln>
         </p:spPr>
         <p:style>
@@ -7038,22 +7302,16 @@
       </p:cxnSp>
       <p:grpSp>
         <p:nvGrpSpPr>
-          <p:cNvPr id="25" name="グループ化 24">
-            <a:extLst>
-              <a:ext uri="{FF2B5EF4-FFF2-40B4-BE49-F238E27FC236}">
-                <a16:creationId xmlns:a16="http://schemas.microsoft.com/office/drawing/2014/main" id="{9BDC4EDC-BE37-473B-BD21-D1054495A807}"/>
-              </a:ext>
-            </a:extLst>
-          </p:cNvPr>
+          <p:cNvPr id="6" name="グループ化 5"/>
           <p:cNvGrpSpPr/>
           <p:nvPr/>
         </p:nvGrpSpPr>
         <p:grpSpPr>
           <a:xfrm>
             <a:off x="7738110" y="4875822"/>
-            <a:ext cx="4329705" cy="646331"/>
-            <a:chOff x="254945" y="903513"/>
-            <a:chExt cx="4329705" cy="646331"/>
+            <a:ext cx="3868040" cy="369332"/>
+            <a:chOff x="7738110" y="4875822"/>
+            <a:chExt cx="3868040" cy="369332"/>
           </a:xfrm>
         </p:grpSpPr>
         <p:sp>
@@ -7070,8 +7328,8 @@
           </p:nvSpPr>
           <p:spPr>
             <a:xfrm>
-              <a:off x="620103" y="903513"/>
-              <a:ext cx="3964547" cy="646331"/>
+              <a:off x="8103268" y="4875822"/>
+              <a:ext cx="3502882" cy="369332"/>
             </a:xfrm>
             <a:prstGeom prst="rect">
               <a:avLst/>
@@ -7086,23 +7344,21 @@
             <a:p>
               <a:r>
                 <a:rPr lang="ja-JP" altLang="en-US" dirty="0"/>
-                <a:t>パターンを</a:t>
-              </a:r>
-              <a:endParaRPr lang="en-US" altLang="ja-JP" dirty="0"/>
-            </a:p>
-            <a:p>
-              <a:r>
-                <a:rPr lang="ja-JP" altLang="en-US" dirty="0"/>
-                <a:t>「</a:t>
+                <a:t>パターン</a:t>
+              </a:r>
+              <a:r>
+                <a:rPr lang="ja-JP" altLang="en-US" dirty="0" smtClean="0"/>
+                <a:t>を「</a:t>
               </a:r>
               <a:r>
                 <a:rPr lang="en-US" altLang="ja-JP" dirty="0" err="1"/>
                 <a:t>FillPattern.Solid</a:t>
               </a:r>
               <a:r>
-                <a:rPr lang="ja-JP" altLang="en-US" dirty="0"/>
-                <a:t>」にしてください</a:t>
-              </a:r>
+                <a:rPr lang="ja-JP" altLang="en-US" dirty="0" smtClean="0"/>
+                <a:t>」</a:t>
+              </a:r>
+              <a:endParaRPr lang="ja-JP" altLang="en-US" dirty="0"/>
             </a:p>
           </p:txBody>
         </p:sp>
@@ -7120,7 +7376,7 @@
           </p:nvSpPr>
           <p:spPr>
             <a:xfrm>
-              <a:off x="254945" y="929767"/>
+              <a:off x="7738110" y="4875822"/>
               <a:ext cx="415498" cy="369332"/>
             </a:xfrm>
             <a:prstGeom prst="rect">
@@ -7135,9 +7391,10 @@
             <a:lstStyle/>
             <a:p>
               <a:r>
-                <a:rPr kumimoji="1" lang="ja-JP" altLang="en-US" dirty="0"/>
-                <a:t>③</a:t>
-              </a:r>
+                <a:rPr kumimoji="1" lang="ja-JP" altLang="en-US" dirty="0" smtClean="0"/>
+                <a:t>⑥</a:t>
+              </a:r>
+              <a:endParaRPr kumimoji="1" lang="ja-JP" altLang="en-US" dirty="0"/>
             </a:p>
           </p:txBody>
         </p:sp>
@@ -7156,7 +7413,7 @@
         </p:nvSpPr>
         <p:spPr>
           <a:xfrm>
-            <a:off x="3725471" y="5835331"/>
+            <a:off x="3725471" y="5185091"/>
             <a:ext cx="1049729" cy="347755"/>
           </a:xfrm>
           <a:prstGeom prst="roundRect">
@@ -7210,9 +7467,9 @@
           <p:nvPr/>
         </p:nvCxnSpPr>
         <p:spPr>
-          <a:xfrm flipH="1">
-            <a:off x="4775200" y="5845175"/>
-            <a:ext cx="2962910" cy="164034"/>
+          <a:xfrm flipH="1" flipV="1">
+            <a:off x="4775200" y="5358969"/>
+            <a:ext cx="2962910" cy="486206"/>
           </a:xfrm>
           <a:prstGeom prst="straightConnector1">
             <a:avLst/>
@@ -7221,8 +7478,8 @@
             <a:solidFill>
               <a:srgbClr val="FF0000"/>
             </a:solidFill>
-            <a:headEnd type="triangle" w="med" len="med"/>
-            <a:tailEnd type="none" w="med" len="med"/>
+            <a:headEnd type="none" w="med" len="med"/>
+            <a:tailEnd type="triangle" w="med" len="med"/>
           </a:ln>
         </p:spPr>
         <p:style>
@@ -7242,22 +7499,16 @@
       </p:cxnSp>
       <p:grpSp>
         <p:nvGrpSpPr>
-          <p:cNvPr id="33" name="グループ化 32">
-            <a:extLst>
-              <a:ext uri="{FF2B5EF4-FFF2-40B4-BE49-F238E27FC236}">
-                <a16:creationId xmlns:a16="http://schemas.microsoft.com/office/drawing/2014/main" id="{FD1C0E5B-D80D-4ACE-91CE-F9F501F5BA4A}"/>
-              </a:ext>
-            </a:extLst>
-          </p:cNvPr>
+          <p:cNvPr id="13" name="グループ化 12"/>
           <p:cNvGrpSpPr/>
           <p:nvPr/>
         </p:nvGrpSpPr>
         <p:grpSpPr>
           <a:xfrm>
             <a:off x="7738110" y="5635263"/>
-            <a:ext cx="3738197" cy="395586"/>
-            <a:chOff x="254945" y="903513"/>
-            <a:chExt cx="3738197" cy="395586"/>
+            <a:ext cx="2353203" cy="369332"/>
+            <a:chOff x="7738110" y="5635263"/>
+            <a:chExt cx="2353203" cy="369332"/>
           </a:xfrm>
         </p:grpSpPr>
         <p:sp>
@@ -7274,8 +7525,8 @@
           </p:nvSpPr>
           <p:spPr>
             <a:xfrm>
-              <a:off x="620103" y="903513"/>
-              <a:ext cx="3373039" cy="369332"/>
+              <a:off x="8103268" y="5635263"/>
+              <a:ext cx="1988045" cy="369332"/>
             </a:xfrm>
             <a:prstGeom prst="rect">
               <a:avLst/>
@@ -7298,8 +7549,13 @@
               </a:r>
               <a:r>
                 <a:rPr lang="ja-JP" altLang="en-US" dirty="0"/>
-                <a:t>をクリックしてください</a:t>
-              </a:r>
+                <a:t>を</a:t>
+              </a:r>
+              <a:r>
+                <a:rPr lang="ja-JP" altLang="en-US" dirty="0" smtClean="0"/>
+                <a:t>クリック</a:t>
+              </a:r>
+              <a:endParaRPr lang="ja-JP" altLang="en-US" dirty="0"/>
             </a:p>
           </p:txBody>
         </p:sp>
@@ -7317,7 +7573,7 @@
           </p:nvSpPr>
           <p:spPr>
             <a:xfrm>
-              <a:off x="254945" y="929767"/>
+              <a:off x="7738110" y="5635263"/>
               <a:ext cx="415498" cy="369332"/>
             </a:xfrm>
             <a:prstGeom prst="rect">
@@ -7332,9 +7588,10 @@
             <a:lstStyle/>
             <a:p>
               <a:r>
-                <a:rPr kumimoji="1" lang="ja-JP" altLang="en-US" dirty="0"/>
-                <a:t>④</a:t>
-              </a:r>
+                <a:rPr lang="ja-JP" altLang="en-US" dirty="0"/>
+                <a:t>⑦</a:t>
+              </a:r>
+              <a:endParaRPr kumimoji="1" lang="ja-JP" altLang="en-US" dirty="0"/>
             </a:p>
           </p:txBody>
         </p:sp>
@@ -7362,7 +7619,7 @@
           <a:p>
             <a:fld id="{D836F367-8F14-4921-8441-15DE2D973248}" type="slidenum">
               <a:rPr kumimoji="1" lang="ja-JP" altLang="en-US" smtClean="0"/>
-              <a:t>14</a:t>
+              <a:t>15</a:t>
             </a:fld>
             <a:endParaRPr kumimoji="1" lang="ja-JP" altLang="en-US"/>
           </a:p>
@@ -7371,17 +7628,24 @@
     </p:spTree>
     <p:extLst>
       <p:ext uri="{BB962C8B-B14F-4D97-AF65-F5344CB8AC3E}">
-        <p14:creationId xmlns:p14="http://schemas.microsoft.com/office/powerpoint/2010/main" val="2597469249"/>
+        <p14:creationId xmlns:p14="http://schemas.microsoft.com/office/powerpoint/2010/main" val="1706402049"/>
       </p:ext>
     </p:extLst>
   </p:cSld>
   <p:clrMapOvr>
     <a:masterClrMapping/>
   </p:clrMapOvr>
+  <p:timing>
+    <p:tnLst>
+      <p:par>
+        <p:cTn id="1" dur="indefinite" restart="never" nodeType="tmRoot"/>
+      </p:par>
+    </p:tnLst>
+  </p:timing>
 </p:sld>
 </file>
 
-<file path=ppt/slides/slide15.xml><?xml version="1.0" encoding="utf-8"?>
+<file path=ppt/slides/slide16.xml><?xml version="1.0" encoding="utf-8"?>
 <p:sld xmlns:a="http://schemas.openxmlformats.org/drawingml/2006/main" xmlns:r="http://schemas.openxmlformats.org/officeDocument/2006/relationships" xmlns:p="http://schemas.openxmlformats.org/presentationml/2006/main">
   <p:cSld>
     <p:spTree>
@@ -7398,42 +7662,6 @@
           <a:chExt cx="0" cy="0"/>
         </a:xfrm>
       </p:grpSpPr>
-      <p:pic>
-        <p:nvPicPr>
-          <p:cNvPr id="4" name="図 3">
-            <a:extLst>
-              <a:ext uri="{FF2B5EF4-FFF2-40B4-BE49-F238E27FC236}">
-                <a16:creationId xmlns:a16="http://schemas.microsoft.com/office/drawing/2014/main" id="{5D7B786B-4F71-4DEC-89F5-C89B77AA0ABD}"/>
-              </a:ext>
-            </a:extLst>
-          </p:cNvPr>
-          <p:cNvPicPr>
-            <a:picLocks noChangeAspect="1"/>
-          </p:cNvPicPr>
-          <p:nvPr/>
-        </p:nvPicPr>
-        <p:blipFill>
-          <a:blip r:embed="rId2">
-            <a:extLst>
-              <a:ext uri="{28A0092B-C50C-407E-A947-70E740481C1C}">
-                <a14:useLocalDpi xmlns:a14="http://schemas.microsoft.com/office/drawing/2010/main" val="0"/>
-              </a:ext>
-            </a:extLst>
-          </a:blip>
-          <a:stretch>
-            <a:fillRect/>
-          </a:stretch>
-        </p:blipFill>
-        <p:spPr>
-          <a:xfrm>
-            <a:off x="2431058" y="1284288"/>
-            <a:ext cx="6008146" cy="5065417"/>
-          </a:xfrm>
-          <a:prstGeom prst="rect">
-            <a:avLst/>
-          </a:prstGeom>
-        </p:spPr>
-      </p:pic>
       <p:grpSp>
         <p:nvGrpSpPr>
           <p:cNvPr id="6" name="グループ化 5">
@@ -7449,9 +7677,9 @@
         <p:grpSpPr>
           <a:xfrm>
             <a:off x="1544009" y="796024"/>
-            <a:ext cx="4935640" cy="395586"/>
+            <a:ext cx="549889" cy="395586"/>
             <a:chOff x="254945" y="903513"/>
-            <a:chExt cx="4935640" cy="395586"/>
+            <a:chExt cx="549889" cy="395586"/>
           </a:xfrm>
         </p:grpSpPr>
         <p:sp>
@@ -7469,7 +7697,7 @@
           <p:spPr>
             <a:xfrm>
               <a:off x="620103" y="903513"/>
-              <a:ext cx="4570482" cy="369332"/>
+              <a:ext cx="184731" cy="369332"/>
             </a:xfrm>
             <a:prstGeom prst="rect">
               <a:avLst/>
@@ -7482,10 +7710,7 @@
             </a:bodyPr>
             <a:lstStyle/>
             <a:p>
-              <a:r>
-                <a:rPr lang="ja-JP" altLang="en-US" dirty="0"/>
-                <a:t>以下のようになることを確認してください</a:t>
-              </a:r>
+              <a:endParaRPr lang="ja-JP" altLang="en-US" dirty="0"/>
             </a:p>
           </p:txBody>
         </p:sp>
@@ -7537,7 +7762,7 @@
         <p:spPr>
           <a:xfrm>
             <a:off x="179666" y="87415"/>
-            <a:ext cx="4260782" cy="579646"/>
+            <a:ext cx="4078039" cy="579646"/>
           </a:xfrm>
           <a:prstGeom prst="rect">
             <a:avLst/>
@@ -7547,7 +7772,7 @@
           </a:ln>
           <a:extLst>
             <a:ext uri="{C572A759-6A51-4108-AA02-DFA0A04FC94B}">
-              <ma14:wrappingTextBoxFlag xmlns:ma14="http://schemas.microsoft.com/office/mac/drawingml/2011/main" xmlns="" val="1"/>
+              <ma14:wrappingTextBoxFlag xmlns="" xmlns:ma14="http://schemas.microsoft.com/office/mac/drawingml/2011/main" val="1"/>
             </a:ext>
           </a:extLst>
         </p:spPr>
@@ -7574,13 +7799,14 @@
               <a:t>– </a:t>
             </a:r>
             <a:r>
-              <a:rPr lang="ja-JP" altLang="en-US" dirty="0"/>
+              <a:rPr lang="ja-JP" altLang="en-US" dirty="0" smtClean="0"/>
               <a:t>外枠</a:t>
             </a:r>
             <a:r>
-              <a:rPr lang="en-US" altLang="ja-JP" dirty="0"/>
-              <a:t>3</a:t>
-            </a:r>
+              <a:rPr lang="en-US" altLang="ja-JP" dirty="0" smtClean="0"/>
+              <a:t>4</a:t>
+            </a:r>
+            <a:endParaRPr lang="en-US" altLang="ja-JP" dirty="0"/>
           </a:p>
         </p:txBody>
       </p:sp>
@@ -7607,12 +7833,123 @@
           <a:p>
             <a:fld id="{D836F367-8F14-4921-8441-15DE2D973248}" type="slidenum">
               <a:rPr kumimoji="1" lang="ja-JP" altLang="en-US" smtClean="0"/>
-              <a:t>15</a:t>
+              <a:t>16</a:t>
             </a:fld>
             <a:endParaRPr kumimoji="1" lang="ja-JP" altLang="en-US"/>
           </a:p>
         </p:txBody>
       </p:sp>
+      <p:pic>
+        <p:nvPicPr>
+          <p:cNvPr id="2" name="図 1"/>
+          <p:cNvPicPr>
+            <a:picLocks noChangeAspect="1"/>
+          </p:cNvPicPr>
+          <p:nvPr/>
+        </p:nvPicPr>
+        <p:blipFill>
+          <a:blip r:embed="rId2"/>
+          <a:stretch>
+            <a:fillRect/>
+          </a:stretch>
+        </p:blipFill>
+        <p:spPr>
+          <a:xfrm>
+            <a:off x="2514052" y="1429887"/>
+            <a:ext cx="5517428" cy="5029492"/>
+          </a:xfrm>
+          <a:prstGeom prst="rect">
+            <a:avLst/>
+          </a:prstGeom>
+        </p:spPr>
+      </p:pic>
+      <p:grpSp>
+        <p:nvGrpSpPr>
+          <p:cNvPr id="10" name="グループ化 9"/>
+          <p:cNvGrpSpPr/>
+          <p:nvPr/>
+        </p:nvGrpSpPr>
+        <p:grpSpPr>
+          <a:xfrm>
+            <a:off x="1789885" y="796024"/>
+            <a:ext cx="4935640" cy="369332"/>
+            <a:chOff x="179666" y="760701"/>
+            <a:chExt cx="4935640" cy="369332"/>
+          </a:xfrm>
+        </p:grpSpPr>
+        <p:sp>
+          <p:nvSpPr>
+            <p:cNvPr id="11" name="テキスト ボックス 10">
+              <a:extLst>
+                <a:ext uri="{FF2B5EF4-FFF2-40B4-BE49-F238E27FC236}">
+                  <a16:creationId xmlns:a16="http://schemas.microsoft.com/office/drawing/2014/main" id="{3776994F-1B87-472E-891D-2299AD5F8676}"/>
+                </a:ext>
+              </a:extLst>
+            </p:cNvPr>
+            <p:cNvSpPr txBox="1"/>
+            <p:nvPr/>
+          </p:nvSpPr>
+          <p:spPr>
+            <a:xfrm>
+              <a:off x="544824" y="760701"/>
+              <a:ext cx="4570482" cy="369332"/>
+            </a:xfrm>
+            <a:prstGeom prst="rect">
+              <a:avLst/>
+            </a:prstGeom>
+            <a:noFill/>
+          </p:spPr>
+          <p:txBody>
+            <a:bodyPr wrap="none" rtlCol="0">
+              <a:spAutoFit/>
+            </a:bodyPr>
+            <a:lstStyle/>
+            <a:p>
+              <a:r>
+                <a:rPr lang="ja-JP" altLang="en-US" dirty="0"/>
+                <a:t>以下のようになることを確認してください</a:t>
+              </a:r>
+              <a:endParaRPr lang="ja-JP" altLang="en-US" dirty="0"/>
+            </a:p>
+          </p:txBody>
+        </p:sp>
+        <p:sp>
+          <p:nvSpPr>
+            <p:cNvPr id="12" name="テキスト ボックス 11">
+              <a:extLst>
+                <a:ext uri="{FF2B5EF4-FFF2-40B4-BE49-F238E27FC236}">
+                  <a16:creationId xmlns:a16="http://schemas.microsoft.com/office/drawing/2014/main" id="{B3F979FA-F14C-49F1-977E-12376CAC4FEA}"/>
+                </a:ext>
+              </a:extLst>
+            </p:cNvPr>
+            <p:cNvSpPr txBox="1"/>
+            <p:nvPr/>
+          </p:nvSpPr>
+          <p:spPr>
+            <a:xfrm>
+              <a:off x="179666" y="760701"/>
+              <a:ext cx="415498" cy="369332"/>
+            </a:xfrm>
+            <a:prstGeom prst="rect">
+              <a:avLst/>
+            </a:prstGeom>
+            <a:noFill/>
+          </p:spPr>
+          <p:txBody>
+            <a:bodyPr wrap="none" rtlCol="0">
+              <a:spAutoFit/>
+            </a:bodyPr>
+            <a:lstStyle/>
+            <a:p>
+              <a:r>
+                <a:rPr lang="ja-JP" altLang="en-US" dirty="0"/>
+                <a:t>⑧</a:t>
+              </a:r>
+              <a:endParaRPr kumimoji="1" lang="ja-JP" altLang="en-US" dirty="0"/>
+            </a:p>
+          </p:txBody>
+        </p:sp>
+      </p:grpSp>
     </p:spTree>
     <p:extLst>
       <p:ext uri="{BB962C8B-B14F-4D97-AF65-F5344CB8AC3E}">
@@ -7623,10 +7960,17 @@
   <p:clrMapOvr>
     <a:masterClrMapping/>
   </p:clrMapOvr>
+  <p:timing>
+    <p:tnLst>
+      <p:par>
+        <p:cTn id="1" dur="indefinite" restart="never" nodeType="tmRoot"/>
+      </p:par>
+    </p:tnLst>
+  </p:timing>
 </p:sld>
 </file>
 
-<file path=ppt/slides/slide16.xml><?xml version="1.0" encoding="utf-8"?>
+<file path=ppt/slides/slide17.xml><?xml version="1.0" encoding="utf-8"?>
 <p:sld xmlns:a="http://schemas.openxmlformats.org/drawingml/2006/main" xmlns:r="http://schemas.openxmlformats.org/officeDocument/2006/relationships" xmlns:p="http://schemas.openxmlformats.org/presentationml/2006/main">
   <p:cSld>
     <p:spTree>
@@ -7668,7 +8012,7 @@
           </a:ln>
           <a:extLst>
             <a:ext uri="{C572A759-6A51-4108-AA02-DFA0A04FC94B}">
-              <ma14:wrappingTextBoxFlag xmlns:ma14="http://schemas.microsoft.com/office/mac/drawingml/2011/main" xmlns="" val="1"/>
+              <ma14:wrappingTextBoxFlag xmlns="" xmlns:ma14="http://schemas.microsoft.com/office/mac/drawingml/2011/main" val="1"/>
             </a:ext>
           </a:extLst>
         </p:spPr>
@@ -7707,10 +8051,10 @@
       </p:sp>
       <p:pic>
         <p:nvPicPr>
-          <p:cNvPr id="2" name="図 1">
-            <a:extLst>
-              <a:ext uri="{FF2B5EF4-FFF2-40B4-BE49-F238E27FC236}">
-                <a16:creationId xmlns:a16="http://schemas.microsoft.com/office/drawing/2014/main" id="{EFBAD8FC-B0CC-4462-A9E7-02958168FDAE}"/>
+          <p:cNvPr id="4" name="図 3">
+            <a:extLst>
+              <a:ext uri="{FF2B5EF4-FFF2-40B4-BE49-F238E27FC236}">
+                <a16:creationId xmlns:a16="http://schemas.microsoft.com/office/drawing/2014/main" id="{9257C906-57A5-4933-B33A-838E1099E9B7}"/>
               </a:ext>
             </a:extLst>
           </p:cNvPr>
@@ -7719,43 +8063,8 @@
           </p:cNvPicPr>
           <p:nvPr/>
         </p:nvPicPr>
-        <p:blipFill rotWithShape="1">
+        <p:blipFill>
           <a:blip r:embed="rId2">
-            <a:extLst>
-              <a:ext uri="{28A0092B-C50C-407E-A947-70E740481C1C}">
-                <a14:useLocalDpi xmlns:a14="http://schemas.microsoft.com/office/drawing/2010/main" val="0"/>
-              </a:ext>
-            </a:extLst>
-          </a:blip>
-          <a:srcRect/>
-          <a:stretch/>
-        </p:blipFill>
-        <p:spPr>
-          <a:xfrm>
-            <a:off x="1297214" y="1594225"/>
-            <a:ext cx="4420172" cy="4742776"/>
-          </a:xfrm>
-          <a:prstGeom prst="rect">
-            <a:avLst/>
-          </a:prstGeom>
-        </p:spPr>
-      </p:pic>
-      <p:pic>
-        <p:nvPicPr>
-          <p:cNvPr id="4" name="図 3">
-            <a:extLst>
-              <a:ext uri="{FF2B5EF4-FFF2-40B4-BE49-F238E27FC236}">
-                <a16:creationId xmlns:a16="http://schemas.microsoft.com/office/drawing/2014/main" id="{9257C906-57A5-4933-B33A-838E1099E9B7}"/>
-              </a:ext>
-            </a:extLst>
-          </p:cNvPr>
-          <p:cNvPicPr>
-            <a:picLocks noChangeAspect="1"/>
-          </p:cNvPicPr>
-          <p:nvPr/>
-        </p:nvPicPr>
-        <p:blipFill>
-          <a:blip r:embed="rId3">
             <a:extLst>
               <a:ext uri="{28A0092B-C50C-407E-A947-70E740481C1C}">
                 <a14:useLocalDpi xmlns:a14="http://schemas.microsoft.com/office/drawing/2010/main" val="0"/>
@@ -7791,9 +8100,9 @@
         <p:grpSpPr>
           <a:xfrm>
             <a:off x="388309" y="815981"/>
-            <a:ext cx="5564017" cy="646331"/>
+            <a:ext cx="4473975" cy="646331"/>
             <a:chOff x="254945" y="903513"/>
-            <a:chExt cx="5564017" cy="646331"/>
+            <a:chExt cx="4473975" cy="646331"/>
           </a:xfrm>
         </p:grpSpPr>
         <p:sp>
@@ -7811,7 +8120,7 @@
           <p:spPr>
             <a:xfrm>
               <a:off x="620103" y="903513"/>
-              <a:ext cx="5198859" cy="646331"/>
+              <a:ext cx="4108817" cy="646331"/>
             </a:xfrm>
             <a:prstGeom prst="rect">
               <a:avLst/>
@@ -7832,25 +8141,18 @@
             </a:p>
             <a:p>
               <a:r>
+                <a:rPr lang="ja-JP" altLang="en-US" dirty="0" smtClean="0"/>
+                <a:t>以下を</a:t>
+              </a:r>
+              <a:r>
                 <a:rPr lang="ja-JP" altLang="en-US" dirty="0"/>
-                <a:t>以下のように</a:t>
-              </a:r>
-              <a:r>
-                <a:rPr lang="ja-JP" altLang="en-US" dirty="0" err="1"/>
-                <a:t>で</a:t>
-              </a:r>
-              <a:r>
-                <a:rPr lang="ja-JP" altLang="en-US" dirty="0"/>
-                <a:t>ドラッグ</a:t>
-              </a:r>
-              <a:r>
-                <a:rPr lang="en-US" altLang="ja-JP" dirty="0"/>
-                <a:t>&amp;</a:t>
-              </a:r>
-              <a:r>
-                <a:rPr lang="ja-JP" altLang="en-US" dirty="0"/>
-                <a:t>ドロップしてください</a:t>
-              </a:r>
+                <a:t>参考</a:t>
+              </a:r>
+              <a:r>
+                <a:rPr lang="ja-JP" altLang="en-US" dirty="0" smtClean="0"/>
+                <a:t>にドラッグしてください。</a:t>
+              </a:r>
+              <a:endParaRPr lang="ja-JP" altLang="en-US" dirty="0"/>
             </a:p>
           </p:txBody>
         </p:sp>
@@ -7904,10 +8206,10 @@
         </p:nvGrpSpPr>
         <p:grpSpPr>
           <a:xfrm>
-            <a:off x="5976756" y="815981"/>
-            <a:ext cx="6309414" cy="646331"/>
+            <a:off x="5910770" y="815981"/>
+            <a:ext cx="6540246" cy="646331"/>
             <a:chOff x="254945" y="903513"/>
-            <a:chExt cx="6309414" cy="646331"/>
+            <a:chExt cx="6540246" cy="646331"/>
           </a:xfrm>
         </p:grpSpPr>
         <p:sp>
@@ -7925,7 +8227,7 @@
           <p:spPr>
             <a:xfrm>
               <a:off x="620103" y="903513"/>
-              <a:ext cx="5944256" cy="646331"/>
+              <a:ext cx="6175088" cy="646331"/>
             </a:xfrm>
             <a:prstGeom prst="rect">
               <a:avLst/>
@@ -7959,8 +8261,13 @@
               </a:r>
               <a:r>
                 <a:rPr lang="ja-JP" altLang="en-US" dirty="0"/>
-                <a:t>」と入力してください</a:t>
-              </a:r>
+                <a:t>」と入力して</a:t>
+              </a:r>
+              <a:r>
+                <a:rPr lang="ja-JP" altLang="en-US" dirty="0" smtClean="0"/>
+                <a:t>ください。</a:t>
+              </a:r>
+              <a:endParaRPr lang="ja-JP" altLang="en-US" dirty="0"/>
             </a:p>
           </p:txBody>
         </p:sp>
@@ -8071,7 +8378,7 @@
         <p:spPr>
           <a:xfrm flipH="1">
             <a:off x="7182706" y="1462312"/>
-            <a:ext cx="2131336" cy="2353015"/>
+            <a:ext cx="2180766" cy="2353015"/>
           </a:xfrm>
           <a:prstGeom prst="straightConnector1">
             <a:avLst/>
@@ -8122,12 +8429,133 @@
           <a:p>
             <a:fld id="{D836F367-8F14-4921-8441-15DE2D973248}" type="slidenum">
               <a:rPr kumimoji="1" lang="ja-JP" altLang="en-US" smtClean="0"/>
-              <a:t>16</a:t>
+              <a:t>17</a:t>
             </a:fld>
             <a:endParaRPr kumimoji="1" lang="ja-JP" altLang="en-US"/>
           </a:p>
         </p:txBody>
       </p:sp>
+      <p:pic>
+        <p:nvPicPr>
+          <p:cNvPr id="3" name="図 2"/>
+          <p:cNvPicPr>
+            <a:picLocks noChangeAspect="1"/>
+          </p:cNvPicPr>
+          <p:nvPr/>
+        </p:nvPicPr>
+        <p:blipFill>
+          <a:blip r:embed="rId3"/>
+          <a:stretch>
+            <a:fillRect/>
+          </a:stretch>
+        </p:blipFill>
+        <p:spPr>
+          <a:xfrm>
+            <a:off x="1159355" y="1611232"/>
+            <a:ext cx="4444684" cy="4804808"/>
+          </a:xfrm>
+          <a:prstGeom prst="rect">
+            <a:avLst/>
+          </a:prstGeom>
+        </p:spPr>
+      </p:pic>
+      <p:sp>
+        <p:nvSpPr>
+          <p:cNvPr id="16" name="四角形: 角を丸くする 29">
+            <a:extLst>
+              <a:ext uri="{FF2B5EF4-FFF2-40B4-BE49-F238E27FC236}">
+                <a16:creationId xmlns:a16="http://schemas.microsoft.com/office/drawing/2014/main" id="{BED0B226-8049-430C-BA43-91CA525638AC}"/>
+              </a:ext>
+            </a:extLst>
+          </p:cNvPr>
+          <p:cNvSpPr/>
+          <p:nvPr/>
+        </p:nvSpPr>
+        <p:spPr>
+          <a:xfrm>
+            <a:off x="3068320" y="1649411"/>
+            <a:ext cx="375920" cy="402909"/>
+          </a:xfrm>
+          <a:prstGeom prst="roundRect">
+            <a:avLst/>
+          </a:prstGeom>
+          <a:noFill/>
+          <a:ln w="28575">
+            <a:solidFill>
+              <a:srgbClr val="FF0000"/>
+            </a:solidFill>
+          </a:ln>
+        </p:spPr>
+        <p:style>
+          <a:lnRef idx="2">
+            <a:schemeClr val="accent1">
+              <a:shade val="50000"/>
+            </a:schemeClr>
+          </a:lnRef>
+          <a:fillRef idx="1">
+            <a:schemeClr val="accent1"/>
+          </a:fillRef>
+          <a:effectRef idx="0">
+            <a:schemeClr val="accent1"/>
+          </a:effectRef>
+          <a:fontRef idx="minor">
+            <a:schemeClr val="lt1"/>
+          </a:fontRef>
+        </p:style>
+        <p:txBody>
+          <a:bodyPr rtlCol="0" anchor="ctr"/>
+          <a:lstStyle/>
+          <a:p>
+            <a:pPr algn="ctr"/>
+            <a:endParaRPr kumimoji="1" lang="ja-JP" altLang="en-US"/>
+          </a:p>
+        </p:txBody>
+      </p:sp>
+      <p:cxnSp>
+        <p:nvCxnSpPr>
+          <p:cNvPr id="17" name="直線矢印コネクタ 16">
+            <a:extLst>
+              <a:ext uri="{FF2B5EF4-FFF2-40B4-BE49-F238E27FC236}">
+                <a16:creationId xmlns:a16="http://schemas.microsoft.com/office/drawing/2014/main" id="{9AEACFDC-A308-49E5-9751-ACD43A989775}"/>
+              </a:ext>
+            </a:extLst>
+          </p:cNvPr>
+          <p:cNvCxnSpPr>
+            <a:cxnSpLocks/>
+          </p:cNvCxnSpPr>
+          <p:nvPr/>
+        </p:nvCxnSpPr>
+        <p:spPr>
+          <a:xfrm flipV="1">
+            <a:off x="2997200" y="2032000"/>
+            <a:ext cx="228600" cy="1963544"/>
+          </a:xfrm>
+          <a:prstGeom prst="straightConnector1">
+            <a:avLst/>
+          </a:prstGeom>
+          <a:ln w="28575">
+            <a:solidFill>
+              <a:srgbClr val="FF0000"/>
+            </a:solidFill>
+            <a:headEnd type="triangle" w="med" len="med"/>
+            <a:tailEnd type="none" w="med" len="med"/>
+          </a:ln>
+        </p:spPr>
+        <p:style>
+          <a:lnRef idx="1">
+            <a:schemeClr val="accent1"/>
+          </a:lnRef>
+          <a:fillRef idx="0">
+            <a:schemeClr val="accent1"/>
+          </a:fillRef>
+          <a:effectRef idx="0">
+            <a:schemeClr val="accent1"/>
+          </a:effectRef>
+          <a:fontRef idx="minor">
+            <a:schemeClr val="tx1"/>
+          </a:fontRef>
+        </p:style>
+      </p:cxnSp>
     </p:spTree>
     <p:extLst>
       <p:ext uri="{BB962C8B-B14F-4D97-AF65-F5344CB8AC3E}">
@@ -8138,251 +8566,13 @@
   <p:clrMapOvr>
     <a:masterClrMapping/>
   </p:clrMapOvr>
-</p:sld>
-</file>
-
-<file path=ppt/slides/slide17.xml><?xml version="1.0" encoding="utf-8"?>
-<p:sld xmlns:a="http://schemas.openxmlformats.org/drawingml/2006/main" xmlns:r="http://schemas.openxmlformats.org/officeDocument/2006/relationships" xmlns:p="http://schemas.openxmlformats.org/presentationml/2006/main">
-  <p:cSld>
-    <p:spTree>
-      <p:nvGrpSpPr>
-        <p:cNvPr id="1" name=""/>
-        <p:cNvGrpSpPr/>
-        <p:nvPr/>
-      </p:nvGrpSpPr>
-      <p:grpSpPr>
-        <a:xfrm>
-          <a:off x="0" y="0"/>
-          <a:ext cx="0" cy="0"/>
-          <a:chOff x="0" y="0"/>
-          <a:chExt cx="0" cy="0"/>
-        </a:xfrm>
-      </p:grpSpPr>
-      <p:sp>
-        <p:nvSpPr>
-          <p:cNvPr id="5" name="Shape 130">
-            <a:extLst>
-              <a:ext uri="{FF2B5EF4-FFF2-40B4-BE49-F238E27FC236}">
-                <a16:creationId xmlns:a16="http://schemas.microsoft.com/office/drawing/2014/main" id="{A6551EB4-F459-4E50-83D7-2A1C930077BE}"/>
-              </a:ext>
-            </a:extLst>
-          </p:cNvPr>
-          <p:cNvSpPr/>
-          <p:nvPr/>
-        </p:nvSpPr>
-        <p:spPr>
-          <a:xfrm>
-            <a:off x="179666" y="87415"/>
-            <a:ext cx="5055871" cy="579646"/>
-          </a:xfrm>
-          <a:prstGeom prst="rect">
-            <a:avLst/>
-          </a:prstGeom>
-          <a:ln w="12700">
-            <a:miter lim="400000"/>
-          </a:ln>
-          <a:extLst>
-            <a:ext uri="{C572A759-6A51-4108-AA02-DFA0A04FC94B}">
-              <ma14:wrappingTextBoxFlag xmlns:ma14="http://schemas.microsoft.com/office/mac/drawingml/2011/main" xmlns="" val="1"/>
-            </a:ext>
-          </a:extLst>
-        </p:spPr>
-        <p:txBody>
-          <a:bodyPr wrap="none" lIns="50800" tIns="50800" rIns="50800" bIns="50800" anchor="ctr">
-            <a:spAutoFit/>
-          </a:bodyPr>
-          <a:lstStyle/>
-          <a:p>
-            <a:pPr>
-              <a:defRPr sz="3100" u="sng">
-                <a:latin typeface="YuMincho Medium"/>
-                <a:ea typeface="YuMincho Medium"/>
-                <a:cs typeface="YuMincho Medium"/>
-                <a:sym typeface="YuMincho Medium"/>
-              </a:defRPr>
-            </a:pPr>
-            <a:r>
-              <a:rPr lang="ja-JP" altLang="en-US" dirty="0"/>
-              <a:t>アイコンの作成 </a:t>
-            </a:r>
-            <a:r>
-              <a:rPr lang="en-US" altLang="ja-JP" dirty="0"/>
-              <a:t>– </a:t>
-            </a:r>
-            <a:r>
-              <a:rPr lang="ja-JP" altLang="en-US" dirty="0"/>
-              <a:t>テキスト</a:t>
-            </a:r>
-            <a:r>
-              <a:rPr lang="en-US" altLang="ja-JP" dirty="0"/>
-              <a:t>2</a:t>
-            </a:r>
-          </a:p>
-        </p:txBody>
-      </p:sp>
-      <p:pic>
-        <p:nvPicPr>
-          <p:cNvPr id="2" name="図 1">
-            <a:extLst>
-              <a:ext uri="{FF2B5EF4-FFF2-40B4-BE49-F238E27FC236}">
-                <a16:creationId xmlns:a16="http://schemas.microsoft.com/office/drawing/2014/main" id="{B99D0D7F-5B98-4B46-BFC1-71B561812AFE}"/>
-              </a:ext>
-            </a:extLst>
-          </p:cNvPr>
-          <p:cNvPicPr>
-            <a:picLocks noChangeAspect="1"/>
-          </p:cNvPicPr>
-          <p:nvPr/>
-        </p:nvPicPr>
-        <p:blipFill>
-          <a:blip r:embed="rId2">
-            <a:extLst>
-              <a:ext uri="{28A0092B-C50C-407E-A947-70E740481C1C}">
-                <a14:useLocalDpi xmlns:a14="http://schemas.microsoft.com/office/drawing/2010/main" val="0"/>
-              </a:ext>
-            </a:extLst>
-          </a:blip>
-          <a:stretch>
-            <a:fillRect/>
-          </a:stretch>
-        </p:blipFill>
-        <p:spPr>
-          <a:xfrm>
-            <a:off x="2215551" y="1372204"/>
-            <a:ext cx="5928701" cy="4896441"/>
-          </a:xfrm>
-          <a:prstGeom prst="rect">
-            <a:avLst/>
-          </a:prstGeom>
-        </p:spPr>
-      </p:pic>
-      <p:grpSp>
-        <p:nvGrpSpPr>
-          <p:cNvPr id="4" name="グループ化 3">
-            <a:extLst>
-              <a:ext uri="{FF2B5EF4-FFF2-40B4-BE49-F238E27FC236}">
-                <a16:creationId xmlns:a16="http://schemas.microsoft.com/office/drawing/2014/main" id="{5AF349BC-B25B-4B39-9DB4-9D479A9464E1}"/>
-              </a:ext>
-            </a:extLst>
-          </p:cNvPr>
-          <p:cNvGrpSpPr/>
-          <p:nvPr/>
-        </p:nvGrpSpPr>
-        <p:grpSpPr>
-          <a:xfrm>
-            <a:off x="2153609" y="882164"/>
-            <a:ext cx="4935640" cy="395586"/>
-            <a:chOff x="254945" y="903513"/>
-            <a:chExt cx="4935640" cy="395586"/>
-          </a:xfrm>
-        </p:grpSpPr>
-        <p:sp>
-          <p:nvSpPr>
-            <p:cNvPr id="6" name="テキスト ボックス 5">
-              <a:extLst>
-                <a:ext uri="{FF2B5EF4-FFF2-40B4-BE49-F238E27FC236}">
-                  <a16:creationId xmlns:a16="http://schemas.microsoft.com/office/drawing/2014/main" id="{153EB5CC-41D2-4CEC-ABC5-D248FBDFA36E}"/>
-                </a:ext>
-              </a:extLst>
-            </p:cNvPr>
-            <p:cNvSpPr txBox="1"/>
-            <p:nvPr/>
-          </p:nvSpPr>
-          <p:spPr>
-            <a:xfrm>
-              <a:off x="620103" y="903513"/>
-              <a:ext cx="4570482" cy="369332"/>
-            </a:xfrm>
-            <a:prstGeom prst="rect">
-              <a:avLst/>
-            </a:prstGeom>
-            <a:noFill/>
-          </p:spPr>
-          <p:txBody>
-            <a:bodyPr wrap="none" rtlCol="0">
-              <a:spAutoFit/>
-            </a:bodyPr>
-            <a:lstStyle/>
-            <a:p>
-              <a:r>
-                <a:rPr lang="ja-JP" altLang="en-US" dirty="0"/>
-                <a:t>以下のようになることを確認してください</a:t>
-              </a:r>
-            </a:p>
-          </p:txBody>
-        </p:sp>
-        <p:sp>
-          <p:nvSpPr>
-            <p:cNvPr id="7" name="テキスト ボックス 6">
-              <a:extLst>
-                <a:ext uri="{FF2B5EF4-FFF2-40B4-BE49-F238E27FC236}">
-                  <a16:creationId xmlns:a16="http://schemas.microsoft.com/office/drawing/2014/main" id="{116EC938-F95F-484C-9793-2913118A1122}"/>
-                </a:ext>
-              </a:extLst>
-            </p:cNvPr>
-            <p:cNvSpPr txBox="1"/>
-            <p:nvPr/>
-          </p:nvSpPr>
-          <p:spPr>
-            <a:xfrm>
-              <a:off x="254945" y="929767"/>
-              <a:ext cx="184731" cy="369332"/>
-            </a:xfrm>
-            <a:prstGeom prst="rect">
-              <a:avLst/>
-            </a:prstGeom>
-            <a:noFill/>
-          </p:spPr>
-          <p:txBody>
-            <a:bodyPr wrap="none" rtlCol="0">
-              <a:spAutoFit/>
-            </a:bodyPr>
-            <a:lstStyle/>
-            <a:p>
-              <a:endParaRPr kumimoji="1" lang="ja-JP" altLang="en-US" dirty="0"/>
-            </a:p>
-          </p:txBody>
-        </p:sp>
-      </p:grpSp>
-      <p:sp>
-        <p:nvSpPr>
-          <p:cNvPr id="3" name="スライド番号プレースホルダー 2">
-            <a:extLst>
-              <a:ext uri="{FF2B5EF4-FFF2-40B4-BE49-F238E27FC236}">
-                <a16:creationId xmlns:a16="http://schemas.microsoft.com/office/drawing/2014/main" id="{7F981417-709B-4BE6-A171-63D6529E58B6}"/>
-              </a:ext>
-            </a:extLst>
-          </p:cNvPr>
-          <p:cNvSpPr>
-            <a:spLocks noGrp="1"/>
-          </p:cNvSpPr>
-          <p:nvPr>
-            <p:ph type="sldNum" sz="quarter" idx="12"/>
-          </p:nvPr>
-        </p:nvSpPr>
-        <p:spPr/>
-        <p:txBody>
-          <a:bodyPr/>
-          <a:lstStyle/>
-          <a:p>
-            <a:fld id="{D836F367-8F14-4921-8441-15DE2D973248}" type="slidenum">
-              <a:rPr kumimoji="1" lang="ja-JP" altLang="en-US" smtClean="0"/>
-              <a:t>17</a:t>
-            </a:fld>
-            <a:endParaRPr kumimoji="1" lang="ja-JP" altLang="en-US"/>
-          </a:p>
-        </p:txBody>
-      </p:sp>
-    </p:spTree>
-    <p:extLst>
-      <p:ext uri="{BB962C8B-B14F-4D97-AF65-F5344CB8AC3E}">
-        <p14:creationId xmlns:p14="http://schemas.microsoft.com/office/powerpoint/2010/main" val="3678923689"/>
-      </p:ext>
-    </p:extLst>
-  </p:cSld>
-  <p:clrMapOvr>
-    <a:masterClrMapping/>
-  </p:clrMapOvr>
+  <p:timing>
+    <p:tnLst>
+      <p:par>
+        <p:cTn id="1" dur="indefinite" restart="never" nodeType="tmRoot"/>
+      </p:par>
+    </p:tnLst>
+  </p:timing>
 </p:sld>
 </file>
 
@@ -8418,7 +8608,7 @@
         <p:spPr>
           <a:xfrm>
             <a:off x="179666" y="87415"/>
-            <a:ext cx="3087384" cy="579646"/>
+            <a:ext cx="5055871" cy="579646"/>
           </a:xfrm>
           <a:prstGeom prst="rect">
             <a:avLst/>
@@ -8428,7 +8618,7 @@
           </a:ln>
           <a:extLst>
             <a:ext uri="{C572A759-6A51-4108-AA02-DFA0A04FC94B}">
-              <ma14:wrappingTextBoxFlag xmlns:ma14="http://schemas.microsoft.com/office/mac/drawingml/2011/main" xmlns="" val="1"/>
+              <ma14:wrappingTextBoxFlag xmlns="" xmlns:ma14="http://schemas.microsoft.com/office/mac/drawingml/2011/main" val="1"/>
             </a:ext>
           </a:extLst>
         </p:spPr>
@@ -8448,21 +8638,29 @@
             </a:pPr>
             <a:r>
               <a:rPr lang="ja-JP" altLang="en-US" dirty="0"/>
-              <a:t>ポート間の接続</a:t>
+              <a:t>アイコンの作成 </a:t>
             </a:r>
             <a:r>
               <a:rPr lang="en-US" altLang="ja-JP" dirty="0"/>
-              <a:t>1</a:t>
+              <a:t>– </a:t>
+            </a:r>
+            <a:r>
+              <a:rPr lang="ja-JP" altLang="en-US" dirty="0"/>
+              <a:t>テキスト</a:t>
+            </a:r>
+            <a:r>
+              <a:rPr lang="en-US" altLang="ja-JP" dirty="0"/>
+              <a:t>2</a:t>
             </a:r>
           </a:p>
         </p:txBody>
       </p:sp>
       <p:pic>
         <p:nvPicPr>
-          <p:cNvPr id="4" name="図 3">
-            <a:extLst>
-              <a:ext uri="{FF2B5EF4-FFF2-40B4-BE49-F238E27FC236}">
-                <a16:creationId xmlns:a16="http://schemas.microsoft.com/office/drawing/2014/main" id="{4B06470B-9DC7-48A7-874E-561BB9037ADC}"/>
+          <p:cNvPr id="2" name="図 1">
+            <a:extLst>
+              <a:ext uri="{FF2B5EF4-FFF2-40B4-BE49-F238E27FC236}">
+                <a16:creationId xmlns:a16="http://schemas.microsoft.com/office/drawing/2014/main" id="{B99D0D7F-5B98-4B46-BFC1-71B561812AFE}"/>
               </a:ext>
             </a:extLst>
           </p:cNvPr>
@@ -8485,8 +8683,8 @@
         </p:blipFill>
         <p:spPr>
           <a:xfrm>
-            <a:off x="1016597" y="1133125"/>
-            <a:ext cx="9126069" cy="2666740"/>
+            <a:off x="2215551" y="1372204"/>
+            <a:ext cx="5928701" cy="4896441"/>
           </a:xfrm>
           <a:prstGeom prst="rect">
             <a:avLst/>
@@ -8495,81 +8693,10 @@
       </p:pic>
       <p:sp>
         <p:nvSpPr>
-          <p:cNvPr id="6" name="テキスト ボックス 5">
-            <a:extLst>
-              <a:ext uri="{FF2B5EF4-FFF2-40B4-BE49-F238E27FC236}">
-                <a16:creationId xmlns:a16="http://schemas.microsoft.com/office/drawing/2014/main" id="{C8C1B181-6ACA-481D-ABDD-B3E8D7C9B1A7}"/>
-              </a:ext>
-            </a:extLst>
-          </p:cNvPr>
-          <p:cNvSpPr txBox="1"/>
-          <p:nvPr/>
-        </p:nvSpPr>
-        <p:spPr>
-          <a:xfrm>
-            <a:off x="225910" y="745806"/>
-            <a:ext cx="9879628" cy="369332"/>
-          </a:xfrm>
-          <a:prstGeom prst="rect">
-            <a:avLst/>
-          </a:prstGeom>
-          <a:noFill/>
-        </p:spPr>
-        <p:txBody>
-          <a:bodyPr wrap="none" rtlCol="0">
-            <a:spAutoFit/>
-          </a:bodyPr>
-          <a:lstStyle/>
-          <a:p>
-            <a:r>
-              <a:rPr kumimoji="1" lang="ja-JP" altLang="en-US" dirty="0"/>
-              <a:t>①　ダイアグラムビューを表示させて以下のような表示になっていることを確認してください</a:t>
-            </a:r>
-          </a:p>
-        </p:txBody>
-      </p:sp>
-      <p:pic>
-        <p:nvPicPr>
-          <p:cNvPr id="7" name="図 6">
-            <a:extLst>
-              <a:ext uri="{FF2B5EF4-FFF2-40B4-BE49-F238E27FC236}">
-                <a16:creationId xmlns:a16="http://schemas.microsoft.com/office/drawing/2014/main" id="{D6149C17-8AA6-4C81-8A3B-AF5007B33288}"/>
-              </a:ext>
-            </a:extLst>
-          </p:cNvPr>
-          <p:cNvPicPr>
-            <a:picLocks noChangeAspect="1"/>
-          </p:cNvPicPr>
-          <p:nvPr/>
-        </p:nvPicPr>
-        <p:blipFill>
-          <a:blip r:embed="rId3">
-            <a:extLst>
-              <a:ext uri="{28A0092B-C50C-407E-A947-70E740481C1C}">
-                <a14:useLocalDpi xmlns:a14="http://schemas.microsoft.com/office/drawing/2010/main" val="0"/>
-              </a:ext>
-            </a:extLst>
-          </a:blip>
-          <a:stretch>
-            <a:fillRect/>
-          </a:stretch>
-        </p:blipFill>
-        <p:spPr>
-          <a:xfrm>
-            <a:off x="1005093" y="4616455"/>
-            <a:ext cx="7347536" cy="2013123"/>
-          </a:xfrm>
-          <a:prstGeom prst="rect">
-            <a:avLst/>
-          </a:prstGeom>
-        </p:spPr>
-      </p:pic>
-      <p:sp>
-        <p:nvSpPr>
-          <p:cNvPr id="9" name="スライド番号プレースホルダー 8">
-            <a:extLst>
-              <a:ext uri="{FF2B5EF4-FFF2-40B4-BE49-F238E27FC236}">
-                <a16:creationId xmlns:a16="http://schemas.microsoft.com/office/drawing/2014/main" id="{657F670C-D0A9-4B76-A7F7-C5A7CAD03C77}"/>
+          <p:cNvPr id="3" name="スライド番号プレースホルダー 2">
+            <a:extLst>
+              <a:ext uri="{FF2B5EF4-FFF2-40B4-BE49-F238E27FC236}">
+                <a16:creationId xmlns:a16="http://schemas.microsoft.com/office/drawing/2014/main" id="{7F981417-709B-4BE6-A171-63D6529E58B6}"/>
               </a:ext>
             </a:extLst>
           </p:cNvPr>
@@ -8595,22 +8722,264 @@
       </p:sp>
       <p:grpSp>
         <p:nvGrpSpPr>
-          <p:cNvPr id="10" name="グループ化 9">
-            <a:extLst>
-              <a:ext uri="{FF2B5EF4-FFF2-40B4-BE49-F238E27FC236}">
-                <a16:creationId xmlns:a16="http://schemas.microsoft.com/office/drawing/2014/main" id="{40614598-A609-4C5C-93C9-150523280BAA}"/>
-              </a:ext>
-            </a:extLst>
-          </p:cNvPr>
+          <p:cNvPr id="8" name="グループ化 7"/>
           <p:cNvGrpSpPr/>
           <p:nvPr/>
         </p:nvGrpSpPr>
         <p:grpSpPr>
           <a:xfrm>
+            <a:off x="1789885" y="796024"/>
+            <a:ext cx="4935640" cy="369332"/>
+            <a:chOff x="179666" y="760701"/>
+            <a:chExt cx="4935640" cy="369332"/>
+          </a:xfrm>
+        </p:grpSpPr>
+        <p:sp>
+          <p:nvSpPr>
+            <p:cNvPr id="9" name="テキスト ボックス 8">
+              <a:extLst>
+                <a:ext uri="{FF2B5EF4-FFF2-40B4-BE49-F238E27FC236}">
+                  <a16:creationId xmlns:a16="http://schemas.microsoft.com/office/drawing/2014/main" id="{3776994F-1B87-472E-891D-2299AD5F8676}"/>
+                </a:ext>
+              </a:extLst>
+            </p:cNvPr>
+            <p:cNvSpPr txBox="1"/>
+            <p:nvPr/>
+          </p:nvSpPr>
+          <p:spPr>
+            <a:xfrm>
+              <a:off x="544824" y="760701"/>
+              <a:ext cx="4570482" cy="369332"/>
+            </a:xfrm>
+            <a:prstGeom prst="rect">
+              <a:avLst/>
+            </a:prstGeom>
+            <a:noFill/>
+          </p:spPr>
+          <p:txBody>
+            <a:bodyPr wrap="none" rtlCol="0">
+              <a:spAutoFit/>
+            </a:bodyPr>
+            <a:lstStyle/>
+            <a:p>
+              <a:r>
+                <a:rPr lang="ja-JP" altLang="en-US" dirty="0"/>
+                <a:t>以下のようになることを確認してください</a:t>
+              </a:r>
+              <a:endParaRPr lang="ja-JP" altLang="en-US" dirty="0"/>
+            </a:p>
+          </p:txBody>
+        </p:sp>
+        <p:sp>
+          <p:nvSpPr>
+            <p:cNvPr id="10" name="テキスト ボックス 9">
+              <a:extLst>
+                <a:ext uri="{FF2B5EF4-FFF2-40B4-BE49-F238E27FC236}">
+                  <a16:creationId xmlns:a16="http://schemas.microsoft.com/office/drawing/2014/main" id="{B3F979FA-F14C-49F1-977E-12376CAC4FEA}"/>
+                </a:ext>
+              </a:extLst>
+            </p:cNvPr>
+            <p:cNvSpPr txBox="1"/>
+            <p:nvPr/>
+          </p:nvSpPr>
+          <p:spPr>
+            <a:xfrm>
+              <a:off x="179666" y="760701"/>
+              <a:ext cx="415498" cy="369332"/>
+            </a:xfrm>
+            <a:prstGeom prst="rect">
+              <a:avLst/>
+            </a:prstGeom>
+            <a:noFill/>
+          </p:spPr>
+          <p:txBody>
+            <a:bodyPr wrap="none" rtlCol="0">
+              <a:spAutoFit/>
+            </a:bodyPr>
+            <a:lstStyle/>
+            <a:p>
+              <a:r>
+                <a:rPr lang="ja-JP" altLang="en-US" dirty="0" smtClean="0"/>
+                <a:t>③</a:t>
+              </a:r>
+              <a:endParaRPr kumimoji="1" lang="ja-JP" altLang="en-US" dirty="0"/>
+            </a:p>
+          </p:txBody>
+        </p:sp>
+      </p:grpSp>
+    </p:spTree>
+    <p:extLst>
+      <p:ext uri="{BB962C8B-B14F-4D97-AF65-F5344CB8AC3E}">
+        <p14:creationId xmlns:p14="http://schemas.microsoft.com/office/powerpoint/2010/main" val="3678923689"/>
+      </p:ext>
+    </p:extLst>
+  </p:cSld>
+  <p:clrMapOvr>
+    <a:masterClrMapping/>
+  </p:clrMapOvr>
+  <p:timing>
+    <p:tnLst>
+      <p:par>
+        <p:cTn id="1" dur="indefinite" restart="never" nodeType="tmRoot"/>
+      </p:par>
+    </p:tnLst>
+  </p:timing>
+</p:sld>
+</file>
+
+<file path=ppt/slides/slide19.xml><?xml version="1.0" encoding="utf-8"?>
+<p:sld xmlns:a="http://schemas.openxmlformats.org/drawingml/2006/main" xmlns:r="http://schemas.openxmlformats.org/officeDocument/2006/relationships" xmlns:p="http://schemas.openxmlformats.org/presentationml/2006/main">
+  <p:cSld>
+    <p:spTree>
+      <p:nvGrpSpPr>
+        <p:cNvPr id="1" name=""/>
+        <p:cNvGrpSpPr/>
+        <p:nvPr/>
+      </p:nvGrpSpPr>
+      <p:grpSpPr>
+        <a:xfrm>
+          <a:off x="0" y="0"/>
+          <a:ext cx="0" cy="0"/>
+          <a:chOff x="0" y="0"/>
+          <a:chExt cx="0" cy="0"/>
+        </a:xfrm>
+      </p:grpSpPr>
+      <p:sp>
+        <p:nvSpPr>
+          <p:cNvPr id="5" name="Shape 130">
+            <a:extLst>
+              <a:ext uri="{FF2B5EF4-FFF2-40B4-BE49-F238E27FC236}">
+                <a16:creationId xmlns:a16="http://schemas.microsoft.com/office/drawing/2014/main" id="{A6551EB4-F459-4E50-83D7-2A1C930077BE}"/>
+              </a:ext>
+            </a:extLst>
+          </p:cNvPr>
+          <p:cNvSpPr/>
+          <p:nvPr/>
+        </p:nvSpPr>
+        <p:spPr>
+          <a:xfrm>
+            <a:off x="179666" y="87415"/>
+            <a:ext cx="3087384" cy="579646"/>
+          </a:xfrm>
+          <a:prstGeom prst="rect">
+            <a:avLst/>
+          </a:prstGeom>
+          <a:ln w="12700">
+            <a:miter lim="400000"/>
+          </a:ln>
+          <a:extLst>
+            <a:ext uri="{C572A759-6A51-4108-AA02-DFA0A04FC94B}">
+              <ma14:wrappingTextBoxFlag xmlns="" xmlns:ma14="http://schemas.microsoft.com/office/mac/drawingml/2011/main" val="1"/>
+            </a:ext>
+          </a:extLst>
+        </p:spPr>
+        <p:txBody>
+          <a:bodyPr wrap="none" lIns="50800" tIns="50800" rIns="50800" bIns="50800" anchor="ctr">
+            <a:spAutoFit/>
+          </a:bodyPr>
+          <a:lstStyle/>
+          <a:p>
+            <a:pPr>
+              <a:defRPr sz="3100" u="sng">
+                <a:latin typeface="YuMincho Medium"/>
+                <a:ea typeface="YuMincho Medium"/>
+                <a:cs typeface="YuMincho Medium"/>
+                <a:sym typeface="YuMincho Medium"/>
+              </a:defRPr>
+            </a:pPr>
+            <a:r>
+              <a:rPr lang="ja-JP" altLang="en-US" dirty="0"/>
+              <a:t>ポート間の接続</a:t>
+            </a:r>
+            <a:r>
+              <a:rPr lang="en-US" altLang="ja-JP" dirty="0"/>
+              <a:t>1</a:t>
+            </a:r>
+          </a:p>
+        </p:txBody>
+      </p:sp>
+      <p:sp>
+        <p:nvSpPr>
+          <p:cNvPr id="6" name="テキスト ボックス 5">
+            <a:extLst>
+              <a:ext uri="{FF2B5EF4-FFF2-40B4-BE49-F238E27FC236}">
+                <a16:creationId xmlns:a16="http://schemas.microsoft.com/office/drawing/2014/main" id="{C8C1B181-6ACA-481D-ABDD-B3E8D7C9B1A7}"/>
+              </a:ext>
+            </a:extLst>
+          </p:cNvPr>
+          <p:cNvSpPr txBox="1"/>
+          <p:nvPr/>
+        </p:nvSpPr>
+        <p:spPr>
+          <a:xfrm>
+            <a:off x="225910" y="745806"/>
+            <a:ext cx="9879628" cy="369332"/>
+          </a:xfrm>
+          <a:prstGeom prst="rect">
+            <a:avLst/>
+          </a:prstGeom>
+          <a:noFill/>
+        </p:spPr>
+        <p:txBody>
+          <a:bodyPr wrap="none" rtlCol="0">
+            <a:spAutoFit/>
+          </a:bodyPr>
+          <a:lstStyle/>
+          <a:p>
+            <a:r>
+              <a:rPr kumimoji="1" lang="ja-JP" altLang="en-US" dirty="0"/>
+              <a:t>①　ダイアグラムビューを表示させて以下のような表示になっていることを確認してください</a:t>
+            </a:r>
+          </a:p>
+        </p:txBody>
+      </p:sp>
+      <p:sp>
+        <p:nvSpPr>
+          <p:cNvPr id="9" name="スライド番号プレースホルダー 8">
+            <a:extLst>
+              <a:ext uri="{FF2B5EF4-FFF2-40B4-BE49-F238E27FC236}">
+                <a16:creationId xmlns:a16="http://schemas.microsoft.com/office/drawing/2014/main" id="{657F670C-D0A9-4B76-A7F7-C5A7CAD03C77}"/>
+              </a:ext>
+            </a:extLst>
+          </p:cNvPr>
+          <p:cNvSpPr>
+            <a:spLocks noGrp="1"/>
+          </p:cNvSpPr>
+          <p:nvPr>
+            <p:ph type="sldNum" sz="quarter" idx="12"/>
+          </p:nvPr>
+        </p:nvSpPr>
+        <p:spPr/>
+        <p:txBody>
+          <a:bodyPr/>
+          <a:lstStyle/>
+          <a:p>
+            <a:fld id="{D836F367-8F14-4921-8441-15DE2D973248}" type="slidenum">
+              <a:rPr kumimoji="1" lang="ja-JP" altLang="en-US" smtClean="0"/>
+              <a:t>19</a:t>
+            </a:fld>
+            <a:endParaRPr kumimoji="1" lang="ja-JP" altLang="en-US"/>
+          </a:p>
+        </p:txBody>
+      </p:sp>
+      <p:grpSp>
+        <p:nvGrpSpPr>
+          <p:cNvPr id="10" name="グループ化 9">
+            <a:extLst>
+              <a:ext uri="{FF2B5EF4-FFF2-40B4-BE49-F238E27FC236}">
+                <a16:creationId xmlns:a16="http://schemas.microsoft.com/office/drawing/2014/main" id="{40614598-A609-4C5C-93C9-150523280BAA}"/>
+              </a:ext>
+            </a:extLst>
+          </p:cNvPr>
+          <p:cNvGrpSpPr/>
+          <p:nvPr/>
+        </p:nvGrpSpPr>
+        <p:grpSpPr>
+          <a:xfrm>
             <a:off x="225910" y="3944852"/>
-            <a:ext cx="9552288" cy="646331"/>
+            <a:ext cx="9949833" cy="646331"/>
             <a:chOff x="254945" y="903513"/>
-            <a:chExt cx="9552288" cy="646331"/>
+            <a:chExt cx="9949833" cy="646331"/>
           </a:xfrm>
         </p:grpSpPr>
         <p:sp>
@@ -8628,7 +8997,7 @@
           <p:spPr>
             <a:xfrm>
               <a:off x="620103" y="903513"/>
-              <a:ext cx="9187130" cy="646331"/>
+              <a:ext cx="9584675" cy="646331"/>
             </a:xfrm>
             <a:prstGeom prst="rect">
               <a:avLst/>
@@ -8642,28 +9011,41 @@
             <a:lstStyle/>
             <a:p>
               <a:r>
+                <a:rPr lang="en-US" altLang="ja-JP" dirty="0" err="1" smtClean="0"/>
+                <a:t>flange_a</a:t>
+              </a:r>
+              <a:r>
                 <a:rPr lang="en-US" altLang="ja-JP" dirty="0"/>
-                <a:t>Spring1</a:t>
-              </a:r>
-              <a:r>
-                <a:rPr lang="ja-JP" altLang="en-US" dirty="0"/>
-                <a:t>の左ポートと</a:t>
+                <a:t>, </a:t>
               </a:r>
               <a:r>
                 <a:rPr lang="en-US" altLang="ja-JP" dirty="0" err="1"/>
-                <a:t>flange_a</a:t>
-              </a:r>
-              <a:r>
-                <a:rPr lang="ja-JP" altLang="en-US" dirty="0"/>
-                <a:t>を接続してください</a:t>
-              </a:r>
-              <a:endParaRPr lang="en-US" altLang="ja-JP" dirty="0"/>
+                <a:t>f</a:t>
+              </a:r>
+              <a:r>
+                <a:rPr lang="en-US" altLang="ja-JP" dirty="0" err="1" smtClean="0"/>
+                <a:t>lange_b</a:t>
+              </a:r>
+              <a:r>
+                <a:rPr lang="ja-JP" altLang="en-US" dirty="0" smtClean="0"/>
+                <a:t>の位置を調整してください。</a:t>
+              </a:r>
+              <a:endParaRPr lang="en-US" altLang="ja-JP" dirty="0" smtClean="0"/>
             </a:p>
             <a:p>
               <a:r>
-                <a:rPr lang="ja-JP" altLang="en-US" dirty="0"/>
-                <a:t>接続線をつなげる前に左クリックすることで途中で接続線を折り曲げることが出来ます</a:t>
-              </a:r>
+                <a:rPr lang="ja-JP" altLang="en-US" dirty="0" smtClean="0"/>
+                <a:t>コネクターは範囲選択してからドラッグ</a:t>
+              </a:r>
+              <a:r>
+                <a:rPr lang="en-US" altLang="ja-JP" dirty="0" smtClean="0"/>
+                <a:t>&amp;</a:t>
+              </a:r>
+              <a:r>
+                <a:rPr lang="ja-JP" altLang="en-US" dirty="0" smtClean="0"/>
+                <a:t>ドロップすることで移動させることができます。</a:t>
+              </a:r>
+              <a:endParaRPr lang="en-US" altLang="ja-JP" dirty="0" smtClean="0"/>
             </a:p>
           </p:txBody>
         </p:sp>
@@ -8703,6 +9085,54 @@
           </p:txBody>
         </p:sp>
       </p:grpSp>
+      <p:pic>
+        <p:nvPicPr>
+          <p:cNvPr id="3" name="図 2"/>
+          <p:cNvPicPr>
+            <a:picLocks noChangeAspect="1"/>
+          </p:cNvPicPr>
+          <p:nvPr/>
+        </p:nvPicPr>
+        <p:blipFill>
+          <a:blip r:embed="rId2"/>
+          <a:stretch>
+            <a:fillRect/>
+          </a:stretch>
+        </p:blipFill>
+        <p:spPr>
+          <a:xfrm>
+            <a:off x="1076959" y="1153193"/>
+            <a:ext cx="9514841" cy="2615807"/>
+          </a:xfrm>
+          <a:prstGeom prst="rect">
+            <a:avLst/>
+          </a:prstGeom>
+        </p:spPr>
+      </p:pic>
+      <p:pic>
+        <p:nvPicPr>
+          <p:cNvPr id="8" name="図 7"/>
+          <p:cNvPicPr>
+            <a:picLocks noChangeAspect="1"/>
+          </p:cNvPicPr>
+          <p:nvPr/>
+        </p:nvPicPr>
+        <p:blipFill>
+          <a:blip r:embed="rId3"/>
+          <a:stretch>
+            <a:fillRect/>
+          </a:stretch>
+        </p:blipFill>
+        <p:spPr>
+          <a:xfrm>
+            <a:off x="2570479" y="4712926"/>
+            <a:ext cx="7076441" cy="2008549"/>
+          </a:xfrm>
+          <a:prstGeom prst="rect">
+            <a:avLst/>
+          </a:prstGeom>
+        </p:spPr>
+      </p:pic>
     </p:spTree>
     <p:extLst>
       <p:ext uri="{BB962C8B-B14F-4D97-AF65-F5344CB8AC3E}">
@@ -8713,190 +9143,13 @@
   <p:clrMapOvr>
     <a:masterClrMapping/>
   </p:clrMapOvr>
-</p:sld>
-</file>
-
-<file path=ppt/slides/slide19.xml><?xml version="1.0" encoding="utf-8"?>
-<p:sld xmlns:a="http://schemas.openxmlformats.org/drawingml/2006/main" xmlns:r="http://schemas.openxmlformats.org/officeDocument/2006/relationships" xmlns:p="http://schemas.openxmlformats.org/presentationml/2006/main">
-  <p:cSld>
-    <p:spTree>
-      <p:nvGrpSpPr>
-        <p:cNvPr id="1" name=""/>
-        <p:cNvGrpSpPr/>
-        <p:nvPr/>
-      </p:nvGrpSpPr>
-      <p:grpSpPr>
-        <a:xfrm>
-          <a:off x="0" y="0"/>
-          <a:ext cx="0" cy="0"/>
-          <a:chOff x="0" y="0"/>
-          <a:chExt cx="0" cy="0"/>
-        </a:xfrm>
-      </p:grpSpPr>
-      <p:pic>
-        <p:nvPicPr>
-          <p:cNvPr id="4" name="図 3">
-            <a:extLst>
-              <a:ext uri="{FF2B5EF4-FFF2-40B4-BE49-F238E27FC236}">
-                <a16:creationId xmlns:a16="http://schemas.microsoft.com/office/drawing/2014/main" id="{E07E7280-131B-4877-82CB-57436851BFF5}"/>
-              </a:ext>
-            </a:extLst>
-          </p:cNvPr>
-          <p:cNvPicPr>
-            <a:picLocks noChangeAspect="1"/>
-          </p:cNvPicPr>
-          <p:nvPr/>
-        </p:nvPicPr>
-        <p:blipFill>
-          <a:blip r:embed="rId2">
-            <a:extLst>
-              <a:ext uri="{28A0092B-C50C-407E-A947-70E740481C1C}">
-                <a14:useLocalDpi xmlns:a14="http://schemas.microsoft.com/office/drawing/2010/main" val="0"/>
-              </a:ext>
-            </a:extLst>
-          </a:blip>
-          <a:stretch>
-            <a:fillRect/>
-          </a:stretch>
-        </p:blipFill>
-        <p:spPr>
-          <a:xfrm>
-            <a:off x="427690" y="1682450"/>
-            <a:ext cx="11465859" cy="2888637"/>
-          </a:xfrm>
-          <a:prstGeom prst="rect">
-            <a:avLst/>
-          </a:prstGeom>
-        </p:spPr>
-      </p:pic>
-      <p:sp>
-        <p:nvSpPr>
-          <p:cNvPr id="6" name="テキスト ボックス 5">
-            <a:extLst>
-              <a:ext uri="{FF2B5EF4-FFF2-40B4-BE49-F238E27FC236}">
-                <a16:creationId xmlns:a16="http://schemas.microsoft.com/office/drawing/2014/main" id="{B1E7D2DF-E2A6-4A83-93EB-F1174CD7136D}"/>
-              </a:ext>
-            </a:extLst>
-          </p:cNvPr>
-          <p:cNvSpPr txBox="1"/>
-          <p:nvPr/>
-        </p:nvSpPr>
-        <p:spPr>
-          <a:xfrm>
-            <a:off x="726141" y="903642"/>
-            <a:ext cx="3416320" cy="369332"/>
-          </a:xfrm>
-          <a:prstGeom prst="rect">
-            <a:avLst/>
-          </a:prstGeom>
-          <a:noFill/>
-        </p:spPr>
-        <p:txBody>
-          <a:bodyPr wrap="none" rtlCol="0">
-            <a:spAutoFit/>
-          </a:bodyPr>
-          <a:lstStyle/>
-          <a:p>
-            <a:r>
-              <a:rPr kumimoji="1" lang="ja-JP" altLang="en-US" dirty="0"/>
-              <a:t>以下のように接続してください</a:t>
-            </a:r>
-          </a:p>
-        </p:txBody>
-      </p:sp>
-      <p:sp>
-        <p:nvSpPr>
-          <p:cNvPr id="7" name="スライド番号プレースホルダー 6">
-            <a:extLst>
-              <a:ext uri="{FF2B5EF4-FFF2-40B4-BE49-F238E27FC236}">
-                <a16:creationId xmlns:a16="http://schemas.microsoft.com/office/drawing/2014/main" id="{57C001DB-2C19-44B2-8982-D6CE08BEABE1}"/>
-              </a:ext>
-            </a:extLst>
-          </p:cNvPr>
-          <p:cNvSpPr>
-            <a:spLocks noGrp="1"/>
-          </p:cNvSpPr>
-          <p:nvPr>
-            <p:ph type="sldNum" sz="quarter" idx="12"/>
-          </p:nvPr>
-        </p:nvSpPr>
-        <p:spPr/>
-        <p:txBody>
-          <a:bodyPr/>
-          <a:lstStyle/>
-          <a:p>
-            <a:fld id="{D836F367-8F14-4921-8441-15DE2D973248}" type="slidenum">
-              <a:rPr kumimoji="1" lang="ja-JP" altLang="en-US" smtClean="0"/>
-              <a:t>19</a:t>
-            </a:fld>
-            <a:endParaRPr kumimoji="1" lang="ja-JP" altLang="en-US"/>
-          </a:p>
-        </p:txBody>
-      </p:sp>
-      <p:sp>
-        <p:nvSpPr>
-          <p:cNvPr id="9" name="Shape 130">
-            <a:extLst>
-              <a:ext uri="{FF2B5EF4-FFF2-40B4-BE49-F238E27FC236}">
-                <a16:creationId xmlns:a16="http://schemas.microsoft.com/office/drawing/2014/main" id="{5F5D2529-935D-4ADD-B91E-5A6C3A88C451}"/>
-              </a:ext>
-            </a:extLst>
-          </p:cNvPr>
-          <p:cNvSpPr/>
-          <p:nvPr/>
-        </p:nvSpPr>
-        <p:spPr>
-          <a:xfrm>
-            <a:off x="179666" y="87415"/>
-            <a:ext cx="3087384" cy="579646"/>
-          </a:xfrm>
-          <a:prstGeom prst="rect">
-            <a:avLst/>
-          </a:prstGeom>
-          <a:ln w="12700">
-            <a:miter lim="400000"/>
-          </a:ln>
-          <a:extLst>
-            <a:ext uri="{C572A759-6A51-4108-AA02-DFA0A04FC94B}">
-              <ma14:wrappingTextBoxFlag xmlns:ma14="http://schemas.microsoft.com/office/mac/drawingml/2011/main" xmlns="" val="1"/>
-            </a:ext>
-          </a:extLst>
-        </p:spPr>
-        <p:txBody>
-          <a:bodyPr wrap="none" lIns="50800" tIns="50800" rIns="50800" bIns="50800" anchor="ctr">
-            <a:spAutoFit/>
-          </a:bodyPr>
-          <a:lstStyle/>
-          <a:p>
-            <a:pPr>
-              <a:defRPr sz="3100" u="sng">
-                <a:latin typeface="YuMincho Medium"/>
-                <a:ea typeface="YuMincho Medium"/>
-                <a:cs typeface="YuMincho Medium"/>
-                <a:sym typeface="YuMincho Medium"/>
-              </a:defRPr>
-            </a:pPr>
-            <a:r>
-              <a:rPr lang="ja-JP" altLang="en-US" dirty="0"/>
-              <a:t>ポート間の接続</a:t>
-            </a:r>
-            <a:r>
-              <a:rPr lang="en-US" altLang="ja-JP" dirty="0"/>
-              <a:t>2</a:t>
-            </a:r>
-          </a:p>
-        </p:txBody>
-      </p:sp>
-    </p:spTree>
-    <p:extLst>
-      <p:ext uri="{BB962C8B-B14F-4D97-AF65-F5344CB8AC3E}">
-        <p14:creationId xmlns:p14="http://schemas.microsoft.com/office/powerpoint/2010/main" val="2702707710"/>
-      </p:ext>
-    </p:extLst>
-  </p:cSld>
-  <p:clrMapOvr>
-    <a:masterClrMapping/>
-  </p:clrMapOvr>
+  <p:timing>
+    <p:tnLst>
+      <p:par>
+        <p:cTn id="1" dur="indefinite" restart="never" nodeType="tmRoot"/>
+      </p:par>
+    </p:tnLst>
+  </p:timing>
 </p:sld>
 </file>
 
@@ -8985,8 +9238,12 @@
               <a:t>・　</a:t>
             </a:r>
             <a:r>
+              <a:rPr kumimoji="1" lang="en-US" altLang="ja-JP" sz="2400" dirty="0" smtClean="0"/>
+              <a:t>OpenModelica1.14.1 </a:t>
+            </a:r>
+            <a:r>
               <a:rPr kumimoji="1" lang="en-US" altLang="ja-JP" sz="2400" dirty="0"/>
-              <a:t>OpenModelica1.11.0 (64bit – windows</a:t>
+              <a:t>(64bit – windows</a:t>
             </a:r>
             <a:r>
               <a:rPr kumimoji="1" lang="ja-JP" altLang="en-US" sz="2400" dirty="0"/>
@@ -9197,52 +9454,22 @@
           <a:chExt cx="0" cy="0"/>
         </a:xfrm>
       </p:grpSpPr>
-      <p:pic>
-        <p:nvPicPr>
-          <p:cNvPr id="2" name="図 1">
-            <a:extLst>
-              <a:ext uri="{FF2B5EF4-FFF2-40B4-BE49-F238E27FC236}">
-                <a16:creationId xmlns:a16="http://schemas.microsoft.com/office/drawing/2014/main" id="{11BFA5BE-A41B-4B9B-A2C6-092CEFDC56D8}"/>
-              </a:ext>
-            </a:extLst>
-          </p:cNvPr>
-          <p:cNvPicPr>
-            <a:picLocks noChangeAspect="1"/>
-          </p:cNvPicPr>
-          <p:nvPr/>
-        </p:nvPicPr>
-        <p:blipFill>
-          <a:blip r:embed="rId2"/>
-          <a:stretch>
-            <a:fillRect/>
-          </a:stretch>
-        </p:blipFill>
+      <p:sp>
+        <p:nvSpPr>
+          <p:cNvPr id="5" name="Shape 130">
+            <a:extLst>
+              <a:ext uri="{FF2B5EF4-FFF2-40B4-BE49-F238E27FC236}">
+                <a16:creationId xmlns:a16="http://schemas.microsoft.com/office/drawing/2014/main" id="{A6551EB4-F459-4E50-83D7-2A1C930077BE}"/>
+              </a:ext>
+            </a:extLst>
+          </p:cNvPr>
+          <p:cNvSpPr/>
+          <p:nvPr/>
+        </p:nvSpPr>
         <p:spPr>
           <a:xfrm>
-            <a:off x="3339355" y="4422088"/>
-            <a:ext cx="4932135" cy="1489451"/>
-          </a:xfrm>
-          <a:prstGeom prst="rect">
-            <a:avLst/>
-          </a:prstGeom>
-        </p:spPr>
-      </p:pic>
-      <p:sp>
-        <p:nvSpPr>
-          <p:cNvPr id="5" name="Shape 130">
-            <a:extLst>
-              <a:ext uri="{FF2B5EF4-FFF2-40B4-BE49-F238E27FC236}">
-                <a16:creationId xmlns:a16="http://schemas.microsoft.com/office/drawing/2014/main" id="{A6551EB4-F459-4E50-83D7-2A1C930077BE}"/>
-              </a:ext>
-            </a:extLst>
-          </p:cNvPr>
-          <p:cNvSpPr/>
-          <p:nvPr/>
-        </p:nvSpPr>
-        <p:spPr>
-          <a:xfrm>
             <a:off x="179666" y="87415"/>
-            <a:ext cx="3282950" cy="579646"/>
+            <a:ext cx="2909451" cy="579646"/>
           </a:xfrm>
           <a:prstGeom prst="rect">
             <a:avLst/>
@@ -9252,7 +9479,7 @@
           </a:ln>
           <a:extLst>
             <a:ext uri="{C572A759-6A51-4108-AA02-DFA0A04FC94B}">
-              <ma14:wrappingTextBoxFlag xmlns:ma14="http://schemas.microsoft.com/office/mac/drawingml/2011/main" xmlns="" val="1"/>
+              <ma14:wrappingTextBoxFlag xmlns="" xmlns:ma14="http://schemas.microsoft.com/office/mac/drawingml/2011/main" val="1"/>
             </a:ext>
           </a:extLst>
         </p:spPr>
@@ -9272,53 +9499,26 @@
             </a:pPr>
             <a:r>
               <a:rPr lang="ja-JP" altLang="en-US" dirty="0"/>
-              <a:t>パラメータの設定</a:t>
+              <a:t>ポート間の</a:t>
+            </a:r>
+            <a:r>
+              <a:rPr lang="ja-JP" altLang="en-US" dirty="0" smtClean="0"/>
+              <a:t>接続</a:t>
+            </a:r>
+            <a:r>
+              <a:rPr lang="en-US" altLang="ja-JP" dirty="0" smtClean="0"/>
+              <a:t>2</a:t>
             </a:r>
             <a:endParaRPr lang="en-US" altLang="ja-JP" dirty="0"/>
           </a:p>
         </p:txBody>
       </p:sp>
-      <p:pic>
-        <p:nvPicPr>
-          <p:cNvPr id="3" name="図 2">
-            <a:extLst>
-              <a:ext uri="{FF2B5EF4-FFF2-40B4-BE49-F238E27FC236}">
-                <a16:creationId xmlns:a16="http://schemas.microsoft.com/office/drawing/2014/main" id="{B80197E1-002C-4B5B-8CAD-22A619C6B682}"/>
-              </a:ext>
-            </a:extLst>
-          </p:cNvPr>
-          <p:cNvPicPr>
-            <a:picLocks noChangeAspect="1"/>
-          </p:cNvPicPr>
-          <p:nvPr/>
-        </p:nvPicPr>
-        <p:blipFill rotWithShape="1">
-          <a:blip r:embed="rId3">
-            <a:extLst>
-              <a:ext uri="{28A0092B-C50C-407E-A947-70E740481C1C}">
-                <a14:useLocalDpi xmlns:a14="http://schemas.microsoft.com/office/drawing/2010/main" val="0"/>
-              </a:ext>
-            </a:extLst>
-          </a:blip>
-          <a:srcRect/>
-          <a:stretch/>
-        </p:blipFill>
-        <p:spPr>
-          <a:xfrm>
-            <a:off x="1630679" y="1520287"/>
-            <a:ext cx="4849007" cy="856859"/>
-          </a:xfrm>
-          <a:prstGeom prst="rect">
-            <a:avLst/>
-          </a:prstGeom>
-        </p:spPr>
-      </p:pic>
-      <p:sp>
-        <p:nvSpPr>
-          <p:cNvPr id="6" name="スライド番号プレースホルダー 5">
-            <a:extLst>
-              <a:ext uri="{FF2B5EF4-FFF2-40B4-BE49-F238E27FC236}">
-                <a16:creationId xmlns:a16="http://schemas.microsoft.com/office/drawing/2014/main" id="{2CD8CDDC-2309-46AA-8941-A43B0ECD0551}"/>
+      <p:sp>
+        <p:nvSpPr>
+          <p:cNvPr id="9" name="スライド番号プレースホルダー 8">
+            <a:extLst>
+              <a:ext uri="{FF2B5EF4-FFF2-40B4-BE49-F238E27FC236}">
+                <a16:creationId xmlns:a16="http://schemas.microsoft.com/office/drawing/2014/main" id="{657F670C-D0A9-4B76-A7F7-C5A7CAD03C77}"/>
               </a:ext>
             </a:extLst>
           </p:cNvPr>
@@ -9344,10 +9544,10 @@
       </p:sp>
       <p:grpSp>
         <p:nvGrpSpPr>
-          <p:cNvPr id="7" name="グループ化 6">
-            <a:extLst>
-              <a:ext uri="{FF2B5EF4-FFF2-40B4-BE49-F238E27FC236}">
-                <a16:creationId xmlns:a16="http://schemas.microsoft.com/office/drawing/2014/main" id="{757DCA3C-601F-4827-9474-FBF53A1D94E6}"/>
+          <p:cNvPr id="10" name="グループ化 9">
+            <a:extLst>
+              <a:ext uri="{FF2B5EF4-FFF2-40B4-BE49-F238E27FC236}">
+                <a16:creationId xmlns:a16="http://schemas.microsoft.com/office/drawing/2014/main" id="{40614598-A609-4C5C-93C9-150523280BAA}"/>
               </a:ext>
             </a:extLst>
           </p:cNvPr>
@@ -9356,18 +9556,18 @@
         </p:nvGrpSpPr>
         <p:grpSpPr>
           <a:xfrm>
-            <a:off x="290830" y="763369"/>
-            <a:ext cx="9618012" cy="646331"/>
+            <a:off x="225910" y="3944852"/>
+            <a:ext cx="4473975" cy="395586"/>
             <a:chOff x="254945" y="903513"/>
-            <a:chExt cx="9618012" cy="646331"/>
+            <a:chExt cx="4473975" cy="395586"/>
           </a:xfrm>
         </p:grpSpPr>
         <p:sp>
           <p:nvSpPr>
-            <p:cNvPr id="8" name="テキスト ボックス 7">
+            <p:cNvPr id="11" name="テキスト ボックス 10">
               <a:extLst>
                 <a:ext uri="{FF2B5EF4-FFF2-40B4-BE49-F238E27FC236}">
-                  <a16:creationId xmlns:a16="http://schemas.microsoft.com/office/drawing/2014/main" id="{4312921B-5336-47D0-8729-5756022FF4A8}"/>
+                  <a16:creationId xmlns:a16="http://schemas.microsoft.com/office/drawing/2014/main" id="{A497D643-5944-4E64-BD27-FA344FFBA628}"/>
                 </a:ext>
               </a:extLst>
             </p:cNvPr>
@@ -9377,7 +9577,7 @@
           <p:spPr>
             <a:xfrm>
               <a:off x="620103" y="903513"/>
-              <a:ext cx="9252854" cy="646331"/>
+              <a:ext cx="4108817" cy="369332"/>
             </a:xfrm>
             <a:prstGeom prst="rect">
               <a:avLst/>
@@ -9391,37 +9591,22 @@
             <a:lstStyle/>
             <a:p>
               <a:r>
-                <a:rPr lang="en-US" altLang="ja-JP" dirty="0"/>
-                <a:t>Spring1,2</a:t>
+                <a:rPr lang="ja-JP" altLang="en-US" dirty="0" smtClean="0"/>
+                <a:t>続けて以下</a:t>
               </a:r>
               <a:r>
                 <a:rPr lang="ja-JP" altLang="en-US" dirty="0"/>
-                <a:t>の各パラメータをウィンドウから設定できるように</a:t>
-              </a:r>
-              <a:r>
-                <a:rPr lang="en-US" altLang="ja-JP" dirty="0" err="1"/>
-                <a:t>ParallelSprings</a:t>
-              </a:r>
-              <a:r>
-                <a:rPr lang="ja-JP" altLang="en-US" dirty="0"/>
-                <a:t>のコードへ</a:t>
-              </a:r>
-              <a:endParaRPr lang="en-US" altLang="ja-JP" dirty="0"/>
-            </a:p>
-            <a:p>
-              <a:r>
-                <a:rPr lang="ja-JP" altLang="en-US" dirty="0"/>
-                <a:t>以下のようにパラメータを宣言してください</a:t>
+                <a:t>のように接続してください</a:t>
               </a:r>
             </a:p>
           </p:txBody>
         </p:sp>
         <p:sp>
           <p:nvSpPr>
-            <p:cNvPr id="9" name="テキスト ボックス 8">
+            <p:cNvPr id="12" name="テキスト ボックス 11">
               <a:extLst>
                 <a:ext uri="{FF2B5EF4-FFF2-40B4-BE49-F238E27FC236}">
-                  <a16:creationId xmlns:a16="http://schemas.microsoft.com/office/drawing/2014/main" id="{1BDC3E10-1771-4B0B-AC33-73F0EA10BF59}"/>
+                  <a16:creationId xmlns:a16="http://schemas.microsoft.com/office/drawing/2014/main" id="{437A27E9-886C-453B-BA97-10F07B2D0A72}"/>
                 </a:ext>
               </a:extLst>
             </p:cNvPr>
@@ -9445,39 +9630,82 @@
             <a:lstStyle/>
             <a:p>
               <a:r>
-                <a:rPr kumimoji="1" lang="ja-JP" altLang="en-US" dirty="0"/>
-                <a:t>①</a:t>
-              </a:r>
+                <a:rPr lang="ja-JP" altLang="en-US" dirty="0"/>
+                <a:t>④</a:t>
+              </a:r>
+              <a:endParaRPr kumimoji="1" lang="ja-JP" altLang="en-US" dirty="0"/>
             </a:p>
           </p:txBody>
         </p:sp>
       </p:grpSp>
+      <p:pic>
+        <p:nvPicPr>
+          <p:cNvPr id="2" name="図 1"/>
+          <p:cNvPicPr>
+            <a:picLocks noChangeAspect="1"/>
+          </p:cNvPicPr>
+          <p:nvPr/>
+        </p:nvPicPr>
+        <p:blipFill>
+          <a:blip r:embed="rId2"/>
+          <a:stretch>
+            <a:fillRect/>
+          </a:stretch>
+        </p:blipFill>
+        <p:spPr>
+          <a:xfrm>
+            <a:off x="1353443" y="1470882"/>
+            <a:ext cx="6683117" cy="2311586"/>
+          </a:xfrm>
+          <a:prstGeom prst="rect">
+            <a:avLst/>
+          </a:prstGeom>
+        </p:spPr>
+      </p:pic>
+      <p:pic>
+        <p:nvPicPr>
+          <p:cNvPr id="4" name="図 3"/>
+          <p:cNvPicPr>
+            <a:picLocks noChangeAspect="1"/>
+          </p:cNvPicPr>
+          <p:nvPr/>
+        </p:nvPicPr>
+        <p:blipFill>
+          <a:blip r:embed="rId3"/>
+          <a:stretch>
+            <a:fillRect/>
+          </a:stretch>
+        </p:blipFill>
+        <p:spPr>
+          <a:xfrm>
+            <a:off x="1634391" y="4322890"/>
+            <a:ext cx="8368537" cy="2376992"/>
+          </a:xfrm>
+          <a:prstGeom prst="rect">
+            <a:avLst/>
+          </a:prstGeom>
+        </p:spPr>
+      </p:pic>
       <p:grpSp>
         <p:nvGrpSpPr>
-          <p:cNvPr id="11" name="グループ化 10">
-            <a:extLst>
-              <a:ext uri="{FF2B5EF4-FFF2-40B4-BE49-F238E27FC236}">
-                <a16:creationId xmlns:a16="http://schemas.microsoft.com/office/drawing/2014/main" id="{0FC0D26F-BCD4-4C64-AC17-8A478246A5B6}"/>
-              </a:ext>
-            </a:extLst>
-          </p:cNvPr>
+          <p:cNvPr id="13" name="グループ化 12"/>
           <p:cNvGrpSpPr/>
           <p:nvPr/>
         </p:nvGrpSpPr>
         <p:grpSpPr>
           <a:xfrm>
-            <a:off x="290830" y="2696593"/>
-            <a:ext cx="11910306" cy="395586"/>
-            <a:chOff x="254945" y="903513"/>
-            <a:chExt cx="11910306" cy="395586"/>
+            <a:off x="309877" y="745806"/>
+            <a:ext cx="9552288" cy="646331"/>
+            <a:chOff x="179666" y="760701"/>
+            <a:chExt cx="9552288" cy="646331"/>
           </a:xfrm>
         </p:grpSpPr>
         <p:sp>
           <p:nvSpPr>
-            <p:cNvPr id="12" name="テキスト ボックス 11">
+            <p:cNvPr id="14" name="テキスト ボックス 13">
               <a:extLst>
                 <a:ext uri="{FF2B5EF4-FFF2-40B4-BE49-F238E27FC236}">
-                  <a16:creationId xmlns:a16="http://schemas.microsoft.com/office/drawing/2014/main" id="{6C7AE161-80AD-4C45-B387-3D78C056FE00}"/>
+                  <a16:creationId xmlns:a16="http://schemas.microsoft.com/office/drawing/2014/main" id="{3776994F-1B87-472E-891D-2299AD5F8676}"/>
                 </a:ext>
               </a:extLst>
             </p:cNvPr>
@@ -9486,8 +9714,8 @@
           </p:nvSpPr>
           <p:spPr>
             <a:xfrm>
-              <a:off x="620103" y="903513"/>
-              <a:ext cx="11545148" cy="369332"/>
+              <a:off x="544824" y="760701"/>
+              <a:ext cx="9187130" cy="646331"/>
             </a:xfrm>
             <a:prstGeom prst="rect">
               <a:avLst/>
@@ -9501,26 +9729,38 @@
             <a:lstStyle/>
             <a:p>
               <a:r>
+                <a:rPr lang="en-US" altLang="ja-JP" dirty="0" smtClean="0"/>
+                <a:t>Spring</a:t>
+              </a:r>
+              <a:r>
                 <a:rPr lang="ja-JP" altLang="en-US" dirty="0"/>
-                <a:t>以下のように、宣言したパラメータを</a:t>
-              </a:r>
-              <a:r>
-                <a:rPr lang="en-US" altLang="ja-JP" dirty="0"/>
-                <a:t>spring1,2</a:t>
+                <a:t>の左ポートと</a:t>
+              </a:r>
+              <a:r>
+                <a:rPr lang="en-US" altLang="ja-JP" dirty="0" err="1"/>
+                <a:t>flange_a</a:t>
               </a:r>
               <a:r>
                 <a:rPr lang="ja-JP" altLang="en-US" dirty="0"/>
-                <a:t>のインスタンスのモディフィケーションに記入してください。</a:t>
-              </a:r>
+                <a:t>を接続してください</a:t>
+              </a:r>
+              <a:endParaRPr lang="en-US" altLang="ja-JP" dirty="0"/>
+            </a:p>
+            <a:p>
+              <a:r>
+                <a:rPr lang="ja-JP" altLang="en-US" dirty="0"/>
+                <a:t>接続線をつなげる前に左クリックすることで途中で接続線を折り曲げることが出来ます</a:t>
+              </a:r>
+              <a:endParaRPr lang="ja-JP" altLang="en-US" dirty="0"/>
             </a:p>
           </p:txBody>
         </p:sp>
         <p:sp>
           <p:nvSpPr>
-            <p:cNvPr id="13" name="テキスト ボックス 12">
+            <p:cNvPr id="15" name="テキスト ボックス 14">
               <a:extLst>
                 <a:ext uri="{FF2B5EF4-FFF2-40B4-BE49-F238E27FC236}">
-                  <a16:creationId xmlns:a16="http://schemas.microsoft.com/office/drawing/2014/main" id="{9A0EB87F-9E15-457D-AF28-D2DD89584F29}"/>
+                  <a16:creationId xmlns:a16="http://schemas.microsoft.com/office/drawing/2014/main" id="{B3F979FA-F14C-49F1-977E-12376CAC4FEA}"/>
                 </a:ext>
               </a:extLst>
             </p:cNvPr>
@@ -9529,7 +9769,7 @@
           </p:nvSpPr>
           <p:spPr>
             <a:xfrm>
-              <a:off x="254945" y="929767"/>
+              <a:off x="179666" y="760701"/>
               <a:ext cx="415498" cy="369332"/>
             </a:xfrm>
             <a:prstGeom prst="rect">
@@ -9544,19 +9784,145 @@
             <a:lstStyle/>
             <a:p>
               <a:r>
-                <a:rPr kumimoji="1" lang="ja-JP" altLang="en-US" dirty="0"/>
-                <a:t>②</a:t>
-              </a:r>
+                <a:rPr lang="ja-JP" altLang="en-US" dirty="0" smtClean="0"/>
+                <a:t>③</a:t>
+              </a:r>
+              <a:endParaRPr kumimoji="1" lang="ja-JP" altLang="en-US" dirty="0"/>
             </a:p>
           </p:txBody>
         </p:sp>
       </p:grpSp>
+    </p:spTree>
+    <p:extLst>
+      <p:ext uri="{BB962C8B-B14F-4D97-AF65-F5344CB8AC3E}">
+        <p14:creationId xmlns:p14="http://schemas.microsoft.com/office/powerpoint/2010/main" val="1875697103"/>
+      </p:ext>
+    </p:extLst>
+  </p:cSld>
+  <p:clrMapOvr>
+    <a:masterClrMapping/>
+  </p:clrMapOvr>
+  <p:timing>
+    <p:tnLst>
+      <p:par>
+        <p:cTn id="1" dur="indefinite" restart="never" nodeType="tmRoot"/>
+      </p:par>
+    </p:tnLst>
+  </p:timing>
+</p:sld>
+</file>
+
+<file path=ppt/slides/slide21.xml><?xml version="1.0" encoding="utf-8"?>
+<p:sld xmlns:a="http://schemas.openxmlformats.org/drawingml/2006/main" xmlns:r="http://schemas.openxmlformats.org/officeDocument/2006/relationships" xmlns:p="http://schemas.openxmlformats.org/presentationml/2006/main">
+  <p:cSld>
+    <p:spTree>
+      <p:nvGrpSpPr>
+        <p:cNvPr id="1" name=""/>
+        <p:cNvGrpSpPr/>
+        <p:nvPr/>
+      </p:nvGrpSpPr>
+      <p:grpSpPr>
+        <a:xfrm>
+          <a:off x="0" y="0"/>
+          <a:ext cx="0" cy="0"/>
+          <a:chOff x="0" y="0"/>
+          <a:chExt cx="0" cy="0"/>
+        </a:xfrm>
+      </p:grpSpPr>
+      <p:sp>
+        <p:nvSpPr>
+          <p:cNvPr id="5" name="Shape 130">
+            <a:extLst>
+              <a:ext uri="{FF2B5EF4-FFF2-40B4-BE49-F238E27FC236}">
+                <a16:creationId xmlns:a16="http://schemas.microsoft.com/office/drawing/2014/main" id="{A6551EB4-F459-4E50-83D7-2A1C930077BE}"/>
+              </a:ext>
+            </a:extLst>
+          </p:cNvPr>
+          <p:cNvSpPr/>
+          <p:nvPr/>
+        </p:nvSpPr>
+        <p:spPr>
+          <a:xfrm>
+            <a:off x="179666" y="87415"/>
+            <a:ext cx="3282950" cy="579646"/>
+          </a:xfrm>
+          <a:prstGeom prst="rect">
+            <a:avLst/>
+          </a:prstGeom>
+          <a:ln w="12700">
+            <a:miter lim="400000"/>
+          </a:ln>
+          <a:extLst>
+            <a:ext uri="{C572A759-6A51-4108-AA02-DFA0A04FC94B}">
+              <ma14:wrappingTextBoxFlag xmlns="" xmlns:ma14="http://schemas.microsoft.com/office/mac/drawingml/2011/main" val="1"/>
+            </a:ext>
+          </a:extLst>
+        </p:spPr>
+        <p:txBody>
+          <a:bodyPr wrap="none" lIns="50800" tIns="50800" rIns="50800" bIns="50800" anchor="ctr">
+            <a:spAutoFit/>
+          </a:bodyPr>
+          <a:lstStyle/>
+          <a:p>
+            <a:pPr>
+              <a:defRPr sz="3100" u="sng">
+                <a:latin typeface="YuMincho Medium"/>
+                <a:ea typeface="YuMincho Medium"/>
+                <a:cs typeface="YuMincho Medium"/>
+                <a:sym typeface="YuMincho Medium"/>
+              </a:defRPr>
+            </a:pPr>
+            <a:r>
+              <a:rPr lang="ja-JP" altLang="en-US" dirty="0"/>
+              <a:t>パラメータの</a:t>
+            </a:r>
+            <a:r>
+              <a:rPr lang="ja-JP" altLang="en-US" dirty="0" smtClean="0"/>
+              <a:t>設定</a:t>
+            </a:r>
+            <a:r>
+              <a:rPr lang="en-US" altLang="ja-JP" dirty="0" smtClean="0"/>
+              <a:t>1</a:t>
+            </a:r>
+            <a:endParaRPr lang="en-US" altLang="ja-JP" dirty="0"/>
+          </a:p>
+        </p:txBody>
+      </p:sp>
+      <p:sp>
+        <p:nvSpPr>
+          <p:cNvPr id="6" name="スライド番号プレースホルダー 5">
+            <a:extLst>
+              <a:ext uri="{FF2B5EF4-FFF2-40B4-BE49-F238E27FC236}">
+                <a16:creationId xmlns:a16="http://schemas.microsoft.com/office/drawing/2014/main" id="{2CD8CDDC-2309-46AA-8941-A43B0ECD0551}"/>
+              </a:ext>
+            </a:extLst>
+          </p:cNvPr>
+          <p:cNvSpPr>
+            <a:spLocks noGrp="1"/>
+          </p:cNvSpPr>
+          <p:nvPr>
+            <p:ph type="sldNum" sz="quarter" idx="12"/>
+          </p:nvPr>
+        </p:nvSpPr>
+        <p:spPr/>
+        <p:txBody>
+          <a:bodyPr/>
+          <a:lstStyle/>
+          <a:p>
+            <a:fld id="{D836F367-8F14-4921-8441-15DE2D973248}" type="slidenum">
+              <a:rPr kumimoji="1" lang="ja-JP" altLang="en-US" smtClean="0"/>
+              <a:t>21</a:t>
+            </a:fld>
+            <a:endParaRPr kumimoji="1" lang="ja-JP" altLang="en-US"/>
+          </a:p>
+        </p:txBody>
+      </p:sp>
       <p:grpSp>
         <p:nvGrpSpPr>
-          <p:cNvPr id="15" name="グループ化 14">
-            <a:extLst>
-              <a:ext uri="{FF2B5EF4-FFF2-40B4-BE49-F238E27FC236}">
-                <a16:creationId xmlns:a16="http://schemas.microsoft.com/office/drawing/2014/main" id="{F076A1E6-C367-4C35-8D9D-7C463E748F32}"/>
+          <p:cNvPr id="7" name="グループ化 6">
+            <a:extLst>
+              <a:ext uri="{FF2B5EF4-FFF2-40B4-BE49-F238E27FC236}">
+                <a16:creationId xmlns:a16="http://schemas.microsoft.com/office/drawing/2014/main" id="{757DCA3C-601F-4827-9474-FBF53A1D94E6}"/>
               </a:ext>
             </a:extLst>
           </p:cNvPr>
@@ -9565,18 +9931,18 @@
         </p:nvGrpSpPr>
         <p:grpSpPr>
           <a:xfrm>
-            <a:off x="2717333" y="6015556"/>
-            <a:ext cx="6089802" cy="830997"/>
-            <a:chOff x="254945" y="903513"/>
-            <a:chExt cx="6089802" cy="830997"/>
+            <a:off x="-181084" y="667061"/>
+            <a:ext cx="581462" cy="979964"/>
+            <a:chOff x="254945" y="929767"/>
+            <a:chExt cx="581462" cy="979964"/>
           </a:xfrm>
         </p:grpSpPr>
         <p:sp>
           <p:nvSpPr>
-            <p:cNvPr id="16" name="テキスト ボックス 15">
+            <p:cNvPr id="8" name="テキスト ボックス 7">
               <a:extLst>
                 <a:ext uri="{FF2B5EF4-FFF2-40B4-BE49-F238E27FC236}">
-                  <a16:creationId xmlns:a16="http://schemas.microsoft.com/office/drawing/2014/main" id="{9FE51C4B-1B88-4A47-AA79-34D858A545DC}"/>
+                  <a16:creationId xmlns:a16="http://schemas.microsoft.com/office/drawing/2014/main" id="{4312921B-5336-47D0-8729-5756022FF4A8}"/>
                 </a:ext>
               </a:extLst>
             </p:cNvPr>
@@ -9585,8 +9951,8 @@
           </p:nvSpPr>
           <p:spPr>
             <a:xfrm>
-              <a:off x="620103" y="903513"/>
-              <a:ext cx="5724644" cy="830997"/>
+              <a:off x="651676" y="1540399"/>
+              <a:ext cx="184731" cy="369332"/>
             </a:xfrm>
             <a:prstGeom prst="rect">
               <a:avLst/>
@@ -9599,27 +9965,16 @@
             </a:bodyPr>
             <a:lstStyle/>
             <a:p>
-              <a:r>
-                <a:rPr lang="ja-JP" altLang="en-US" sz="2400" dirty="0"/>
-                <a:t>以上でカスタマイズモデルは完成です</a:t>
-              </a:r>
-              <a:endParaRPr lang="en-US" altLang="ja-JP" sz="2400" dirty="0"/>
-            </a:p>
-            <a:p>
-              <a:r>
-                <a:rPr lang="ja-JP" altLang="en-US" sz="2400" dirty="0"/>
-                <a:t>接続図を作成して動作を確認しましょう</a:t>
-              </a:r>
-              <a:endParaRPr lang="en-US" altLang="ja-JP" sz="2400" dirty="0"/>
+              <a:endParaRPr lang="ja-JP" altLang="en-US" dirty="0"/>
             </a:p>
           </p:txBody>
         </p:sp>
         <p:sp>
           <p:nvSpPr>
-            <p:cNvPr id="17" name="テキスト ボックス 16">
+            <p:cNvPr id="9" name="テキスト ボックス 8">
               <a:extLst>
                 <a:ext uri="{FF2B5EF4-FFF2-40B4-BE49-F238E27FC236}">
-                  <a16:creationId xmlns:a16="http://schemas.microsoft.com/office/drawing/2014/main" id="{7F70B54D-E4DB-4B7F-856E-9C04605D764F}"/>
+                  <a16:creationId xmlns:a16="http://schemas.microsoft.com/office/drawing/2014/main" id="{1BDC3E10-1771-4B0B-AC33-73F0EA10BF59}"/>
                 </a:ext>
               </a:extLst>
             </p:cNvPr>
@@ -9629,7 +9984,7 @@
           <p:spPr>
             <a:xfrm>
               <a:off x="254945" y="929767"/>
-              <a:ext cx="184731" cy="461665"/>
+              <a:ext cx="184731" cy="369332"/>
             </a:xfrm>
             <a:prstGeom prst="rect">
               <a:avLst/>
@@ -9642,134 +9997,29 @@
             </a:bodyPr>
             <a:lstStyle/>
             <a:p>
-              <a:endParaRPr kumimoji="1" lang="ja-JP" altLang="en-US" sz="2400" dirty="0"/>
-            </a:p>
-          </p:txBody>
-        </p:sp>
-      </p:grpSp>
-      <p:grpSp>
-        <p:nvGrpSpPr>
-          <p:cNvPr id="18" name="グループ化 17">
-            <a:extLst>
-              <a:ext uri="{FF2B5EF4-FFF2-40B4-BE49-F238E27FC236}">
-                <a16:creationId xmlns:a16="http://schemas.microsoft.com/office/drawing/2014/main" id="{095B2110-6B81-44CC-820A-124A513E8DD5}"/>
-              </a:ext>
-            </a:extLst>
-          </p:cNvPr>
-          <p:cNvGrpSpPr/>
-          <p:nvPr/>
-        </p:nvGrpSpPr>
-        <p:grpSpPr>
-          <a:xfrm>
-            <a:off x="311403" y="4026502"/>
-            <a:ext cx="7551741" cy="395586"/>
-            <a:chOff x="254945" y="903513"/>
-            <a:chExt cx="7551741" cy="395586"/>
-          </a:xfrm>
-        </p:grpSpPr>
-        <p:sp>
-          <p:nvSpPr>
-            <p:cNvPr id="19" name="テキスト ボックス 18">
-              <a:extLst>
-                <a:ext uri="{FF2B5EF4-FFF2-40B4-BE49-F238E27FC236}">
-                  <a16:creationId xmlns:a16="http://schemas.microsoft.com/office/drawing/2014/main" id="{092CE571-D839-4F13-B3CA-5A02A99FD13E}"/>
-                </a:ext>
-              </a:extLst>
-            </p:cNvPr>
-            <p:cNvSpPr txBox="1"/>
-            <p:nvPr/>
-          </p:nvSpPr>
-          <p:spPr>
-            <a:xfrm>
-              <a:off x="620103" y="903513"/>
-              <a:ext cx="7186583" cy="369332"/>
-            </a:xfrm>
-            <a:prstGeom prst="rect">
-              <a:avLst/>
-            </a:prstGeom>
-            <a:noFill/>
-          </p:spPr>
-          <p:txBody>
-            <a:bodyPr wrap="none" rtlCol="0">
-              <a:spAutoFit/>
-            </a:bodyPr>
-            <a:lstStyle/>
-            <a:p>
-              <a:r>
-                <a:rPr lang="ja-JP" altLang="en-US" dirty="0"/>
-                <a:t>ダイアグラムビューから</a:t>
-              </a:r>
-              <a:r>
-                <a:rPr lang="en-US" altLang="ja-JP" dirty="0"/>
-                <a:t>Spring1,2</a:t>
-              </a:r>
-              <a:r>
-                <a:rPr lang="ja-JP" altLang="en-US" dirty="0"/>
-                <a:t>のパラメータを確認してください</a:t>
-              </a:r>
-            </a:p>
-          </p:txBody>
-        </p:sp>
-        <p:sp>
-          <p:nvSpPr>
-            <p:cNvPr id="20" name="テキスト ボックス 19">
-              <a:extLst>
-                <a:ext uri="{FF2B5EF4-FFF2-40B4-BE49-F238E27FC236}">
-                  <a16:creationId xmlns:a16="http://schemas.microsoft.com/office/drawing/2014/main" id="{F71C96B6-A8EF-41C2-A60A-A780DDD9C381}"/>
-                </a:ext>
-              </a:extLst>
-            </p:cNvPr>
-            <p:cNvSpPr txBox="1"/>
-            <p:nvPr/>
-          </p:nvSpPr>
-          <p:spPr>
-            <a:xfrm>
-              <a:off x="254945" y="929767"/>
-              <a:ext cx="415498" cy="369332"/>
-            </a:xfrm>
-            <a:prstGeom prst="rect">
-              <a:avLst/>
-            </a:prstGeom>
-            <a:noFill/>
-          </p:spPr>
-          <p:txBody>
-            <a:bodyPr wrap="none" rtlCol="0">
-              <a:spAutoFit/>
-            </a:bodyPr>
-            <a:lstStyle/>
-            <a:p>
-              <a:r>
-                <a:rPr kumimoji="1" lang="ja-JP" altLang="en-US" dirty="0"/>
-                <a:t>③</a:t>
-              </a:r>
+              <a:endParaRPr kumimoji="1" lang="ja-JP" altLang="en-US" dirty="0"/>
             </a:p>
           </p:txBody>
         </p:sp>
       </p:grpSp>
       <p:pic>
         <p:nvPicPr>
-          <p:cNvPr id="24" name="図 23">
-            <a:extLst>
-              <a:ext uri="{FF2B5EF4-FFF2-40B4-BE49-F238E27FC236}">
-                <a16:creationId xmlns:a16="http://schemas.microsoft.com/office/drawing/2014/main" id="{C7050328-A7DB-4785-9E08-C4852F646B25}"/>
-              </a:ext>
-            </a:extLst>
-          </p:cNvPr>
+          <p:cNvPr id="35" name="図 34"/>
           <p:cNvPicPr>
             <a:picLocks noChangeAspect="1"/>
           </p:cNvPicPr>
           <p:nvPr/>
         </p:nvPicPr>
         <p:blipFill>
-          <a:blip r:embed="rId4"/>
+          <a:blip r:embed="rId2"/>
           <a:stretch>
             <a:fillRect/>
           </a:stretch>
         </p:blipFill>
         <p:spPr>
           <a:xfrm>
-            <a:off x="636251" y="3313160"/>
-            <a:ext cx="11217612" cy="175275"/>
+            <a:off x="9116085" y="1266101"/>
+            <a:ext cx="2813536" cy="5020231"/>
           </a:xfrm>
           <a:prstGeom prst="rect">
             <a:avLst/>
@@ -9778,28 +10028,22 @@
       </p:pic>
       <p:pic>
         <p:nvPicPr>
-          <p:cNvPr id="25" name="図 24">
-            <a:extLst>
-              <a:ext uri="{FF2B5EF4-FFF2-40B4-BE49-F238E27FC236}">
-                <a16:creationId xmlns:a16="http://schemas.microsoft.com/office/drawing/2014/main" id="{6890FA31-4342-4F41-8288-E7B2D0E8A0AD}"/>
-              </a:ext>
-            </a:extLst>
-          </p:cNvPr>
+          <p:cNvPr id="36" name="図 35"/>
           <p:cNvPicPr>
             <a:picLocks noChangeAspect="1"/>
           </p:cNvPicPr>
           <p:nvPr/>
         </p:nvPicPr>
         <p:blipFill>
-          <a:blip r:embed="rId5"/>
+          <a:blip r:embed="rId3"/>
           <a:stretch>
             <a:fillRect/>
           </a:stretch>
         </p:blipFill>
         <p:spPr>
           <a:xfrm>
-            <a:off x="636251" y="3576684"/>
-            <a:ext cx="11217612" cy="167655"/>
+            <a:off x="290829" y="2142410"/>
+            <a:ext cx="7440685" cy="1875869"/>
           </a:xfrm>
           <a:prstGeom prst="rect">
             <a:avLst/>
@@ -9808,10 +10052,10 @@
       </p:pic>
       <p:sp>
         <p:nvSpPr>
-          <p:cNvPr id="14" name="四角形: 角を丸くする 13">
-            <a:extLst>
-              <a:ext uri="{FF2B5EF4-FFF2-40B4-BE49-F238E27FC236}">
-                <a16:creationId xmlns:a16="http://schemas.microsoft.com/office/drawing/2014/main" id="{CA627236-342C-446E-837F-F02F74BAA4D3}"/>
+          <p:cNvPr id="37" name="四角形: 角を丸くする 13">
+            <a:extLst>
+              <a:ext uri="{FF2B5EF4-FFF2-40B4-BE49-F238E27FC236}">
+                <a16:creationId xmlns:a16="http://schemas.microsoft.com/office/drawing/2014/main" id="{1DADF61F-EF1D-4843-8C48-B0C640E98936}"/>
               </a:ext>
             </a:extLst>
           </p:cNvPr>
@@ -9820,8 +10064,8 @@
         </p:nvSpPr>
         <p:spPr>
           <a:xfrm>
-            <a:off x="5981700" y="3231037"/>
-            <a:ext cx="5973763" cy="604838"/>
+            <a:off x="1294886" y="2885049"/>
+            <a:ext cx="5603754" cy="894471"/>
           </a:xfrm>
           <a:prstGeom prst="roundRect">
             <a:avLst/>
@@ -9858,6 +10102,276 @@
           </a:p>
         </p:txBody>
       </p:sp>
+      <p:sp>
+        <p:nvSpPr>
+          <p:cNvPr id="40" name="右矢印 39"/>
+          <p:cNvSpPr/>
+          <p:nvPr/>
+        </p:nvSpPr>
+        <p:spPr>
+          <a:xfrm>
+            <a:off x="8331200" y="3068320"/>
+            <a:ext cx="629920" cy="624840"/>
+          </a:xfrm>
+          <a:prstGeom prst="rightArrow">
+            <a:avLst/>
+          </a:prstGeom>
+          <a:solidFill>
+            <a:schemeClr val="tx1"/>
+          </a:solidFill>
+          <a:ln w="28575">
+            <a:solidFill>
+              <a:schemeClr val="tx1"/>
+            </a:solidFill>
+          </a:ln>
+        </p:spPr>
+        <p:style>
+          <a:lnRef idx="2">
+            <a:schemeClr val="accent1">
+              <a:shade val="50000"/>
+            </a:schemeClr>
+          </a:lnRef>
+          <a:fillRef idx="1">
+            <a:schemeClr val="accent1"/>
+          </a:fillRef>
+          <a:effectRef idx="0">
+            <a:schemeClr val="accent1"/>
+          </a:effectRef>
+          <a:fontRef idx="minor">
+            <a:schemeClr val="lt1"/>
+          </a:fontRef>
+        </p:style>
+        <p:txBody>
+          <a:bodyPr rtlCol="0" anchor="ctr"/>
+          <a:lstStyle/>
+          <a:p>
+            <a:pPr algn="ctr"/>
+            <a:endParaRPr kumimoji="1" lang="ja-JP" altLang="en-US"/>
+          </a:p>
+        </p:txBody>
+      </p:sp>
+      <p:sp>
+        <p:nvSpPr>
+          <p:cNvPr id="41" name="テキスト ボックス 40"/>
+          <p:cNvSpPr txBox="1"/>
+          <p:nvPr/>
+        </p:nvSpPr>
+        <p:spPr>
+          <a:xfrm>
+            <a:off x="5464821" y="5114772"/>
+            <a:ext cx="3686089" cy="1477328"/>
+          </a:xfrm>
+          <a:prstGeom prst="rect">
+            <a:avLst/>
+          </a:prstGeom>
+          <a:noFill/>
+        </p:spPr>
+        <p:txBody>
+          <a:bodyPr wrap="square" rtlCol="0">
+            <a:spAutoFit/>
+          </a:bodyPr>
+          <a:lstStyle/>
+          <a:p>
+            <a:r>
+              <a:rPr kumimoji="1" lang="ja-JP" altLang="en-US" dirty="0" smtClean="0"/>
+              <a:t>上記のように宣言すると</a:t>
+            </a:r>
+            <a:r>
+              <a:rPr lang="ja-JP" altLang="en-US" dirty="0"/>
+              <a:t>モデル</a:t>
+            </a:r>
+            <a:r>
+              <a:rPr lang="ja-JP" altLang="en-US" dirty="0" smtClean="0"/>
+              <a:t>の</a:t>
+            </a:r>
+            <a:r>
+              <a:rPr lang="ja-JP" altLang="en-US" dirty="0"/>
+              <a:t>アイコン</a:t>
+            </a:r>
+            <a:r>
+              <a:rPr lang="ja-JP" altLang="en-US" dirty="0" smtClean="0"/>
+              <a:t>をダブルクリックした際に左図のようにパラメータをウィンドウ上から設定することが出来るようになります</a:t>
+            </a:r>
+            <a:endParaRPr kumimoji="1" lang="ja-JP" altLang="en-US" dirty="0"/>
+          </a:p>
+        </p:txBody>
+      </p:sp>
+      <p:sp>
+        <p:nvSpPr>
+          <p:cNvPr id="42" name="角丸四角形 41"/>
+          <p:cNvSpPr/>
+          <p:nvPr/>
+        </p:nvSpPr>
+        <p:spPr>
+          <a:xfrm>
+            <a:off x="9365530" y="3693160"/>
+            <a:ext cx="2139884" cy="1986489"/>
+          </a:xfrm>
+          <a:prstGeom prst="roundRect">
+            <a:avLst/>
+          </a:prstGeom>
+          <a:noFill/>
+          <a:ln w="28575">
+            <a:solidFill>
+              <a:srgbClr val="FF0000"/>
+            </a:solidFill>
+          </a:ln>
+        </p:spPr>
+        <p:style>
+          <a:lnRef idx="2">
+            <a:schemeClr val="accent1">
+              <a:shade val="50000"/>
+            </a:schemeClr>
+          </a:lnRef>
+          <a:fillRef idx="1">
+            <a:schemeClr val="accent1"/>
+          </a:fillRef>
+          <a:effectRef idx="0">
+            <a:schemeClr val="accent1"/>
+          </a:effectRef>
+          <a:fontRef idx="minor">
+            <a:schemeClr val="lt1"/>
+          </a:fontRef>
+        </p:style>
+        <p:txBody>
+          <a:bodyPr rtlCol="0" anchor="ctr"/>
+          <a:lstStyle/>
+          <a:p>
+            <a:pPr algn="ctr"/>
+            <a:endParaRPr kumimoji="1" lang="ja-JP" altLang="en-US"/>
+          </a:p>
+        </p:txBody>
+      </p:sp>
+      <p:grpSp>
+        <p:nvGrpSpPr>
+          <p:cNvPr id="13" name="グループ化 12"/>
+          <p:cNvGrpSpPr/>
+          <p:nvPr/>
+        </p:nvGrpSpPr>
+        <p:grpSpPr>
+          <a:xfrm>
+            <a:off x="55353" y="1117223"/>
+            <a:ext cx="8795671" cy="646331"/>
+            <a:chOff x="179666" y="760701"/>
+            <a:chExt cx="8795671" cy="646331"/>
+          </a:xfrm>
+        </p:grpSpPr>
+        <p:sp>
+          <p:nvSpPr>
+            <p:cNvPr id="14" name="テキスト ボックス 13">
+              <a:extLst>
+                <a:ext uri="{FF2B5EF4-FFF2-40B4-BE49-F238E27FC236}">
+                  <a16:creationId xmlns:a16="http://schemas.microsoft.com/office/drawing/2014/main" id="{3776994F-1B87-472E-891D-2299AD5F8676}"/>
+                </a:ext>
+              </a:extLst>
+            </p:cNvPr>
+            <p:cNvSpPr txBox="1"/>
+            <p:nvPr/>
+          </p:nvSpPr>
+          <p:spPr>
+            <a:xfrm>
+              <a:off x="544824" y="760701"/>
+              <a:ext cx="8430513" cy="646331"/>
+            </a:xfrm>
+            <a:prstGeom prst="rect">
+              <a:avLst/>
+            </a:prstGeom>
+            <a:noFill/>
+          </p:spPr>
+          <p:txBody>
+            <a:bodyPr wrap="none" rtlCol="0">
+              <a:spAutoFit/>
+            </a:bodyPr>
+            <a:lstStyle/>
+            <a:p>
+              <a:r>
+                <a:rPr lang="ja-JP" altLang="en-US" dirty="0"/>
+                <a:t>テキストビューから以下のようにパラメータを宣言してください。</a:t>
+              </a:r>
+              <a:endParaRPr lang="en-US" altLang="ja-JP" dirty="0"/>
+            </a:p>
+            <a:p>
+              <a:r>
+                <a:rPr lang="ja-JP" altLang="en-US" dirty="0"/>
+                <a:t>各パラメータは</a:t>
+              </a:r>
+              <a:r>
+                <a:rPr lang="en-US" altLang="ja-JP" dirty="0"/>
+                <a:t>spring, spring1</a:t>
+              </a:r>
+              <a:r>
+                <a:rPr lang="ja-JP" altLang="en-US" dirty="0"/>
+                <a:t>のバネ定数</a:t>
+              </a:r>
+              <a:r>
+                <a:rPr lang="en-US" altLang="ja-JP" dirty="0"/>
+                <a:t>c</a:t>
+              </a:r>
+              <a:r>
+                <a:rPr lang="ja-JP" altLang="en-US" dirty="0" err="1"/>
+                <a:t>、</a:t>
+              </a:r>
+              <a:r>
+                <a:rPr lang="ja-JP" altLang="en-US" dirty="0"/>
+                <a:t>初期位置</a:t>
+              </a:r>
+              <a:r>
+                <a:rPr lang="en-US" altLang="ja-JP" dirty="0"/>
+                <a:t>start, </a:t>
+              </a:r>
+              <a:r>
+                <a:rPr lang="ja-JP" altLang="en-US" dirty="0"/>
+                <a:t>自然長</a:t>
+              </a:r>
+              <a:r>
+                <a:rPr lang="en-US" altLang="ja-JP" dirty="0"/>
+                <a:t>s_rel0</a:t>
+              </a:r>
+              <a:r>
+                <a:rPr lang="ja-JP" altLang="en-US" dirty="0"/>
+                <a:t>です。</a:t>
+              </a:r>
+              <a:endParaRPr lang="ja-JP" altLang="en-US" dirty="0"/>
+            </a:p>
+          </p:txBody>
+        </p:sp>
+        <p:sp>
+          <p:nvSpPr>
+            <p:cNvPr id="15" name="テキスト ボックス 14">
+              <a:extLst>
+                <a:ext uri="{FF2B5EF4-FFF2-40B4-BE49-F238E27FC236}">
+                  <a16:creationId xmlns:a16="http://schemas.microsoft.com/office/drawing/2014/main" id="{B3F979FA-F14C-49F1-977E-12376CAC4FEA}"/>
+                </a:ext>
+              </a:extLst>
+            </p:cNvPr>
+            <p:cNvSpPr txBox="1"/>
+            <p:nvPr/>
+          </p:nvSpPr>
+          <p:spPr>
+            <a:xfrm>
+              <a:off x="179666" y="760701"/>
+              <a:ext cx="415498" cy="369332"/>
+            </a:xfrm>
+            <a:prstGeom prst="rect">
+              <a:avLst/>
+            </a:prstGeom>
+            <a:noFill/>
+          </p:spPr>
+          <p:txBody>
+            <a:bodyPr wrap="none" rtlCol="0">
+              <a:spAutoFit/>
+            </a:bodyPr>
+            <a:lstStyle/>
+            <a:p>
+              <a:r>
+                <a:rPr lang="ja-JP" altLang="en-US" dirty="0" smtClean="0"/>
+                <a:t>①</a:t>
+              </a:r>
+              <a:endParaRPr kumimoji="1" lang="ja-JP" altLang="en-US" dirty="0"/>
+            </a:p>
+          </p:txBody>
+        </p:sp>
+      </p:grpSp>
     </p:spTree>
     <p:extLst>
       <p:ext uri="{BB962C8B-B14F-4D97-AF65-F5344CB8AC3E}">
@@ -9868,10 +10382,17 @@
   <p:clrMapOvr>
     <a:masterClrMapping/>
   </p:clrMapOvr>
+  <p:timing>
+    <p:tnLst>
+      <p:par>
+        <p:cTn id="1" dur="indefinite" restart="never" nodeType="tmRoot"/>
+      </p:par>
+    </p:tnLst>
+  </p:timing>
 </p:sld>
 </file>
 
-<file path=ppt/slides/slide21.xml><?xml version="1.0" encoding="utf-8"?>
+<file path=ppt/slides/slide22.xml><?xml version="1.0" encoding="utf-8"?>
 <p:sld xmlns:a="http://schemas.openxmlformats.org/drawingml/2006/main" xmlns:r="http://schemas.openxmlformats.org/officeDocument/2006/relationships" xmlns:p="http://schemas.openxmlformats.org/presentationml/2006/main">
   <p:cSld>
     <p:spTree>
@@ -9903,7 +10424,7 @@
         <p:spPr>
           <a:xfrm>
             <a:off x="179666" y="87415"/>
-            <a:ext cx="2689839" cy="579646"/>
+            <a:ext cx="3282950" cy="579646"/>
           </a:xfrm>
           <a:prstGeom prst="rect">
             <a:avLst/>
@@ -9913,7 +10434,7 @@
           </a:ln>
           <a:extLst>
             <a:ext uri="{C572A759-6A51-4108-AA02-DFA0A04FC94B}">
-              <ma14:wrappingTextBoxFlag xmlns:ma14="http://schemas.microsoft.com/office/mac/drawingml/2011/main" xmlns="" val="1"/>
+              <ma14:wrappingTextBoxFlag xmlns="" xmlns:ma14="http://schemas.microsoft.com/office/mac/drawingml/2011/main" val="1"/>
             </a:ext>
           </a:extLst>
         </p:spPr>
@@ -9933,93 +10454,26 @@
             </a:pPr>
             <a:r>
               <a:rPr lang="ja-JP" altLang="en-US" dirty="0"/>
-              <a:t>接続図の作成</a:t>
-            </a:r>
-            <a:r>
-              <a:rPr lang="en-US" altLang="ja-JP" dirty="0"/>
-              <a:t>1</a:t>
-            </a:r>
-          </a:p>
-        </p:txBody>
-      </p:sp>
-      <p:pic>
-        <p:nvPicPr>
-          <p:cNvPr id="4" name="図 3">
-            <a:extLst>
-              <a:ext uri="{FF2B5EF4-FFF2-40B4-BE49-F238E27FC236}">
-                <a16:creationId xmlns:a16="http://schemas.microsoft.com/office/drawing/2014/main" id="{BB868450-2D9A-41F1-9B7D-EF917413291F}"/>
-              </a:ext>
-            </a:extLst>
-          </p:cNvPr>
-          <p:cNvPicPr>
-            <a:picLocks noChangeAspect="1"/>
-          </p:cNvPicPr>
-          <p:nvPr/>
-        </p:nvPicPr>
-        <p:blipFill>
-          <a:blip r:embed="rId2">
-            <a:extLst>
-              <a:ext uri="{28A0092B-C50C-407E-A947-70E740481C1C}">
-                <a14:useLocalDpi xmlns:a14="http://schemas.microsoft.com/office/drawing/2010/main" val="0"/>
-              </a:ext>
-            </a:extLst>
-          </a:blip>
-          <a:stretch>
-            <a:fillRect/>
-          </a:stretch>
-        </p:blipFill>
-        <p:spPr>
-          <a:xfrm>
-            <a:off x="1343656" y="1772865"/>
-            <a:ext cx="8153400" cy="3009900"/>
-          </a:xfrm>
-          <a:prstGeom prst="rect">
-            <a:avLst/>
-          </a:prstGeom>
-        </p:spPr>
-      </p:pic>
-      <p:pic>
-        <p:nvPicPr>
-          <p:cNvPr id="6" name="図 5">
-            <a:extLst>
-              <a:ext uri="{FF2B5EF4-FFF2-40B4-BE49-F238E27FC236}">
-                <a16:creationId xmlns:a16="http://schemas.microsoft.com/office/drawing/2014/main" id="{F24DFC6E-E490-4614-AF51-8BB4E418EBD2}"/>
-              </a:ext>
-            </a:extLst>
-          </p:cNvPr>
-          <p:cNvPicPr>
-            <a:picLocks noChangeAspect="1"/>
-          </p:cNvPicPr>
-          <p:nvPr/>
-        </p:nvPicPr>
-        <p:blipFill>
-          <a:blip r:embed="rId3">
-            <a:extLst>
-              <a:ext uri="{28A0092B-C50C-407E-A947-70E740481C1C}">
-                <a14:useLocalDpi xmlns:a14="http://schemas.microsoft.com/office/drawing/2010/main" val="0"/>
-              </a:ext>
-            </a:extLst>
-          </a:blip>
-          <a:stretch>
-            <a:fillRect/>
-          </a:stretch>
-        </p:blipFill>
-        <p:spPr>
-          <a:xfrm>
-            <a:off x="1752243" y="5315541"/>
-            <a:ext cx="6367184" cy="1393144"/>
-          </a:xfrm>
-          <a:prstGeom prst="rect">
-            <a:avLst/>
-          </a:prstGeom>
-        </p:spPr>
-      </p:pic>
-      <p:sp>
-        <p:nvSpPr>
-          <p:cNvPr id="7" name="スライド番号プレースホルダー 6">
-            <a:extLst>
-              <a:ext uri="{FF2B5EF4-FFF2-40B4-BE49-F238E27FC236}">
-                <a16:creationId xmlns:a16="http://schemas.microsoft.com/office/drawing/2014/main" id="{38A12E08-BE2B-45B9-A02E-19915D293BB0}"/>
+              <a:t>パラメータの</a:t>
+            </a:r>
+            <a:r>
+              <a:rPr lang="ja-JP" altLang="en-US" dirty="0" smtClean="0"/>
+              <a:t>設定</a:t>
+            </a:r>
+            <a:r>
+              <a:rPr lang="en-US" altLang="ja-JP" dirty="0" smtClean="0"/>
+              <a:t>2</a:t>
+            </a:r>
+            <a:endParaRPr lang="en-US" altLang="ja-JP" dirty="0"/>
+          </a:p>
+        </p:txBody>
+      </p:sp>
+      <p:sp>
+        <p:nvSpPr>
+          <p:cNvPr id="6" name="スライド番号プレースホルダー 5">
+            <a:extLst>
+              <a:ext uri="{FF2B5EF4-FFF2-40B4-BE49-F238E27FC236}">
+                <a16:creationId xmlns:a16="http://schemas.microsoft.com/office/drawing/2014/main" id="{2CD8CDDC-2309-46AA-8941-A43B0ECD0551}"/>
               </a:ext>
             </a:extLst>
           </p:cNvPr>
@@ -10037,7 +10491,7 @@
           <a:p>
             <a:fld id="{D836F367-8F14-4921-8441-15DE2D973248}" type="slidenum">
               <a:rPr kumimoji="1" lang="ja-JP" altLang="en-US" smtClean="0"/>
-              <a:t>21</a:t>
+              <a:t>22</a:t>
             </a:fld>
             <a:endParaRPr kumimoji="1" lang="ja-JP" altLang="en-US"/>
           </a:p>
@@ -10045,10 +10499,10 @@
       </p:sp>
       <p:grpSp>
         <p:nvGrpSpPr>
-          <p:cNvPr id="8" name="グループ化 7">
-            <a:extLst>
-              <a:ext uri="{FF2B5EF4-FFF2-40B4-BE49-F238E27FC236}">
-                <a16:creationId xmlns:a16="http://schemas.microsoft.com/office/drawing/2014/main" id="{E0FF3421-D931-432A-99B2-A2BAD4499487}"/>
+          <p:cNvPr id="21" name="グループ化 20">
+            <a:extLst>
+              <a:ext uri="{FF2B5EF4-FFF2-40B4-BE49-F238E27FC236}">
+                <a16:creationId xmlns:a16="http://schemas.microsoft.com/office/drawing/2014/main" id="{0FC0D26F-BCD4-4C64-AC17-8A478246A5B6}"/>
               </a:ext>
             </a:extLst>
           </p:cNvPr>
@@ -10057,18 +10511,18 @@
         </p:nvGrpSpPr>
         <p:grpSpPr>
           <a:xfrm>
-            <a:off x="299894" y="706619"/>
-            <a:ext cx="4735265" cy="395586"/>
+            <a:off x="417830" y="1065913"/>
+            <a:ext cx="549889" cy="395586"/>
             <a:chOff x="254945" y="903513"/>
-            <a:chExt cx="4735265" cy="395586"/>
+            <a:chExt cx="549889" cy="395586"/>
           </a:xfrm>
         </p:grpSpPr>
         <p:sp>
           <p:nvSpPr>
-            <p:cNvPr id="9" name="テキスト ボックス 8">
+            <p:cNvPr id="22" name="テキスト ボックス 21">
               <a:extLst>
                 <a:ext uri="{FF2B5EF4-FFF2-40B4-BE49-F238E27FC236}">
-                  <a16:creationId xmlns:a16="http://schemas.microsoft.com/office/drawing/2014/main" id="{7B0C900D-4BA3-4086-8290-AE81BE8C54C9}"/>
+                  <a16:creationId xmlns:a16="http://schemas.microsoft.com/office/drawing/2014/main" id="{6C7AE161-80AD-4C45-B387-3D78C056FE00}"/>
                 </a:ext>
               </a:extLst>
             </p:cNvPr>
@@ -10078,7 +10532,7 @@
           <p:spPr>
             <a:xfrm>
               <a:off x="620103" y="903513"/>
-              <a:ext cx="4370107" cy="369332"/>
+              <a:ext cx="184731" cy="369332"/>
             </a:xfrm>
             <a:prstGeom prst="rect">
               <a:avLst/>
@@ -10091,27 +10545,16 @@
             </a:bodyPr>
             <a:lstStyle/>
             <a:p>
-              <a:r>
-                <a:rPr lang="ja-JP" altLang="en-US" dirty="0"/>
-                <a:t>モデル「</a:t>
-              </a:r>
-              <a:r>
-                <a:rPr lang="en-US" altLang="ja-JP" dirty="0"/>
-                <a:t>Tutorial4</a:t>
-              </a:r>
-              <a:r>
-                <a:rPr lang="ja-JP" altLang="en-US" dirty="0"/>
-                <a:t>」を作成してください</a:t>
-              </a:r>
+              <a:endParaRPr lang="ja-JP" altLang="en-US" dirty="0"/>
             </a:p>
           </p:txBody>
         </p:sp>
         <p:sp>
           <p:nvSpPr>
-            <p:cNvPr id="10" name="テキスト ボックス 9">
+            <p:cNvPr id="23" name="テキスト ボックス 22">
               <a:extLst>
                 <a:ext uri="{FF2B5EF4-FFF2-40B4-BE49-F238E27FC236}">
-                  <a16:creationId xmlns:a16="http://schemas.microsoft.com/office/drawing/2014/main" id="{F9B5DFA2-740E-4806-8835-B24DD2C918EF}"/>
+                  <a16:creationId xmlns:a16="http://schemas.microsoft.com/office/drawing/2014/main" id="{9A0EB87F-9E15-457D-AF28-D2DD89584F29}"/>
                 </a:ext>
               </a:extLst>
             </p:cNvPr>
@@ -10121,6 +10564,258 @@
           <p:spPr>
             <a:xfrm>
               <a:off x="254945" y="929767"/>
+              <a:ext cx="184731" cy="369332"/>
+            </a:xfrm>
+            <a:prstGeom prst="rect">
+              <a:avLst/>
+            </a:prstGeom>
+            <a:noFill/>
+          </p:spPr>
+          <p:txBody>
+            <a:bodyPr wrap="none" rtlCol="0">
+              <a:spAutoFit/>
+            </a:bodyPr>
+            <a:lstStyle/>
+            <a:p>
+              <a:endParaRPr kumimoji="1" lang="ja-JP" altLang="en-US" dirty="0"/>
+            </a:p>
+          </p:txBody>
+        </p:sp>
+      </p:grpSp>
+      <p:grpSp>
+        <p:nvGrpSpPr>
+          <p:cNvPr id="12" name="グループ化 11"/>
+          <p:cNvGrpSpPr/>
+          <p:nvPr/>
+        </p:nvGrpSpPr>
+        <p:grpSpPr>
+          <a:xfrm>
+            <a:off x="1082041" y="1608758"/>
+            <a:ext cx="10850421" cy="3877642"/>
+            <a:chOff x="1437641" y="1613838"/>
+            <a:chExt cx="9571721" cy="3420670"/>
+          </a:xfrm>
+        </p:grpSpPr>
+        <p:pic>
+          <p:nvPicPr>
+            <p:cNvPr id="4" name="図 3"/>
+            <p:cNvPicPr>
+              <a:picLocks noChangeAspect="1"/>
+            </p:cNvPicPr>
+            <p:nvPr/>
+          </p:nvPicPr>
+          <p:blipFill rotWithShape="1">
+            <a:blip r:embed="rId2"/>
+            <a:srcRect t="53716" b="13437"/>
+            <a:stretch/>
+          </p:blipFill>
+          <p:spPr>
+            <a:xfrm>
+              <a:off x="5755640" y="1613838"/>
+              <a:ext cx="5253722" cy="1492019"/>
+            </a:xfrm>
+            <a:prstGeom prst="rect">
+              <a:avLst/>
+            </a:prstGeom>
+          </p:spPr>
+        </p:pic>
+        <p:pic>
+          <p:nvPicPr>
+            <p:cNvPr id="10" name="図 9"/>
+            <p:cNvPicPr>
+              <a:picLocks noChangeAspect="1"/>
+            </p:cNvPicPr>
+            <p:nvPr/>
+          </p:nvPicPr>
+          <p:blipFill rotWithShape="1">
+            <a:blip r:embed="rId3"/>
+            <a:srcRect t="54099" b="13876"/>
+            <a:stretch/>
+          </p:blipFill>
+          <p:spPr>
+            <a:xfrm>
+              <a:off x="5755639" y="3540760"/>
+              <a:ext cx="5214901" cy="1493748"/>
+            </a:xfrm>
+            <a:prstGeom prst="rect">
+              <a:avLst/>
+            </a:prstGeom>
+          </p:spPr>
+        </p:pic>
+        <p:pic>
+          <p:nvPicPr>
+            <p:cNvPr id="28" name="図 27"/>
+            <p:cNvPicPr>
+              <a:picLocks noChangeAspect="1"/>
+            </p:cNvPicPr>
+            <p:nvPr/>
+          </p:nvPicPr>
+          <p:blipFill>
+            <a:blip r:embed="rId4"/>
+            <a:stretch>
+              <a:fillRect/>
+            </a:stretch>
+          </p:blipFill>
+          <p:spPr>
+            <a:xfrm>
+              <a:off x="1437641" y="1977338"/>
+              <a:ext cx="3596640" cy="2584115"/>
+            </a:xfrm>
+            <a:prstGeom prst="rect">
+              <a:avLst/>
+            </a:prstGeom>
+          </p:spPr>
+        </p:pic>
+        <p:cxnSp>
+          <p:nvCxnSpPr>
+            <p:cNvPr id="30" name="直線矢印コネクタ 29"/>
+            <p:cNvCxnSpPr>
+              <a:endCxn id="4" idx="1"/>
+            </p:cNvCxnSpPr>
+            <p:nvPr/>
+          </p:nvCxnSpPr>
+          <p:spPr>
+            <a:xfrm flipV="1">
+              <a:off x="3749040" y="2359848"/>
+              <a:ext cx="2006600" cy="57231"/>
+            </a:xfrm>
+            <a:prstGeom prst="straightConnector1">
+              <a:avLst/>
+            </a:prstGeom>
+            <a:ln w="38100">
+              <a:solidFill>
+                <a:srgbClr val="FF0000"/>
+              </a:solidFill>
+              <a:headEnd type="none" w="med" len="med"/>
+              <a:tailEnd type="triangle"/>
+            </a:ln>
+          </p:spPr>
+          <p:style>
+            <a:lnRef idx="1">
+              <a:schemeClr val="accent1"/>
+            </a:lnRef>
+            <a:fillRef idx="0">
+              <a:schemeClr val="accent1"/>
+            </a:fillRef>
+            <a:effectRef idx="0">
+              <a:schemeClr val="accent1"/>
+            </a:effectRef>
+            <a:fontRef idx="minor">
+              <a:schemeClr val="tx1"/>
+            </a:fontRef>
+          </p:style>
+        </p:cxnSp>
+        <p:cxnSp>
+          <p:nvCxnSpPr>
+            <p:cNvPr id="31" name="直線矢印コネクタ 30"/>
+            <p:cNvCxnSpPr>
+              <a:endCxn id="10" idx="1"/>
+            </p:cNvCxnSpPr>
+            <p:nvPr/>
+          </p:nvCxnSpPr>
+          <p:spPr>
+            <a:xfrm>
+              <a:off x="3789680" y="3937001"/>
+              <a:ext cx="1965959" cy="350633"/>
+            </a:xfrm>
+            <a:prstGeom prst="straightConnector1">
+              <a:avLst/>
+            </a:prstGeom>
+            <a:ln w="38100">
+              <a:solidFill>
+                <a:srgbClr val="FF0000"/>
+              </a:solidFill>
+              <a:headEnd type="none" w="med" len="med"/>
+              <a:tailEnd type="triangle"/>
+            </a:ln>
+          </p:spPr>
+          <p:style>
+            <a:lnRef idx="1">
+              <a:schemeClr val="accent1"/>
+            </a:lnRef>
+            <a:fillRef idx="0">
+              <a:schemeClr val="accent1"/>
+            </a:fillRef>
+            <a:effectRef idx="0">
+              <a:schemeClr val="accent1"/>
+            </a:effectRef>
+            <a:fontRef idx="minor">
+              <a:schemeClr val="tx1"/>
+            </a:fontRef>
+          </p:style>
+        </p:cxnSp>
+      </p:grpSp>
+      <p:grpSp>
+        <p:nvGrpSpPr>
+          <p:cNvPr id="19" name="グループ化 18">
+            <a:extLst>
+              <a:ext uri="{FF2B5EF4-FFF2-40B4-BE49-F238E27FC236}">
+                <a16:creationId xmlns:a16="http://schemas.microsoft.com/office/drawing/2014/main" id="{0FC0D26F-BCD4-4C64-AC17-8A478246A5B6}"/>
+              </a:ext>
+            </a:extLst>
+          </p:cNvPr>
+          <p:cNvGrpSpPr/>
+          <p:nvPr/>
+        </p:nvGrpSpPr>
+        <p:grpSpPr>
+          <a:xfrm>
+            <a:off x="260564" y="5795818"/>
+            <a:ext cx="7243964" cy="369332"/>
+            <a:chOff x="254945" y="903513"/>
+            <a:chExt cx="7243964" cy="369332"/>
+          </a:xfrm>
+        </p:grpSpPr>
+        <p:sp>
+          <p:nvSpPr>
+            <p:cNvPr id="20" name="テキスト ボックス 19">
+              <a:extLst>
+                <a:ext uri="{FF2B5EF4-FFF2-40B4-BE49-F238E27FC236}">
+                  <a16:creationId xmlns:a16="http://schemas.microsoft.com/office/drawing/2014/main" id="{6C7AE161-80AD-4C45-B387-3D78C056FE00}"/>
+                </a:ext>
+              </a:extLst>
+            </p:cNvPr>
+            <p:cNvSpPr txBox="1"/>
+            <p:nvPr/>
+          </p:nvSpPr>
+          <p:spPr>
+            <a:xfrm>
+              <a:off x="620103" y="903513"/>
+              <a:ext cx="6878806" cy="369332"/>
+            </a:xfrm>
+            <a:prstGeom prst="rect">
+              <a:avLst/>
+            </a:prstGeom>
+            <a:noFill/>
+          </p:spPr>
+          <p:txBody>
+            <a:bodyPr wrap="none" rtlCol="0">
+              <a:spAutoFit/>
+            </a:bodyPr>
+            <a:lstStyle/>
+            <a:p>
+              <a:r>
+                <a:rPr lang="ja-JP" altLang="en-US" dirty="0" smtClean="0"/>
+                <a:t>チェックして変数と方程式数が等しいことを確認してください。</a:t>
+              </a:r>
+              <a:endParaRPr lang="ja-JP" altLang="en-US" dirty="0"/>
+            </a:p>
+          </p:txBody>
+        </p:sp>
+        <p:sp>
+          <p:nvSpPr>
+            <p:cNvPr id="24" name="テキスト ボックス 23">
+              <a:extLst>
+                <a:ext uri="{FF2B5EF4-FFF2-40B4-BE49-F238E27FC236}">
+                  <a16:creationId xmlns:a16="http://schemas.microsoft.com/office/drawing/2014/main" id="{9A0EB87F-9E15-457D-AF28-D2DD89584F29}"/>
+                </a:ext>
+              </a:extLst>
+            </p:cNvPr>
+            <p:cNvSpPr txBox="1"/>
+            <p:nvPr/>
+          </p:nvSpPr>
+          <p:spPr>
+            <a:xfrm>
+              <a:off x="254945" y="903513"/>
               <a:ext cx="415498" cy="369332"/>
             </a:xfrm>
             <a:prstGeom prst="rect">
@@ -10135,39 +10830,34 @@
             <a:lstStyle/>
             <a:p>
               <a:r>
-                <a:rPr kumimoji="1" lang="ja-JP" altLang="en-US" dirty="0"/>
-                <a:t>①</a:t>
-              </a:r>
+                <a:rPr kumimoji="1" lang="ja-JP" altLang="en-US" dirty="0" smtClean="0"/>
+                <a:t>②</a:t>
+              </a:r>
+              <a:endParaRPr kumimoji="1" lang="ja-JP" altLang="en-US" dirty="0"/>
             </a:p>
           </p:txBody>
         </p:sp>
       </p:grpSp>
       <p:grpSp>
         <p:nvGrpSpPr>
-          <p:cNvPr id="11" name="グループ化 10">
-            <a:extLst>
-              <a:ext uri="{FF2B5EF4-FFF2-40B4-BE49-F238E27FC236}">
-                <a16:creationId xmlns:a16="http://schemas.microsoft.com/office/drawing/2014/main" id="{6EC52DB8-7228-43C5-8DF2-47888B2FFBA4}"/>
-              </a:ext>
-            </a:extLst>
-          </p:cNvPr>
+          <p:cNvPr id="17" name="グループ化 16"/>
           <p:cNvGrpSpPr/>
           <p:nvPr/>
         </p:nvGrpSpPr>
         <p:grpSpPr>
           <a:xfrm>
-            <a:off x="299894" y="1214120"/>
-            <a:ext cx="10201505" cy="395586"/>
-            <a:chOff x="254945" y="903513"/>
-            <a:chExt cx="10201505" cy="395586"/>
+            <a:off x="260564" y="974667"/>
+            <a:ext cx="8350036" cy="369332"/>
+            <a:chOff x="179666" y="760701"/>
+            <a:chExt cx="8350036" cy="369332"/>
           </a:xfrm>
         </p:grpSpPr>
         <p:sp>
           <p:nvSpPr>
-            <p:cNvPr id="12" name="テキスト ボックス 11">
+            <p:cNvPr id="18" name="テキスト ボックス 17">
               <a:extLst>
                 <a:ext uri="{FF2B5EF4-FFF2-40B4-BE49-F238E27FC236}">
-                  <a16:creationId xmlns:a16="http://schemas.microsoft.com/office/drawing/2014/main" id="{B64779DF-4724-4C26-B1BD-CE72A6CA5B6E}"/>
+                  <a16:creationId xmlns:a16="http://schemas.microsoft.com/office/drawing/2014/main" id="{3776994F-1B87-472E-891D-2299AD5F8676}"/>
                 </a:ext>
               </a:extLst>
             </p:cNvPr>
@@ -10176,8 +10866,8 @@
           </p:nvSpPr>
           <p:spPr>
             <a:xfrm>
-              <a:off x="620103" y="903513"/>
-              <a:ext cx="9836347" cy="369332"/>
+              <a:off x="544824" y="760701"/>
+              <a:ext cx="7984878" cy="369332"/>
             </a:xfrm>
             <a:prstGeom prst="rect">
               <a:avLst/>
@@ -10192,41 +10882,26 @@
             <a:p>
               <a:r>
                 <a:rPr lang="ja-JP" altLang="en-US" dirty="0"/>
-                <a:t>「</a:t>
-              </a:r>
-              <a:r>
-                <a:rPr lang="en-US" altLang="ja-JP" dirty="0" err="1"/>
-                <a:t>ParallelSprings</a:t>
+                <a:t>以下のように、宣言したパラメータを</a:t>
+              </a:r>
+              <a:r>
+                <a:rPr lang="en-US" altLang="ja-JP" dirty="0"/>
+                <a:t>spring, spring1</a:t>
               </a:r>
               <a:r>
                 <a:rPr lang="ja-JP" altLang="en-US" dirty="0"/>
-                <a:t>」を「</a:t>
-              </a:r>
-              <a:r>
-                <a:rPr lang="en-US" altLang="ja-JP" dirty="0"/>
-                <a:t>Turorial4</a:t>
-              </a:r>
-              <a:r>
-                <a:rPr lang="ja-JP" altLang="en-US" dirty="0"/>
-                <a:t>」のダイアグラムビューへドラッグ</a:t>
-              </a:r>
-              <a:r>
-                <a:rPr lang="en-US" altLang="ja-JP" dirty="0"/>
-                <a:t>&amp;</a:t>
-              </a:r>
-              <a:r>
-                <a:rPr lang="ja-JP" altLang="en-US" dirty="0"/>
-                <a:t>ドロップしてください</a:t>
-              </a:r>
+                <a:t>に入力してください。</a:t>
+              </a:r>
+              <a:endParaRPr lang="ja-JP" altLang="en-US" dirty="0"/>
             </a:p>
           </p:txBody>
         </p:sp>
         <p:sp>
           <p:nvSpPr>
-            <p:cNvPr id="13" name="テキスト ボックス 12">
+            <p:cNvPr id="25" name="テキスト ボックス 24">
               <a:extLst>
                 <a:ext uri="{FF2B5EF4-FFF2-40B4-BE49-F238E27FC236}">
-                  <a16:creationId xmlns:a16="http://schemas.microsoft.com/office/drawing/2014/main" id="{F3BD0150-0AF8-49C8-BB88-B7509B7AD47A}"/>
+                  <a16:creationId xmlns:a16="http://schemas.microsoft.com/office/drawing/2014/main" id="{B3F979FA-F14C-49F1-977E-12376CAC4FEA}"/>
                 </a:ext>
               </a:extLst>
             </p:cNvPr>
@@ -10235,7 +10910,7 @@
           </p:nvSpPr>
           <p:spPr>
             <a:xfrm>
-              <a:off x="254945" y="929767"/>
+              <a:off x="179666" y="760701"/>
               <a:ext cx="415498" cy="369332"/>
             </a:xfrm>
             <a:prstGeom prst="rect">
@@ -10250,13 +10925,384 @@
             <a:lstStyle/>
             <a:p>
               <a:r>
-                <a:rPr kumimoji="1" lang="ja-JP" altLang="en-US" dirty="0"/>
-                <a:t>②</a:t>
-              </a:r>
+                <a:rPr lang="ja-JP" altLang="en-US" dirty="0" smtClean="0"/>
+                <a:t>①</a:t>
+              </a:r>
+              <a:endParaRPr kumimoji="1" lang="ja-JP" altLang="en-US" dirty="0"/>
             </a:p>
           </p:txBody>
         </p:sp>
       </p:grpSp>
+    </p:spTree>
+    <p:extLst>
+      <p:ext uri="{BB962C8B-B14F-4D97-AF65-F5344CB8AC3E}">
+        <p14:creationId xmlns:p14="http://schemas.microsoft.com/office/powerpoint/2010/main" val="2567711884"/>
+      </p:ext>
+    </p:extLst>
+  </p:cSld>
+  <p:clrMapOvr>
+    <a:masterClrMapping/>
+  </p:clrMapOvr>
+  <p:timing>
+    <p:tnLst>
+      <p:par>
+        <p:cTn id="1" dur="indefinite" restart="never" nodeType="tmRoot"/>
+      </p:par>
+    </p:tnLst>
+  </p:timing>
+</p:sld>
+</file>
+
+<file path=ppt/slides/slide23.xml><?xml version="1.0" encoding="utf-8"?>
+<p:sld xmlns:a="http://schemas.openxmlformats.org/drawingml/2006/main" xmlns:r="http://schemas.openxmlformats.org/officeDocument/2006/relationships" xmlns:p="http://schemas.openxmlformats.org/presentationml/2006/main">
+  <p:cSld>
+    <p:spTree>
+      <p:nvGrpSpPr>
+        <p:cNvPr id="1" name=""/>
+        <p:cNvGrpSpPr/>
+        <p:nvPr/>
+      </p:nvGrpSpPr>
+      <p:grpSpPr>
+        <a:xfrm>
+          <a:off x="0" y="0"/>
+          <a:ext cx="0" cy="0"/>
+          <a:chOff x="0" y="0"/>
+          <a:chExt cx="0" cy="0"/>
+        </a:xfrm>
+      </p:grpSpPr>
+      <p:pic>
+        <p:nvPicPr>
+          <p:cNvPr id="2" name="図 1"/>
+          <p:cNvPicPr>
+            <a:picLocks noChangeAspect="1"/>
+          </p:cNvPicPr>
+          <p:nvPr/>
+        </p:nvPicPr>
+        <p:blipFill>
+          <a:blip r:embed="rId2"/>
+          <a:stretch>
+            <a:fillRect/>
+          </a:stretch>
+        </p:blipFill>
+        <p:spPr>
+          <a:xfrm>
+            <a:off x="1997492" y="1609706"/>
+            <a:ext cx="5266907" cy="3342922"/>
+          </a:xfrm>
+          <a:prstGeom prst="rect">
+            <a:avLst/>
+          </a:prstGeom>
+        </p:spPr>
+      </p:pic>
+      <p:sp>
+        <p:nvSpPr>
+          <p:cNvPr id="5" name="Shape 130">
+            <a:extLst>
+              <a:ext uri="{FF2B5EF4-FFF2-40B4-BE49-F238E27FC236}">
+                <a16:creationId xmlns:a16="http://schemas.microsoft.com/office/drawing/2014/main" id="{A6551EB4-F459-4E50-83D7-2A1C930077BE}"/>
+              </a:ext>
+            </a:extLst>
+          </p:cNvPr>
+          <p:cNvSpPr/>
+          <p:nvPr/>
+        </p:nvSpPr>
+        <p:spPr>
+          <a:xfrm>
+            <a:off x="179666" y="87415"/>
+            <a:ext cx="2689839" cy="579646"/>
+          </a:xfrm>
+          <a:prstGeom prst="rect">
+            <a:avLst/>
+          </a:prstGeom>
+          <a:ln w="12700">
+            <a:miter lim="400000"/>
+          </a:ln>
+          <a:extLst>
+            <a:ext uri="{C572A759-6A51-4108-AA02-DFA0A04FC94B}">
+              <ma14:wrappingTextBoxFlag xmlns="" xmlns:ma14="http://schemas.microsoft.com/office/mac/drawingml/2011/main" val="1"/>
+            </a:ext>
+          </a:extLst>
+        </p:spPr>
+        <p:txBody>
+          <a:bodyPr wrap="none" lIns="50800" tIns="50800" rIns="50800" bIns="50800" anchor="ctr">
+            <a:spAutoFit/>
+          </a:bodyPr>
+          <a:lstStyle/>
+          <a:p>
+            <a:pPr>
+              <a:defRPr sz="3100" u="sng">
+                <a:latin typeface="YuMincho Medium"/>
+                <a:ea typeface="YuMincho Medium"/>
+                <a:cs typeface="YuMincho Medium"/>
+                <a:sym typeface="YuMincho Medium"/>
+              </a:defRPr>
+            </a:pPr>
+            <a:r>
+              <a:rPr lang="ja-JP" altLang="en-US" dirty="0"/>
+              <a:t>接続図の作成</a:t>
+            </a:r>
+            <a:r>
+              <a:rPr lang="en-US" altLang="ja-JP" dirty="0"/>
+              <a:t>1</a:t>
+            </a:r>
+          </a:p>
+        </p:txBody>
+      </p:sp>
+      <p:pic>
+        <p:nvPicPr>
+          <p:cNvPr id="6" name="図 5">
+            <a:extLst>
+              <a:ext uri="{FF2B5EF4-FFF2-40B4-BE49-F238E27FC236}">
+                <a16:creationId xmlns:a16="http://schemas.microsoft.com/office/drawing/2014/main" id="{F24DFC6E-E490-4614-AF51-8BB4E418EBD2}"/>
+              </a:ext>
+            </a:extLst>
+          </p:cNvPr>
+          <p:cNvPicPr>
+            <a:picLocks noChangeAspect="1"/>
+          </p:cNvPicPr>
+          <p:nvPr/>
+        </p:nvPicPr>
+        <p:blipFill>
+          <a:blip r:embed="rId3">
+            <a:extLst>
+              <a:ext uri="{28A0092B-C50C-407E-A947-70E740481C1C}">
+                <a14:useLocalDpi xmlns:a14="http://schemas.microsoft.com/office/drawing/2010/main" val="0"/>
+              </a:ext>
+            </a:extLst>
+          </a:blip>
+          <a:stretch>
+            <a:fillRect/>
+          </a:stretch>
+        </p:blipFill>
+        <p:spPr>
+          <a:xfrm>
+            <a:off x="1752243" y="5315541"/>
+            <a:ext cx="6367184" cy="1393144"/>
+          </a:xfrm>
+          <a:prstGeom prst="rect">
+            <a:avLst/>
+          </a:prstGeom>
+        </p:spPr>
+      </p:pic>
+      <p:sp>
+        <p:nvSpPr>
+          <p:cNvPr id="7" name="スライド番号プレースホルダー 6">
+            <a:extLst>
+              <a:ext uri="{FF2B5EF4-FFF2-40B4-BE49-F238E27FC236}">
+                <a16:creationId xmlns:a16="http://schemas.microsoft.com/office/drawing/2014/main" id="{38A12E08-BE2B-45B9-A02E-19915D293BB0}"/>
+              </a:ext>
+            </a:extLst>
+          </p:cNvPr>
+          <p:cNvSpPr>
+            <a:spLocks noGrp="1"/>
+          </p:cNvSpPr>
+          <p:nvPr>
+            <p:ph type="sldNum" sz="quarter" idx="12"/>
+          </p:nvPr>
+        </p:nvSpPr>
+        <p:spPr/>
+        <p:txBody>
+          <a:bodyPr/>
+          <a:lstStyle/>
+          <a:p>
+            <a:fld id="{D836F367-8F14-4921-8441-15DE2D973248}" type="slidenum">
+              <a:rPr kumimoji="1" lang="ja-JP" altLang="en-US" smtClean="0"/>
+              <a:t>23</a:t>
+            </a:fld>
+            <a:endParaRPr kumimoji="1" lang="ja-JP" altLang="en-US"/>
+          </a:p>
+        </p:txBody>
+      </p:sp>
+      <p:sp>
+        <p:nvSpPr>
+          <p:cNvPr id="9" name="テキスト ボックス 8">
+            <a:extLst>
+              <a:ext uri="{FF2B5EF4-FFF2-40B4-BE49-F238E27FC236}">
+                <a16:creationId xmlns:a16="http://schemas.microsoft.com/office/drawing/2014/main" id="{7B0C900D-4BA3-4086-8290-AE81BE8C54C9}"/>
+              </a:ext>
+            </a:extLst>
+          </p:cNvPr>
+          <p:cNvSpPr txBox="1"/>
+          <p:nvPr/>
+        </p:nvSpPr>
+        <p:spPr>
+          <a:xfrm>
+            <a:off x="665052" y="706619"/>
+            <a:ext cx="5062604" cy="369332"/>
+          </a:xfrm>
+          <a:prstGeom prst="rect">
+            <a:avLst/>
+          </a:prstGeom>
+          <a:noFill/>
+        </p:spPr>
+        <p:txBody>
+          <a:bodyPr wrap="none" rtlCol="0">
+            <a:spAutoFit/>
+          </a:bodyPr>
+          <a:lstStyle/>
+          <a:p>
+            <a:r>
+              <a:rPr lang="ja-JP" altLang="en-US" dirty="0"/>
+              <a:t>モデル「</a:t>
+            </a:r>
+            <a:r>
+              <a:rPr lang="en-US" altLang="ja-JP" dirty="0"/>
+              <a:t>Tutorial4</a:t>
+            </a:r>
+            <a:r>
+              <a:rPr lang="ja-JP" altLang="en-US" dirty="0"/>
+              <a:t>」</a:t>
+            </a:r>
+            <a:r>
+              <a:rPr lang="ja-JP" altLang="en-US" dirty="0" smtClean="0"/>
+              <a:t>を新規作成</a:t>
+            </a:r>
+            <a:r>
+              <a:rPr lang="ja-JP" altLang="en-US" dirty="0"/>
+              <a:t>して</a:t>
+            </a:r>
+            <a:r>
+              <a:rPr lang="ja-JP" altLang="en-US" dirty="0" smtClean="0"/>
+              <a:t>ください。</a:t>
+            </a:r>
+            <a:endParaRPr lang="ja-JP" altLang="en-US" dirty="0"/>
+          </a:p>
+        </p:txBody>
+      </p:sp>
+      <p:sp>
+        <p:nvSpPr>
+          <p:cNvPr id="10" name="テキスト ボックス 9">
+            <a:extLst>
+              <a:ext uri="{FF2B5EF4-FFF2-40B4-BE49-F238E27FC236}">
+                <a16:creationId xmlns:a16="http://schemas.microsoft.com/office/drawing/2014/main" id="{F9B5DFA2-740E-4806-8835-B24DD2C918EF}"/>
+              </a:ext>
+            </a:extLst>
+          </p:cNvPr>
+          <p:cNvSpPr txBox="1"/>
+          <p:nvPr/>
+        </p:nvSpPr>
+        <p:spPr>
+          <a:xfrm>
+            <a:off x="299894" y="706619"/>
+            <a:ext cx="415498" cy="369332"/>
+          </a:xfrm>
+          <a:prstGeom prst="rect">
+            <a:avLst/>
+          </a:prstGeom>
+          <a:noFill/>
+        </p:spPr>
+        <p:txBody>
+          <a:bodyPr wrap="none" rtlCol="0">
+            <a:spAutoFit/>
+          </a:bodyPr>
+          <a:lstStyle/>
+          <a:p>
+            <a:r>
+              <a:rPr kumimoji="1" lang="ja-JP" altLang="en-US" dirty="0"/>
+              <a:t>①</a:t>
+            </a:r>
+          </a:p>
+        </p:txBody>
+      </p:sp>
+      <p:sp>
+        <p:nvSpPr>
+          <p:cNvPr id="12" name="テキスト ボックス 11">
+            <a:extLst>
+              <a:ext uri="{FF2B5EF4-FFF2-40B4-BE49-F238E27FC236}">
+                <a16:creationId xmlns:a16="http://schemas.microsoft.com/office/drawing/2014/main" id="{B64779DF-4724-4C26-B1BD-CE72A6CA5B6E}"/>
+              </a:ext>
+            </a:extLst>
+          </p:cNvPr>
+          <p:cNvSpPr txBox="1"/>
+          <p:nvPr/>
+        </p:nvSpPr>
+        <p:spPr>
+          <a:xfrm>
+            <a:off x="665052" y="1214120"/>
+            <a:ext cx="10067180" cy="369332"/>
+          </a:xfrm>
+          <a:prstGeom prst="rect">
+            <a:avLst/>
+          </a:prstGeom>
+          <a:noFill/>
+        </p:spPr>
+        <p:txBody>
+          <a:bodyPr wrap="none" rtlCol="0">
+            <a:spAutoFit/>
+          </a:bodyPr>
+          <a:lstStyle/>
+          <a:p>
+            <a:r>
+              <a:rPr lang="ja-JP" altLang="en-US" dirty="0"/>
+              <a:t>「</a:t>
+            </a:r>
+            <a:r>
+              <a:rPr lang="en-US" altLang="ja-JP" dirty="0" err="1"/>
+              <a:t>ParallelSprings</a:t>
+            </a:r>
+            <a:r>
+              <a:rPr lang="ja-JP" altLang="en-US" dirty="0"/>
+              <a:t>」を「</a:t>
+            </a:r>
+            <a:r>
+              <a:rPr lang="en-US" altLang="ja-JP" dirty="0"/>
+              <a:t>Turorial4</a:t>
+            </a:r>
+            <a:r>
+              <a:rPr lang="ja-JP" altLang="en-US" dirty="0"/>
+              <a:t>」のダイアグラムビューへドラッグ</a:t>
+            </a:r>
+            <a:r>
+              <a:rPr lang="en-US" altLang="ja-JP" dirty="0"/>
+              <a:t>&amp;</a:t>
+            </a:r>
+            <a:r>
+              <a:rPr lang="ja-JP" altLang="en-US" dirty="0"/>
+              <a:t>ドロップして</a:t>
+            </a:r>
+            <a:r>
+              <a:rPr lang="ja-JP" altLang="en-US" dirty="0" smtClean="0"/>
+              <a:t>ください。</a:t>
+            </a:r>
+            <a:endParaRPr lang="ja-JP" altLang="en-US" dirty="0"/>
+          </a:p>
+        </p:txBody>
+      </p:sp>
+      <p:sp>
+        <p:nvSpPr>
+          <p:cNvPr id="13" name="テキスト ボックス 12">
+            <a:extLst>
+              <a:ext uri="{FF2B5EF4-FFF2-40B4-BE49-F238E27FC236}">
+                <a16:creationId xmlns:a16="http://schemas.microsoft.com/office/drawing/2014/main" id="{F3BD0150-0AF8-49C8-BB88-B7509B7AD47A}"/>
+              </a:ext>
+            </a:extLst>
+          </p:cNvPr>
+          <p:cNvSpPr txBox="1"/>
+          <p:nvPr/>
+        </p:nvSpPr>
+        <p:spPr>
+          <a:xfrm>
+            <a:off x="299894" y="1214120"/>
+            <a:ext cx="415498" cy="369332"/>
+          </a:xfrm>
+          <a:prstGeom prst="rect">
+            <a:avLst/>
+          </a:prstGeom>
+          <a:noFill/>
+        </p:spPr>
+        <p:txBody>
+          <a:bodyPr wrap="none" rtlCol="0">
+            <a:spAutoFit/>
+          </a:bodyPr>
+          <a:lstStyle/>
+          <a:p>
+            <a:r>
+              <a:rPr kumimoji="1" lang="ja-JP" altLang="en-US" dirty="0"/>
+              <a:t>②</a:t>
+            </a:r>
+          </a:p>
+        </p:txBody>
+      </p:sp>
       <p:cxnSp>
         <p:nvCxnSpPr>
           <p:cNvPr id="14" name="直線矢印コネクタ 13">
@@ -10273,8 +11319,8 @@
         </p:nvCxnSpPr>
         <p:spPr>
           <a:xfrm flipV="1">
-            <a:off x="3393444" y="3987047"/>
-            <a:ext cx="4645656" cy="207465"/>
+            <a:off x="3080938" y="3240304"/>
+            <a:ext cx="1811102" cy="319209"/>
           </a:xfrm>
           <a:prstGeom prst="straightConnector1">
             <a:avLst/>
@@ -10302,117 +11348,235 @@
           </a:fontRef>
         </p:style>
       </p:cxnSp>
-      <p:grpSp>
-        <p:nvGrpSpPr>
-          <p:cNvPr id="17" name="グループ化 16">
-            <a:extLst>
-              <a:ext uri="{FF2B5EF4-FFF2-40B4-BE49-F238E27FC236}">
-                <a16:creationId xmlns:a16="http://schemas.microsoft.com/office/drawing/2014/main" id="{48407B91-B9EF-4851-9CE5-8DA205EDA5F6}"/>
-              </a:ext>
-            </a:extLst>
-          </p:cNvPr>
-          <p:cNvGrpSpPr/>
-          <p:nvPr/>
-        </p:nvGrpSpPr>
-        <p:grpSpPr>
+      <p:sp>
+        <p:nvSpPr>
+          <p:cNvPr id="18" name="テキスト ボックス 17">
+            <a:extLst>
+              <a:ext uri="{FF2B5EF4-FFF2-40B4-BE49-F238E27FC236}">
+                <a16:creationId xmlns:a16="http://schemas.microsoft.com/office/drawing/2014/main" id="{9D43168F-5E5F-4F59-9C40-3B55B7D2BCD8}"/>
+              </a:ext>
+            </a:extLst>
+          </p:cNvPr>
+          <p:cNvSpPr txBox="1"/>
+          <p:nvPr/>
+        </p:nvSpPr>
+        <p:spPr>
+          <a:xfrm>
+            <a:off x="665052" y="5104621"/>
+            <a:ext cx="11158824" cy="369332"/>
+          </a:xfrm>
+          <a:prstGeom prst="rect">
+            <a:avLst/>
+          </a:prstGeom>
+          <a:noFill/>
+        </p:spPr>
+        <p:txBody>
+          <a:bodyPr wrap="none" rtlCol="0">
+            <a:spAutoFit/>
+          </a:bodyPr>
+          <a:lstStyle/>
+          <a:p>
+            <a:r>
+              <a:rPr lang="en-US" altLang="ja-JP" dirty="0"/>
+              <a:t>Tutorial1</a:t>
+            </a:r>
+            <a:r>
+              <a:rPr lang="ja-JP" altLang="en-US" dirty="0"/>
+              <a:t>と同様に、</a:t>
+            </a:r>
+            <a:r>
+              <a:rPr lang="en-US" altLang="ja-JP" dirty="0"/>
+              <a:t>Fixed</a:t>
+            </a:r>
+            <a:r>
+              <a:rPr lang="ja-JP" altLang="en-US" dirty="0"/>
+              <a:t>と</a:t>
+            </a:r>
+            <a:r>
+              <a:rPr lang="en-US" altLang="ja-JP" dirty="0"/>
+              <a:t>Mass</a:t>
+            </a:r>
+            <a:r>
+              <a:rPr lang="ja-JP" altLang="en-US" dirty="0" smtClean="0"/>
+              <a:t>を追加してください。</a:t>
+            </a:r>
+            <a:r>
+              <a:rPr lang="en-US" altLang="ja-JP" dirty="0" smtClean="0"/>
+              <a:t>mass</a:t>
+            </a:r>
+            <a:r>
+              <a:rPr lang="ja-JP" altLang="en-US" dirty="0" err="1" smtClean="0"/>
+              <a:t>には</a:t>
+            </a:r>
+            <a:r>
+              <a:rPr lang="ja-JP" altLang="en-US" dirty="0" smtClean="0"/>
+              <a:t>以下のパラメータ</a:t>
+            </a:r>
+            <a:r>
+              <a:rPr lang="ja-JP" altLang="en-US" dirty="0"/>
+              <a:t>を入力して</a:t>
+            </a:r>
+            <a:r>
+              <a:rPr lang="ja-JP" altLang="en-US" dirty="0" smtClean="0"/>
+              <a:t>ください。</a:t>
+            </a:r>
+            <a:endParaRPr lang="ja-JP" altLang="en-US" dirty="0"/>
+          </a:p>
+        </p:txBody>
+      </p:sp>
+      <p:sp>
+        <p:nvSpPr>
+          <p:cNvPr id="19" name="テキスト ボックス 18">
+            <a:extLst>
+              <a:ext uri="{FF2B5EF4-FFF2-40B4-BE49-F238E27FC236}">
+                <a16:creationId xmlns:a16="http://schemas.microsoft.com/office/drawing/2014/main" id="{7C2F8BDB-23A4-4FA5-88C4-8546D02EEE7A}"/>
+              </a:ext>
+            </a:extLst>
+          </p:cNvPr>
+          <p:cNvSpPr txBox="1"/>
+          <p:nvPr/>
+        </p:nvSpPr>
+        <p:spPr>
           <a:xfrm>
             <a:off x="299894" y="5104621"/>
-            <a:ext cx="10270434" cy="395586"/>
-            <a:chOff x="254945" y="903513"/>
-            <a:chExt cx="10270434" cy="395586"/>
-          </a:xfrm>
-        </p:grpSpPr>
-        <p:sp>
-          <p:nvSpPr>
-            <p:cNvPr id="18" name="テキスト ボックス 17">
-              <a:extLst>
-                <a:ext uri="{FF2B5EF4-FFF2-40B4-BE49-F238E27FC236}">
-                  <a16:creationId xmlns:a16="http://schemas.microsoft.com/office/drawing/2014/main" id="{9D43168F-5E5F-4F59-9C40-3B55B7D2BCD8}"/>
-                </a:ext>
-              </a:extLst>
-            </p:cNvPr>
-            <p:cNvSpPr txBox="1"/>
-            <p:nvPr/>
-          </p:nvSpPr>
-          <p:spPr>
-            <a:xfrm>
-              <a:off x="620103" y="903513"/>
-              <a:ext cx="9905276" cy="369332"/>
-            </a:xfrm>
-            <a:prstGeom prst="rect">
-              <a:avLst/>
-            </a:prstGeom>
-            <a:noFill/>
-          </p:spPr>
-          <p:txBody>
-            <a:bodyPr wrap="none" rtlCol="0">
-              <a:spAutoFit/>
-            </a:bodyPr>
-            <a:lstStyle/>
-            <a:p>
-              <a:r>
-                <a:rPr lang="en-US" altLang="ja-JP" dirty="0"/>
-                <a:t>Tutorial1</a:t>
-              </a:r>
-              <a:r>
-                <a:rPr lang="ja-JP" altLang="en-US" dirty="0"/>
-                <a:t>と同様に、</a:t>
-              </a:r>
-              <a:r>
-                <a:rPr lang="en-US" altLang="ja-JP" dirty="0"/>
-                <a:t>Fixed</a:t>
-              </a:r>
-              <a:r>
-                <a:rPr lang="ja-JP" altLang="en-US" dirty="0"/>
-                <a:t>と</a:t>
-              </a:r>
-              <a:r>
-                <a:rPr lang="en-US" altLang="ja-JP" dirty="0"/>
-                <a:t>Mass</a:t>
-              </a:r>
-              <a:r>
-                <a:rPr lang="ja-JP" altLang="en-US" dirty="0"/>
-                <a:t>をインスタンス化して同様のパラメータを入力してください</a:t>
-              </a:r>
-            </a:p>
-          </p:txBody>
-        </p:sp>
-        <p:sp>
-          <p:nvSpPr>
-            <p:cNvPr id="19" name="テキスト ボックス 18">
-              <a:extLst>
-                <a:ext uri="{FF2B5EF4-FFF2-40B4-BE49-F238E27FC236}">
-                  <a16:creationId xmlns:a16="http://schemas.microsoft.com/office/drawing/2014/main" id="{7C2F8BDB-23A4-4FA5-88C4-8546D02EEE7A}"/>
-                </a:ext>
-              </a:extLst>
-            </p:cNvPr>
-            <p:cNvSpPr txBox="1"/>
-            <p:nvPr/>
-          </p:nvSpPr>
-          <p:spPr>
-            <a:xfrm>
-              <a:off x="254945" y="929767"/>
-              <a:ext cx="415498" cy="369332"/>
-            </a:xfrm>
-            <a:prstGeom prst="rect">
-              <a:avLst/>
-            </a:prstGeom>
-            <a:noFill/>
-          </p:spPr>
-          <p:txBody>
-            <a:bodyPr wrap="none" rtlCol="0">
-              <a:spAutoFit/>
-            </a:bodyPr>
-            <a:lstStyle/>
-            <a:p>
-              <a:r>
-                <a:rPr kumimoji="1" lang="ja-JP" altLang="en-US" dirty="0"/>
-                <a:t>③</a:t>
-              </a:r>
-            </a:p>
-          </p:txBody>
-        </p:sp>
-      </p:grpSp>
+            <a:ext cx="415498" cy="369332"/>
+          </a:xfrm>
+          <a:prstGeom prst="rect">
+            <a:avLst/>
+          </a:prstGeom>
+          <a:noFill/>
+        </p:spPr>
+        <p:txBody>
+          <a:bodyPr wrap="none" rtlCol="0">
+            <a:spAutoFit/>
+          </a:bodyPr>
+          <a:lstStyle/>
+          <a:p>
+            <a:r>
+              <a:rPr kumimoji="1" lang="ja-JP" altLang="en-US" dirty="0"/>
+              <a:t>③</a:t>
+            </a:r>
+          </a:p>
+        </p:txBody>
+      </p:sp>
+      <p:sp>
+        <p:nvSpPr>
+          <p:cNvPr id="15" name="テキスト ボックス 14"/>
+          <p:cNvSpPr txBox="1"/>
+          <p:nvPr/>
+        </p:nvSpPr>
+        <p:spPr>
+          <a:xfrm>
+            <a:off x="8584647" y="5775601"/>
+            <a:ext cx="1143262" cy="646331"/>
+          </a:xfrm>
+          <a:prstGeom prst="rect">
+            <a:avLst/>
+          </a:prstGeom>
+          <a:noFill/>
+        </p:spPr>
+        <p:txBody>
+          <a:bodyPr wrap="none" rtlCol="0">
+            <a:spAutoFit/>
+          </a:bodyPr>
+          <a:lstStyle/>
+          <a:p>
+            <a:r>
+              <a:rPr lang="en-US" altLang="ja-JP" dirty="0" smtClean="0"/>
+              <a:t>m</a:t>
+            </a:r>
+            <a:r>
+              <a:rPr kumimoji="1" lang="en-US" altLang="ja-JP" dirty="0" smtClean="0"/>
+              <a:t>=1</a:t>
+            </a:r>
+          </a:p>
+          <a:p>
+            <a:r>
+              <a:rPr lang="en-US" altLang="ja-JP" dirty="0" err="1" smtClean="0"/>
+              <a:t>v.start</a:t>
+            </a:r>
+            <a:r>
+              <a:rPr lang="en-US" altLang="ja-JP" dirty="0" smtClean="0"/>
+              <a:t>=0</a:t>
+            </a:r>
+            <a:endParaRPr kumimoji="1" lang="ja-JP" altLang="en-US" dirty="0"/>
+          </a:p>
+        </p:txBody>
+      </p:sp>
+      <p:cxnSp>
+        <p:nvCxnSpPr>
+          <p:cNvPr id="20" name="直線矢印コネクタ 19">
+            <a:extLst>
+              <a:ext uri="{FF2B5EF4-FFF2-40B4-BE49-F238E27FC236}">
+                <a16:creationId xmlns:a16="http://schemas.microsoft.com/office/drawing/2014/main" id="{D1FF1141-398A-4D21-B38F-3A1154F93C1E}"/>
+              </a:ext>
+            </a:extLst>
+          </p:cNvPr>
+          <p:cNvCxnSpPr>
+            <a:cxnSpLocks/>
+            <a:endCxn id="15" idx="1"/>
+          </p:cNvCxnSpPr>
+          <p:nvPr/>
+        </p:nvCxnSpPr>
+        <p:spPr>
+          <a:xfrm>
+            <a:off x="7574280" y="6064665"/>
+            <a:ext cx="1010367" cy="34102"/>
+          </a:xfrm>
+          <a:prstGeom prst="straightConnector1">
+            <a:avLst/>
+          </a:prstGeom>
+          <a:ln w="38100">
+            <a:solidFill>
+              <a:srgbClr val="FF0000"/>
+            </a:solidFill>
+            <a:headEnd type="none" w="med" len="med"/>
+            <a:tailEnd type="triangle"/>
+          </a:ln>
+        </p:spPr>
+        <p:style>
+          <a:lnRef idx="1">
+            <a:schemeClr val="accent1"/>
+          </a:lnRef>
+          <a:fillRef idx="0">
+            <a:schemeClr val="accent1"/>
+          </a:fillRef>
+          <a:effectRef idx="0">
+            <a:schemeClr val="accent1"/>
+          </a:effectRef>
+          <a:fontRef idx="minor">
+            <a:schemeClr val="tx1"/>
+          </a:fontRef>
+        </p:style>
+      </p:cxnSp>
+      <p:sp>
+        <p:nvSpPr>
+          <p:cNvPr id="24" name="正方形/長方形 23"/>
+          <p:cNvSpPr/>
+          <p:nvPr/>
+        </p:nvSpPr>
+        <p:spPr>
+          <a:xfrm>
+            <a:off x="8119427" y="5471850"/>
+            <a:ext cx="1338828" cy="369332"/>
+          </a:xfrm>
+          <a:prstGeom prst="rect">
+            <a:avLst/>
+          </a:prstGeom>
+        </p:spPr>
+        <p:txBody>
+          <a:bodyPr wrap="none">
+            <a:spAutoFit/>
+          </a:bodyPr>
+          <a:lstStyle/>
+          <a:p>
+            <a:r>
+              <a:rPr lang="ja-JP" altLang="en-US" dirty="0"/>
+              <a:t>パラメータ</a:t>
+            </a:r>
+          </a:p>
+        </p:txBody>
+      </p:sp>
     </p:spTree>
     <p:extLst>
       <p:ext uri="{BB962C8B-B14F-4D97-AF65-F5344CB8AC3E}">
@@ -10423,10 +11587,17 @@
   <p:clrMapOvr>
     <a:masterClrMapping/>
   </p:clrMapOvr>
+  <p:timing>
+    <p:tnLst>
+      <p:par>
+        <p:cTn id="1" dur="indefinite" restart="never" nodeType="tmRoot"/>
+      </p:par>
+    </p:tnLst>
+  </p:timing>
 </p:sld>
 </file>
 
-<file path=ppt/slides/slide22.xml><?xml version="1.0" encoding="utf-8"?>
+<file path=ppt/slides/slide24.xml><?xml version="1.0" encoding="utf-8"?>
 <p:sld xmlns:a="http://schemas.openxmlformats.org/drawingml/2006/main" xmlns:r="http://schemas.openxmlformats.org/officeDocument/2006/relationships" xmlns:p="http://schemas.openxmlformats.org/presentationml/2006/main">
   <p:cSld>
     <p:spTree>
@@ -10468,7 +11639,7 @@
           </a:ln>
           <a:extLst>
             <a:ext uri="{C572A759-6A51-4108-AA02-DFA0A04FC94B}">
-              <ma14:wrappingTextBoxFlag xmlns:ma14="http://schemas.microsoft.com/office/mac/drawingml/2011/main" xmlns="" val="1"/>
+              <ma14:wrappingTextBoxFlag xmlns="" xmlns:ma14="http://schemas.microsoft.com/office/mac/drawingml/2011/main" val="1"/>
             </a:ext>
           </a:extLst>
         </p:spPr>
@@ -10520,7 +11691,7 @@
           <a:p>
             <a:fld id="{D836F367-8F14-4921-8441-15DE2D973248}" type="slidenum">
               <a:rPr kumimoji="1" lang="ja-JP" altLang="en-US" smtClean="0"/>
-              <a:t>22</a:t>
+              <a:t>24</a:t>
             </a:fld>
             <a:endParaRPr kumimoji="1" lang="ja-JP" altLang="en-US"/>
           </a:p>
@@ -10528,22 +11699,16 @@
       </p:sp>
       <p:grpSp>
         <p:nvGrpSpPr>
-          <p:cNvPr id="16" name="グループ化 15">
-            <a:extLst>
-              <a:ext uri="{FF2B5EF4-FFF2-40B4-BE49-F238E27FC236}">
-                <a16:creationId xmlns:a16="http://schemas.microsoft.com/office/drawing/2014/main" id="{F4B30176-9E99-4704-B0BB-F9FF941FF579}"/>
-              </a:ext>
-            </a:extLst>
-          </p:cNvPr>
+          <p:cNvPr id="2" name="グループ化 1"/>
           <p:cNvGrpSpPr/>
           <p:nvPr/>
         </p:nvGrpSpPr>
         <p:grpSpPr>
           <a:xfrm>
             <a:off x="299894" y="706619"/>
-            <a:ext cx="10233565" cy="395586"/>
-            <a:chOff x="254945" y="903513"/>
-            <a:chExt cx="10233565" cy="395586"/>
+            <a:ext cx="8372766" cy="436023"/>
+            <a:chOff x="299894" y="706619"/>
+            <a:chExt cx="8372766" cy="436023"/>
           </a:xfrm>
         </p:grpSpPr>
         <p:sp>
@@ -10560,8 +11725,8 @@
           </p:nvSpPr>
           <p:spPr>
             <a:xfrm>
-              <a:off x="620103" y="903513"/>
-              <a:ext cx="9868407" cy="369332"/>
+              <a:off x="664436" y="706619"/>
+              <a:ext cx="8008224" cy="436023"/>
             </a:xfrm>
             <a:prstGeom prst="rect">
               <a:avLst/>
@@ -10584,8 +11749,21 @@
               </a:r>
               <a:r>
                 <a:rPr lang="ja-JP" altLang="en-US" dirty="0"/>
-                <a:t>」インスタンスをダブルクリックしてパラメータ画面を表示させてください</a:t>
-              </a:r>
+                <a:t>」</a:t>
+              </a:r>
+              <a:r>
+                <a:rPr lang="ja-JP" altLang="en-US" dirty="0" smtClean="0"/>
+                <a:t>インスタンスへ以下のパラメータ</a:t>
+              </a:r>
+              <a:r>
+                <a:rPr lang="ja-JP" altLang="en-US" dirty="0"/>
+                <a:t>を設定して</a:t>
+              </a:r>
+              <a:r>
+                <a:rPr lang="ja-JP" altLang="en-US" dirty="0" smtClean="0"/>
+                <a:t>ください。</a:t>
+              </a:r>
+              <a:endParaRPr lang="ja-JP" altLang="en-US" dirty="0"/>
             </a:p>
           </p:txBody>
         </p:sp>
@@ -10603,7 +11781,7 @@
           </p:nvSpPr>
           <p:spPr>
             <a:xfrm>
-              <a:off x="254945" y="929767"/>
+              <a:off x="299894" y="706619"/>
               <a:ext cx="415498" cy="369332"/>
             </a:xfrm>
             <a:prstGeom prst="rect">
@@ -10618,100 +11796,10 @@
             <a:lstStyle/>
             <a:p>
               <a:r>
-                <a:rPr kumimoji="1" lang="ja-JP" altLang="en-US" dirty="0"/>
-                <a:t>①</a:t>
-              </a:r>
-            </a:p>
-          </p:txBody>
-        </p:sp>
-      </p:grpSp>
-      <p:grpSp>
-        <p:nvGrpSpPr>
-          <p:cNvPr id="22" name="グループ化 21">
-            <a:extLst>
-              <a:ext uri="{FF2B5EF4-FFF2-40B4-BE49-F238E27FC236}">
-                <a16:creationId xmlns:a16="http://schemas.microsoft.com/office/drawing/2014/main" id="{4423123C-03BD-46A1-A9D9-AD6818746D2A}"/>
-              </a:ext>
-            </a:extLst>
-          </p:cNvPr>
-          <p:cNvGrpSpPr/>
-          <p:nvPr/>
-        </p:nvGrpSpPr>
-        <p:grpSpPr>
-          <a:xfrm>
-            <a:off x="299894" y="1551169"/>
-            <a:ext cx="5397305" cy="395586"/>
-            <a:chOff x="254945" y="903513"/>
-            <a:chExt cx="5397305" cy="395586"/>
-          </a:xfrm>
-        </p:grpSpPr>
-        <p:sp>
-          <p:nvSpPr>
-            <p:cNvPr id="23" name="テキスト ボックス 22">
-              <a:extLst>
-                <a:ext uri="{FF2B5EF4-FFF2-40B4-BE49-F238E27FC236}">
-                  <a16:creationId xmlns:a16="http://schemas.microsoft.com/office/drawing/2014/main" id="{17C531AB-0852-43FE-AD76-71C58028071E}"/>
-                </a:ext>
-              </a:extLst>
-            </p:cNvPr>
-            <p:cNvSpPr txBox="1"/>
-            <p:nvPr/>
-          </p:nvSpPr>
-          <p:spPr>
-            <a:xfrm>
-              <a:off x="620103" y="903513"/>
-              <a:ext cx="5032147" cy="369332"/>
-            </a:xfrm>
-            <a:prstGeom prst="rect">
-              <a:avLst/>
-            </a:prstGeom>
-            <a:noFill/>
-          </p:spPr>
-          <p:txBody>
-            <a:bodyPr wrap="none" rtlCol="0">
-              <a:spAutoFit/>
-            </a:bodyPr>
-            <a:lstStyle/>
-            <a:p>
-              <a:r>
-                <a:rPr lang="ja-JP" altLang="en-US" dirty="0"/>
-                <a:t>以下のように、パラメータを設定してください</a:t>
-              </a:r>
-            </a:p>
-          </p:txBody>
-        </p:sp>
-        <p:sp>
-          <p:nvSpPr>
-            <p:cNvPr id="24" name="テキスト ボックス 23">
-              <a:extLst>
-                <a:ext uri="{FF2B5EF4-FFF2-40B4-BE49-F238E27FC236}">
-                  <a16:creationId xmlns:a16="http://schemas.microsoft.com/office/drawing/2014/main" id="{F493BFDC-9DF3-4279-AF67-70DB40C9E162}"/>
-                </a:ext>
-              </a:extLst>
-            </p:cNvPr>
-            <p:cNvSpPr txBox="1"/>
-            <p:nvPr/>
-          </p:nvSpPr>
-          <p:spPr>
-            <a:xfrm>
-              <a:off x="254945" y="929767"/>
-              <a:ext cx="415498" cy="369332"/>
-            </a:xfrm>
-            <a:prstGeom prst="rect">
-              <a:avLst/>
-            </a:prstGeom>
-            <a:noFill/>
-          </p:spPr>
-          <p:txBody>
-            <a:bodyPr wrap="none" rtlCol="0">
-              <a:spAutoFit/>
-            </a:bodyPr>
-            <a:lstStyle/>
-            <a:p>
-              <a:r>
-                <a:rPr kumimoji="1" lang="ja-JP" altLang="en-US" dirty="0"/>
-                <a:t>②</a:t>
-              </a:r>
+                <a:rPr kumimoji="1" lang="ja-JP" altLang="en-US" dirty="0" smtClean="0"/>
+                <a:t>④</a:t>
+              </a:r>
+              <a:endParaRPr kumimoji="1" lang="ja-JP" altLang="en-US" dirty="0"/>
             </a:p>
           </p:txBody>
         </p:sp>
@@ -10744,8 +11832,8 @@
         </p:blipFill>
         <p:spPr>
           <a:xfrm>
-            <a:off x="1674042" y="2031214"/>
-            <a:ext cx="2764608" cy="4690261"/>
+            <a:off x="1597842" y="1360654"/>
+            <a:ext cx="3157038" cy="5356033"/>
           </a:xfrm>
           <a:prstGeom prst="rect">
             <a:avLst/>
@@ -10762,10 +11850,17 @@
   <p:clrMapOvr>
     <a:masterClrMapping/>
   </p:clrMapOvr>
+  <p:timing>
+    <p:tnLst>
+      <p:par>
+        <p:cTn id="1" dur="indefinite" restart="never" nodeType="tmRoot"/>
+      </p:par>
+    </p:tnLst>
+  </p:timing>
 </p:sld>
 </file>
 
-<file path=ppt/slides/slide23.xml><?xml version="1.0" encoding="utf-8"?>
+<file path=ppt/slides/slide25.xml><?xml version="1.0" encoding="utf-8"?>
 <p:sld xmlns:a="http://schemas.openxmlformats.org/drawingml/2006/main" xmlns:r="http://schemas.openxmlformats.org/officeDocument/2006/relationships" xmlns:p="http://schemas.openxmlformats.org/presentationml/2006/main">
   <p:cSld>
     <p:spTree>
@@ -10807,7 +11902,7 @@
           </a:ln>
           <a:extLst>
             <a:ext uri="{C572A759-6A51-4108-AA02-DFA0A04FC94B}">
-              <ma14:wrappingTextBoxFlag xmlns:ma14="http://schemas.microsoft.com/office/mac/drawingml/2011/main" xmlns="" val="1"/>
+              <ma14:wrappingTextBoxFlag xmlns="" xmlns:ma14="http://schemas.microsoft.com/office/mac/drawingml/2011/main" val="1"/>
             </a:ext>
           </a:extLst>
         </p:spPr>
@@ -10833,42 +11928,6 @@
           </a:p>
         </p:txBody>
       </p:sp>
-      <p:pic>
-        <p:nvPicPr>
-          <p:cNvPr id="2" name="図 1">
-            <a:extLst>
-              <a:ext uri="{FF2B5EF4-FFF2-40B4-BE49-F238E27FC236}">
-                <a16:creationId xmlns:a16="http://schemas.microsoft.com/office/drawing/2014/main" id="{962E0DB9-4817-4711-8997-8686A3BDA54E}"/>
-              </a:ext>
-            </a:extLst>
-          </p:cNvPr>
-          <p:cNvPicPr>
-            <a:picLocks noChangeAspect="1"/>
-          </p:cNvPicPr>
-          <p:nvPr/>
-        </p:nvPicPr>
-        <p:blipFill>
-          <a:blip r:embed="rId2">
-            <a:extLst>
-              <a:ext uri="{28A0092B-C50C-407E-A947-70E740481C1C}">
-                <a14:useLocalDpi xmlns:a14="http://schemas.microsoft.com/office/drawing/2010/main" val="0"/>
-              </a:ext>
-            </a:extLst>
-          </a:blip>
-          <a:stretch>
-            <a:fillRect/>
-          </a:stretch>
-        </p:blipFill>
-        <p:spPr>
-          <a:xfrm>
-            <a:off x="939800" y="2067496"/>
-            <a:ext cx="9890892" cy="3952303"/>
-          </a:xfrm>
-          <a:prstGeom prst="rect">
-            <a:avLst/>
-          </a:prstGeom>
-        </p:spPr>
-      </p:pic>
       <p:sp>
         <p:nvSpPr>
           <p:cNvPr id="3" name="スライド番号プレースホルダー 2">
@@ -10892,7 +11951,7 @@
           <a:p>
             <a:fld id="{D836F367-8F14-4921-8441-15DE2D973248}" type="slidenum">
               <a:rPr kumimoji="1" lang="ja-JP" altLang="en-US" smtClean="0"/>
-              <a:t>23</a:t>
+              <a:t>25</a:t>
             </a:fld>
             <a:endParaRPr kumimoji="1" lang="ja-JP" altLang="en-US"/>
           </a:p>
@@ -10912,10 +11971,10 @@
         </p:nvGrpSpPr>
         <p:grpSpPr>
           <a:xfrm>
-            <a:off x="299894" y="706619"/>
-            <a:ext cx="9710986" cy="395586"/>
+            <a:off x="271214" y="706619"/>
+            <a:ext cx="9941819" cy="395586"/>
             <a:chOff x="254945" y="903513"/>
-            <a:chExt cx="9710986" cy="395586"/>
+            <a:chExt cx="9941819" cy="395586"/>
           </a:xfrm>
         </p:grpSpPr>
         <p:sp>
@@ -10933,7 +11992,7 @@
           <p:spPr>
             <a:xfrm>
               <a:off x="620103" y="903513"/>
-              <a:ext cx="9345828" cy="369332"/>
+              <a:ext cx="9576661" cy="369332"/>
             </a:xfrm>
             <a:prstGeom prst="rect">
               <a:avLst/>
@@ -10956,8 +12015,13 @@
               </a:r>
               <a:r>
                 <a:rPr lang="ja-JP" altLang="en-US" dirty="0"/>
-                <a:t>にして解析を実行してください</a:t>
-              </a:r>
+                <a:t>にして解析を実行して</a:t>
+              </a:r>
+              <a:r>
+                <a:rPr lang="ja-JP" altLang="en-US" dirty="0" smtClean="0"/>
+                <a:t>ください。</a:t>
+              </a:r>
+              <a:endParaRPr lang="ja-JP" altLang="en-US" dirty="0"/>
             </a:p>
           </p:txBody>
         </p:sp>
@@ -11012,9 +12076,9 @@
         <p:grpSpPr>
           <a:xfrm>
             <a:off x="271214" y="1570005"/>
-            <a:ext cx="8510336" cy="395586"/>
+            <a:ext cx="7460370" cy="395586"/>
             <a:chOff x="254945" y="903513"/>
-            <a:chExt cx="8510336" cy="395586"/>
+            <a:chExt cx="7460370" cy="395586"/>
           </a:xfrm>
         </p:grpSpPr>
         <p:sp>
@@ -11032,7 +12096,7 @@
           <p:spPr>
             <a:xfrm>
               <a:off x="620103" y="903513"/>
-              <a:ext cx="8145178" cy="369332"/>
+              <a:ext cx="7095212" cy="369332"/>
             </a:xfrm>
             <a:prstGeom prst="rect">
               <a:avLst/>
@@ -11046,19 +12110,11 @@
             <a:lstStyle/>
             <a:p>
               <a:r>
-                <a:rPr lang="en-US" altLang="ja-JP" dirty="0"/>
-                <a:t>Mass1</a:t>
-              </a:r>
-              <a:r>
-                <a:rPr lang="ja-JP" altLang="en-US" dirty="0"/>
-                <a:t>の</a:t>
-              </a:r>
-              <a:r>
-                <a:rPr lang="en-US" altLang="ja-JP" dirty="0" err="1"/>
-                <a:t>flange_b</a:t>
-              </a:r>
-              <a:r>
-                <a:rPr lang="ja-JP" altLang="en-US" dirty="0"/>
+                <a:rPr lang="en-US" altLang="ja-JP" dirty="0" smtClean="0"/>
+                <a:t>mass</a:t>
+              </a:r>
+              <a:r>
+                <a:rPr lang="ja-JP" altLang="en-US" dirty="0" smtClean="0"/>
                 <a:t>の変位</a:t>
               </a:r>
               <a:r>
@@ -11067,8 +12123,13 @@
               </a:r>
               <a:r>
                 <a:rPr lang="ja-JP" altLang="en-US" dirty="0"/>
-                <a:t>が以下のようになっていることを確認してください</a:t>
-              </a:r>
+                <a:t>が以下のようになっていることを確認して</a:t>
+              </a:r>
+              <a:r>
+                <a:rPr lang="ja-JP" altLang="en-US" dirty="0" smtClean="0"/>
+                <a:t>ください。</a:t>
+              </a:r>
+              <a:endParaRPr lang="ja-JP" altLang="en-US" dirty="0"/>
             </a:p>
           </p:txBody>
         </p:sp>
@@ -11108,6 +12169,30 @@
           </p:txBody>
         </p:sp>
       </p:grpSp>
+      <p:pic>
+        <p:nvPicPr>
+          <p:cNvPr id="4" name="図 3"/>
+          <p:cNvPicPr>
+            <a:picLocks noChangeAspect="1"/>
+          </p:cNvPicPr>
+          <p:nvPr/>
+        </p:nvPicPr>
+        <p:blipFill>
+          <a:blip r:embed="rId2"/>
+          <a:stretch>
+            <a:fillRect/>
+          </a:stretch>
+        </p:blipFill>
+        <p:spPr>
+          <a:xfrm>
+            <a:off x="1472912" y="2087704"/>
+            <a:ext cx="7569488" cy="4618082"/>
+          </a:xfrm>
+          <a:prstGeom prst="rect">
+            <a:avLst/>
+          </a:prstGeom>
+        </p:spPr>
+      </p:pic>
     </p:spTree>
     <p:extLst>
       <p:ext uri="{BB962C8B-B14F-4D97-AF65-F5344CB8AC3E}">
@@ -11118,10 +12203,17 @@
   <p:clrMapOvr>
     <a:masterClrMapping/>
   </p:clrMapOvr>
+  <p:timing>
+    <p:tnLst>
+      <p:par>
+        <p:cTn id="1" dur="indefinite" restart="never" nodeType="tmRoot"/>
+      </p:par>
+    </p:tnLst>
+  </p:timing>
 </p:sld>
 </file>
 
-<file path=ppt/slides/slide24.xml><?xml version="1.0" encoding="utf-8"?>
+<file path=ppt/slides/slide26.xml><?xml version="1.0" encoding="utf-8"?>
 <p:sld xmlns:a="http://schemas.openxmlformats.org/drawingml/2006/main" xmlns:r="http://schemas.openxmlformats.org/officeDocument/2006/relationships" xmlns:p="http://schemas.openxmlformats.org/presentationml/2006/main">
   <p:cSld>
     <p:spTree>
@@ -11163,7 +12255,7 @@
           </a:ln>
           <a:extLst>
             <a:ext uri="{C572A759-6A51-4108-AA02-DFA0A04FC94B}">
-              <ma14:wrappingTextBoxFlag xmlns:ma14="http://schemas.microsoft.com/office/mac/drawingml/2011/main" xmlns="" val="1"/>
+              <ma14:wrappingTextBoxFlag xmlns="" xmlns:ma14="http://schemas.microsoft.com/office/mac/drawingml/2011/main" val="1"/>
             </a:ext>
           </a:extLst>
         </p:spPr>
@@ -11202,7 +12294,7 @@
         </p:nvSpPr>
         <p:spPr>
           <a:xfrm>
-            <a:off x="1308100" y="1352550"/>
+            <a:off x="919071" y="869950"/>
             <a:ext cx="6183103" cy="369332"/>
           </a:xfrm>
           <a:prstGeom prst="rect">
@@ -11238,7 +12330,7 @@
         </p:nvSpPr>
         <p:spPr>
           <a:xfrm>
-            <a:off x="1308100" y="2826266"/>
+            <a:off x="919071" y="5305306"/>
             <a:ext cx="7691529" cy="369332"/>
           </a:xfrm>
           <a:prstGeom prst="rect">
@@ -11298,7 +12390,7 @@
           <a:p>
             <a:fld id="{D836F367-8F14-4921-8441-15DE2D973248}" type="slidenum">
               <a:rPr kumimoji="1" lang="ja-JP" altLang="en-US" smtClean="0"/>
-              <a:t>24</a:t>
+              <a:t>26</a:t>
             </a:fld>
             <a:endParaRPr kumimoji="1" lang="ja-JP" altLang="en-US"/>
           </a:p>
@@ -11312,8 +12404,8 @@
         </p:nvSpPr>
         <p:spPr>
           <a:xfrm>
-            <a:off x="1308100" y="1950909"/>
-            <a:ext cx="8052408" cy="646331"/>
+            <a:off x="919071" y="1468309"/>
+            <a:ext cx="8052408" cy="923330"/>
           </a:xfrm>
           <a:prstGeom prst="rect">
             <a:avLst/>
@@ -11326,24 +12418,258 @@
           <a:lstStyle/>
           <a:p>
             <a:r>
+              <a:rPr lang="ja-JP" altLang="en-US" dirty="0" smtClean="0"/>
+              <a:t>・パラメーター</a:t>
+            </a:r>
+            <a:r>
+              <a:rPr lang="en-US" altLang="ja-JP" dirty="0" smtClean="0"/>
+              <a:t>start1,start2</a:t>
+            </a:r>
+            <a:r>
+              <a:rPr lang="ja-JP" altLang="en-US" dirty="0" smtClean="0"/>
+              <a:t>を異なる値にすると解析エラーが発生します</a:t>
+            </a:r>
+            <a:endParaRPr lang="en-US" altLang="ja-JP" dirty="0" smtClean="0"/>
+          </a:p>
+          <a:p>
+            <a:r>
+              <a:rPr lang="ja-JP" altLang="en-US" dirty="0" smtClean="0"/>
+              <a:t>　また計算実行すると以下のような警告メッセージが表示されています</a:t>
+            </a:r>
+            <a:endParaRPr lang="en-US" altLang="ja-JP" dirty="0" smtClean="0"/>
+          </a:p>
+          <a:p>
+            <a:r>
               <a:rPr lang="ja-JP" altLang="en-US" dirty="0"/>
-              <a:t>・パラメーター</a:t>
-            </a:r>
+              <a:t>　</a:t>
+            </a:r>
+            <a:r>
+              <a:rPr lang="ja-JP" altLang="en-US" dirty="0" smtClean="0"/>
+              <a:t>原因を考察してみてください</a:t>
+            </a:r>
+            <a:endParaRPr lang="ja-JP" altLang="en-US" dirty="0"/>
+          </a:p>
+        </p:txBody>
+      </p:sp>
+      <p:sp>
+        <p:nvSpPr>
+          <p:cNvPr id="7" name="正方形/長方形 6"/>
+          <p:cNvSpPr/>
+          <p:nvPr/>
+        </p:nvSpPr>
+        <p:spPr>
+          <a:xfrm>
+            <a:off x="1475330" y="2473625"/>
+            <a:ext cx="10543949" cy="2585323"/>
+          </a:xfrm>
+          <a:prstGeom prst="rect">
+            <a:avLst/>
+          </a:prstGeom>
+          <a:solidFill>
+            <a:schemeClr val="accent5">
+              <a:lumMod val="20000"/>
+              <a:lumOff val="80000"/>
+            </a:schemeClr>
+          </a:solidFill>
+        </p:spPr>
+        <p:txBody>
+          <a:bodyPr wrap="square">
+            <a:spAutoFit/>
+          </a:bodyPr>
+          <a:lstStyle/>
+          <a:p>
+            <a:r>
+              <a:rPr lang="en-US" altLang="ja-JP" b="1" dirty="0">
+                <a:solidFill>
+                  <a:srgbClr val="000000"/>
+                </a:solidFill>
+              </a:rPr>
+              <a:t>[1] </a:t>
+            </a:r>
+            <a:r>
+              <a:rPr lang="en-US" altLang="ja-JP" b="1" dirty="0" err="1" smtClean="0">
+                <a:solidFill>
+                  <a:srgbClr val="000000"/>
+                </a:solidFill>
+              </a:rPr>
+              <a:t>xx:xx:xx</a:t>
+            </a:r>
+            <a:r>
+              <a:rPr lang="en-US" altLang="ja-JP" b="1" dirty="0" smtClean="0">
+                <a:solidFill>
+                  <a:srgbClr val="000000"/>
+                </a:solidFill>
+              </a:rPr>
+              <a:t> </a:t>
+            </a:r>
+            <a:r>
+              <a:rPr lang="ja-JP" altLang="en-US" b="1" dirty="0" smtClean="0">
+                <a:solidFill>
+                  <a:srgbClr val="000000"/>
+                </a:solidFill>
+              </a:rPr>
+              <a:t>変換 </a:t>
+            </a:r>
+            <a:r>
+              <a:rPr lang="ja-JP" altLang="en-US" b="1" dirty="0">
+                <a:solidFill>
+                  <a:srgbClr val="000000"/>
+                </a:solidFill>
+              </a:rPr>
+              <a:t>警告</a:t>
+            </a:r>
+            <a:r>
+              <a:rPr lang="ja-JP" altLang="en-US" dirty="0">
+                <a:solidFill>
+                  <a:srgbClr val="000000"/>
+                </a:solidFill>
+              </a:rPr>
+              <a:t/>
+            </a:r>
+            <a:br>
+              <a:rPr lang="ja-JP" altLang="en-US" dirty="0">
+                <a:solidFill>
+                  <a:srgbClr val="000000"/>
+                </a:solidFill>
+              </a:rPr>
+            </a:br>
+            <a:r>
+              <a:rPr lang="en-US" altLang="ja-JP" dirty="0">
+                <a:solidFill>
+                  <a:srgbClr val="000000"/>
+                </a:solidFill>
+              </a:rPr>
+              <a:t>It was not possible to determine if the initialization problem is consistent, because of not evaluable parameters/start values during compile time: parallelSprings.spring1.s_rel = $START.parallelSprings.spring1.s_rel ($</a:t>
+            </a:r>
+            <a:r>
+              <a:rPr lang="en-US" altLang="ja-JP" dirty="0" err="1">
+                <a:solidFill>
+                  <a:srgbClr val="000000"/>
+                </a:solidFill>
+              </a:rPr>
+              <a:t>START.parallelSprings.spring.s_rel</a:t>
+            </a:r>
+            <a:r>
+              <a:rPr lang="en-US" altLang="ja-JP" dirty="0">
+                <a:solidFill>
+                  <a:srgbClr val="000000"/>
+                </a:solidFill>
+              </a:rPr>
+              <a:t> = $START.parallelSprings.spring1.s_rel)</a:t>
+            </a:r>
+            <a:endParaRPr lang="en-US" altLang="ja-JP" dirty="0"/>
+          </a:p>
+          <a:p>
             <a:r>
               <a:rPr lang="en-US" altLang="ja-JP" dirty="0"/>
-              <a:t>start1,start2</a:t>
-            </a:r>
-            <a:r>
-              <a:rPr lang="ja-JP" altLang="en-US" dirty="0"/>
-              <a:t>を異なる値にすると解析エラーが発生します</a:t>
-            </a:r>
-            <a:endParaRPr lang="en-US" altLang="ja-JP" dirty="0"/>
-          </a:p>
-          <a:p>
-            <a:r>
-              <a:rPr lang="ja-JP" altLang="en-US" dirty="0"/>
-              <a:t>　原因を考察してみてください</a:t>
-            </a:r>
+              <a:t/>
+            </a:r>
+            <a:br>
+              <a:rPr lang="en-US" altLang="ja-JP" dirty="0"/>
+            </a:br>
+            <a:r>
+              <a:rPr lang="en-US" altLang="ja-JP" b="1" dirty="0">
+                <a:solidFill>
+                  <a:srgbClr val="000000"/>
+                </a:solidFill>
+              </a:rPr>
+              <a:t>[2</a:t>
+            </a:r>
+            <a:r>
+              <a:rPr lang="en-US" altLang="ja-JP" b="1" dirty="0" smtClean="0">
+                <a:solidFill>
+                  <a:srgbClr val="000000"/>
+                </a:solidFill>
+              </a:rPr>
+              <a:t>]</a:t>
+            </a:r>
+            <a:r>
+              <a:rPr lang="en-US" altLang="ja-JP" b="1" dirty="0">
+                <a:solidFill>
+                  <a:srgbClr val="000000"/>
+                </a:solidFill>
+              </a:rPr>
+              <a:t> </a:t>
+            </a:r>
+            <a:r>
+              <a:rPr lang="en-US" altLang="ja-JP" b="1" dirty="0" err="1">
+                <a:solidFill>
+                  <a:srgbClr val="000000"/>
+                </a:solidFill>
+              </a:rPr>
+              <a:t>xx:xx:xx</a:t>
+            </a:r>
+            <a:r>
+              <a:rPr lang="ja-JP" altLang="en-US" b="1" dirty="0" smtClean="0">
+                <a:solidFill>
+                  <a:srgbClr val="000000"/>
+                </a:solidFill>
+              </a:rPr>
+              <a:t>変換 </a:t>
+            </a:r>
+            <a:r>
+              <a:rPr lang="ja-JP" altLang="en-US" b="1" dirty="0">
+                <a:solidFill>
+                  <a:srgbClr val="000000"/>
+                </a:solidFill>
+              </a:rPr>
+              <a:t>警告</a:t>
+            </a:r>
+            <a:r>
+              <a:rPr lang="ja-JP" altLang="en-US" dirty="0">
+                <a:solidFill>
+                  <a:srgbClr val="000000"/>
+                </a:solidFill>
+              </a:rPr>
+              <a:t/>
+            </a:r>
+            <a:br>
+              <a:rPr lang="ja-JP" altLang="en-US" dirty="0">
+                <a:solidFill>
+                  <a:srgbClr val="000000"/>
+                </a:solidFill>
+              </a:rPr>
+            </a:br>
+            <a:r>
+              <a:rPr lang="en-US" altLang="ja-JP" dirty="0">
+                <a:solidFill>
+                  <a:srgbClr val="000000"/>
+                </a:solidFill>
+              </a:rPr>
+              <a:t>The initial conditions are over specified. The following 1 initial equations are redundant, so they are removed from the initialization </a:t>
+            </a:r>
+            <a:r>
+              <a:rPr lang="en-US" altLang="ja-JP" dirty="0" err="1">
+                <a:solidFill>
+                  <a:srgbClr val="000000"/>
+                </a:solidFill>
+              </a:rPr>
+              <a:t>sytem</a:t>
+            </a:r>
+            <a:r>
+              <a:rPr lang="en-US" altLang="ja-JP" dirty="0">
+                <a:solidFill>
+                  <a:srgbClr val="000000"/>
+                </a:solidFill>
+              </a:rPr>
+              <a:t>:</a:t>
+            </a:r>
+            <a:br>
+              <a:rPr lang="en-US" altLang="ja-JP" dirty="0">
+                <a:solidFill>
+                  <a:srgbClr val="000000"/>
+                </a:solidFill>
+              </a:rPr>
+            </a:br>
+            <a:r>
+              <a:rPr lang="en-US" altLang="ja-JP" dirty="0">
+                <a:solidFill>
+                  <a:srgbClr val="000000"/>
+                </a:solidFill>
+              </a:rPr>
+              <a:t>         parallelSprings.spring1.s_rel = $START.parallelSprings.spring1.s_rel.</a:t>
+            </a:r>
+            <a:endParaRPr lang="ja-JP" altLang="en-US" dirty="0"/>
           </a:p>
         </p:txBody>
       </p:sp>
@@ -11357,6 +12683,13 @@
   <p:clrMapOvr>
     <a:masterClrMapping/>
   </p:clrMapOvr>
+  <p:timing>
+    <p:tnLst>
+      <p:par>
+        <p:cTn id="1" dur="indefinite" restart="never" nodeType="tmRoot"/>
+      </p:par>
+    </p:tnLst>
+  </p:timing>
 </p:sld>
 </file>
 
@@ -11402,7 +12735,7 @@
           </a:ln>
           <a:extLst>
             <a:ext uri="{C572A759-6A51-4108-AA02-DFA0A04FC94B}">
-              <ma14:wrappingTextBoxFlag xmlns:ma14="http://schemas.microsoft.com/office/mac/drawingml/2011/main" xmlns="" val="1"/>
+              <ma14:wrappingTextBoxFlag xmlns="" xmlns:ma14="http://schemas.microsoft.com/office/mac/drawingml/2011/main" val="1"/>
             </a:ext>
           </a:extLst>
         </p:spPr>
@@ -11723,7 +13056,7 @@
           </a:ln>
           <a:extLst>
             <a:ext uri="{C572A759-6A51-4108-AA02-DFA0A04FC94B}">
-              <ma14:wrappingTextBoxFlag xmlns:ma14="http://schemas.microsoft.com/office/mac/drawingml/2011/main" xmlns="" val="1"/>
+              <ma14:wrappingTextBoxFlag xmlns="" xmlns:ma14="http://schemas.microsoft.com/office/mac/drawingml/2011/main" val="1"/>
             </a:ext>
           </a:extLst>
         </p:spPr>
@@ -11764,7 +13097,7 @@
         <p:spPr>
           <a:xfrm>
             <a:off x="927199" y="868943"/>
-            <a:ext cx="6271300" cy="1077218"/>
+            <a:ext cx="6271300" cy="830997"/>
           </a:xfrm>
           <a:prstGeom prst="rect">
             <a:avLst/>
@@ -11778,21 +13111,25 @@
           <a:lstStyle/>
           <a:p>
             <a:r>
-              <a:rPr lang="ja-JP" altLang="en-US" sz="3200" b="1" dirty="0"/>
+              <a:rPr lang="ja-JP" altLang="en-US" sz="2400" dirty="0"/>
               <a:t>既存の部品図</a:t>
             </a:r>
             <a:r>
-              <a:rPr kumimoji="1" lang="ja-JP" altLang="en-US" sz="3200" b="1" dirty="0"/>
+              <a:rPr kumimoji="1" lang="ja-JP" altLang="en-US" sz="2400" dirty="0"/>
               <a:t>をつないで</a:t>
             </a:r>
-            <a:endParaRPr kumimoji="1" lang="en-US" altLang="ja-JP" sz="3200" b="1" dirty="0"/>
-          </a:p>
-          <a:p>
-            <a:r>
-              <a:rPr lang="ja-JP" altLang="en-US" sz="3200" b="1" dirty="0"/>
-              <a:t>新しい部品図を作成してみましょう</a:t>
-            </a:r>
-            <a:endParaRPr lang="en-US" altLang="ja-JP" sz="3200" b="1" dirty="0"/>
+            <a:endParaRPr kumimoji="1" lang="en-US" altLang="ja-JP" sz="2400" dirty="0"/>
+          </a:p>
+          <a:p>
+            <a:r>
+              <a:rPr lang="ja-JP" altLang="en-US" sz="2400" dirty="0"/>
+              <a:t>新しい部品図を作成して</a:t>
+            </a:r>
+            <a:r>
+              <a:rPr lang="ja-JP" altLang="en-US" sz="2400" dirty="0" smtClean="0"/>
+              <a:t>みましょう。</a:t>
+            </a:r>
+            <a:endParaRPr lang="en-US" altLang="ja-JP" sz="2400" dirty="0"/>
           </a:p>
         </p:txBody>
       </p:sp>
@@ -12108,7 +13445,7 @@
         </p:nvGrpSpPr>
         <p:grpSpPr>
           <a:xfrm>
-            <a:off x="1258349" y="3111706"/>
+            <a:off x="1361219" y="3111706"/>
             <a:ext cx="9177556" cy="3531764"/>
             <a:chOff x="1317072" y="2483142"/>
             <a:chExt cx="10284902" cy="4229588"/>
@@ -12266,8 +13603,8 @@
           </p:nvSpPr>
           <p:spPr>
             <a:xfrm>
-              <a:off x="1774500" y="4570519"/>
-              <a:ext cx="4872854" cy="780177"/>
+              <a:off x="2007375" y="4561273"/>
+              <a:ext cx="4872854" cy="780176"/>
             </a:xfrm>
             <a:prstGeom prst="roundRect">
               <a:avLst/>
@@ -12353,14 +13690,12 @@
         <p:cxnSp>
           <p:nvCxnSpPr>
             <p:cNvPr id="9" name="直線矢印コネクタ 8"/>
-            <p:cNvCxnSpPr>
-              <a:stCxn id="10" idx="1"/>
-            </p:cNvCxnSpPr>
+            <p:cNvCxnSpPr/>
             <p:nvPr/>
           </p:nvCxnSpPr>
           <p:spPr>
             <a:xfrm flipH="1">
-              <a:off x="6647355" y="4937881"/>
+              <a:off x="6880229" y="4929619"/>
               <a:ext cx="551144" cy="52087"/>
             </a:xfrm>
             <a:prstGeom prst="straightConnector1">
@@ -12397,7 +13732,7 @@
           </p:nvSpPr>
           <p:spPr>
             <a:xfrm>
-              <a:off x="7198499" y="4768604"/>
+              <a:off x="7390559" y="4712993"/>
               <a:ext cx="2579552" cy="338554"/>
             </a:xfrm>
             <a:prstGeom prst="rect">
@@ -12529,7 +13864,7 @@
           </a:ln>
           <a:extLst>
             <a:ext uri="{C572A759-6A51-4108-AA02-DFA0A04FC94B}">
-              <ma14:wrappingTextBoxFlag xmlns:ma14="http://schemas.microsoft.com/office/mac/drawingml/2011/main" xmlns="" val="1"/>
+              <ma14:wrappingTextBoxFlag xmlns="" xmlns:ma14="http://schemas.microsoft.com/office/mac/drawingml/2011/main" val="1"/>
             </a:ext>
           </a:extLst>
         </p:spPr>
@@ -12946,7 +14281,7 @@
           </a:ln>
           <a:extLst>
             <a:ext uri="{C572A759-6A51-4108-AA02-DFA0A04FC94B}">
-              <ma14:wrappingTextBoxFlag xmlns:ma14="http://schemas.microsoft.com/office/mac/drawingml/2011/main" xmlns="" val="1"/>
+              <ma14:wrappingTextBoxFlag xmlns="" xmlns:ma14="http://schemas.microsoft.com/office/mac/drawingml/2011/main" val="1"/>
             </a:ext>
           </a:extLst>
         </p:spPr>
@@ -13052,7 +14387,7 @@
         <p:spPr>
           <a:xfrm>
             <a:off x="422194" y="704828"/>
-            <a:ext cx="3775393" cy="400110"/>
+            <a:ext cx="10956846" cy="400110"/>
           </a:xfrm>
           <a:prstGeom prst="rect">
             <a:avLst/>
@@ -13066,12 +14401,8 @@
           <a:lstStyle/>
           <a:p>
             <a:r>
-              <a:rPr kumimoji="1" lang="ja-JP" altLang="en-US" sz="2000" dirty="0"/>
-              <a:t>以下のようなモデル</a:t>
-            </a:r>
-            <a:r>
-              <a:rPr lang="ja-JP" altLang="en-US" sz="2000" dirty="0"/>
-              <a:t>を作ります</a:t>
+              <a:rPr kumimoji="1" lang="ja-JP" altLang="en-US" sz="2000" dirty="0" smtClean="0"/>
+              <a:t>作成するモデルには以下のようにコネクターをつけパラメータを設定しアイコンをつけます。</a:t>
             </a:r>
             <a:endParaRPr lang="en-US" altLang="ja-JP" sz="2000" dirty="0"/>
           </a:p>
@@ -13317,6 +14648,34 @@
             <a:r>
               <a:rPr kumimoji="1" lang="ja-JP" altLang="en-US" dirty="0"/>
               <a:t>パラメータの設定</a:t>
+            </a:r>
+          </a:p>
+        </p:txBody>
+      </p:sp>
+      <p:sp>
+        <p:nvSpPr>
+          <p:cNvPr id="2" name="正方形/長方形 1"/>
+          <p:cNvSpPr/>
+          <p:nvPr/>
+        </p:nvSpPr>
+        <p:spPr>
+          <a:xfrm>
+            <a:off x="1380498" y="5109134"/>
+            <a:ext cx="1107996" cy="369332"/>
+          </a:xfrm>
+          <a:prstGeom prst="rect">
+            <a:avLst/>
+          </a:prstGeom>
+        </p:spPr>
+        <p:txBody>
+          <a:bodyPr wrap="none">
+            <a:spAutoFit/>
+          </a:bodyPr>
+          <a:lstStyle/>
+          <a:p>
+            <a:r>
+              <a:rPr lang="ja-JP" altLang="en-US" dirty="0"/>
+              <a:t>アイコン</a:t>
             </a:r>
           </a:p>
         </p:txBody>
@@ -13376,7 +14735,7 @@
           </a:ln>
           <a:extLst>
             <a:ext uri="{C572A759-6A51-4108-AA02-DFA0A04FC94B}">
-              <ma14:wrappingTextBoxFlag xmlns:ma14="http://schemas.microsoft.com/office/mac/drawingml/2011/main" xmlns="" val="1"/>
+              <ma14:wrappingTextBoxFlag xmlns="" xmlns:ma14="http://schemas.microsoft.com/office/mac/drawingml/2011/main" val="1"/>
             </a:ext>
           </a:extLst>
         </p:spPr>
@@ -13876,7 +15235,7 @@
         <p:spPr>
           <a:xfrm>
             <a:off x="4759361" y="2202006"/>
-            <a:ext cx="5955476" cy="369332"/>
+            <a:ext cx="5262979" cy="369332"/>
           </a:xfrm>
           <a:prstGeom prst="rect">
             <a:avLst/>
@@ -13891,8 +15250,13 @@
           <a:p>
             <a:r>
               <a:rPr kumimoji="1" lang="ja-JP" altLang="en-US" dirty="0"/>
-              <a:t>既存のモデルから必要なパーツをインスタンス化します</a:t>
-            </a:r>
+              <a:t>既存のモデルから必要なパーツを</a:t>
+            </a:r>
+            <a:r>
+              <a:rPr kumimoji="1" lang="ja-JP" altLang="en-US" dirty="0" smtClean="0"/>
+              <a:t>インスタンス化</a:t>
+            </a:r>
+            <a:endParaRPr kumimoji="1" lang="ja-JP" altLang="en-US" dirty="0"/>
           </a:p>
         </p:txBody>
       </p:sp>
@@ -14017,7 +15381,7 @@
         <p:spPr>
           <a:xfrm>
             <a:off x="4759361" y="4120526"/>
-            <a:ext cx="3185487" cy="369332"/>
+            <a:ext cx="2492990" cy="369332"/>
           </a:xfrm>
           <a:prstGeom prst="rect">
             <a:avLst/>
@@ -14032,8 +15396,13 @@
           <a:p>
             <a:r>
               <a:rPr kumimoji="1" lang="ja-JP" altLang="en-US" dirty="0"/>
-              <a:t>アイコンの外観を作成します</a:t>
-            </a:r>
+              <a:t>アイコンの外観を</a:t>
+            </a:r>
+            <a:r>
+              <a:rPr kumimoji="1" lang="ja-JP" altLang="en-US" dirty="0" smtClean="0"/>
+              <a:t>作成</a:t>
+            </a:r>
+            <a:endParaRPr kumimoji="1" lang="ja-JP" altLang="en-US" dirty="0"/>
           </a:p>
         </p:txBody>
       </p:sp>
@@ -14052,7 +15421,7 @@
         <p:spPr>
           <a:xfrm>
             <a:off x="4759361" y="5118824"/>
-            <a:ext cx="5724644" cy="369332"/>
+            <a:ext cx="5032147" cy="369332"/>
           </a:xfrm>
           <a:prstGeom prst="rect">
             <a:avLst/>
@@ -14067,8 +15436,13 @@
           <a:p>
             <a:r>
               <a:rPr kumimoji="1" lang="ja-JP" altLang="en-US" dirty="0"/>
-              <a:t>必要なモデルのポートと作成したポートを接続します</a:t>
-            </a:r>
+              <a:t>必要なモデルのポートと作成したポートを</a:t>
+            </a:r>
+            <a:r>
+              <a:rPr kumimoji="1" lang="ja-JP" altLang="en-US" dirty="0" smtClean="0"/>
+              <a:t>接続</a:t>
+            </a:r>
+            <a:endParaRPr kumimoji="1" lang="ja-JP" altLang="en-US" dirty="0"/>
           </a:p>
         </p:txBody>
       </p:sp>
@@ -14137,13 +15511,18 @@
           <a:p>
             <a:pPr algn="ctr"/>
             <a:r>
-              <a:rPr kumimoji="1" lang="ja-JP" altLang="en-US" sz="1600" dirty="0">
+              <a:rPr kumimoji="1" lang="ja-JP" altLang="en-US" sz="1600" dirty="0" smtClean="0">
                 <a:solidFill>
                   <a:schemeClr val="tx1"/>
                 </a:solidFill>
               </a:rPr>
-              <a:t>ポート</a:t>
-            </a:r>
+              <a:t>ポートの追加</a:t>
+            </a:r>
+            <a:endParaRPr kumimoji="1" lang="ja-JP" altLang="en-US" sz="1600" dirty="0">
+              <a:solidFill>
+                <a:schemeClr val="tx1"/>
+              </a:solidFill>
+            </a:endParaRPr>
           </a:p>
         </p:txBody>
       </p:sp>
@@ -14162,7 +15541,7 @@
         <p:spPr>
           <a:xfrm>
             <a:off x="4759361" y="3148927"/>
-            <a:ext cx="7571303" cy="369332"/>
+            <a:ext cx="6878806" cy="369332"/>
           </a:xfrm>
           <a:prstGeom prst="rect">
             <a:avLst/>
@@ -14177,11 +15556,11 @@
           <a:p>
             <a:r>
               <a:rPr kumimoji="1" lang="ja-JP" altLang="en-US" dirty="0"/>
-              <a:t>必要なポートをインスタンス化し、ポート部分のアイコンを作成しま</a:t>
-            </a:r>
-            <a:r>
-              <a:rPr lang="ja-JP" altLang="en-US" dirty="0"/>
-              <a:t>す</a:t>
+              <a:t>必要なポートをインスタンス化し、ポート部分のアイコンを</a:t>
+            </a:r>
+            <a:r>
+              <a:rPr kumimoji="1" lang="ja-JP" altLang="en-US" dirty="0" smtClean="0"/>
+              <a:t>作成</a:t>
             </a:r>
             <a:endParaRPr kumimoji="1" lang="ja-JP" altLang="en-US" dirty="0"/>
           </a:p>
@@ -14249,7 +15628,7 @@
         <p:spPr>
           <a:xfrm>
             <a:off x="377861" y="702535"/>
-            <a:ext cx="6186309" cy="369332"/>
+            <a:ext cx="6417141" cy="369332"/>
           </a:xfrm>
           <a:prstGeom prst="rect">
             <a:avLst/>
@@ -14264,8 +15643,13 @@
           <a:p>
             <a:r>
               <a:rPr kumimoji="1" lang="ja-JP" altLang="en-US" dirty="0"/>
-              <a:t>今回は以下のステップでカスタマイズモデルを作成します</a:t>
-            </a:r>
+              <a:t>今回は以下のステップでカスタマイズモデルを作成</a:t>
+            </a:r>
+            <a:r>
+              <a:rPr kumimoji="1" lang="ja-JP" altLang="en-US" dirty="0" smtClean="0"/>
+              <a:t>します。</a:t>
+            </a:r>
+            <a:endParaRPr kumimoji="1" lang="ja-JP" altLang="en-US" dirty="0"/>
           </a:p>
         </p:txBody>
       </p:sp>
@@ -14284,7 +15668,7 @@
         <p:spPr>
           <a:xfrm>
             <a:off x="4759361" y="6118518"/>
-            <a:ext cx="5032147" cy="369332"/>
+            <a:ext cx="4339650" cy="369332"/>
           </a:xfrm>
           <a:prstGeom prst="rect">
             <a:avLst/>
@@ -14299,8 +15683,13 @@
           <a:p>
             <a:r>
               <a:rPr kumimoji="1" lang="ja-JP" altLang="en-US" dirty="0"/>
-              <a:t>カスタマイズモデルのパラメータを設定します</a:t>
-            </a:r>
+              <a:t>カスタマイズモデルのパラメータを</a:t>
+            </a:r>
+            <a:r>
+              <a:rPr kumimoji="1" lang="ja-JP" altLang="en-US" dirty="0" smtClean="0"/>
+              <a:t>設定</a:t>
+            </a:r>
+            <a:endParaRPr kumimoji="1" lang="ja-JP" altLang="en-US" dirty="0"/>
           </a:p>
         </p:txBody>
       </p:sp>
@@ -14314,6 +15703,13 @@
   <p:clrMapOvr>
     <a:masterClrMapping/>
   </p:clrMapOvr>
+  <p:timing>
+    <p:tnLst>
+      <p:par>
+        <p:cTn id="1" dur="indefinite" restart="never" nodeType="tmRoot"/>
+      </p:par>
+    </p:tnLst>
+  </p:timing>
 </p:sld>
 </file>
 
@@ -14359,7 +15755,7 @@
           </a:ln>
           <a:extLst>
             <a:ext uri="{C572A759-6A51-4108-AA02-DFA0A04FC94B}">
-              <ma14:wrappingTextBoxFlag xmlns:ma14="http://schemas.microsoft.com/office/mac/drawingml/2011/main" xmlns="" val="1"/>
+              <ma14:wrappingTextBoxFlag xmlns="" xmlns:ma14="http://schemas.microsoft.com/office/mac/drawingml/2011/main" val="1"/>
             </a:ext>
           </a:extLst>
         </p:spPr>
@@ -14385,42 +15781,6 @@
           </a:p>
         </p:txBody>
       </p:sp>
-      <p:pic>
-        <p:nvPicPr>
-          <p:cNvPr id="6" name="図 5">
-            <a:extLst>
-              <a:ext uri="{FF2B5EF4-FFF2-40B4-BE49-F238E27FC236}">
-                <a16:creationId xmlns:a16="http://schemas.microsoft.com/office/drawing/2014/main" id="{8A9CAE8D-78D7-4BD8-8676-26EA93A2051D}"/>
-              </a:ext>
-            </a:extLst>
-          </p:cNvPr>
-          <p:cNvPicPr>
-            <a:picLocks noChangeAspect="1"/>
-          </p:cNvPicPr>
-          <p:nvPr/>
-        </p:nvPicPr>
-        <p:blipFill>
-          <a:blip r:embed="rId2">
-            <a:extLst>
-              <a:ext uri="{28A0092B-C50C-407E-A947-70E740481C1C}">
-                <a14:useLocalDpi xmlns:a14="http://schemas.microsoft.com/office/drawing/2010/main" val="0"/>
-              </a:ext>
-            </a:extLst>
-          </a:blip>
-          <a:stretch>
-            <a:fillRect/>
-          </a:stretch>
-        </p:blipFill>
-        <p:spPr>
-          <a:xfrm>
-            <a:off x="4930159" y="3011715"/>
-            <a:ext cx="1619318" cy="3632324"/>
-          </a:xfrm>
-          <a:prstGeom prst="rect">
-            <a:avLst/>
-          </a:prstGeom>
-        </p:spPr>
-      </p:pic>
       <p:grpSp>
         <p:nvGrpSpPr>
           <p:cNvPr id="10" name="グループ化 9">
@@ -14436,9 +15796,9 @@
         <p:grpSpPr>
           <a:xfrm>
             <a:off x="477207" y="903513"/>
-            <a:ext cx="10945298" cy="646331"/>
+            <a:ext cx="10945298" cy="923330"/>
             <a:chOff x="254945" y="903513"/>
-            <a:chExt cx="10945298" cy="646331"/>
+            <a:chExt cx="10945298" cy="923330"/>
           </a:xfrm>
         </p:grpSpPr>
         <p:sp>
@@ -14456,7 +15816,7 @@
           <p:spPr>
             <a:xfrm>
               <a:off x="620103" y="903513"/>
-              <a:ext cx="10580140" cy="646331"/>
+              <a:ext cx="10580140" cy="923330"/>
             </a:xfrm>
             <a:prstGeom prst="rect">
               <a:avLst/>
@@ -14502,8 +15862,24 @@
             <a:p>
               <a:r>
                 <a:rPr lang="ja-JP" altLang="en-US" dirty="0"/>
-                <a:t>モデルを作成してください</a:t>
-              </a:r>
+                <a:t>モデルを作成して</a:t>
+              </a:r>
+              <a:r>
+                <a:rPr lang="ja-JP" altLang="en-US" dirty="0" smtClean="0"/>
+                <a:t>ください。</a:t>
+              </a:r>
+              <a:endParaRPr lang="en-US" altLang="ja-JP" dirty="0" smtClean="0"/>
+            </a:p>
+            <a:p>
+              <a:r>
+                <a:rPr lang="ja-JP" altLang="en-US" dirty="0"/>
+                <a:t>モデル</a:t>
+              </a:r>
+              <a:r>
+                <a:rPr lang="ja-JP" altLang="en-US" dirty="0" smtClean="0"/>
+                <a:t>は適宜保存してください。</a:t>
+              </a:r>
+              <a:endParaRPr lang="ja-JP" altLang="en-US" dirty="0"/>
             </a:p>
           </p:txBody>
         </p:sp>
@@ -14620,8 +15996,13 @@
             <a:p>
               <a:r>
                 <a:rPr lang="ja-JP" altLang="en-US" dirty="0"/>
-                <a:t>インスタンスを作成してください</a:t>
-              </a:r>
+                <a:t>インスタンスを作成して</a:t>
+              </a:r>
+              <a:r>
+                <a:rPr lang="ja-JP" altLang="en-US" dirty="0" smtClean="0"/>
+                <a:t>ください。</a:t>
+              </a:r>
+              <a:endParaRPr lang="ja-JP" altLang="en-US" dirty="0"/>
             </a:p>
           </p:txBody>
         </p:sp>
@@ -14690,6 +16071,174 @@
           </a:p>
         </p:txBody>
       </p:sp>
+      <p:pic>
+        <p:nvPicPr>
+          <p:cNvPr id="2" name="図 1"/>
+          <p:cNvPicPr>
+            <a:picLocks noChangeAspect="1"/>
+          </p:cNvPicPr>
+          <p:nvPr/>
+        </p:nvPicPr>
+        <p:blipFill>
+          <a:blip r:embed="rId2"/>
+          <a:stretch>
+            <a:fillRect/>
+          </a:stretch>
+        </p:blipFill>
+        <p:spPr>
+          <a:xfrm>
+            <a:off x="1771740" y="2744692"/>
+            <a:ext cx="7834039" cy="3886537"/>
+          </a:xfrm>
+          <a:prstGeom prst="rect">
+            <a:avLst/>
+          </a:prstGeom>
+        </p:spPr>
+      </p:pic>
+      <p:sp>
+        <p:nvSpPr>
+          <p:cNvPr id="15" name="四角形: 角を丸くする 12">
+            <a:extLst>
+              <a:ext uri="{FF2B5EF4-FFF2-40B4-BE49-F238E27FC236}">
+                <a16:creationId xmlns:a16="http://schemas.microsoft.com/office/drawing/2014/main" id="{C1FDBAAF-FA3B-445B-98B6-E17047FF16CD}"/>
+              </a:ext>
+            </a:extLst>
+          </p:cNvPr>
+          <p:cNvSpPr/>
+          <p:nvPr/>
+        </p:nvSpPr>
+        <p:spPr>
+          <a:xfrm>
+            <a:off x="2369999" y="5747958"/>
+            <a:ext cx="1650821" cy="282001"/>
+          </a:xfrm>
+          <a:prstGeom prst="roundRect">
+            <a:avLst/>
+          </a:prstGeom>
+          <a:noFill/>
+          <a:ln w="28575">
+            <a:solidFill>
+              <a:srgbClr val="FF0000"/>
+            </a:solidFill>
+          </a:ln>
+        </p:spPr>
+        <p:style>
+          <a:lnRef idx="2">
+            <a:schemeClr val="accent1">
+              <a:shade val="50000"/>
+            </a:schemeClr>
+          </a:lnRef>
+          <a:fillRef idx="1">
+            <a:schemeClr val="accent1"/>
+          </a:fillRef>
+          <a:effectRef idx="0">
+            <a:schemeClr val="accent1"/>
+          </a:effectRef>
+          <a:fontRef idx="minor">
+            <a:schemeClr val="lt1"/>
+          </a:fontRef>
+        </p:style>
+        <p:txBody>
+          <a:bodyPr rtlCol="0" anchor="ctr"/>
+          <a:lstStyle/>
+          <a:p>
+            <a:pPr algn="ctr"/>
+            <a:endParaRPr kumimoji="1" lang="ja-JP" altLang="en-US"/>
+          </a:p>
+        </p:txBody>
+      </p:sp>
+      <p:cxnSp>
+        <p:nvCxnSpPr>
+          <p:cNvPr id="16" name="直線矢印コネクタ 15">
+            <a:extLst>
+              <a:ext uri="{FF2B5EF4-FFF2-40B4-BE49-F238E27FC236}">
+                <a16:creationId xmlns:a16="http://schemas.microsoft.com/office/drawing/2014/main" id="{54311BD0-83AC-45C7-AA8D-22A0745E1EB1}"/>
+              </a:ext>
+            </a:extLst>
+          </p:cNvPr>
+          <p:cNvCxnSpPr>
+            <a:cxnSpLocks/>
+            <a:endCxn id="15" idx="3"/>
+          </p:cNvCxnSpPr>
+          <p:nvPr/>
+        </p:nvCxnSpPr>
+        <p:spPr>
+          <a:xfrm flipH="1">
+            <a:off x="4020820" y="4124960"/>
+            <a:ext cx="2547620" cy="1763999"/>
+          </a:xfrm>
+          <a:prstGeom prst="straightConnector1">
+            <a:avLst/>
+          </a:prstGeom>
+          <a:ln w="28575">
+            <a:solidFill>
+              <a:srgbClr val="FF0000"/>
+            </a:solidFill>
+            <a:headEnd type="triangle" w="med" len="med"/>
+            <a:tailEnd type="none" w="med" len="med"/>
+          </a:ln>
+        </p:spPr>
+        <p:style>
+          <a:lnRef idx="1">
+            <a:schemeClr val="accent1"/>
+          </a:lnRef>
+          <a:fillRef idx="0">
+            <a:schemeClr val="accent1"/>
+          </a:fillRef>
+          <a:effectRef idx="0">
+            <a:schemeClr val="accent1"/>
+          </a:effectRef>
+          <a:fontRef idx="minor">
+            <a:schemeClr val="tx1"/>
+          </a:fontRef>
+        </p:style>
+      </p:cxnSp>
+      <p:cxnSp>
+        <p:nvCxnSpPr>
+          <p:cNvPr id="19" name="直線矢印コネクタ 18">
+            <a:extLst>
+              <a:ext uri="{FF2B5EF4-FFF2-40B4-BE49-F238E27FC236}">
+                <a16:creationId xmlns:a16="http://schemas.microsoft.com/office/drawing/2014/main" id="{54311BD0-83AC-45C7-AA8D-22A0745E1EB1}"/>
+              </a:ext>
+            </a:extLst>
+          </p:cNvPr>
+          <p:cNvCxnSpPr>
+            <a:cxnSpLocks/>
+            <a:endCxn id="15" idx="3"/>
+          </p:cNvCxnSpPr>
+          <p:nvPr/>
+        </p:nvCxnSpPr>
+        <p:spPr>
+          <a:xfrm flipH="1">
+            <a:off x="4020820" y="5567680"/>
+            <a:ext cx="2527300" cy="321279"/>
+          </a:xfrm>
+          <a:prstGeom prst="straightConnector1">
+            <a:avLst/>
+          </a:prstGeom>
+          <a:ln w="28575">
+            <a:solidFill>
+              <a:srgbClr val="FF0000"/>
+            </a:solidFill>
+            <a:headEnd type="triangle" w="med" len="med"/>
+            <a:tailEnd type="none" w="med" len="med"/>
+          </a:ln>
+        </p:spPr>
+        <p:style>
+          <a:lnRef idx="1">
+            <a:schemeClr val="accent1"/>
+          </a:lnRef>
+          <a:fillRef idx="0">
+            <a:schemeClr val="accent1"/>
+          </a:fillRef>
+          <a:effectRef idx="0">
+            <a:schemeClr val="accent1"/>
+          </a:effectRef>
+          <a:fontRef idx="minor">
+            <a:schemeClr val="tx1"/>
+          </a:fontRef>
+        </p:style>
+      </p:cxnSp>
     </p:spTree>
     <p:extLst>
       <p:ext uri="{BB962C8B-B14F-4D97-AF65-F5344CB8AC3E}">
@@ -14700,6 +16249,13 @@
   <p:clrMapOvr>
     <a:masterClrMapping/>
   </p:clrMapOvr>
+  <p:timing>
+    <p:tnLst>
+      <p:par>
+        <p:cTn id="1" dur="indefinite" restart="never" nodeType="tmRoot"/>
+      </p:par>
+    </p:tnLst>
+  </p:timing>
 </p:sld>
 </file>
 
@@ -14745,7 +16301,7 @@
           </a:ln>
           <a:extLst>
             <a:ext uri="{C572A759-6A51-4108-AA02-DFA0A04FC94B}">
-              <ma14:wrappingTextBoxFlag xmlns:ma14="http://schemas.microsoft.com/office/mac/drawingml/2011/main" xmlns="" val="1"/>
+              <ma14:wrappingTextBoxFlag xmlns="" xmlns:ma14="http://schemas.microsoft.com/office/mac/drawingml/2011/main" val="1"/>
             </a:ext>
           </a:extLst>
         </p:spPr>
@@ -14793,10 +16349,10 @@
         </p:nvGrpSpPr>
         <p:grpSpPr>
           <a:xfrm>
-            <a:off x="1678266" y="1314855"/>
-            <a:ext cx="5166472" cy="830997"/>
+            <a:off x="745012" y="975563"/>
+            <a:ext cx="4858696" cy="830997"/>
             <a:chOff x="254945" y="903513"/>
-            <a:chExt cx="5166472" cy="830997"/>
+            <a:chExt cx="4858696" cy="830997"/>
           </a:xfrm>
         </p:grpSpPr>
         <p:sp>
@@ -14814,7 +16370,7 @@
           <p:spPr>
             <a:xfrm>
               <a:off x="620103" y="903513"/>
-              <a:ext cx="4801314" cy="830997"/>
+              <a:ext cx="4493538" cy="830997"/>
             </a:xfrm>
             <a:prstGeom prst="rect">
               <a:avLst/>
@@ -14829,7 +16385,15 @@
             <a:p>
               <a:r>
                 <a:rPr lang="ja-JP" altLang="en-US" sz="2400" dirty="0"/>
-                <a:t>以下のアイコンを作成してます。</a:t>
+                <a:t>以下のアイコンを作成</a:t>
+              </a:r>
+              <a:r>
+                <a:rPr lang="ja-JP" altLang="en-US" sz="2400" dirty="0" smtClean="0"/>
+                <a:t>します</a:t>
+              </a:r>
+              <a:r>
+                <a:rPr lang="ja-JP" altLang="en-US" sz="2400" dirty="0"/>
+                <a:t>。</a:t>
               </a:r>
               <a:endParaRPr lang="en-US" altLang="ja-JP" sz="2400" dirty="0"/>
             </a:p>
@@ -14945,7 +16509,7 @@
           <p:spPr>
             <a:xfrm>
               <a:off x="6768133" y="2679061"/>
-              <a:ext cx="5093847" cy="1036134"/>
+              <a:ext cx="5093847" cy="1354944"/>
             </a:xfrm>
             <a:prstGeom prst="rect">
               <a:avLst/>
@@ -14989,7 +16553,11 @@
             <a:p>
               <a:r>
                 <a:rPr lang="ja-JP" altLang="en-US" sz="2400" dirty="0"/>
-                <a:t>　位置</a:t>
+                <a:t>　</a:t>
+              </a:r>
+              <a:r>
+                <a:rPr lang="ja-JP" altLang="en-US" sz="2400" dirty="0" smtClean="0"/>
+                <a:t>他のモデルと位置</a:t>
               </a:r>
               <a:r>
                 <a:rPr lang="en-US" altLang="ja-JP" sz="2400" dirty="0"/>
@@ -15004,8 +16572,12 @@
                 <a:t>f</a:t>
               </a:r>
               <a:r>
+                <a:rPr lang="ja-JP" altLang="en-US" sz="2400" dirty="0" smtClean="0"/>
+                <a:t>の受け渡しを</a:t>
+              </a:r>
+              <a:r>
                 <a:rPr lang="ja-JP" altLang="en-US" sz="2400" dirty="0"/>
-                <a:t>のやり取りを可能にします</a:t>
+                <a:t>可能にします</a:t>
               </a:r>
             </a:p>
           </p:txBody>
@@ -15028,8 +16600,8 @@
           </p:nvCxnSpPr>
           <p:spPr>
             <a:xfrm flipH="1">
-              <a:off x="6483429" y="3197129"/>
-              <a:ext cx="284704" cy="518067"/>
+              <a:off x="6483429" y="3356533"/>
+              <a:ext cx="284704" cy="358662"/>
             </a:xfrm>
             <a:prstGeom prst="straightConnector1">
               <a:avLst/>
@@ -15179,8 +16751,8 @@
           </p:nvCxnSpPr>
           <p:spPr>
             <a:xfrm flipH="1">
-              <a:off x="3640012" y="3197129"/>
-              <a:ext cx="3128121" cy="535895"/>
+              <a:off x="3640012" y="3356533"/>
+              <a:ext cx="3128121" cy="376490"/>
             </a:xfrm>
             <a:prstGeom prst="straightConnector1">
               <a:avLst/>
@@ -15248,6 +16820,13 @@
   <p:clrMapOvr>
     <a:masterClrMapping/>
   </p:clrMapOvr>
+  <p:timing>
+    <p:tnLst>
+      <p:par>
+        <p:cTn id="1" dur="indefinite" restart="never" nodeType="tmRoot"/>
+      </p:par>
+    </p:tnLst>
+  </p:timing>
 </p:sld>
 </file>
 

--- a/4_CustomizeModel2_ParallelSprings/OpenModelica_Tutorials_4.pptx
+++ b/4_CustomizeModel2_ParallelSprings/OpenModelica_Tutorials_4.pptx
@@ -4301,7 +4301,7 @@
           </a:ln>
           <a:extLst>
             <a:ext uri="{C572A759-6A51-4108-AA02-DFA0A04FC94B}">
-              <ma14:wrappingTextBoxFlag xmlns="" xmlns:ma14="http://schemas.microsoft.com/office/mac/drawingml/2011/main" val="1"/>
+              <ma14:wrappingTextBoxFlag xmlns:ma14="http://schemas.microsoft.com/office/mac/drawingml/2011/main" xmlns="" val="1"/>
             </a:ext>
           </a:extLst>
         </p:spPr>
@@ -5037,7 +5037,7 @@
           </a:ln>
           <a:extLst>
             <a:ext uri="{C572A759-6A51-4108-AA02-DFA0A04FC94B}">
-              <ma14:wrappingTextBoxFlag xmlns="" xmlns:ma14="http://schemas.microsoft.com/office/mac/drawingml/2011/main" val="1"/>
+              <ma14:wrappingTextBoxFlag xmlns:ma14="http://schemas.microsoft.com/office/mac/drawingml/2011/main" xmlns="" val="1"/>
             </a:ext>
           </a:extLst>
         </p:spPr>
@@ -5609,7 +5609,7 @@
           </a:ln>
           <a:extLst>
             <a:ext uri="{C572A759-6A51-4108-AA02-DFA0A04FC94B}">
-              <ma14:wrappingTextBoxFlag xmlns="" xmlns:ma14="http://schemas.microsoft.com/office/mac/drawingml/2011/main" val="1"/>
+              <ma14:wrappingTextBoxFlag xmlns:ma14="http://schemas.microsoft.com/office/mac/drawingml/2011/main" xmlns="" val="1"/>
             </a:ext>
           </a:extLst>
         </p:spPr>
@@ -5966,7 +5966,7 @@
           </a:ln>
           <a:extLst>
             <a:ext uri="{C572A759-6A51-4108-AA02-DFA0A04FC94B}">
-              <ma14:wrappingTextBoxFlag xmlns="" xmlns:ma14="http://schemas.microsoft.com/office/mac/drawingml/2011/main" val="1"/>
+              <ma14:wrappingTextBoxFlag xmlns:ma14="http://schemas.microsoft.com/office/mac/drawingml/2011/main" xmlns="" val="1"/>
             </a:ext>
           </a:extLst>
         </p:spPr>
@@ -6495,7 +6495,7 @@
           </a:ln>
           <a:extLst>
             <a:ext uri="{C572A759-6A51-4108-AA02-DFA0A04FC94B}">
-              <ma14:wrappingTextBoxFlag xmlns="" xmlns:ma14="http://schemas.microsoft.com/office/mac/drawingml/2011/main" val="1"/>
+              <ma14:wrappingTextBoxFlag xmlns:ma14="http://schemas.microsoft.com/office/mac/drawingml/2011/main" xmlns="" val="1"/>
             </a:ext>
           </a:extLst>
         </p:spPr>
@@ -6879,7 +6879,7 @@
           </a:ln>
           <a:extLst>
             <a:ext uri="{C572A759-6A51-4108-AA02-DFA0A04FC94B}">
-              <ma14:wrappingTextBoxFlag xmlns="" xmlns:ma14="http://schemas.microsoft.com/office/mac/drawingml/2011/main" val="1"/>
+              <ma14:wrappingTextBoxFlag xmlns:ma14="http://schemas.microsoft.com/office/mac/drawingml/2011/main" xmlns="" val="1"/>
             </a:ext>
           </a:extLst>
         </p:spPr>
@@ -7772,7 +7772,7 @@
           </a:ln>
           <a:extLst>
             <a:ext uri="{C572A759-6A51-4108-AA02-DFA0A04FC94B}">
-              <ma14:wrappingTextBoxFlag xmlns="" xmlns:ma14="http://schemas.microsoft.com/office/mac/drawingml/2011/main" val="1"/>
+              <ma14:wrappingTextBoxFlag xmlns:ma14="http://schemas.microsoft.com/office/mac/drawingml/2011/main" xmlns="" val="1"/>
             </a:ext>
           </a:extLst>
         </p:spPr>
@@ -7909,7 +7909,6 @@
                 <a:rPr lang="ja-JP" altLang="en-US" dirty="0"/>
                 <a:t>以下のようになることを確認してください</a:t>
               </a:r>
-              <a:endParaRPr lang="ja-JP" altLang="en-US" dirty="0"/>
             </a:p>
           </p:txBody>
         </p:sp>
@@ -8012,7 +8011,7 @@
           </a:ln>
           <a:extLst>
             <a:ext uri="{C572A759-6A51-4108-AA02-DFA0A04FC94B}">
-              <ma14:wrappingTextBoxFlag xmlns="" xmlns:ma14="http://schemas.microsoft.com/office/mac/drawingml/2011/main" val="1"/>
+              <ma14:wrappingTextBoxFlag xmlns:ma14="http://schemas.microsoft.com/office/mac/drawingml/2011/main" xmlns="" val="1"/>
             </a:ext>
           </a:extLst>
         </p:spPr>
@@ -8618,7 +8617,7 @@
           </a:ln>
           <a:extLst>
             <a:ext uri="{C572A759-6A51-4108-AA02-DFA0A04FC94B}">
-              <ma14:wrappingTextBoxFlag xmlns="" xmlns:ma14="http://schemas.microsoft.com/office/mac/drawingml/2011/main" val="1"/>
+              <ma14:wrappingTextBoxFlag xmlns:ma14="http://schemas.microsoft.com/office/mac/drawingml/2011/main" xmlns="" val="1"/>
             </a:ext>
           </a:extLst>
         </p:spPr>
@@ -8766,7 +8765,6 @@
                 <a:rPr lang="ja-JP" altLang="en-US" dirty="0"/>
                 <a:t>以下のようになることを確認してください</a:t>
               </a:r>
-              <a:endParaRPr lang="ja-JP" altLang="en-US" dirty="0"/>
             </a:p>
           </p:txBody>
         </p:sp>
@@ -8869,7 +8867,7 @@
           </a:ln>
           <a:extLst>
             <a:ext uri="{C572A759-6A51-4108-AA02-DFA0A04FC94B}">
-              <ma14:wrappingTextBoxFlag xmlns="" xmlns:ma14="http://schemas.microsoft.com/office/mac/drawingml/2011/main" val="1"/>
+              <ma14:wrappingTextBoxFlag xmlns:ma14="http://schemas.microsoft.com/office/mac/drawingml/2011/main" xmlns="" val="1"/>
             </a:ext>
           </a:extLst>
         </p:spPr>
@@ -9266,8 +9264,17 @@
             </a:r>
             <a:r>
               <a:rPr kumimoji="1" lang="ja-JP" altLang="en-US" sz="2400" dirty="0"/>
-              <a:t>チュートリアルは作成されています</a:t>
-            </a:r>
+              <a:t>チュートリアルは作成</a:t>
+            </a:r>
+            <a:r>
+              <a:rPr kumimoji="1" lang="ja-JP" altLang="en-US" sz="2400"/>
+              <a:t>されて</a:t>
+            </a:r>
+            <a:r>
+              <a:rPr kumimoji="1" lang="ja-JP" altLang="en-US" sz="2400" smtClean="0"/>
+              <a:t>います。</a:t>
+            </a:r>
+            <a:endParaRPr kumimoji="1" lang="ja-JP" altLang="en-US" sz="2400" dirty="0"/>
           </a:p>
         </p:txBody>
       </p:sp>
@@ -9312,45 +9319,53 @@
           <a:p>
             <a:r>
               <a:rPr lang="ja-JP" altLang="en-US" sz="2400" dirty="0"/>
-              <a:t>　　しております</a:t>
-            </a:r>
-            <a:endParaRPr kumimoji="1" lang="en-US" altLang="ja-JP" sz="2400" dirty="0"/>
-          </a:p>
-          <a:p>
+              <a:t>　　して</a:t>
+            </a:r>
+            <a:r>
+              <a:rPr lang="ja-JP" altLang="en-US" sz="2400" dirty="0" smtClean="0"/>
+              <a:t>おります。</a:t>
+            </a:r>
+            <a:endParaRPr kumimoji="1" lang="en-US" altLang="ja-JP" sz="2400" dirty="0" smtClean="0"/>
+          </a:p>
+          <a:p>
+            <a:r>
+              <a:rPr lang="ja-JP" altLang="en-US" sz="2400" dirty="0" smtClean="0"/>
+              <a:t>　　</a:t>
+            </a:r>
+            <a:r>
+              <a:rPr kumimoji="1" lang="ja-JP" altLang="en-US" sz="2400" dirty="0" smtClean="0"/>
+              <a:t>「</a:t>
+            </a:r>
+            <a:r>
+              <a:rPr kumimoji="1" lang="en-US" altLang="ja-JP" sz="2400" dirty="0" err="1" smtClean="0"/>
+              <a:t>OpenModelica</a:t>
+            </a:r>
+            <a:r>
+              <a:rPr kumimoji="1" lang="ja-JP" altLang="en-US" sz="2400" dirty="0" smtClean="0"/>
+              <a:t>超初級チュートリアル</a:t>
+            </a:r>
+            <a:r>
+              <a:rPr kumimoji="1" lang="en-US" altLang="ja-JP" sz="2400" dirty="0" smtClean="0"/>
+              <a:t>1.</a:t>
+            </a:r>
+            <a:r>
+              <a:rPr kumimoji="1" lang="ja-JP" altLang="en-US" sz="2400" dirty="0" smtClean="0"/>
+              <a:t>解析モデルの作成と実行</a:t>
+            </a:r>
+            <a:r>
+              <a:rPr lang="ja-JP" altLang="en-US" sz="2400" dirty="0" smtClean="0"/>
+              <a:t>」</a:t>
+            </a:r>
+            <a:endParaRPr lang="en-US" altLang="ja-JP" sz="2400" dirty="0" smtClean="0"/>
+          </a:p>
+          <a:p>
+            <a:r>
+              <a:rPr lang="ja-JP" altLang="en-US" sz="2400" dirty="0" smtClean="0"/>
+              <a:t>       </a:t>
+            </a:r>
             <a:r>
               <a:rPr lang="ja-JP" altLang="en-US" sz="2400" dirty="0"/>
-              <a:t>　　</a:t>
-            </a:r>
-            <a:r>
-              <a:rPr kumimoji="1" lang="ja-JP" altLang="en-US" sz="2400" dirty="0"/>
               <a:t>「</a:t>
-            </a:r>
-            <a:r>
-              <a:rPr kumimoji="1" lang="en-US" altLang="ja-JP" sz="2400" dirty="0" err="1"/>
-              <a:t>OpenModelica</a:t>
-            </a:r>
-            <a:r>
-              <a:rPr kumimoji="1" lang="ja-JP" altLang="en-US" sz="2400" dirty="0"/>
-              <a:t>超初級チュートリアル</a:t>
-            </a:r>
-            <a:r>
-              <a:rPr kumimoji="1" lang="en-US" altLang="ja-JP" sz="2400" dirty="0"/>
-              <a:t>1.</a:t>
-            </a:r>
-            <a:r>
-              <a:rPr kumimoji="1" lang="ja-JP" altLang="en-US" sz="2400" dirty="0"/>
-              <a:t>解析モデルの作成と実行</a:t>
-            </a:r>
-            <a:r>
-              <a:rPr lang="ja-JP" altLang="en-US" sz="2400" dirty="0"/>
-              <a:t>」</a:t>
-            </a:r>
-            <a:endParaRPr lang="en-US" altLang="ja-JP" sz="2400" dirty="0"/>
-          </a:p>
-          <a:p>
-            <a:r>
-              <a:rPr lang="ja-JP" altLang="en-US" sz="2400" dirty="0"/>
-              <a:t>       「</a:t>
             </a:r>
             <a:r>
               <a:rPr lang="en-US" altLang="ja-JP" sz="2400" dirty="0" err="1"/>
@@ -9479,7 +9494,7 @@
           </a:ln>
           <a:extLst>
             <a:ext uri="{C572A759-6A51-4108-AA02-DFA0A04FC94B}">
-              <ma14:wrappingTextBoxFlag xmlns="" xmlns:ma14="http://schemas.microsoft.com/office/mac/drawingml/2011/main" val="1"/>
+              <ma14:wrappingTextBoxFlag xmlns:ma14="http://schemas.microsoft.com/office/mac/drawingml/2011/main" xmlns="" val="1"/>
             </a:ext>
           </a:extLst>
         </p:spPr>
@@ -9751,7 +9766,6 @@
                 <a:rPr lang="ja-JP" altLang="en-US" dirty="0"/>
                 <a:t>接続線をつなげる前に左クリックすることで途中で接続線を折り曲げることが出来ます</a:t>
               </a:r>
-              <a:endParaRPr lang="ja-JP" altLang="en-US" dirty="0"/>
             </a:p>
           </p:txBody>
         </p:sp>
@@ -9854,7 +9868,7 @@
           </a:ln>
           <a:extLst>
             <a:ext uri="{C572A759-6A51-4108-AA02-DFA0A04FC94B}">
-              <ma14:wrappingTextBoxFlag xmlns="" xmlns:ma14="http://schemas.microsoft.com/office/mac/drawingml/2011/main" val="1"/>
+              <ma14:wrappingTextBoxFlag xmlns:ma14="http://schemas.microsoft.com/office/mac/drawingml/2011/main" xmlns="" val="1"/>
             </a:ext>
           </a:extLst>
         </p:spPr>
@@ -10331,7 +10345,6 @@
                 <a:rPr lang="ja-JP" altLang="en-US" dirty="0"/>
                 <a:t>です。</a:t>
               </a:r>
-              <a:endParaRPr lang="ja-JP" altLang="en-US" dirty="0"/>
             </a:p>
           </p:txBody>
         </p:sp>
@@ -10434,7 +10447,7 @@
           </a:ln>
           <a:extLst>
             <a:ext uri="{C572A759-6A51-4108-AA02-DFA0A04FC94B}">
-              <ma14:wrappingTextBoxFlag xmlns="" xmlns:ma14="http://schemas.microsoft.com/office/mac/drawingml/2011/main" val="1"/>
+              <ma14:wrappingTextBoxFlag xmlns:ma14="http://schemas.microsoft.com/office/mac/drawingml/2011/main" xmlns="" val="1"/>
             </a:ext>
           </a:extLst>
         </p:spPr>
@@ -10892,7 +10905,6 @@
                 <a:rPr lang="ja-JP" altLang="en-US" dirty="0"/>
                 <a:t>に入力してください。</a:t>
               </a:r>
-              <a:endParaRPr lang="ja-JP" altLang="en-US" dirty="0"/>
             </a:p>
           </p:txBody>
         </p:sp>
@@ -11019,7 +11031,7 @@
           </a:ln>
           <a:extLst>
             <a:ext uri="{C572A759-6A51-4108-AA02-DFA0A04FC94B}">
-              <ma14:wrappingTextBoxFlag xmlns="" xmlns:ma14="http://schemas.microsoft.com/office/mac/drawingml/2011/main" val="1"/>
+              <ma14:wrappingTextBoxFlag xmlns:ma14="http://schemas.microsoft.com/office/mac/drawingml/2011/main" xmlns="" val="1"/>
             </a:ext>
           </a:extLst>
         </p:spPr>
@@ -11639,7 +11651,7 @@
           </a:ln>
           <a:extLst>
             <a:ext uri="{C572A759-6A51-4108-AA02-DFA0A04FC94B}">
-              <ma14:wrappingTextBoxFlag xmlns="" xmlns:ma14="http://schemas.microsoft.com/office/mac/drawingml/2011/main" val="1"/>
+              <ma14:wrappingTextBoxFlag xmlns:ma14="http://schemas.microsoft.com/office/mac/drawingml/2011/main" xmlns="" val="1"/>
             </a:ext>
           </a:extLst>
         </p:spPr>
@@ -11902,7 +11914,7 @@
           </a:ln>
           <a:extLst>
             <a:ext uri="{C572A759-6A51-4108-AA02-DFA0A04FC94B}">
-              <ma14:wrappingTextBoxFlag xmlns="" xmlns:ma14="http://schemas.microsoft.com/office/mac/drawingml/2011/main" val="1"/>
+              <ma14:wrappingTextBoxFlag xmlns:ma14="http://schemas.microsoft.com/office/mac/drawingml/2011/main" xmlns="" val="1"/>
             </a:ext>
           </a:extLst>
         </p:spPr>
@@ -12255,7 +12267,7 @@
           </a:ln>
           <a:extLst>
             <a:ext uri="{C572A759-6A51-4108-AA02-DFA0A04FC94B}">
-              <ma14:wrappingTextBoxFlag xmlns="" xmlns:ma14="http://schemas.microsoft.com/office/mac/drawingml/2011/main" val="1"/>
+              <ma14:wrappingTextBoxFlag xmlns:ma14="http://schemas.microsoft.com/office/mac/drawingml/2011/main" xmlns="" val="1"/>
             </a:ext>
           </a:extLst>
         </p:spPr>
@@ -12735,7 +12747,7 @@
           </a:ln>
           <a:extLst>
             <a:ext uri="{C572A759-6A51-4108-AA02-DFA0A04FC94B}">
-              <ma14:wrappingTextBoxFlag xmlns="" xmlns:ma14="http://schemas.microsoft.com/office/mac/drawingml/2011/main" val="1"/>
+              <ma14:wrappingTextBoxFlag xmlns:ma14="http://schemas.microsoft.com/office/mac/drawingml/2011/main" xmlns="" val="1"/>
             </a:ext>
           </a:extLst>
         </p:spPr>
@@ -13056,7 +13068,7 @@
           </a:ln>
           <a:extLst>
             <a:ext uri="{C572A759-6A51-4108-AA02-DFA0A04FC94B}">
-              <ma14:wrappingTextBoxFlag xmlns="" xmlns:ma14="http://schemas.microsoft.com/office/mac/drawingml/2011/main" val="1"/>
+              <ma14:wrappingTextBoxFlag xmlns:ma14="http://schemas.microsoft.com/office/mac/drawingml/2011/main" xmlns="" val="1"/>
             </a:ext>
           </a:extLst>
         </p:spPr>
@@ -13864,7 +13876,7 @@
           </a:ln>
           <a:extLst>
             <a:ext uri="{C572A759-6A51-4108-AA02-DFA0A04FC94B}">
-              <ma14:wrappingTextBoxFlag xmlns="" xmlns:ma14="http://schemas.microsoft.com/office/mac/drawingml/2011/main" val="1"/>
+              <ma14:wrappingTextBoxFlag xmlns:ma14="http://schemas.microsoft.com/office/mac/drawingml/2011/main" xmlns="" val="1"/>
             </a:ext>
           </a:extLst>
         </p:spPr>
@@ -14281,7 +14293,7 @@
           </a:ln>
           <a:extLst>
             <a:ext uri="{C572A759-6A51-4108-AA02-DFA0A04FC94B}">
-              <ma14:wrappingTextBoxFlag xmlns="" xmlns:ma14="http://schemas.microsoft.com/office/mac/drawingml/2011/main" val="1"/>
+              <ma14:wrappingTextBoxFlag xmlns:ma14="http://schemas.microsoft.com/office/mac/drawingml/2011/main" xmlns="" val="1"/>
             </a:ext>
           </a:extLst>
         </p:spPr>
@@ -14735,7 +14747,7 @@
           </a:ln>
           <a:extLst>
             <a:ext uri="{C572A759-6A51-4108-AA02-DFA0A04FC94B}">
-              <ma14:wrappingTextBoxFlag xmlns="" xmlns:ma14="http://schemas.microsoft.com/office/mac/drawingml/2011/main" val="1"/>
+              <ma14:wrappingTextBoxFlag xmlns:ma14="http://schemas.microsoft.com/office/mac/drawingml/2011/main" xmlns="" val="1"/>
             </a:ext>
           </a:extLst>
         </p:spPr>
@@ -15755,7 +15767,7 @@
           </a:ln>
           <a:extLst>
             <a:ext uri="{C572A759-6A51-4108-AA02-DFA0A04FC94B}">
-              <ma14:wrappingTextBoxFlag xmlns="" xmlns:ma14="http://schemas.microsoft.com/office/mac/drawingml/2011/main" val="1"/>
+              <ma14:wrappingTextBoxFlag xmlns:ma14="http://schemas.microsoft.com/office/mac/drawingml/2011/main" xmlns="" val="1"/>
             </a:ext>
           </a:extLst>
         </p:spPr>
@@ -16301,7 +16313,7 @@
           </a:ln>
           <a:extLst>
             <a:ext uri="{C572A759-6A51-4108-AA02-DFA0A04FC94B}">
-              <ma14:wrappingTextBoxFlag xmlns="" xmlns:ma14="http://schemas.microsoft.com/office/mac/drawingml/2011/main" val="1"/>
+              <ma14:wrappingTextBoxFlag xmlns:ma14="http://schemas.microsoft.com/office/mac/drawingml/2011/main" xmlns="" val="1"/>
             </a:ext>
           </a:extLst>
         </p:spPr>

--- a/4_CustomizeModel2_ParallelSprings/OpenModelica_Tutorials_4.pptx
+++ b/4_CustomizeModel2_ParallelSprings/OpenModelica_Tutorials_4.pptx
@@ -245,7 +245,7 @@
           <a:p>
             <a:fld id="{48BDAED4-8D25-43AD-8EF1-149C3264C00D}" type="datetimeFigureOut">
               <a:rPr kumimoji="1" lang="ja-JP" altLang="en-US" smtClean="0"/>
-              <a:t>2020/4/9</a:t>
+              <a:t>2020/4/10</a:t>
             </a:fld>
             <a:endParaRPr kumimoji="1" lang="ja-JP" altLang="en-US"/>
           </a:p>
@@ -715,7 +715,7 @@
           <a:p>
             <a:fld id="{4BF116AF-D557-4F39-9FFB-27E038FB1090}" type="datetime1">
               <a:rPr kumimoji="1" lang="ja-JP" altLang="en-US" smtClean="0"/>
-              <a:t>2020/4/9</a:t>
+              <a:t>2020/4/10</a:t>
             </a:fld>
             <a:endParaRPr kumimoji="1" lang="ja-JP" altLang="en-US"/>
           </a:p>
@@ -945,7 +945,7 @@
           <a:p>
             <a:fld id="{593F3817-63D9-43DC-A6B4-F38E7E22B334}" type="datetime1">
               <a:rPr kumimoji="1" lang="ja-JP" altLang="en-US" smtClean="0"/>
-              <a:t>2020/4/9</a:t>
+              <a:t>2020/4/10</a:t>
             </a:fld>
             <a:endParaRPr kumimoji="1" lang="ja-JP" altLang="en-US"/>
           </a:p>
@@ -1185,7 +1185,7 @@
           <a:p>
             <a:fld id="{4B8AFDEF-C18E-4EED-9139-A18CEE1575B1}" type="datetime1">
               <a:rPr kumimoji="1" lang="ja-JP" altLang="en-US" smtClean="0"/>
-              <a:t>2020/4/9</a:t>
+              <a:t>2020/4/10</a:t>
             </a:fld>
             <a:endParaRPr kumimoji="1" lang="ja-JP" altLang="en-US"/>
           </a:p>
@@ -1415,7 +1415,7 @@
           <a:p>
             <a:fld id="{F5B489AD-72A1-4847-9821-843F353584A4}" type="datetime1">
               <a:rPr kumimoji="1" lang="ja-JP" altLang="en-US" smtClean="0"/>
-              <a:t>2020/4/9</a:t>
+              <a:t>2020/4/10</a:t>
             </a:fld>
             <a:endParaRPr kumimoji="1" lang="ja-JP" altLang="en-US"/>
           </a:p>
@@ -1690,7 +1690,7 @@
           <a:p>
             <a:fld id="{8F941BD6-9F86-4D2C-A2C8-918FE8A17ACD}" type="datetime1">
               <a:rPr kumimoji="1" lang="ja-JP" altLang="en-US" smtClean="0"/>
-              <a:t>2020/4/9</a:t>
+              <a:t>2020/4/10</a:t>
             </a:fld>
             <a:endParaRPr kumimoji="1" lang="ja-JP" altLang="en-US"/>
           </a:p>
@@ -2019,7 +2019,7 @@
           <a:p>
             <a:fld id="{AA38B87E-EAC9-47F8-936F-712A38ACEEC0}" type="datetime1">
               <a:rPr kumimoji="1" lang="ja-JP" altLang="en-US" smtClean="0"/>
-              <a:t>2020/4/9</a:t>
+              <a:t>2020/4/10</a:t>
             </a:fld>
             <a:endParaRPr kumimoji="1" lang="ja-JP" altLang="en-US"/>
           </a:p>
@@ -2495,7 +2495,7 @@
           <a:p>
             <a:fld id="{3BA45C1C-AE36-4B61-AE86-B22D986A54B4}" type="datetime1">
               <a:rPr kumimoji="1" lang="ja-JP" altLang="en-US" smtClean="0"/>
-              <a:t>2020/4/9</a:t>
+              <a:t>2020/4/10</a:t>
             </a:fld>
             <a:endParaRPr kumimoji="1" lang="ja-JP" altLang="en-US"/>
           </a:p>
@@ -2636,7 +2636,7 @@
           <a:p>
             <a:fld id="{62A3CB3C-1835-46E7-8FFF-335DAFA2BABB}" type="datetime1">
               <a:rPr kumimoji="1" lang="ja-JP" altLang="en-US" smtClean="0"/>
-              <a:t>2020/4/9</a:t>
+              <a:t>2020/4/10</a:t>
             </a:fld>
             <a:endParaRPr kumimoji="1" lang="ja-JP" altLang="en-US"/>
           </a:p>
@@ -2749,7 +2749,7 @@
           <a:p>
             <a:fld id="{289D324E-99C4-4D83-9165-0DF7EA0DDAED}" type="datetime1">
               <a:rPr kumimoji="1" lang="ja-JP" altLang="en-US" smtClean="0"/>
-              <a:t>2020/4/9</a:t>
+              <a:t>2020/4/10</a:t>
             </a:fld>
             <a:endParaRPr kumimoji="1" lang="ja-JP" altLang="en-US"/>
           </a:p>
@@ -3092,7 +3092,7 @@
           <a:p>
             <a:fld id="{07081287-B7B6-4D06-92AC-65C5C199F8D4}" type="datetime1">
               <a:rPr kumimoji="1" lang="ja-JP" altLang="en-US" smtClean="0"/>
-              <a:t>2020/4/9</a:t>
+              <a:t>2020/4/10</a:t>
             </a:fld>
             <a:endParaRPr kumimoji="1" lang="ja-JP" altLang="en-US"/>
           </a:p>
@@ -3380,7 +3380,7 @@
           <a:p>
             <a:fld id="{F6E40CD1-55DA-4072-86C4-A863BC58A941}" type="datetime1">
               <a:rPr kumimoji="1" lang="ja-JP" altLang="en-US" smtClean="0"/>
-              <a:t>2020/4/9</a:t>
+              <a:t>2020/4/10</a:t>
             </a:fld>
             <a:endParaRPr kumimoji="1" lang="ja-JP" altLang="en-US"/>
           </a:p>
@@ -3653,7 +3653,7 @@
           <a:p>
             <a:fld id="{73DA6C2B-08CB-4C9C-9AF4-BCD1DDC1A46D}" type="datetime1">
               <a:rPr kumimoji="1" lang="ja-JP" altLang="en-US" smtClean="0"/>
-              <a:t>2020/4/9</a:t>
+              <a:t>2020/4/10</a:t>
             </a:fld>
             <a:endParaRPr kumimoji="1" lang="ja-JP" altLang="en-US"/>
           </a:p>
@@ -4256,6 +4256,13 @@
   <p:clrMapOvr>
     <a:masterClrMapping/>
   </p:clrMapOvr>
+  <p:timing>
+    <p:tnLst>
+      <p:par>
+        <p:cTn id="1" dur="indefinite" restart="never" nodeType="tmRoot"/>
+      </p:par>
+    </p:tnLst>
+  </p:timing>
 </p:sld>
 </file>
 
@@ -4301,7 +4308,7 @@
           </a:ln>
           <a:extLst>
             <a:ext uri="{C572A759-6A51-4108-AA02-DFA0A04FC94B}">
-              <ma14:wrappingTextBoxFlag xmlns:ma14="http://schemas.microsoft.com/office/mac/drawingml/2011/main" xmlns="" val="1"/>
+              <ma14:wrappingTextBoxFlag xmlns="" xmlns:ma14="http://schemas.microsoft.com/office/mac/drawingml/2011/main" val="1"/>
             </a:ext>
           </a:extLst>
         </p:spPr>
@@ -4845,102 +4852,7 @@
   <p:timing>
     <p:tnLst>
       <p:par>
-        <p:cTn id="1" dur="indefinite" restart="never" nodeType="tmRoot">
-          <p:childTnLst>
-            <p:seq concurrent="1" nextAc="seek">
-              <p:cTn id="2" dur="indefinite" nodeType="mainSeq">
-                <p:childTnLst>
-                  <p:par>
-                    <p:cTn id="3" fill="hold">
-                      <p:stCondLst>
-                        <p:cond delay="indefinite"/>
-                      </p:stCondLst>
-                      <p:childTnLst>
-                        <p:par>
-                          <p:cTn id="4" fill="hold">
-                            <p:stCondLst>
-                              <p:cond delay="0"/>
-                            </p:stCondLst>
-                            <p:childTnLst>
-                              <p:par>
-                                <p:cTn id="5" presetID="1" presetClass="entr" presetSubtype="0" fill="hold" nodeType="clickEffect">
-                                  <p:stCondLst>
-                                    <p:cond delay="0"/>
-                                  </p:stCondLst>
-                                  <p:childTnLst>
-                                    <p:set>
-                                      <p:cBhvr>
-                                        <p:cTn id="6" dur="1" fill="hold">
-                                          <p:stCondLst>
-                                            <p:cond delay="0"/>
-                                          </p:stCondLst>
-                                        </p:cTn>
-                                        <p:tgtEl>
-                                          <p:spTgt spid="14"/>
-                                        </p:tgtEl>
-                                        <p:attrNameLst>
-                                          <p:attrName>style.visibility</p:attrName>
-                                        </p:attrNameLst>
-                                      </p:cBhvr>
-                                      <p:to>
-                                        <p:strVal val="visible"/>
-                                      </p:to>
-                                    </p:set>
-                                  </p:childTnLst>
-                                </p:cTn>
-                              </p:par>
-                              <p:par>
-                                <p:cTn id="7" presetID="1" presetClass="entr" presetSubtype="0" fill="hold" nodeType="withEffect">
-                                  <p:stCondLst>
-                                    <p:cond delay="0"/>
-                                  </p:stCondLst>
-                                  <p:childTnLst>
-                                    <p:set>
-                                      <p:cBhvr>
-                                        <p:cTn id="8" dur="1" fill="hold">
-                                          <p:stCondLst>
-                                            <p:cond delay="0"/>
-                                          </p:stCondLst>
-                                        </p:cTn>
-                                        <p:tgtEl>
-                                          <p:spTgt spid="15"/>
-                                        </p:tgtEl>
-                                        <p:attrNameLst>
-                                          <p:attrName>style.visibility</p:attrName>
-                                        </p:attrNameLst>
-                                      </p:cBhvr>
-                                      <p:to>
-                                        <p:strVal val="visible"/>
-                                      </p:to>
-                                    </p:set>
-                                  </p:childTnLst>
-                                </p:cTn>
-                              </p:par>
-                            </p:childTnLst>
-                          </p:cTn>
-                        </p:par>
-                      </p:childTnLst>
-                    </p:cTn>
-                  </p:par>
-                </p:childTnLst>
-              </p:cTn>
-              <p:prevCondLst>
-                <p:cond evt="onPrev" delay="0">
-                  <p:tgtEl>
-                    <p:sldTgt/>
-                  </p:tgtEl>
-                </p:cond>
-              </p:prevCondLst>
-              <p:nextCondLst>
-                <p:cond evt="onNext" delay="0">
-                  <p:tgtEl>
-                    <p:sldTgt/>
-                  </p:tgtEl>
-                </p:cond>
-              </p:nextCondLst>
-            </p:seq>
-          </p:childTnLst>
-        </p:cTn>
+        <p:cTn id="1" dur="indefinite" restart="never" nodeType="tmRoot"/>
       </p:par>
     </p:tnLst>
   </p:timing>
@@ -5037,7 +4949,7 @@
           </a:ln>
           <a:extLst>
             <a:ext uri="{C572A759-6A51-4108-AA02-DFA0A04FC94B}">
-              <ma14:wrappingTextBoxFlag xmlns:ma14="http://schemas.microsoft.com/office/mac/drawingml/2011/main" xmlns="" val="1"/>
+              <ma14:wrappingTextBoxFlag xmlns="" xmlns:ma14="http://schemas.microsoft.com/office/mac/drawingml/2011/main" val="1"/>
             </a:ext>
           </a:extLst>
         </p:spPr>
@@ -5609,7 +5521,7 @@
           </a:ln>
           <a:extLst>
             <a:ext uri="{C572A759-6A51-4108-AA02-DFA0A04FC94B}">
-              <ma14:wrappingTextBoxFlag xmlns:ma14="http://schemas.microsoft.com/office/mac/drawingml/2011/main" xmlns="" val="1"/>
+              <ma14:wrappingTextBoxFlag xmlns="" xmlns:ma14="http://schemas.microsoft.com/office/mac/drawingml/2011/main" val="1"/>
             </a:ext>
           </a:extLst>
         </p:spPr>
@@ -5966,7 +5878,7 @@
           </a:ln>
           <a:extLst>
             <a:ext uri="{C572A759-6A51-4108-AA02-DFA0A04FC94B}">
-              <ma14:wrappingTextBoxFlag xmlns:ma14="http://schemas.microsoft.com/office/mac/drawingml/2011/main" xmlns="" val="1"/>
+              <ma14:wrappingTextBoxFlag xmlns="" xmlns:ma14="http://schemas.microsoft.com/office/mac/drawingml/2011/main" val="1"/>
             </a:ext>
           </a:extLst>
         </p:spPr>
@@ -6495,7 +6407,7 @@
           </a:ln>
           <a:extLst>
             <a:ext uri="{C572A759-6A51-4108-AA02-DFA0A04FC94B}">
-              <ma14:wrappingTextBoxFlag xmlns:ma14="http://schemas.microsoft.com/office/mac/drawingml/2011/main" xmlns="" val="1"/>
+              <ma14:wrappingTextBoxFlag xmlns="" xmlns:ma14="http://schemas.microsoft.com/office/mac/drawingml/2011/main" val="1"/>
             </a:ext>
           </a:extLst>
         </p:spPr>
@@ -6879,7 +6791,7 @@
           </a:ln>
           <a:extLst>
             <a:ext uri="{C572A759-6A51-4108-AA02-DFA0A04FC94B}">
-              <ma14:wrappingTextBoxFlag xmlns:ma14="http://schemas.microsoft.com/office/mac/drawingml/2011/main" xmlns="" val="1"/>
+              <ma14:wrappingTextBoxFlag xmlns="" xmlns:ma14="http://schemas.microsoft.com/office/mac/drawingml/2011/main" val="1"/>
             </a:ext>
           </a:extLst>
         </p:spPr>
@@ -7772,7 +7684,7 @@
           </a:ln>
           <a:extLst>
             <a:ext uri="{C572A759-6A51-4108-AA02-DFA0A04FC94B}">
-              <ma14:wrappingTextBoxFlag xmlns:ma14="http://schemas.microsoft.com/office/mac/drawingml/2011/main" xmlns="" val="1"/>
+              <ma14:wrappingTextBoxFlag xmlns="" xmlns:ma14="http://schemas.microsoft.com/office/mac/drawingml/2011/main" val="1"/>
             </a:ext>
           </a:extLst>
         </p:spPr>
@@ -8011,7 +7923,7 @@
           </a:ln>
           <a:extLst>
             <a:ext uri="{C572A759-6A51-4108-AA02-DFA0A04FC94B}">
-              <ma14:wrappingTextBoxFlag xmlns:ma14="http://schemas.microsoft.com/office/mac/drawingml/2011/main" xmlns="" val="1"/>
+              <ma14:wrappingTextBoxFlag xmlns="" xmlns:ma14="http://schemas.microsoft.com/office/mac/drawingml/2011/main" val="1"/>
             </a:ext>
           </a:extLst>
         </p:spPr>
@@ -8617,7 +8529,7 @@
           </a:ln>
           <a:extLst>
             <a:ext uri="{C572A759-6A51-4108-AA02-DFA0A04FC94B}">
-              <ma14:wrappingTextBoxFlag xmlns:ma14="http://schemas.microsoft.com/office/mac/drawingml/2011/main" xmlns="" val="1"/>
+              <ma14:wrappingTextBoxFlag xmlns="" xmlns:ma14="http://schemas.microsoft.com/office/mac/drawingml/2011/main" val="1"/>
             </a:ext>
           </a:extLst>
         </p:spPr>
@@ -8867,7 +8779,7 @@
           </a:ln>
           <a:extLst>
             <a:ext uri="{C572A759-6A51-4108-AA02-DFA0A04FC94B}">
-              <ma14:wrappingTextBoxFlag xmlns:ma14="http://schemas.microsoft.com/office/mac/drawingml/2011/main" xmlns="" val="1"/>
+              <ma14:wrappingTextBoxFlag xmlns="" xmlns:ma14="http://schemas.microsoft.com/office/mac/drawingml/2011/main" val="1"/>
             </a:ext>
           </a:extLst>
         </p:spPr>
@@ -9449,6 +9361,13 @@
   <p:clrMapOvr>
     <a:masterClrMapping/>
   </p:clrMapOvr>
+  <p:timing>
+    <p:tnLst>
+      <p:par>
+        <p:cTn id="1" dur="indefinite" restart="never" nodeType="tmRoot"/>
+      </p:par>
+    </p:tnLst>
+  </p:timing>
 </p:sld>
 </file>
 
@@ -9494,7 +9413,7 @@
           </a:ln>
           <a:extLst>
             <a:ext uri="{C572A759-6A51-4108-AA02-DFA0A04FC94B}">
-              <ma14:wrappingTextBoxFlag xmlns:ma14="http://schemas.microsoft.com/office/mac/drawingml/2011/main" xmlns="" val="1"/>
+              <ma14:wrappingTextBoxFlag xmlns="" xmlns:ma14="http://schemas.microsoft.com/office/mac/drawingml/2011/main" val="1"/>
             </a:ext>
           </a:extLst>
         </p:spPr>
@@ -9868,7 +9787,7 @@
           </a:ln>
           <a:extLst>
             <a:ext uri="{C572A759-6A51-4108-AA02-DFA0A04FC94B}">
-              <ma14:wrappingTextBoxFlag xmlns:ma14="http://schemas.microsoft.com/office/mac/drawingml/2011/main" xmlns="" val="1"/>
+              <ma14:wrappingTextBoxFlag xmlns="" xmlns:ma14="http://schemas.microsoft.com/office/mac/drawingml/2011/main" val="1"/>
             </a:ext>
           </a:extLst>
         </p:spPr>
@@ -10447,7 +10366,7 @@
           </a:ln>
           <a:extLst>
             <a:ext uri="{C572A759-6A51-4108-AA02-DFA0A04FC94B}">
-              <ma14:wrappingTextBoxFlag xmlns:ma14="http://schemas.microsoft.com/office/mac/drawingml/2011/main" xmlns="" val="1"/>
+              <ma14:wrappingTextBoxFlag xmlns="" xmlns:ma14="http://schemas.microsoft.com/office/mac/drawingml/2011/main" val="1"/>
             </a:ext>
           </a:extLst>
         </p:spPr>
@@ -11031,7 +10950,7 @@
           </a:ln>
           <a:extLst>
             <a:ext uri="{C572A759-6A51-4108-AA02-DFA0A04FC94B}">
-              <ma14:wrappingTextBoxFlag xmlns:ma14="http://schemas.microsoft.com/office/mac/drawingml/2011/main" xmlns="" val="1"/>
+              <ma14:wrappingTextBoxFlag xmlns="" xmlns:ma14="http://schemas.microsoft.com/office/mac/drawingml/2011/main" val="1"/>
             </a:ext>
           </a:extLst>
         </p:spPr>
@@ -11651,7 +11570,7 @@
           </a:ln>
           <a:extLst>
             <a:ext uri="{C572A759-6A51-4108-AA02-DFA0A04FC94B}">
-              <ma14:wrappingTextBoxFlag xmlns:ma14="http://schemas.microsoft.com/office/mac/drawingml/2011/main" xmlns="" val="1"/>
+              <ma14:wrappingTextBoxFlag xmlns="" xmlns:ma14="http://schemas.microsoft.com/office/mac/drawingml/2011/main" val="1"/>
             </a:ext>
           </a:extLst>
         </p:spPr>
@@ -11914,7 +11833,7 @@
           </a:ln>
           <a:extLst>
             <a:ext uri="{C572A759-6A51-4108-AA02-DFA0A04FC94B}">
-              <ma14:wrappingTextBoxFlag xmlns:ma14="http://schemas.microsoft.com/office/mac/drawingml/2011/main" xmlns="" val="1"/>
+              <ma14:wrappingTextBoxFlag xmlns="" xmlns:ma14="http://schemas.microsoft.com/office/mac/drawingml/2011/main" val="1"/>
             </a:ext>
           </a:extLst>
         </p:spPr>
@@ -12267,7 +12186,7 @@
           </a:ln>
           <a:extLst>
             <a:ext uri="{C572A759-6A51-4108-AA02-DFA0A04FC94B}">
-              <ma14:wrappingTextBoxFlag xmlns:ma14="http://schemas.microsoft.com/office/mac/drawingml/2011/main" xmlns="" val="1"/>
+              <ma14:wrappingTextBoxFlag xmlns="" xmlns:ma14="http://schemas.microsoft.com/office/mac/drawingml/2011/main" val="1"/>
             </a:ext>
           </a:extLst>
         </p:spPr>
@@ -12747,7 +12666,7 @@
           </a:ln>
           <a:extLst>
             <a:ext uri="{C572A759-6A51-4108-AA02-DFA0A04FC94B}">
-              <ma14:wrappingTextBoxFlag xmlns:ma14="http://schemas.microsoft.com/office/mac/drawingml/2011/main" xmlns="" val="1"/>
+              <ma14:wrappingTextBoxFlag xmlns="" xmlns:ma14="http://schemas.microsoft.com/office/mac/drawingml/2011/main" val="1"/>
             </a:ext>
           </a:extLst>
         </p:spPr>
@@ -12975,6 +12894,13 @@
   <p:clrMapOvr>
     <a:masterClrMapping/>
   </p:clrMapOvr>
+  <p:timing>
+    <p:tnLst>
+      <p:par>
+        <p:cTn id="1" dur="indefinite" restart="never" nodeType="tmRoot"/>
+      </p:par>
+    </p:tnLst>
+  </p:timing>
 </p:sld>
 </file>
 
@@ -13068,7 +12994,7 @@
           </a:ln>
           <a:extLst>
             <a:ext uri="{C572A759-6A51-4108-AA02-DFA0A04FC94B}">
-              <ma14:wrappingTextBoxFlag xmlns:ma14="http://schemas.microsoft.com/office/mac/drawingml/2011/main" xmlns="" val="1"/>
+              <ma14:wrappingTextBoxFlag xmlns="" xmlns:ma14="http://schemas.microsoft.com/office/mac/drawingml/2011/main" val="1"/>
             </a:ext>
           </a:extLst>
         </p:spPr>
@@ -13831,6 +13757,13 @@
   <p:clrMapOvr>
     <a:masterClrMapping/>
   </p:clrMapOvr>
+  <p:timing>
+    <p:tnLst>
+      <p:par>
+        <p:cTn id="1" dur="indefinite" restart="never" nodeType="tmRoot"/>
+      </p:par>
+    </p:tnLst>
+  </p:timing>
 </p:sld>
 </file>
 
@@ -13876,7 +13809,7 @@
           </a:ln>
           <a:extLst>
             <a:ext uri="{C572A759-6A51-4108-AA02-DFA0A04FC94B}">
-              <ma14:wrappingTextBoxFlag xmlns:ma14="http://schemas.microsoft.com/office/mac/drawingml/2011/main" xmlns="" val="1"/>
+              <ma14:wrappingTextBoxFlag xmlns="" xmlns:ma14="http://schemas.microsoft.com/office/mac/drawingml/2011/main" val="1"/>
             </a:ext>
           </a:extLst>
         </p:spPr>
@@ -14248,6 +14181,13 @@
   <p:clrMapOvr>
     <a:masterClrMapping/>
   </p:clrMapOvr>
+  <p:timing>
+    <p:tnLst>
+      <p:par>
+        <p:cTn id="1" dur="indefinite" restart="never" nodeType="tmRoot"/>
+      </p:par>
+    </p:tnLst>
+  </p:timing>
 </p:sld>
 </file>
 
@@ -14293,7 +14233,7 @@
           </a:ln>
           <a:extLst>
             <a:ext uri="{C572A759-6A51-4108-AA02-DFA0A04FC94B}">
-              <ma14:wrappingTextBoxFlag xmlns:ma14="http://schemas.microsoft.com/office/mac/drawingml/2011/main" xmlns="" val="1"/>
+              <ma14:wrappingTextBoxFlag xmlns="" xmlns:ma14="http://schemas.microsoft.com/office/mac/drawingml/2011/main" val="1"/>
             </a:ext>
           </a:extLst>
         </p:spPr>
@@ -14702,6 +14642,13 @@
   <p:clrMapOvr>
     <a:masterClrMapping/>
   </p:clrMapOvr>
+  <p:timing>
+    <p:tnLst>
+      <p:par>
+        <p:cTn id="1" dur="indefinite" restart="never" nodeType="tmRoot"/>
+      </p:par>
+    </p:tnLst>
+  </p:timing>
 </p:sld>
 </file>
 
@@ -14747,7 +14694,7 @@
           </a:ln>
           <a:extLst>
             <a:ext uri="{C572A759-6A51-4108-AA02-DFA0A04FC94B}">
-              <ma14:wrappingTextBoxFlag xmlns:ma14="http://schemas.microsoft.com/office/mac/drawingml/2011/main" xmlns="" val="1"/>
+              <ma14:wrappingTextBoxFlag xmlns="" xmlns:ma14="http://schemas.microsoft.com/office/mac/drawingml/2011/main" val="1"/>
             </a:ext>
           </a:extLst>
         </p:spPr>
@@ -15767,7 +15714,7 @@
           </a:ln>
           <a:extLst>
             <a:ext uri="{C572A759-6A51-4108-AA02-DFA0A04FC94B}">
-              <ma14:wrappingTextBoxFlag xmlns:ma14="http://schemas.microsoft.com/office/mac/drawingml/2011/main" xmlns="" val="1"/>
+              <ma14:wrappingTextBoxFlag xmlns="" xmlns:ma14="http://schemas.microsoft.com/office/mac/drawingml/2011/main" val="1"/>
             </a:ext>
           </a:extLst>
         </p:spPr>
@@ -16313,7 +16260,7 @@
           </a:ln>
           <a:extLst>
             <a:ext uri="{C572A759-6A51-4108-AA02-DFA0A04FC94B}">
-              <ma14:wrappingTextBoxFlag xmlns:ma14="http://schemas.microsoft.com/office/mac/drawingml/2011/main" xmlns="" val="1"/>
+              <ma14:wrappingTextBoxFlag xmlns="" xmlns:ma14="http://schemas.microsoft.com/office/mac/drawingml/2011/main" val="1"/>
             </a:ext>
           </a:extLst>
         </p:spPr>

--- a/4_CustomizeModel2_ParallelSprings/OpenModelica_Tutorials_4.pptx
+++ b/4_CustomizeModel2_ParallelSprings/OpenModelica_Tutorials_4.pptx
@@ -245,7 +245,7 @@
           <a:p>
             <a:fld id="{48BDAED4-8D25-43AD-8EF1-149C3264C00D}" type="datetimeFigureOut">
               <a:rPr kumimoji="1" lang="ja-JP" altLang="en-US" smtClean="0"/>
-              <a:t>2020/4/10</a:t>
+              <a:t>2020/5/2</a:t>
             </a:fld>
             <a:endParaRPr kumimoji="1" lang="ja-JP" altLang="en-US"/>
           </a:p>
@@ -715,7 +715,7 @@
           <a:p>
             <a:fld id="{4BF116AF-D557-4F39-9FFB-27E038FB1090}" type="datetime1">
               <a:rPr kumimoji="1" lang="ja-JP" altLang="en-US" smtClean="0"/>
-              <a:t>2020/4/10</a:t>
+              <a:t>2020/5/2</a:t>
             </a:fld>
             <a:endParaRPr kumimoji="1" lang="ja-JP" altLang="en-US"/>
           </a:p>
@@ -945,7 +945,7 @@
           <a:p>
             <a:fld id="{593F3817-63D9-43DC-A6B4-F38E7E22B334}" type="datetime1">
               <a:rPr kumimoji="1" lang="ja-JP" altLang="en-US" smtClean="0"/>
-              <a:t>2020/4/10</a:t>
+              <a:t>2020/5/2</a:t>
             </a:fld>
             <a:endParaRPr kumimoji="1" lang="ja-JP" altLang="en-US"/>
           </a:p>
@@ -1185,7 +1185,7 @@
           <a:p>
             <a:fld id="{4B8AFDEF-C18E-4EED-9139-A18CEE1575B1}" type="datetime1">
               <a:rPr kumimoji="1" lang="ja-JP" altLang="en-US" smtClean="0"/>
-              <a:t>2020/4/10</a:t>
+              <a:t>2020/5/2</a:t>
             </a:fld>
             <a:endParaRPr kumimoji="1" lang="ja-JP" altLang="en-US"/>
           </a:p>
@@ -1415,7 +1415,7 @@
           <a:p>
             <a:fld id="{F5B489AD-72A1-4847-9821-843F353584A4}" type="datetime1">
               <a:rPr kumimoji="1" lang="ja-JP" altLang="en-US" smtClean="0"/>
-              <a:t>2020/4/10</a:t>
+              <a:t>2020/5/2</a:t>
             </a:fld>
             <a:endParaRPr kumimoji="1" lang="ja-JP" altLang="en-US"/>
           </a:p>
@@ -1690,7 +1690,7 @@
           <a:p>
             <a:fld id="{8F941BD6-9F86-4D2C-A2C8-918FE8A17ACD}" type="datetime1">
               <a:rPr kumimoji="1" lang="ja-JP" altLang="en-US" smtClean="0"/>
-              <a:t>2020/4/10</a:t>
+              <a:t>2020/5/2</a:t>
             </a:fld>
             <a:endParaRPr kumimoji="1" lang="ja-JP" altLang="en-US"/>
           </a:p>
@@ -2019,7 +2019,7 @@
           <a:p>
             <a:fld id="{AA38B87E-EAC9-47F8-936F-712A38ACEEC0}" type="datetime1">
               <a:rPr kumimoji="1" lang="ja-JP" altLang="en-US" smtClean="0"/>
-              <a:t>2020/4/10</a:t>
+              <a:t>2020/5/2</a:t>
             </a:fld>
             <a:endParaRPr kumimoji="1" lang="ja-JP" altLang="en-US"/>
           </a:p>
@@ -2495,7 +2495,7 @@
           <a:p>
             <a:fld id="{3BA45C1C-AE36-4B61-AE86-B22D986A54B4}" type="datetime1">
               <a:rPr kumimoji="1" lang="ja-JP" altLang="en-US" smtClean="0"/>
-              <a:t>2020/4/10</a:t>
+              <a:t>2020/5/2</a:t>
             </a:fld>
             <a:endParaRPr kumimoji="1" lang="ja-JP" altLang="en-US"/>
           </a:p>
@@ -2636,7 +2636,7 @@
           <a:p>
             <a:fld id="{62A3CB3C-1835-46E7-8FFF-335DAFA2BABB}" type="datetime1">
               <a:rPr kumimoji="1" lang="ja-JP" altLang="en-US" smtClean="0"/>
-              <a:t>2020/4/10</a:t>
+              <a:t>2020/5/2</a:t>
             </a:fld>
             <a:endParaRPr kumimoji="1" lang="ja-JP" altLang="en-US"/>
           </a:p>
@@ -2749,7 +2749,7 @@
           <a:p>
             <a:fld id="{289D324E-99C4-4D83-9165-0DF7EA0DDAED}" type="datetime1">
               <a:rPr kumimoji="1" lang="ja-JP" altLang="en-US" smtClean="0"/>
-              <a:t>2020/4/10</a:t>
+              <a:t>2020/5/2</a:t>
             </a:fld>
             <a:endParaRPr kumimoji="1" lang="ja-JP" altLang="en-US"/>
           </a:p>
@@ -3092,7 +3092,7 @@
           <a:p>
             <a:fld id="{07081287-B7B6-4D06-92AC-65C5C199F8D4}" type="datetime1">
               <a:rPr kumimoji="1" lang="ja-JP" altLang="en-US" smtClean="0"/>
-              <a:t>2020/4/10</a:t>
+              <a:t>2020/5/2</a:t>
             </a:fld>
             <a:endParaRPr kumimoji="1" lang="ja-JP" altLang="en-US"/>
           </a:p>
@@ -3380,7 +3380,7 @@
           <a:p>
             <a:fld id="{F6E40CD1-55DA-4072-86C4-A863BC58A941}" type="datetime1">
               <a:rPr kumimoji="1" lang="ja-JP" altLang="en-US" smtClean="0"/>
-              <a:t>2020/4/10</a:t>
+              <a:t>2020/5/2</a:t>
             </a:fld>
             <a:endParaRPr kumimoji="1" lang="ja-JP" altLang="en-US"/>
           </a:p>
@@ -3653,7 +3653,7 @@
           <a:p>
             <a:fld id="{73DA6C2B-08CB-4C9C-9AF4-BCD1DDC1A46D}" type="datetime1">
               <a:rPr kumimoji="1" lang="ja-JP" altLang="en-US" smtClean="0"/>
-              <a:t>2020/4/10</a:t>
+              <a:t>2020/5/2</a:t>
             </a:fld>
             <a:endParaRPr kumimoji="1" lang="ja-JP" altLang="en-US"/>
           </a:p>
@@ -4212,15 +4212,7 @@
             <a:pPr algn="ctr"/>
             <a:r>
               <a:rPr lang="en-US" altLang="ja-JP" dirty="0"/>
-              <a:t>Copyright (C) </a:t>
-            </a:r>
-            <a:r>
-              <a:rPr lang="en-US" altLang="ja-JP" dirty="0" smtClean="0"/>
-              <a:t>2020 </a:t>
-            </a:r>
-            <a:r>
-              <a:rPr lang="en-US" altLang="ja-JP" dirty="0"/>
-              <a:t>Shigenori Ueda</a:t>
+              <a:t>Copyright (C) 2020 Shigenori Ueda</a:t>
             </a:r>
           </a:p>
           <a:p>
@@ -4256,13 +4248,6 @@
   <p:clrMapOvr>
     <a:masterClrMapping/>
   </p:clrMapOvr>
-  <p:timing>
-    <p:tnLst>
-      <p:par>
-        <p:cTn id="1" dur="indefinite" restart="never" nodeType="tmRoot"/>
-      </p:par>
-    </p:tnLst>
-  </p:timing>
 </p:sld>
 </file>
 
@@ -4308,7 +4293,7 @@
           </a:ln>
           <a:extLst>
             <a:ext uri="{C572A759-6A51-4108-AA02-DFA0A04FC94B}">
-              <ma14:wrappingTextBoxFlag xmlns="" xmlns:ma14="http://schemas.microsoft.com/office/mac/drawingml/2011/main" val="1"/>
+              <ma14:wrappingTextBoxFlag xmlns:ma14="http://schemas.microsoft.com/office/mac/drawingml/2011/main" xmlns="" val="1"/>
             </a:ext>
           </a:extLst>
         </p:spPr>
@@ -4392,13 +4377,8 @@
             <a:p>
               <a:r>
                 <a:rPr lang="ja-JP" altLang="en-US" dirty="0"/>
-                <a:t>グリッド線を表示させて配置しやすく</a:t>
+                <a:t>グリッド線を表示させて配置しやすくします。</a:t>
               </a:r>
-              <a:r>
-                <a:rPr lang="ja-JP" altLang="en-US" dirty="0" smtClean="0"/>
-                <a:t>します。</a:t>
-              </a:r>
-              <a:endParaRPr lang="ja-JP" altLang="en-US" dirty="0"/>
             </a:p>
           </p:txBody>
         </p:sp>
@@ -4706,24 +4686,15 @@
             <a:p>
               <a:r>
                 <a:rPr lang="ja-JP" altLang="en-US" dirty="0"/>
-                <a:t>アイコンの作成はアイコンビューから</a:t>
-              </a:r>
-              <a:r>
-                <a:rPr lang="ja-JP" altLang="en-US" dirty="0" smtClean="0"/>
-                <a:t>行います。</a:t>
+                <a:t>アイコンの作成はアイコンビューから行います。</a:t>
               </a:r>
               <a:endParaRPr lang="en-US" altLang="ja-JP" dirty="0"/>
             </a:p>
             <a:p>
               <a:r>
                 <a:rPr lang="ja-JP" altLang="en-US" dirty="0"/>
-                <a:t>画面左上にあるアイコンビューをクリックして</a:t>
+                <a:t>画面左上にあるアイコンビューをクリックしてください。</a:t>
               </a:r>
-              <a:r>
-                <a:rPr lang="ja-JP" altLang="en-US" dirty="0" smtClean="0"/>
-                <a:t>ください。</a:t>
-              </a:r>
-              <a:endParaRPr lang="ja-JP" altLang="en-US" dirty="0"/>
             </a:p>
           </p:txBody>
         </p:sp>
@@ -4849,13 +4820,6 @@
   <p:clrMapOvr>
     <a:masterClrMapping/>
   </p:clrMapOvr>
-  <p:timing>
-    <p:tnLst>
-      <p:par>
-        <p:cTn id="1" dur="indefinite" restart="never" nodeType="tmRoot"/>
-      </p:par>
-    </p:tnLst>
-  </p:timing>
 </p:sld>
 </file>
 
@@ -4878,22 +4842,27 @@
       </p:grpSpPr>
       <p:pic>
         <p:nvPicPr>
-          <p:cNvPr id="19" name="図 18"/>
+          <p:cNvPr id="6" name="図 5">
+            <a:extLst>
+              <a:ext uri="{FF2B5EF4-FFF2-40B4-BE49-F238E27FC236}">
+                <a16:creationId xmlns:a16="http://schemas.microsoft.com/office/drawing/2014/main" id="{6CC1F46C-1891-42EF-92FF-A2C43E1473B8}"/>
+              </a:ext>
+            </a:extLst>
+          </p:cNvPr>
           <p:cNvPicPr>
             <a:picLocks noChangeAspect="1"/>
           </p:cNvPicPr>
           <p:nvPr/>
         </p:nvPicPr>
-        <p:blipFill>
+        <p:blipFill rotWithShape="1">
           <a:blip r:embed="rId2"/>
-          <a:stretch>
-            <a:fillRect/>
-          </a:stretch>
+          <a:srcRect r="24970"/>
+          <a:stretch/>
         </p:blipFill>
         <p:spPr>
           <a:xfrm>
-            <a:off x="1217279" y="5401821"/>
-            <a:ext cx="9861135" cy="1082134"/>
+            <a:off x="1526667" y="1106142"/>
+            <a:ext cx="4356965" cy="3840813"/>
           </a:xfrm>
           <a:prstGeom prst="rect">
             <a:avLst/>
@@ -4902,7 +4871,7 @@
       </p:pic>
       <p:pic>
         <p:nvPicPr>
-          <p:cNvPr id="15" name="図 14"/>
+          <p:cNvPr id="19" name="図 18"/>
           <p:cNvPicPr>
             <a:picLocks noChangeAspect="1"/>
           </p:cNvPicPr>
@@ -4916,8 +4885,8 @@
         </p:blipFill>
         <p:spPr>
           <a:xfrm>
-            <a:off x="1526667" y="1157347"/>
-            <a:ext cx="4812276" cy="3772308"/>
+            <a:off x="1217279" y="5401821"/>
+            <a:ext cx="9861135" cy="1082134"/>
           </a:xfrm>
           <a:prstGeom prst="rect">
             <a:avLst/>
@@ -4949,7 +4918,7 @@
           </a:ln>
           <a:extLst>
             <a:ext uri="{C572A759-6A51-4108-AA02-DFA0A04FC94B}">
-              <ma14:wrappingTextBoxFlag xmlns="" xmlns:ma14="http://schemas.microsoft.com/office/mac/drawingml/2011/main" val="1"/>
+              <ma14:wrappingTextBoxFlag xmlns:ma14="http://schemas.microsoft.com/office/mac/drawingml/2011/main" xmlns="" val="1"/>
             </a:ext>
           </a:extLst>
         </p:spPr>
@@ -5042,13 +5011,8 @@
               </a:r>
               <a:r>
                 <a:rPr lang="ja-JP" altLang="en-US" dirty="0"/>
-                <a:t>をアイコンビュー左端中央に配置して</a:t>
+                <a:t>をアイコンビュー左端中央に配置してください。</a:t>
               </a:r>
-              <a:r>
-                <a:rPr lang="ja-JP" altLang="en-US" dirty="0" smtClean="0"/>
-                <a:t>ください。</a:t>
-              </a:r>
-              <a:endParaRPr lang="ja-JP" altLang="en-US" dirty="0"/>
             </a:p>
           </p:txBody>
         </p:sp>
@@ -5140,13 +5104,8 @@
               </a:r>
               <a:r>
                 <a:rPr lang="ja-JP" altLang="en-US" dirty="0"/>
-                <a:t>というインスタンスが作成されて</a:t>
+                <a:t>というインスタンスが作成されています。</a:t>
               </a:r>
-              <a:r>
-                <a:rPr lang="ja-JP" altLang="en-US" dirty="0" smtClean="0"/>
-                <a:t>います。</a:t>
-              </a:r>
-              <a:endParaRPr lang="ja-JP" altLang="en-US" dirty="0"/>
             </a:p>
           </p:txBody>
         </p:sp>
@@ -5252,7 +5211,7 @@
         </p:nvSpPr>
         <p:spPr>
           <a:xfrm>
-            <a:off x="1978839" y="3977579"/>
+            <a:off x="1978839" y="3643944"/>
             <a:ext cx="1163141" cy="210078"/>
           </a:xfrm>
           <a:prstGeom prst="roundRect">
@@ -5307,8 +5266,8 @@
         </p:nvCxnSpPr>
         <p:spPr>
           <a:xfrm flipH="1">
-            <a:off x="3141980" y="3319780"/>
-            <a:ext cx="1074420" cy="762838"/>
+            <a:off x="3141980" y="3214056"/>
+            <a:ext cx="935750" cy="534927"/>
           </a:xfrm>
           <a:prstGeom prst="straightConnector1">
             <a:avLst/>
@@ -5425,12 +5384,8 @@
               <a:t>f</a:t>
             </a:r>
             <a:r>
-              <a:rPr lang="ja-JP" altLang="en-US" dirty="0" smtClean="0"/>
-              <a:t>の受け渡しを</a:t>
-            </a:r>
-            <a:r>
               <a:rPr lang="ja-JP" altLang="en-US" dirty="0"/>
-              <a:t>可能にします</a:t>
+              <a:t>の受け渡しを可能にします</a:t>
             </a:r>
           </a:p>
         </p:txBody>
@@ -5445,13 +5400,6 @@
   <p:clrMapOvr>
     <a:masterClrMapping/>
   </p:clrMapOvr>
-  <p:timing>
-    <p:tnLst>
-      <p:par>
-        <p:cTn id="1" dur="indefinite" restart="never" nodeType="tmRoot"/>
-      </p:par>
-    </p:tnLst>
-  </p:timing>
 </p:sld>
 </file>
 
@@ -5474,7 +5422,13 @@
       </p:grpSpPr>
       <p:pic>
         <p:nvPicPr>
-          <p:cNvPr id="2" name="図 1"/>
+          <p:cNvPr id="4" name="図 3">
+            <a:extLst>
+              <a:ext uri="{FF2B5EF4-FFF2-40B4-BE49-F238E27FC236}">
+                <a16:creationId xmlns:a16="http://schemas.microsoft.com/office/drawing/2014/main" id="{8F6157E3-8785-4247-8601-FA4D993C66AA}"/>
+              </a:ext>
+            </a:extLst>
+          </p:cNvPr>
           <p:cNvPicPr>
             <a:picLocks noChangeAspect="1"/>
           </p:cNvPicPr>
@@ -5488,8 +5442,8 @@
         </p:blipFill>
         <p:spPr>
           <a:xfrm>
-            <a:off x="879483" y="1483435"/>
-            <a:ext cx="9246722" cy="4813669"/>
+            <a:off x="1506171" y="1191794"/>
+            <a:ext cx="7993346" cy="5134933"/>
           </a:xfrm>
           <a:prstGeom prst="rect">
             <a:avLst/>
@@ -5521,7 +5475,7 @@
           </a:ln>
           <a:extLst>
             <a:ext uri="{C572A759-6A51-4108-AA02-DFA0A04FC94B}">
-              <ma14:wrappingTextBoxFlag xmlns="" xmlns:ma14="http://schemas.microsoft.com/office/mac/drawingml/2011/main" val="1"/>
+              <ma14:wrappingTextBoxFlag xmlns:ma14="http://schemas.microsoft.com/office/mac/drawingml/2011/main" xmlns="" val="1"/>
             </a:ext>
           </a:extLst>
         </p:spPr>
@@ -5618,13 +5572,8 @@
               </a:r>
               <a:r>
                 <a:rPr lang="ja-JP" altLang="en-US" dirty="0"/>
-                <a:t>のインスタンスを右端中央部に作成して</a:t>
+                <a:t>のインスタンスを右端中央部に作成してください。</a:t>
               </a:r>
-              <a:r>
-                <a:rPr lang="ja-JP" altLang="en-US" dirty="0" smtClean="0"/>
-                <a:t>ください。</a:t>
-              </a:r>
-              <a:endParaRPr lang="ja-JP" altLang="en-US" dirty="0"/>
             </a:p>
           </p:txBody>
         </p:sp>
@@ -5657,10 +5606,9 @@
             <a:lstStyle/>
             <a:p>
               <a:r>
-                <a:rPr kumimoji="1" lang="ja-JP" altLang="en-US" dirty="0" smtClean="0"/>
+                <a:rPr kumimoji="1" lang="ja-JP" altLang="en-US" dirty="0"/>
                 <a:t>③</a:t>
               </a:r>
-              <a:endParaRPr kumimoji="1" lang="ja-JP" altLang="en-US" dirty="0"/>
             </a:p>
           </p:txBody>
         </p:sp>
@@ -5679,7 +5627,7 @@
         </p:nvSpPr>
         <p:spPr>
           <a:xfrm>
-            <a:off x="1558172" y="3683180"/>
+            <a:off x="1989103" y="4745861"/>
             <a:ext cx="1821337" cy="384486"/>
           </a:xfrm>
           <a:prstGeom prst="roundRect">
@@ -5734,8 +5682,8 @@
         </p:nvCxnSpPr>
         <p:spPr>
           <a:xfrm flipH="1">
-            <a:off x="3379509" y="3683180"/>
-            <a:ext cx="5689077" cy="192243"/>
+            <a:off x="3810440" y="4003589"/>
+            <a:ext cx="5061711" cy="934515"/>
           </a:xfrm>
           <a:prstGeom prst="straightConnector1">
             <a:avLst/>
@@ -5802,13 +5750,6 @@
   <p:clrMapOvr>
     <a:masterClrMapping/>
   </p:clrMapOvr>
-  <p:timing>
-    <p:tnLst>
-      <p:par>
-        <p:cTn id="1" dur="indefinite" restart="never" nodeType="tmRoot"/>
-      </p:par>
-    </p:tnLst>
-  </p:timing>
 </p:sld>
 </file>
 
@@ -5831,7 +5772,13 @@
       </p:grpSpPr>
       <p:pic>
         <p:nvPicPr>
-          <p:cNvPr id="3" name="図 2"/>
+          <p:cNvPr id="6" name="図 5">
+            <a:extLst>
+              <a:ext uri="{FF2B5EF4-FFF2-40B4-BE49-F238E27FC236}">
+                <a16:creationId xmlns:a16="http://schemas.microsoft.com/office/drawing/2014/main" id="{5AF7DB3B-0D5D-45C5-BC45-F3D2C5992872}"/>
+              </a:ext>
+            </a:extLst>
+          </p:cNvPr>
           <p:cNvPicPr>
             <a:picLocks noChangeAspect="1"/>
           </p:cNvPicPr>
@@ -5845,8 +5792,8 @@
         </p:blipFill>
         <p:spPr>
           <a:xfrm>
-            <a:off x="1229248" y="1417964"/>
-            <a:ext cx="5274965" cy="5222321"/>
+            <a:off x="520379" y="1410683"/>
+            <a:ext cx="5752668" cy="5413065"/>
           </a:xfrm>
           <a:prstGeom prst="rect">
             <a:avLst/>
@@ -5878,7 +5825,7 @@
           </a:ln>
           <a:extLst>
             <a:ext uri="{C572A759-6A51-4108-AA02-DFA0A04FC94B}">
-              <ma14:wrappingTextBoxFlag xmlns="" xmlns:ma14="http://schemas.microsoft.com/office/mac/drawingml/2011/main" val="1"/>
+              <ma14:wrappingTextBoxFlag xmlns:ma14="http://schemas.microsoft.com/office/mac/drawingml/2011/main" xmlns="" val="1"/>
             </a:ext>
           </a:extLst>
         </p:spPr>
@@ -5959,13 +5906,8 @@
             <a:p>
               <a:r>
                 <a:rPr lang="ja-JP" altLang="en-US" dirty="0"/>
-                <a:t>画面上部にある長方形アイコンをクリックして</a:t>
+                <a:t>画面上部にある長方形アイコンをクリックしてください。</a:t>
               </a:r>
-              <a:r>
-                <a:rPr lang="ja-JP" altLang="en-US" dirty="0" smtClean="0"/>
-                <a:t>ください。</a:t>
-              </a:r>
-              <a:endParaRPr lang="ja-JP" altLang="en-US" dirty="0"/>
             </a:p>
           </p:txBody>
         </p:sp>
@@ -6019,7 +5961,7 @@
         </p:nvSpPr>
         <p:spPr>
           <a:xfrm>
-            <a:off x="2703286" y="1423795"/>
+            <a:off x="2666215" y="1386724"/>
             <a:ext cx="529771" cy="532309"/>
           </a:xfrm>
           <a:prstGeom prst="roundRect">
@@ -6114,24 +6056,15 @@
             <a:p>
               <a:r>
                 <a:rPr lang="ja-JP" altLang="en-US" dirty="0"/>
-                <a:t>ドラッグして長方形を作成して</a:t>
-              </a:r>
-              <a:r>
-                <a:rPr lang="ja-JP" altLang="en-US" dirty="0" smtClean="0"/>
-                <a:t>ください。</a:t>
+                <a:t>ドラッグして長方形を作成してください。</a:t>
               </a:r>
               <a:endParaRPr lang="en-US" altLang="ja-JP" dirty="0"/>
             </a:p>
             <a:p>
               <a:r>
                 <a:rPr lang="ja-JP" altLang="en-US" dirty="0"/>
-                <a:t>左クリックで終点を指定</a:t>
+                <a:t>左クリックで終点を指定できます。</a:t>
               </a:r>
-              <a:r>
-                <a:rPr lang="ja-JP" altLang="en-US" dirty="0" smtClean="0"/>
-                <a:t>できます。</a:t>
-              </a:r>
-              <a:endParaRPr lang="ja-JP" altLang="en-US" dirty="0"/>
             </a:p>
           </p:txBody>
         </p:sp>
@@ -6188,8 +6121,8 @@
         </p:nvCxnSpPr>
         <p:spPr>
           <a:xfrm flipH="1">
-            <a:off x="2968172" y="1165075"/>
-            <a:ext cx="141514" cy="258720"/>
+            <a:off x="2931101" y="1206748"/>
+            <a:ext cx="187268" cy="179976"/>
           </a:xfrm>
           <a:prstGeom prst="straightConnector1">
             <a:avLst/>
@@ -6355,13 +6288,6 @@
   <p:clrMapOvr>
     <a:masterClrMapping/>
   </p:clrMapOvr>
-  <p:timing>
-    <p:tnLst>
-      <p:par>
-        <p:cTn id="1" dur="indefinite" restart="never" nodeType="tmRoot"/>
-      </p:par>
-    </p:tnLst>
-  </p:timing>
 </p:sld>
 </file>
 
@@ -6382,6 +6308,36 @@
           <a:chExt cx="0" cy="0"/>
         </a:xfrm>
       </p:grpSpPr>
+      <p:pic>
+        <p:nvPicPr>
+          <p:cNvPr id="2" name="図 1">
+            <a:extLst>
+              <a:ext uri="{FF2B5EF4-FFF2-40B4-BE49-F238E27FC236}">
+                <a16:creationId xmlns:a16="http://schemas.microsoft.com/office/drawing/2014/main" id="{086F2734-8F1B-48FF-82E1-0765748B72A0}"/>
+              </a:ext>
+            </a:extLst>
+          </p:cNvPr>
+          <p:cNvPicPr>
+            <a:picLocks noChangeAspect="1"/>
+          </p:cNvPicPr>
+          <p:nvPr/>
+        </p:nvPicPr>
+        <p:blipFill>
+          <a:blip r:embed="rId2"/>
+          <a:stretch>
+            <a:fillRect/>
+          </a:stretch>
+        </p:blipFill>
+        <p:spPr>
+          <a:xfrm>
+            <a:off x="1312167" y="1703872"/>
+            <a:ext cx="7720622" cy="4796002"/>
+          </a:xfrm>
+          <a:prstGeom prst="rect">
+            <a:avLst/>
+          </a:prstGeom>
+        </p:spPr>
+      </p:pic>
       <p:sp>
         <p:nvSpPr>
           <p:cNvPr id="7" name="Shape 130">
@@ -6407,7 +6363,7 @@
           </a:ln>
           <a:extLst>
             <a:ext uri="{C572A759-6A51-4108-AA02-DFA0A04FC94B}">
-              <ma14:wrappingTextBoxFlag xmlns="" xmlns:ma14="http://schemas.microsoft.com/office/mac/drawingml/2011/main" val="1"/>
+              <ma14:wrappingTextBoxFlag xmlns:ma14="http://schemas.microsoft.com/office/mac/drawingml/2011/main" xmlns="" val="1"/>
             </a:ext>
           </a:extLst>
         </p:spPr>
@@ -6522,23 +6478,15 @@
             <a:lstStyle/>
             <a:p>
               <a:r>
-                <a:rPr lang="ja-JP" altLang="en-US" dirty="0" smtClean="0"/>
-                <a:t>長方形オブジェクト上で右クリックし、「</a:t>
-              </a:r>
-              <a:r>
                 <a:rPr lang="ja-JP" altLang="en-US" dirty="0"/>
-                <a:t>特性」をクリックすると</a:t>
+                <a:t>長方形オブジェクト上で右クリックし、「特性」をクリックすると</a:t>
               </a:r>
               <a:endParaRPr lang="en-US" altLang="ja-JP" dirty="0"/>
             </a:p>
             <a:p>
               <a:r>
                 <a:rPr lang="ja-JP" altLang="en-US" dirty="0"/>
-                <a:t>特性ウィンドウが表示され長方形アイコンの色や線を指定</a:t>
-              </a:r>
-              <a:r>
-                <a:rPr lang="ja-JP" altLang="en-US" dirty="0" smtClean="0"/>
-                <a:t>できます。</a:t>
+                <a:t>特性ウィンドウが表示され長方形アイコンの色や線を指定できます。</a:t>
               </a:r>
               <a:endParaRPr lang="en-US" altLang="ja-JP" dirty="0"/>
             </a:p>
@@ -6581,30 +6529,6 @@
           </p:txBody>
         </p:sp>
       </p:grpSp>
-      <p:pic>
-        <p:nvPicPr>
-          <p:cNvPr id="19" name="図 18"/>
-          <p:cNvPicPr>
-            <a:picLocks noChangeAspect="1"/>
-          </p:cNvPicPr>
-          <p:nvPr/>
-        </p:nvPicPr>
-        <p:blipFill>
-          <a:blip r:embed="rId2"/>
-          <a:stretch>
-            <a:fillRect/>
-          </a:stretch>
-        </p:blipFill>
-        <p:spPr>
-          <a:xfrm>
-            <a:off x="1356144" y="1810893"/>
-            <a:ext cx="7528776" cy="4411031"/>
-          </a:xfrm>
-          <a:prstGeom prst="rect">
-            <a:avLst/>
-          </a:prstGeom>
-        </p:spPr>
-      </p:pic>
       <p:sp>
         <p:nvSpPr>
           <p:cNvPr id="38" name="四角形: 角を丸くする 10">
@@ -6619,7 +6543,7 @@
         </p:nvSpPr>
         <p:spPr>
           <a:xfrm>
-            <a:off x="6061890" y="2281483"/>
+            <a:off x="6222531" y="2405053"/>
             <a:ext cx="831670" cy="268678"/>
           </a:xfrm>
           <a:prstGeom prst="roundRect">
@@ -6667,13 +6591,6 @@
   <p:clrMapOvr>
     <a:masterClrMapping/>
   </p:clrMapOvr>
-  <p:timing>
-    <p:tnLst>
-      <p:par>
-        <p:cTn id="1" dur="indefinite" restart="never" nodeType="tmRoot"/>
-      </p:par>
-    </p:tnLst>
-  </p:timing>
 </p:sld>
 </file>
 
@@ -6791,7 +6708,7 @@
           </a:ln>
           <a:extLst>
             <a:ext uri="{C572A759-6A51-4108-AA02-DFA0A04FC94B}">
-              <ma14:wrappingTextBoxFlag xmlns="" xmlns:ma14="http://schemas.microsoft.com/office/mac/drawingml/2011/main" val="1"/>
+              <ma14:wrappingTextBoxFlag xmlns:ma14="http://schemas.microsoft.com/office/mac/drawingml/2011/main" xmlns="" val="1"/>
             </a:ext>
           </a:extLst>
         </p:spPr>
@@ -6818,14 +6735,13 @@
               <a:t>– </a:t>
             </a:r>
             <a:r>
-              <a:rPr lang="ja-JP" altLang="en-US" dirty="0" smtClean="0"/>
+              <a:rPr lang="ja-JP" altLang="en-US" dirty="0"/>
               <a:t>外枠</a:t>
             </a:r>
             <a:r>
-              <a:rPr lang="en-US" altLang="ja-JP" dirty="0" smtClean="0"/>
+              <a:rPr lang="en-US" altLang="ja-JP" dirty="0"/>
               <a:t>3</a:t>
             </a:r>
-            <a:endParaRPr lang="en-US" altLang="ja-JP" dirty="0"/>
           </a:p>
         </p:txBody>
       </p:sp>
@@ -6872,18 +6788,9 @@
             <a:lstStyle/>
             <a:p>
               <a:r>
-                <a:rPr lang="ja-JP" altLang="en-US" dirty="0" smtClean="0"/>
-                <a:t>「</a:t>
+                <a:rPr lang="ja-JP" altLang="en-US" dirty="0"/>
+                <a:t>「塗りつぶしタイプ」の「色」を選択</a:t>
               </a:r>
-              <a:r>
-                <a:rPr lang="ja-JP" altLang="en-US" dirty="0"/>
-                <a:t>塗りつぶしタイプ」の「色」を</a:t>
-              </a:r>
-              <a:r>
-                <a:rPr lang="ja-JP" altLang="en-US" dirty="0" smtClean="0"/>
-                <a:t>選択</a:t>
-              </a:r>
-              <a:endParaRPr lang="ja-JP" altLang="en-US" dirty="0"/>
             </a:p>
           </p:txBody>
         </p:sp>
@@ -6916,10 +6823,9 @@
             <a:lstStyle/>
             <a:p>
               <a:r>
-                <a:rPr kumimoji="1" lang="ja-JP" altLang="en-US" dirty="0" smtClean="0"/>
+                <a:rPr kumimoji="1" lang="ja-JP" altLang="en-US" dirty="0"/>
                 <a:t>④</a:t>
               </a:r>
-              <a:endParaRPr kumimoji="1" lang="ja-JP" altLang="en-US" dirty="0"/>
             </a:p>
           </p:txBody>
         </p:sp>
@@ -7066,13 +6972,8 @@
             <a:p>
               <a:r>
                 <a:rPr lang="ja-JP" altLang="en-US" dirty="0"/>
-                <a:t>好みの色を</a:t>
+                <a:t>好みの色を選択</a:t>
               </a:r>
-              <a:r>
-                <a:rPr lang="ja-JP" altLang="en-US" dirty="0" smtClean="0"/>
-                <a:t>選択</a:t>
-              </a:r>
-              <a:endParaRPr lang="ja-JP" altLang="en-US" dirty="0"/>
             </a:p>
           </p:txBody>
         </p:sp>
@@ -7256,21 +7157,16 @@
             <a:p>
               <a:r>
                 <a:rPr lang="ja-JP" altLang="en-US" dirty="0"/>
-                <a:t>パターン</a:t>
-              </a:r>
-              <a:r>
-                <a:rPr lang="ja-JP" altLang="en-US" dirty="0" smtClean="0"/>
-                <a:t>を「</a:t>
+                <a:t>パターンを「</a:t>
               </a:r>
               <a:r>
                 <a:rPr lang="en-US" altLang="ja-JP" dirty="0" err="1"/>
                 <a:t>FillPattern.Solid</a:t>
               </a:r>
               <a:r>
-                <a:rPr lang="ja-JP" altLang="en-US" dirty="0" smtClean="0"/>
+                <a:rPr lang="ja-JP" altLang="en-US" dirty="0"/>
                 <a:t>」</a:t>
               </a:r>
-              <a:endParaRPr lang="ja-JP" altLang="en-US" dirty="0"/>
             </a:p>
           </p:txBody>
         </p:sp>
@@ -7303,10 +7199,9 @@
             <a:lstStyle/>
             <a:p>
               <a:r>
-                <a:rPr kumimoji="1" lang="ja-JP" altLang="en-US" dirty="0" smtClean="0"/>
+                <a:rPr kumimoji="1" lang="ja-JP" altLang="en-US" dirty="0"/>
                 <a:t>⑥</a:t>
               </a:r>
-              <a:endParaRPr kumimoji="1" lang="ja-JP" altLang="en-US" dirty="0"/>
             </a:p>
           </p:txBody>
         </p:sp>
@@ -7461,13 +7356,8 @@
               </a:r>
               <a:r>
                 <a:rPr lang="ja-JP" altLang="en-US" dirty="0"/>
-                <a:t>を</a:t>
+                <a:t>をクリック</a:t>
               </a:r>
-              <a:r>
-                <a:rPr lang="ja-JP" altLang="en-US" dirty="0" smtClean="0"/>
-                <a:t>クリック</a:t>
-              </a:r>
-              <a:endParaRPr lang="ja-JP" altLang="en-US" dirty="0"/>
             </a:p>
           </p:txBody>
         </p:sp>
@@ -7547,13 +7437,6 @@
   <p:clrMapOvr>
     <a:masterClrMapping/>
   </p:clrMapOvr>
-  <p:timing>
-    <p:tnLst>
-      <p:par>
-        <p:cTn id="1" dur="indefinite" restart="never" nodeType="tmRoot"/>
-      </p:par>
-    </p:tnLst>
-  </p:timing>
 </p:sld>
 </file>
 
@@ -7684,7 +7567,7 @@
           </a:ln>
           <a:extLst>
             <a:ext uri="{C572A759-6A51-4108-AA02-DFA0A04FC94B}">
-              <ma14:wrappingTextBoxFlag xmlns="" xmlns:ma14="http://schemas.microsoft.com/office/mac/drawingml/2011/main" val="1"/>
+              <ma14:wrappingTextBoxFlag xmlns:ma14="http://schemas.microsoft.com/office/mac/drawingml/2011/main" xmlns="" val="1"/>
             </a:ext>
           </a:extLst>
         </p:spPr>
@@ -7711,14 +7594,13 @@
               <a:t>– </a:t>
             </a:r>
             <a:r>
-              <a:rPr lang="ja-JP" altLang="en-US" dirty="0" smtClean="0"/>
+              <a:rPr lang="ja-JP" altLang="en-US" dirty="0"/>
               <a:t>外枠</a:t>
             </a:r>
             <a:r>
-              <a:rPr lang="en-US" altLang="ja-JP" dirty="0" smtClean="0"/>
+              <a:rPr lang="en-US" altLang="ja-JP" dirty="0"/>
               <a:t>4</a:t>
             </a:r>
-            <a:endParaRPr lang="en-US" altLang="ja-JP" dirty="0"/>
           </a:p>
         </p:txBody>
       </p:sp>
@@ -7751,30 +7633,6 @@
           </a:p>
         </p:txBody>
       </p:sp>
-      <p:pic>
-        <p:nvPicPr>
-          <p:cNvPr id="2" name="図 1"/>
-          <p:cNvPicPr>
-            <a:picLocks noChangeAspect="1"/>
-          </p:cNvPicPr>
-          <p:nvPr/>
-        </p:nvPicPr>
-        <p:blipFill>
-          <a:blip r:embed="rId2"/>
-          <a:stretch>
-            <a:fillRect/>
-          </a:stretch>
-        </p:blipFill>
-        <p:spPr>
-          <a:xfrm>
-            <a:off x="2514052" y="1429887"/>
-            <a:ext cx="5517428" cy="5029492"/>
-          </a:xfrm>
-          <a:prstGeom prst="rect">
-            <a:avLst/>
-          </a:prstGeom>
-        </p:spPr>
-      </p:pic>
       <p:grpSp>
         <p:nvGrpSpPr>
           <p:cNvPr id="10" name="グループ化 9"/>
@@ -7861,6 +7719,36 @@
           </p:txBody>
         </p:sp>
       </p:grpSp>
+      <p:pic>
+        <p:nvPicPr>
+          <p:cNvPr id="4" name="図 3">
+            <a:extLst>
+              <a:ext uri="{FF2B5EF4-FFF2-40B4-BE49-F238E27FC236}">
+                <a16:creationId xmlns:a16="http://schemas.microsoft.com/office/drawing/2014/main" id="{B6B5008D-324F-4DB6-AAFA-BB129058D105}"/>
+              </a:ext>
+            </a:extLst>
+          </p:cNvPr>
+          <p:cNvPicPr>
+            <a:picLocks noChangeAspect="1"/>
+          </p:cNvPicPr>
+          <p:nvPr/>
+        </p:nvPicPr>
+        <p:blipFill>
+          <a:blip r:embed="rId2"/>
+          <a:stretch>
+            <a:fillRect/>
+          </a:stretch>
+        </p:blipFill>
+        <p:spPr>
+          <a:xfrm>
+            <a:off x="2634380" y="1466679"/>
+            <a:ext cx="5273944" cy="4893839"/>
+          </a:xfrm>
+          <a:prstGeom prst="rect">
+            <a:avLst/>
+          </a:prstGeom>
+        </p:spPr>
+      </p:pic>
     </p:spTree>
     <p:extLst>
       <p:ext uri="{BB962C8B-B14F-4D97-AF65-F5344CB8AC3E}">
@@ -7871,13 +7759,6 @@
   <p:clrMapOvr>
     <a:masterClrMapping/>
   </p:clrMapOvr>
-  <p:timing>
-    <p:tnLst>
-      <p:par>
-        <p:cTn id="1" dur="indefinite" restart="never" nodeType="tmRoot"/>
-      </p:par>
-    </p:tnLst>
-  </p:timing>
 </p:sld>
 </file>
 
@@ -7898,6 +7779,36 @@
           <a:chExt cx="0" cy="0"/>
         </a:xfrm>
       </p:grpSpPr>
+      <p:pic>
+        <p:nvPicPr>
+          <p:cNvPr id="2" name="図 1">
+            <a:extLst>
+              <a:ext uri="{FF2B5EF4-FFF2-40B4-BE49-F238E27FC236}">
+                <a16:creationId xmlns:a16="http://schemas.microsoft.com/office/drawing/2014/main" id="{935A1046-284E-49E4-A0ED-5EED2D95E243}"/>
+              </a:ext>
+            </a:extLst>
+          </p:cNvPr>
+          <p:cNvPicPr>
+            <a:picLocks noChangeAspect="1"/>
+          </p:cNvPicPr>
+          <p:nvPr/>
+        </p:nvPicPr>
+        <p:blipFill>
+          <a:blip r:embed="rId2"/>
+          <a:stretch>
+            <a:fillRect/>
+          </a:stretch>
+        </p:blipFill>
+        <p:spPr>
+          <a:xfrm>
+            <a:off x="559734" y="1637486"/>
+            <a:ext cx="5295314" cy="4936309"/>
+          </a:xfrm>
+          <a:prstGeom prst="rect">
+            <a:avLst/>
+          </a:prstGeom>
+        </p:spPr>
+      </p:pic>
       <p:sp>
         <p:nvSpPr>
           <p:cNvPr id="5" name="Shape 130">
@@ -7923,7 +7834,7 @@
           </a:ln>
           <a:extLst>
             <a:ext uri="{C572A759-6A51-4108-AA02-DFA0A04FC94B}">
-              <ma14:wrappingTextBoxFlag xmlns="" xmlns:ma14="http://schemas.microsoft.com/office/mac/drawingml/2011/main" val="1"/>
+              <ma14:wrappingTextBoxFlag xmlns:ma14="http://schemas.microsoft.com/office/mac/drawingml/2011/main" xmlns="" val="1"/>
             </a:ext>
           </a:extLst>
         </p:spPr>
@@ -7975,7 +7886,7 @@
           <p:nvPr/>
         </p:nvPicPr>
         <p:blipFill>
-          <a:blip r:embed="rId2">
+          <a:blip r:embed="rId3">
             <a:extLst>
               <a:ext uri="{28A0092B-C50C-407E-A947-70E740481C1C}">
                 <a14:useLocalDpi xmlns:a14="http://schemas.microsoft.com/office/drawing/2010/main" val="0"/>
@@ -8052,18 +7963,9 @@
             </a:p>
             <a:p>
               <a:r>
-                <a:rPr lang="ja-JP" altLang="en-US" dirty="0" smtClean="0"/>
-                <a:t>以下を</a:t>
+                <a:rPr lang="ja-JP" altLang="en-US" dirty="0"/>
+                <a:t>以下を参考にドラッグしてください。</a:t>
               </a:r>
-              <a:r>
-                <a:rPr lang="ja-JP" altLang="en-US" dirty="0"/>
-                <a:t>参考</a:t>
-              </a:r>
-              <a:r>
-                <a:rPr lang="ja-JP" altLang="en-US" dirty="0" smtClean="0"/>
-                <a:t>にドラッグしてください。</a:t>
-              </a:r>
-              <a:endParaRPr lang="ja-JP" altLang="en-US" dirty="0"/>
             </a:p>
           </p:txBody>
         </p:sp>
@@ -8172,13 +8074,8 @@
               </a:r>
               <a:r>
                 <a:rPr lang="ja-JP" altLang="en-US" dirty="0"/>
-                <a:t>」と入力して</a:t>
+                <a:t>」と入力してください。</a:t>
               </a:r>
-              <a:r>
-                <a:rPr lang="ja-JP" altLang="en-US" dirty="0" smtClean="0"/>
-                <a:t>ください。</a:t>
-              </a:r>
-              <a:endParaRPr lang="ja-JP" altLang="en-US" dirty="0"/>
             </a:p>
           </p:txBody>
         </p:sp>
@@ -8346,30 +8243,6 @@
           </a:p>
         </p:txBody>
       </p:sp>
-      <p:pic>
-        <p:nvPicPr>
-          <p:cNvPr id="3" name="図 2"/>
-          <p:cNvPicPr>
-            <a:picLocks noChangeAspect="1"/>
-          </p:cNvPicPr>
-          <p:nvPr/>
-        </p:nvPicPr>
-        <p:blipFill>
-          <a:blip r:embed="rId3"/>
-          <a:stretch>
-            <a:fillRect/>
-          </a:stretch>
-        </p:blipFill>
-        <p:spPr>
-          <a:xfrm>
-            <a:off x="1159355" y="1611232"/>
-            <a:ext cx="4444684" cy="4804808"/>
-          </a:xfrm>
-          <a:prstGeom prst="rect">
-            <a:avLst/>
-          </a:prstGeom>
-        </p:spPr>
-      </p:pic>
       <p:sp>
         <p:nvSpPr>
           <p:cNvPr id="16" name="四角形: 角を丸くする 29">
@@ -8384,7 +8257,7 @@
         </p:nvSpPr>
         <p:spPr>
           <a:xfrm>
-            <a:off x="3068320" y="1649411"/>
+            <a:off x="3278385" y="1674125"/>
             <a:ext cx="375920" cy="402909"/>
           </a:xfrm>
           <a:prstGeom prst="roundRect">
@@ -8438,7 +8311,7 @@
         </p:nvCxnSpPr>
         <p:spPr>
           <a:xfrm flipV="1">
-            <a:off x="2997200" y="2032000"/>
+            <a:off x="3207265" y="2056714"/>
             <a:ext cx="228600" cy="1963544"/>
           </a:xfrm>
           <a:prstGeom prst="straightConnector1">
@@ -8477,13 +8350,6 @@
   <p:clrMapOvr>
     <a:masterClrMapping/>
   </p:clrMapOvr>
-  <p:timing>
-    <p:tnLst>
-      <p:par>
-        <p:cTn id="1" dur="indefinite" restart="never" nodeType="tmRoot"/>
-      </p:par>
-    </p:tnLst>
-  </p:timing>
 </p:sld>
 </file>
 
@@ -8529,7 +8395,7 @@
           </a:ln>
           <a:extLst>
             <a:ext uri="{C572A759-6A51-4108-AA02-DFA0A04FC94B}">
-              <ma14:wrappingTextBoxFlag xmlns="" xmlns:ma14="http://schemas.microsoft.com/office/mac/drawingml/2011/main" val="1"/>
+              <ma14:wrappingTextBoxFlag xmlns:ma14="http://schemas.microsoft.com/office/mac/drawingml/2011/main" xmlns="" val="1"/>
             </a:ext>
           </a:extLst>
         </p:spPr>
@@ -8566,42 +8432,6 @@
           </a:p>
         </p:txBody>
       </p:sp>
-      <p:pic>
-        <p:nvPicPr>
-          <p:cNvPr id="2" name="図 1">
-            <a:extLst>
-              <a:ext uri="{FF2B5EF4-FFF2-40B4-BE49-F238E27FC236}">
-                <a16:creationId xmlns:a16="http://schemas.microsoft.com/office/drawing/2014/main" id="{B99D0D7F-5B98-4B46-BFC1-71B561812AFE}"/>
-              </a:ext>
-            </a:extLst>
-          </p:cNvPr>
-          <p:cNvPicPr>
-            <a:picLocks noChangeAspect="1"/>
-          </p:cNvPicPr>
-          <p:nvPr/>
-        </p:nvPicPr>
-        <p:blipFill>
-          <a:blip r:embed="rId2">
-            <a:extLst>
-              <a:ext uri="{28A0092B-C50C-407E-A947-70E740481C1C}">
-                <a14:useLocalDpi xmlns:a14="http://schemas.microsoft.com/office/drawing/2010/main" val="0"/>
-              </a:ext>
-            </a:extLst>
-          </a:blip>
-          <a:stretch>
-            <a:fillRect/>
-          </a:stretch>
-        </p:blipFill>
-        <p:spPr>
-          <a:xfrm>
-            <a:off x="2215551" y="1372204"/>
-            <a:ext cx="5928701" cy="4896441"/>
-          </a:xfrm>
-          <a:prstGeom prst="rect">
-            <a:avLst/>
-          </a:prstGeom>
-        </p:spPr>
-      </p:pic>
       <p:sp>
         <p:nvSpPr>
           <p:cNvPr id="3" name="スライド番号プレースホルダー 2">
@@ -8709,7 +8539,7 @@
             <a:lstStyle/>
             <a:p>
               <a:r>
-                <a:rPr lang="ja-JP" altLang="en-US" dirty="0" smtClean="0"/>
+                <a:rPr lang="ja-JP" altLang="en-US" dirty="0"/>
                 <a:t>③</a:t>
               </a:r>
               <a:endParaRPr kumimoji="1" lang="ja-JP" altLang="en-US" dirty="0"/>
@@ -8717,6 +8547,36 @@
           </p:txBody>
         </p:sp>
       </p:grpSp>
+      <p:pic>
+        <p:nvPicPr>
+          <p:cNvPr id="4" name="図 3">
+            <a:extLst>
+              <a:ext uri="{FF2B5EF4-FFF2-40B4-BE49-F238E27FC236}">
+                <a16:creationId xmlns:a16="http://schemas.microsoft.com/office/drawing/2014/main" id="{39D03400-CF4F-4673-AE74-849C637AB677}"/>
+              </a:ext>
+            </a:extLst>
+          </p:cNvPr>
+          <p:cNvPicPr>
+            <a:picLocks noChangeAspect="1"/>
+          </p:cNvPicPr>
+          <p:nvPr/>
+        </p:nvPicPr>
+        <p:blipFill>
+          <a:blip r:embed="rId2"/>
+          <a:stretch>
+            <a:fillRect/>
+          </a:stretch>
+        </p:blipFill>
+        <p:spPr>
+          <a:xfrm>
+            <a:off x="2707601" y="1391547"/>
+            <a:ext cx="5027729" cy="4670429"/>
+          </a:xfrm>
+          <a:prstGeom prst="rect">
+            <a:avLst/>
+          </a:prstGeom>
+        </p:spPr>
+      </p:pic>
     </p:spTree>
     <p:extLst>
       <p:ext uri="{BB962C8B-B14F-4D97-AF65-F5344CB8AC3E}">
@@ -8727,13 +8587,6 @@
   <p:clrMapOvr>
     <a:masterClrMapping/>
   </p:clrMapOvr>
-  <p:timing>
-    <p:tnLst>
-      <p:par>
-        <p:cTn id="1" dur="indefinite" restart="never" nodeType="tmRoot"/>
-      </p:par>
-    </p:tnLst>
-  </p:timing>
 </p:sld>
 </file>
 
@@ -8779,7 +8632,7 @@
           </a:ln>
           <a:extLst>
             <a:ext uri="{C572A759-6A51-4108-AA02-DFA0A04FC94B}">
-              <ma14:wrappingTextBoxFlag xmlns="" xmlns:ma14="http://schemas.microsoft.com/office/mac/drawingml/2011/main" val="1"/>
+              <ma14:wrappingTextBoxFlag xmlns:ma14="http://schemas.microsoft.com/office/mac/drawingml/2011/main" xmlns="" val="1"/>
             </a:ext>
           </a:extLst>
         </p:spPr>
@@ -8921,7 +8774,7 @@
             <a:lstStyle/>
             <a:p>
               <a:r>
-                <a:rPr lang="en-US" altLang="ja-JP" dirty="0" err="1" smtClean="0"/>
+                <a:rPr lang="en-US" altLang="ja-JP" dirty="0" err="1"/>
                 <a:t>flange_a</a:t>
               </a:r>
               <a:r>
@@ -8930,32 +8783,28 @@
               </a:r>
               <a:r>
                 <a:rPr lang="en-US" altLang="ja-JP" dirty="0" err="1"/>
-                <a:t>f</a:t>
+                <a:t>flange_b</a:t>
               </a:r>
               <a:r>
-                <a:rPr lang="en-US" altLang="ja-JP" dirty="0" err="1" smtClean="0"/>
-                <a:t>lange_b</a:t>
-              </a:r>
-              <a:r>
-                <a:rPr lang="ja-JP" altLang="en-US" dirty="0" smtClean="0"/>
+                <a:rPr lang="ja-JP" altLang="en-US" dirty="0"/>
                 <a:t>の位置を調整してください。</a:t>
               </a:r>
-              <a:endParaRPr lang="en-US" altLang="ja-JP" dirty="0" smtClean="0"/>
+              <a:endParaRPr lang="en-US" altLang="ja-JP" dirty="0"/>
             </a:p>
             <a:p>
               <a:r>
-                <a:rPr lang="ja-JP" altLang="en-US" dirty="0" smtClean="0"/>
+                <a:rPr lang="ja-JP" altLang="en-US" dirty="0"/>
                 <a:t>コネクターは範囲選択してからドラッグ</a:t>
               </a:r>
               <a:r>
-                <a:rPr lang="en-US" altLang="ja-JP" dirty="0" smtClean="0"/>
+                <a:rPr lang="en-US" altLang="ja-JP" dirty="0"/>
                 <a:t>&amp;</a:t>
               </a:r>
               <a:r>
-                <a:rPr lang="ja-JP" altLang="en-US" dirty="0" smtClean="0"/>
+                <a:rPr lang="ja-JP" altLang="en-US" dirty="0"/>
                 <a:t>ドロップすることで移動させることができます。</a:t>
               </a:r>
-              <a:endParaRPr lang="en-US" altLang="ja-JP" dirty="0" smtClean="0"/>
+              <a:endParaRPr lang="en-US" altLang="ja-JP" dirty="0"/>
             </a:p>
           </p:txBody>
         </p:sp>
@@ -9053,13 +8902,6 @@
   <p:clrMapOvr>
     <a:masterClrMapping/>
   </p:clrMapOvr>
-  <p:timing>
-    <p:tnLst>
-      <p:par>
-        <p:cTn id="1" dur="indefinite" restart="never" nodeType="tmRoot"/>
-      </p:par>
-    </p:tnLst>
-  </p:timing>
 </p:sld>
 </file>
 
@@ -9148,12 +8990,8 @@
               <a:t>・　</a:t>
             </a:r>
             <a:r>
-              <a:rPr kumimoji="1" lang="en-US" altLang="ja-JP" sz="2400" dirty="0" smtClean="0"/>
-              <a:t>OpenModelica1.14.1 </a:t>
-            </a:r>
-            <a:r>
               <a:rPr kumimoji="1" lang="en-US" altLang="ja-JP" sz="2400" dirty="0"/>
-              <a:t>(64bit – windows</a:t>
+              <a:t>OpenModelica1.14.1 (64bit – windows</a:t>
             </a:r>
             <a:r>
               <a:rPr kumimoji="1" lang="ja-JP" altLang="en-US" sz="2400" dirty="0"/>
@@ -9180,11 +9018,7 @@
             </a:r>
             <a:r>
               <a:rPr kumimoji="1" lang="ja-JP" altLang="en-US" sz="2400"/>
-              <a:t>されて</a:t>
-            </a:r>
-            <a:r>
-              <a:rPr kumimoji="1" lang="ja-JP" altLang="en-US" sz="2400" smtClean="0"/>
-              <a:t>います。</a:t>
+              <a:t>されています。</a:t>
             </a:r>
             <a:endParaRPr kumimoji="1" lang="ja-JP" altLang="en-US" sz="2400" dirty="0"/>
           </a:p>
@@ -9231,53 +9065,45 @@
           <a:p>
             <a:r>
               <a:rPr lang="ja-JP" altLang="en-US" sz="2400" dirty="0"/>
-              <a:t>　　して</a:t>
-            </a:r>
-            <a:r>
-              <a:rPr lang="ja-JP" altLang="en-US" sz="2400" dirty="0" smtClean="0"/>
-              <a:t>おります。</a:t>
-            </a:r>
-            <a:endParaRPr kumimoji="1" lang="en-US" altLang="ja-JP" sz="2400" dirty="0" smtClean="0"/>
-          </a:p>
-          <a:p>
-            <a:r>
-              <a:rPr lang="ja-JP" altLang="en-US" sz="2400" dirty="0" smtClean="0"/>
+              <a:t>　　しております。</a:t>
+            </a:r>
+            <a:endParaRPr kumimoji="1" lang="en-US" altLang="ja-JP" sz="2400" dirty="0"/>
+          </a:p>
+          <a:p>
+            <a:r>
+              <a:rPr lang="ja-JP" altLang="en-US" sz="2400" dirty="0"/>
               <a:t>　　</a:t>
             </a:r>
             <a:r>
-              <a:rPr kumimoji="1" lang="ja-JP" altLang="en-US" sz="2400" dirty="0" smtClean="0"/>
+              <a:rPr kumimoji="1" lang="ja-JP" altLang="en-US" sz="2400" dirty="0"/>
               <a:t>「</a:t>
             </a:r>
             <a:r>
-              <a:rPr kumimoji="1" lang="en-US" altLang="ja-JP" sz="2400" dirty="0" err="1" smtClean="0"/>
+              <a:rPr kumimoji="1" lang="en-US" altLang="ja-JP" sz="2400" dirty="0" err="1"/>
               <a:t>OpenModelica</a:t>
             </a:r>
             <a:r>
-              <a:rPr kumimoji="1" lang="ja-JP" altLang="en-US" sz="2400" dirty="0" smtClean="0"/>
+              <a:rPr kumimoji="1" lang="ja-JP" altLang="en-US" sz="2400" dirty="0"/>
               <a:t>超初級チュートリアル</a:t>
             </a:r>
             <a:r>
-              <a:rPr kumimoji="1" lang="en-US" altLang="ja-JP" sz="2400" dirty="0" smtClean="0"/>
+              <a:rPr kumimoji="1" lang="en-US" altLang="ja-JP" sz="2400" dirty="0"/>
               <a:t>1.</a:t>
             </a:r>
             <a:r>
-              <a:rPr kumimoji="1" lang="ja-JP" altLang="en-US" sz="2400" dirty="0" smtClean="0"/>
+              <a:rPr kumimoji="1" lang="ja-JP" altLang="en-US" sz="2400" dirty="0"/>
               <a:t>解析モデルの作成と実行</a:t>
             </a:r>
             <a:r>
-              <a:rPr lang="ja-JP" altLang="en-US" sz="2400" dirty="0" smtClean="0"/>
+              <a:rPr lang="ja-JP" altLang="en-US" sz="2400" dirty="0"/>
               <a:t>」</a:t>
             </a:r>
-            <a:endParaRPr lang="en-US" altLang="ja-JP" sz="2400" dirty="0" smtClean="0"/>
-          </a:p>
-          <a:p>
-            <a:r>
-              <a:rPr lang="ja-JP" altLang="en-US" sz="2400" dirty="0" smtClean="0"/>
-              <a:t>       </a:t>
-            </a:r>
+            <a:endParaRPr lang="en-US" altLang="ja-JP" sz="2400" dirty="0"/>
+          </a:p>
+          <a:p>
             <a:r>
               <a:rPr lang="ja-JP" altLang="en-US" sz="2400" dirty="0"/>
-              <a:t>「</a:t>
+              <a:t>       「</a:t>
             </a:r>
             <a:r>
               <a:rPr lang="en-US" altLang="ja-JP" sz="2400" dirty="0" err="1"/>
@@ -9361,13 +9187,6 @@
   <p:clrMapOvr>
     <a:masterClrMapping/>
   </p:clrMapOvr>
-  <p:timing>
-    <p:tnLst>
-      <p:par>
-        <p:cTn id="1" dur="indefinite" restart="never" nodeType="tmRoot"/>
-      </p:par>
-    </p:tnLst>
-  </p:timing>
 </p:sld>
 </file>
 
@@ -9413,7 +9232,7 @@
           </a:ln>
           <a:extLst>
             <a:ext uri="{C572A759-6A51-4108-AA02-DFA0A04FC94B}">
-              <ma14:wrappingTextBoxFlag xmlns="" xmlns:ma14="http://schemas.microsoft.com/office/mac/drawingml/2011/main" val="1"/>
+              <ma14:wrappingTextBoxFlag xmlns:ma14="http://schemas.microsoft.com/office/mac/drawingml/2011/main" xmlns="" val="1"/>
             </a:ext>
           </a:extLst>
         </p:spPr>
@@ -9433,17 +9252,12 @@
             </a:pPr>
             <a:r>
               <a:rPr lang="ja-JP" altLang="en-US" dirty="0"/>
-              <a:t>ポート間の</a:t>
-            </a:r>
-            <a:r>
-              <a:rPr lang="ja-JP" altLang="en-US" dirty="0" smtClean="0"/>
-              <a:t>接続</a:t>
-            </a:r>
-            <a:r>
-              <a:rPr lang="en-US" altLang="ja-JP" dirty="0" smtClean="0"/>
+              <a:t>ポート間の接続</a:t>
+            </a:r>
+            <a:r>
+              <a:rPr lang="en-US" altLang="ja-JP" dirty="0"/>
               <a:t>2</a:t>
             </a:r>
-            <a:endParaRPr lang="en-US" altLang="ja-JP" dirty="0"/>
           </a:p>
         </p:txBody>
       </p:sp>
@@ -9525,12 +9339,8 @@
             <a:lstStyle/>
             <a:p>
               <a:r>
-                <a:rPr lang="ja-JP" altLang="en-US" dirty="0" smtClean="0"/>
-                <a:t>続けて以下</a:t>
-              </a:r>
-              <a:r>
                 <a:rPr lang="ja-JP" altLang="en-US" dirty="0"/>
-                <a:t>のように接続してください</a:t>
+                <a:t>続けて以下のように接続してください</a:t>
               </a:r>
             </a:p>
           </p:txBody>
@@ -9663,7 +9473,7 @@
             <a:lstStyle/>
             <a:p>
               <a:r>
-                <a:rPr lang="en-US" altLang="ja-JP" dirty="0" smtClean="0"/>
+                <a:rPr lang="en-US" altLang="ja-JP" dirty="0"/>
                 <a:t>Spring</a:t>
               </a:r>
               <a:r>
@@ -9717,7 +9527,7 @@
             <a:lstStyle/>
             <a:p>
               <a:r>
-                <a:rPr lang="ja-JP" altLang="en-US" dirty="0" smtClean="0"/>
+                <a:rPr lang="ja-JP" altLang="en-US" dirty="0"/>
                 <a:t>③</a:t>
               </a:r>
               <a:endParaRPr kumimoji="1" lang="ja-JP" altLang="en-US" dirty="0"/>
@@ -9735,13 +9545,6 @@
   <p:clrMapOvr>
     <a:masterClrMapping/>
   </p:clrMapOvr>
-  <p:timing>
-    <p:tnLst>
-      <p:par>
-        <p:cTn id="1" dur="indefinite" restart="never" nodeType="tmRoot"/>
-      </p:par>
-    </p:tnLst>
-  </p:timing>
 </p:sld>
 </file>
 
@@ -9787,7 +9590,7 @@
           </a:ln>
           <a:extLst>
             <a:ext uri="{C572A759-6A51-4108-AA02-DFA0A04FC94B}">
-              <ma14:wrappingTextBoxFlag xmlns="" xmlns:ma14="http://schemas.microsoft.com/office/mac/drawingml/2011/main" val="1"/>
+              <ma14:wrappingTextBoxFlag xmlns:ma14="http://schemas.microsoft.com/office/mac/drawingml/2011/main" xmlns="" val="1"/>
             </a:ext>
           </a:extLst>
         </p:spPr>
@@ -9807,17 +9610,12 @@
             </a:pPr>
             <a:r>
               <a:rPr lang="ja-JP" altLang="en-US" dirty="0"/>
-              <a:t>パラメータの</a:t>
-            </a:r>
-            <a:r>
-              <a:rPr lang="ja-JP" altLang="en-US" dirty="0" smtClean="0"/>
-              <a:t>設定</a:t>
-            </a:r>
-            <a:r>
-              <a:rPr lang="en-US" altLang="ja-JP" dirty="0" smtClean="0"/>
+              <a:t>パラメータの設定</a:t>
+            </a:r>
+            <a:r>
+              <a:rPr lang="en-US" altLang="ja-JP" dirty="0"/>
               <a:t>1</a:t>
             </a:r>
-            <a:endParaRPr lang="en-US" altLang="ja-JP" dirty="0"/>
           </a:p>
         </p:txBody>
       </p:sp>
@@ -10106,24 +9904,12 @@
           <a:lstStyle/>
           <a:p>
             <a:r>
-              <a:rPr kumimoji="1" lang="ja-JP" altLang="en-US" dirty="0" smtClean="0"/>
+              <a:rPr kumimoji="1" lang="ja-JP" altLang="en-US" dirty="0"/>
               <a:t>上記のように宣言すると</a:t>
             </a:r>
             <a:r>
               <a:rPr lang="ja-JP" altLang="en-US" dirty="0"/>
-              <a:t>モデル</a:t>
-            </a:r>
-            <a:r>
-              <a:rPr lang="ja-JP" altLang="en-US" dirty="0" smtClean="0"/>
-              <a:t>の</a:t>
-            </a:r>
-            <a:r>
-              <a:rPr lang="ja-JP" altLang="en-US" dirty="0"/>
-              <a:t>アイコン</a:t>
-            </a:r>
-            <a:r>
-              <a:rPr lang="ja-JP" altLang="en-US" dirty="0" smtClean="0"/>
-              <a:t>をダブルクリックした際に左図のようにパラメータをウィンドウ上から設定することが出来るようになります</a:t>
+              <a:t>モデルのアイコンをダブルクリックした際に左図のようにパラメータをウィンドウ上から設定することが出来るようになります</a:t>
             </a:r>
             <a:endParaRPr kumimoji="1" lang="ja-JP" altLang="en-US" dirty="0"/>
           </a:p>
@@ -10296,7 +10082,7 @@
             <a:lstStyle/>
             <a:p>
               <a:r>
-                <a:rPr lang="ja-JP" altLang="en-US" dirty="0" smtClean="0"/>
+                <a:rPr lang="ja-JP" altLang="en-US" dirty="0"/>
                 <a:t>①</a:t>
               </a:r>
               <a:endParaRPr kumimoji="1" lang="ja-JP" altLang="en-US" dirty="0"/>
@@ -10314,13 +10100,6 @@
   <p:clrMapOvr>
     <a:masterClrMapping/>
   </p:clrMapOvr>
-  <p:timing>
-    <p:tnLst>
-      <p:par>
-        <p:cTn id="1" dur="indefinite" restart="never" nodeType="tmRoot"/>
-      </p:par>
-    </p:tnLst>
-  </p:timing>
 </p:sld>
 </file>
 
@@ -10366,7 +10145,7 @@
           </a:ln>
           <a:extLst>
             <a:ext uri="{C572A759-6A51-4108-AA02-DFA0A04FC94B}">
-              <ma14:wrappingTextBoxFlag xmlns="" xmlns:ma14="http://schemas.microsoft.com/office/mac/drawingml/2011/main" val="1"/>
+              <ma14:wrappingTextBoxFlag xmlns:ma14="http://schemas.microsoft.com/office/mac/drawingml/2011/main" xmlns="" val="1"/>
             </a:ext>
           </a:extLst>
         </p:spPr>
@@ -10386,17 +10165,12 @@
             </a:pPr>
             <a:r>
               <a:rPr lang="ja-JP" altLang="en-US" dirty="0"/>
-              <a:t>パラメータの</a:t>
-            </a:r>
-            <a:r>
-              <a:rPr lang="ja-JP" altLang="en-US" dirty="0" smtClean="0"/>
-              <a:t>設定</a:t>
-            </a:r>
-            <a:r>
-              <a:rPr lang="en-US" altLang="ja-JP" dirty="0" smtClean="0"/>
+              <a:t>パラメータの設定</a:t>
+            </a:r>
+            <a:r>
+              <a:rPr lang="en-US" altLang="ja-JP" dirty="0"/>
               <a:t>2</a:t>
             </a:r>
-            <a:endParaRPr lang="en-US" altLang="ja-JP" dirty="0"/>
           </a:p>
         </p:txBody>
       </p:sp>
@@ -10726,10 +10500,9 @@
             <a:lstStyle/>
             <a:p>
               <a:r>
-                <a:rPr lang="ja-JP" altLang="en-US" dirty="0" smtClean="0"/>
+                <a:rPr lang="ja-JP" altLang="en-US" dirty="0"/>
                 <a:t>チェックして変数と方程式数が等しいことを確認してください。</a:t>
               </a:r>
-              <a:endParaRPr lang="ja-JP" altLang="en-US" dirty="0"/>
             </a:p>
           </p:txBody>
         </p:sp>
@@ -10762,10 +10535,9 @@
             <a:lstStyle/>
             <a:p>
               <a:r>
-                <a:rPr kumimoji="1" lang="ja-JP" altLang="en-US" dirty="0" smtClean="0"/>
+                <a:rPr kumimoji="1" lang="ja-JP" altLang="en-US" dirty="0"/>
                 <a:t>②</a:t>
               </a:r>
-              <a:endParaRPr kumimoji="1" lang="ja-JP" altLang="en-US" dirty="0"/>
             </a:p>
           </p:txBody>
         </p:sp>
@@ -10856,7 +10628,7 @@
             <a:lstStyle/>
             <a:p>
               <a:r>
-                <a:rPr lang="ja-JP" altLang="en-US" dirty="0" smtClean="0"/>
+                <a:rPr lang="ja-JP" altLang="en-US" dirty="0"/>
                 <a:t>①</a:t>
               </a:r>
               <a:endParaRPr kumimoji="1" lang="ja-JP" altLang="en-US" dirty="0"/>
@@ -10874,13 +10646,6 @@
   <p:clrMapOvr>
     <a:masterClrMapping/>
   </p:clrMapOvr>
-  <p:timing>
-    <p:tnLst>
-      <p:par>
-        <p:cTn id="1" dur="indefinite" restart="never" nodeType="tmRoot"/>
-      </p:par>
-    </p:tnLst>
-  </p:timing>
 </p:sld>
 </file>
 
@@ -10903,7 +10668,13 @@
       </p:grpSpPr>
       <p:pic>
         <p:nvPicPr>
-          <p:cNvPr id="2" name="図 1"/>
+          <p:cNvPr id="3" name="図 2">
+            <a:extLst>
+              <a:ext uri="{FF2B5EF4-FFF2-40B4-BE49-F238E27FC236}">
+                <a16:creationId xmlns:a16="http://schemas.microsoft.com/office/drawing/2014/main" id="{6619D19D-F55C-4189-95CF-D9809ECD0EF2}"/>
+              </a:ext>
+            </a:extLst>
+          </p:cNvPr>
           <p:cNvPicPr>
             <a:picLocks noChangeAspect="1"/>
           </p:cNvPicPr>
@@ -10917,8 +10688,8 @@
         </p:blipFill>
         <p:spPr>
           <a:xfrm>
-            <a:off x="1997492" y="1609706"/>
-            <a:ext cx="5266907" cy="3342922"/>
+            <a:off x="1753144" y="1687045"/>
+            <a:ext cx="4526672" cy="2956816"/>
           </a:xfrm>
           <a:prstGeom prst="rect">
             <a:avLst/>
@@ -10950,7 +10721,7 @@
           </a:ln>
           <a:extLst>
             <a:ext uri="{C572A759-6A51-4108-AA02-DFA0A04FC94B}">
-              <ma14:wrappingTextBoxFlag xmlns="" xmlns:ma14="http://schemas.microsoft.com/office/mac/drawingml/2011/main" val="1"/>
+              <ma14:wrappingTextBoxFlag xmlns:ma14="http://schemas.microsoft.com/office/mac/drawingml/2011/main" xmlns="" val="1"/>
             </a:ext>
           </a:extLst>
         </p:spPr>
@@ -10979,42 +10750,6 @@
           </a:p>
         </p:txBody>
       </p:sp>
-      <p:pic>
-        <p:nvPicPr>
-          <p:cNvPr id="6" name="図 5">
-            <a:extLst>
-              <a:ext uri="{FF2B5EF4-FFF2-40B4-BE49-F238E27FC236}">
-                <a16:creationId xmlns:a16="http://schemas.microsoft.com/office/drawing/2014/main" id="{F24DFC6E-E490-4614-AF51-8BB4E418EBD2}"/>
-              </a:ext>
-            </a:extLst>
-          </p:cNvPr>
-          <p:cNvPicPr>
-            <a:picLocks noChangeAspect="1"/>
-          </p:cNvPicPr>
-          <p:nvPr/>
-        </p:nvPicPr>
-        <p:blipFill>
-          <a:blip r:embed="rId3">
-            <a:extLst>
-              <a:ext uri="{28A0092B-C50C-407E-A947-70E740481C1C}">
-                <a14:useLocalDpi xmlns:a14="http://schemas.microsoft.com/office/drawing/2010/main" val="0"/>
-              </a:ext>
-            </a:extLst>
-          </a:blip>
-          <a:stretch>
-            <a:fillRect/>
-          </a:stretch>
-        </p:blipFill>
-        <p:spPr>
-          <a:xfrm>
-            <a:off x="1752243" y="5315541"/>
-            <a:ext cx="6367184" cy="1393144"/>
-          </a:xfrm>
-          <a:prstGeom prst="rect">
-            <a:avLst/>
-          </a:prstGeom>
-        </p:spPr>
-      </p:pic>
       <p:sp>
         <p:nvSpPr>
           <p:cNvPr id="7" name="スライド番号プレースホルダー 6">
@@ -11082,21 +10817,8 @@
             </a:r>
             <a:r>
               <a:rPr lang="ja-JP" altLang="en-US" dirty="0"/>
-              <a:t>」</a:t>
-            </a:r>
-            <a:r>
-              <a:rPr lang="ja-JP" altLang="en-US" dirty="0" smtClean="0"/>
-              <a:t>を新規作成</a:t>
-            </a:r>
-            <a:r>
-              <a:rPr lang="ja-JP" altLang="en-US" dirty="0"/>
-              <a:t>して</a:t>
-            </a:r>
-            <a:r>
-              <a:rPr lang="ja-JP" altLang="en-US" dirty="0" smtClean="0"/>
-              <a:t>ください。</a:t>
-            </a:r>
-            <a:endParaRPr lang="ja-JP" altLang="en-US" dirty="0"/>
+              <a:t>」を新規作成してください。</a:t>
+            </a:r>
           </a:p>
         </p:txBody>
       </p:sp>
@@ -11189,13 +10911,8 @@
             </a:r>
             <a:r>
               <a:rPr lang="ja-JP" altLang="en-US" dirty="0"/>
-              <a:t>ドロップして</a:t>
-            </a:r>
-            <a:r>
-              <a:rPr lang="ja-JP" altLang="en-US" dirty="0" smtClean="0"/>
-              <a:t>ください。</a:t>
-            </a:r>
-            <a:endParaRPr lang="ja-JP" altLang="en-US" dirty="0"/>
+              <a:t>ドロップしてください。</a:t>
+            </a:r>
           </a:p>
         </p:txBody>
       </p:sp>
@@ -11249,9 +10966,9 @@
           <p:nvPr/>
         </p:nvCxnSpPr>
         <p:spPr>
-          <a:xfrm flipV="1">
-            <a:off x="3080938" y="3240304"/>
-            <a:ext cx="1811102" cy="319209"/>
+          <a:xfrm>
+            <a:off x="2969727" y="3344037"/>
+            <a:ext cx="1750554" cy="264136"/>
           </a:xfrm>
           <a:prstGeom prst="straightConnector1">
             <a:avLst/>
@@ -11328,30 +11045,21 @@
               <a:t>Mass</a:t>
             </a:r>
             <a:r>
-              <a:rPr lang="ja-JP" altLang="en-US" dirty="0" smtClean="0"/>
+              <a:rPr lang="ja-JP" altLang="en-US" dirty="0"/>
               <a:t>を追加してください。</a:t>
             </a:r>
             <a:r>
-              <a:rPr lang="en-US" altLang="ja-JP" dirty="0" smtClean="0"/>
+              <a:rPr lang="en-US" altLang="ja-JP" dirty="0"/>
               <a:t>mass</a:t>
             </a:r>
             <a:r>
-              <a:rPr lang="ja-JP" altLang="en-US" dirty="0" err="1" smtClean="0"/>
+              <a:rPr lang="ja-JP" altLang="en-US" dirty="0" err="1"/>
               <a:t>には</a:t>
             </a:r>
             <a:r>
-              <a:rPr lang="ja-JP" altLang="en-US" dirty="0" smtClean="0"/>
-              <a:t>以下のパラメータ</a:t>
-            </a:r>
-            <a:r>
               <a:rPr lang="ja-JP" altLang="en-US" dirty="0"/>
-              <a:t>を入力して</a:t>
-            </a:r>
-            <a:r>
-              <a:rPr lang="ja-JP" altLang="en-US" dirty="0" smtClean="0"/>
-              <a:t>ください。</a:t>
-            </a:r>
-            <a:endParaRPr lang="ja-JP" altLang="en-US" dirty="0"/>
+              <a:t>以下のパラメータを入力してください。</a:t>
+            </a:r>
           </a:p>
         </p:txBody>
       </p:sp>
@@ -11413,21 +11121,21 @@
           <a:lstStyle/>
           <a:p>
             <a:r>
-              <a:rPr lang="en-US" altLang="ja-JP" dirty="0" smtClean="0"/>
+              <a:rPr lang="en-US" altLang="ja-JP" dirty="0"/>
               <a:t>m</a:t>
             </a:r>
             <a:r>
-              <a:rPr kumimoji="1" lang="en-US" altLang="ja-JP" dirty="0" smtClean="0"/>
+              <a:rPr kumimoji="1" lang="en-US" altLang="ja-JP" dirty="0"/>
               <a:t>=1</a:t>
             </a:r>
           </a:p>
           <a:p>
             <a:r>
-              <a:rPr lang="en-US" altLang="ja-JP" dirty="0" err="1" smtClean="0"/>
+              <a:rPr lang="en-US" altLang="ja-JP" dirty="0" err="1"/>
               <a:t>v.start</a:t>
             </a:r>
             <a:r>
-              <a:rPr lang="en-US" altLang="ja-JP" dirty="0" smtClean="0"/>
+              <a:rPr lang="en-US" altLang="ja-JP" dirty="0"/>
               <a:t>=0</a:t>
             </a:r>
             <a:endParaRPr kumimoji="1" lang="ja-JP" altLang="en-US" dirty="0"/>
@@ -11508,6 +11216,36 @@
           </a:p>
         </p:txBody>
       </p:sp>
+      <p:pic>
+        <p:nvPicPr>
+          <p:cNvPr id="16" name="図 15">
+            <a:extLst>
+              <a:ext uri="{FF2B5EF4-FFF2-40B4-BE49-F238E27FC236}">
+                <a16:creationId xmlns:a16="http://schemas.microsoft.com/office/drawing/2014/main" id="{D83830E7-A9D1-4D2A-8B63-965A2153DE8B}"/>
+              </a:ext>
+            </a:extLst>
+          </p:cNvPr>
+          <p:cNvPicPr>
+            <a:picLocks noChangeAspect="1"/>
+          </p:cNvPicPr>
+          <p:nvPr/>
+        </p:nvPicPr>
+        <p:blipFill>
+          <a:blip r:embed="rId3"/>
+          <a:stretch>
+            <a:fillRect/>
+          </a:stretch>
+        </p:blipFill>
+        <p:spPr>
+          <a:xfrm>
+            <a:off x="1997492" y="5448806"/>
+            <a:ext cx="4282324" cy="1321779"/>
+          </a:xfrm>
+          <a:prstGeom prst="rect">
+            <a:avLst/>
+          </a:prstGeom>
+        </p:spPr>
+      </p:pic>
     </p:spTree>
     <p:extLst>
       <p:ext uri="{BB962C8B-B14F-4D97-AF65-F5344CB8AC3E}">
@@ -11518,13 +11256,6 @@
   <p:clrMapOvr>
     <a:masterClrMapping/>
   </p:clrMapOvr>
-  <p:timing>
-    <p:tnLst>
-      <p:par>
-        <p:cTn id="1" dur="indefinite" restart="never" nodeType="tmRoot"/>
-      </p:par>
-    </p:tnLst>
-  </p:timing>
 </p:sld>
 </file>
 
@@ -11570,7 +11301,7 @@
           </a:ln>
           <a:extLst>
             <a:ext uri="{C572A759-6A51-4108-AA02-DFA0A04FC94B}">
-              <ma14:wrappingTextBoxFlag xmlns="" xmlns:ma14="http://schemas.microsoft.com/office/mac/drawingml/2011/main" val="1"/>
+              <ma14:wrappingTextBoxFlag xmlns:ma14="http://schemas.microsoft.com/office/mac/drawingml/2011/main" xmlns="" val="1"/>
             </a:ext>
           </a:extLst>
         </p:spPr>
@@ -11680,21 +11411,8 @@
               </a:r>
               <a:r>
                 <a:rPr lang="ja-JP" altLang="en-US" dirty="0"/>
-                <a:t>」</a:t>
+                <a:t>」インスタンスへ以下のパラメータを設定してください。</a:t>
               </a:r>
-              <a:r>
-                <a:rPr lang="ja-JP" altLang="en-US" dirty="0" smtClean="0"/>
-                <a:t>インスタンスへ以下のパラメータ</a:t>
-              </a:r>
-              <a:r>
-                <a:rPr lang="ja-JP" altLang="en-US" dirty="0"/>
-                <a:t>を設定して</a:t>
-              </a:r>
-              <a:r>
-                <a:rPr lang="ja-JP" altLang="en-US" dirty="0" smtClean="0"/>
-                <a:t>ください。</a:t>
-              </a:r>
-              <a:endParaRPr lang="ja-JP" altLang="en-US" dirty="0"/>
             </a:p>
           </p:txBody>
         </p:sp>
@@ -11727,10 +11445,9 @@
             <a:lstStyle/>
             <a:p>
               <a:r>
-                <a:rPr kumimoji="1" lang="ja-JP" altLang="en-US" dirty="0" smtClean="0"/>
+                <a:rPr kumimoji="1" lang="ja-JP" altLang="en-US" dirty="0"/>
                 <a:t>④</a:t>
               </a:r>
-              <a:endParaRPr kumimoji="1" lang="ja-JP" altLang="en-US" dirty="0"/>
             </a:p>
           </p:txBody>
         </p:sp>
@@ -11781,13 +11498,6 @@
   <p:clrMapOvr>
     <a:masterClrMapping/>
   </p:clrMapOvr>
-  <p:timing>
-    <p:tnLst>
-      <p:par>
-        <p:cTn id="1" dur="indefinite" restart="never" nodeType="tmRoot"/>
-      </p:par>
-    </p:tnLst>
-  </p:timing>
 </p:sld>
 </file>
 
@@ -11833,7 +11543,7 @@
           </a:ln>
           <a:extLst>
             <a:ext uri="{C572A759-6A51-4108-AA02-DFA0A04FC94B}">
-              <ma14:wrappingTextBoxFlag xmlns="" xmlns:ma14="http://schemas.microsoft.com/office/mac/drawingml/2011/main" val="1"/>
+              <ma14:wrappingTextBoxFlag xmlns:ma14="http://schemas.microsoft.com/office/mac/drawingml/2011/main" xmlns="" val="1"/>
             </a:ext>
           </a:extLst>
         </p:spPr>
@@ -11946,13 +11656,8 @@
               </a:r>
               <a:r>
                 <a:rPr lang="ja-JP" altLang="en-US" dirty="0"/>
-                <a:t>にして解析を実行して</a:t>
+                <a:t>にして解析を実行してください。</a:t>
               </a:r>
-              <a:r>
-                <a:rPr lang="ja-JP" altLang="en-US" dirty="0" smtClean="0"/>
-                <a:t>ください。</a:t>
-              </a:r>
-              <a:endParaRPr lang="ja-JP" altLang="en-US" dirty="0"/>
             </a:p>
           </p:txBody>
         </p:sp>
@@ -12041,11 +11746,11 @@
             <a:lstStyle/>
             <a:p>
               <a:r>
-                <a:rPr lang="en-US" altLang="ja-JP" dirty="0" smtClean="0"/>
+                <a:rPr lang="en-US" altLang="ja-JP" dirty="0"/>
                 <a:t>mass</a:t>
               </a:r>
               <a:r>
-                <a:rPr lang="ja-JP" altLang="en-US" dirty="0" smtClean="0"/>
+                <a:rPr lang="ja-JP" altLang="en-US" dirty="0"/>
                 <a:t>の変位</a:t>
               </a:r>
               <a:r>
@@ -12054,13 +11759,8 @@
               </a:r>
               <a:r>
                 <a:rPr lang="ja-JP" altLang="en-US" dirty="0"/>
-                <a:t>が以下のようになっていることを確認して</a:t>
+                <a:t>が以下のようになっていることを確認してください。</a:t>
               </a:r>
-              <a:r>
-                <a:rPr lang="ja-JP" altLang="en-US" dirty="0" smtClean="0"/>
-                <a:t>ください。</a:t>
-              </a:r>
-              <a:endParaRPr lang="ja-JP" altLang="en-US" dirty="0"/>
             </a:p>
           </p:txBody>
         </p:sp>
@@ -12134,13 +11834,6 @@
   <p:clrMapOvr>
     <a:masterClrMapping/>
   </p:clrMapOvr>
-  <p:timing>
-    <p:tnLst>
-      <p:par>
-        <p:cTn id="1" dur="indefinite" restart="never" nodeType="tmRoot"/>
-      </p:par>
-    </p:tnLst>
-  </p:timing>
 </p:sld>
 </file>
 
@@ -12186,7 +11879,7 @@
           </a:ln>
           <a:extLst>
             <a:ext uri="{C572A759-6A51-4108-AA02-DFA0A04FC94B}">
-              <ma14:wrappingTextBoxFlag xmlns="" xmlns:ma14="http://schemas.microsoft.com/office/mac/drawingml/2011/main" val="1"/>
+              <ma14:wrappingTextBoxFlag xmlns:ma14="http://schemas.microsoft.com/office/mac/drawingml/2011/main" xmlns="" val="1"/>
             </a:ext>
           </a:extLst>
         </p:spPr>
@@ -12349,36 +12042,31 @@
           <a:lstStyle/>
           <a:p>
             <a:r>
-              <a:rPr lang="ja-JP" altLang="en-US" dirty="0" smtClean="0"/>
+              <a:rPr lang="ja-JP" altLang="en-US" dirty="0"/>
               <a:t>・パラメーター</a:t>
             </a:r>
             <a:r>
-              <a:rPr lang="en-US" altLang="ja-JP" dirty="0" smtClean="0"/>
+              <a:rPr lang="en-US" altLang="ja-JP" dirty="0"/>
               <a:t>start1,start2</a:t>
             </a:r>
             <a:r>
-              <a:rPr lang="ja-JP" altLang="en-US" dirty="0" smtClean="0"/>
+              <a:rPr lang="ja-JP" altLang="en-US" dirty="0"/>
               <a:t>を異なる値にすると解析エラーが発生します</a:t>
             </a:r>
-            <a:endParaRPr lang="en-US" altLang="ja-JP" dirty="0" smtClean="0"/>
-          </a:p>
-          <a:p>
-            <a:r>
-              <a:rPr lang="ja-JP" altLang="en-US" dirty="0" smtClean="0"/>
+            <a:endParaRPr lang="en-US" altLang="ja-JP" dirty="0"/>
+          </a:p>
+          <a:p>
+            <a:r>
+              <a:rPr lang="ja-JP" altLang="en-US" dirty="0"/>
               <a:t>　また計算実行すると以下のような警告メッセージが表示されています</a:t>
             </a:r>
-            <a:endParaRPr lang="en-US" altLang="ja-JP" dirty="0" smtClean="0"/>
+            <a:endParaRPr lang="en-US" altLang="ja-JP" dirty="0"/>
           </a:p>
           <a:p>
             <a:r>
               <a:rPr lang="ja-JP" altLang="en-US" dirty="0"/>
-              <a:t>　</a:t>
-            </a:r>
-            <a:r>
-              <a:rPr lang="ja-JP" altLang="en-US" dirty="0" smtClean="0"/>
-              <a:t>原因を考察してみてください</a:t>
-            </a:r>
-            <a:endParaRPr lang="ja-JP" altLang="en-US" dirty="0"/>
+              <a:t>　原因を考察してみてください</a:t>
+            </a:r>
           </a:p>
         </p:txBody>
       </p:sp>
@@ -12418,7 +12106,7 @@
               <a:t>[1] </a:t>
             </a:r>
             <a:r>
-              <a:rPr lang="en-US" altLang="ja-JP" b="1" dirty="0" err="1" smtClean="0">
+              <a:rPr lang="en-US" altLang="ja-JP" b="1" dirty="0" err="1">
                 <a:solidFill>
                   <a:srgbClr val="000000"/>
                 </a:solidFill>
@@ -12426,7 +12114,7 @@
               <a:t>xx:xx:xx</a:t>
             </a:r>
             <a:r>
-              <a:rPr lang="en-US" altLang="ja-JP" b="1" dirty="0" smtClean="0">
+              <a:rPr lang="en-US" altLang="ja-JP" b="1" dirty="0">
                 <a:solidFill>
                   <a:srgbClr val="000000"/>
                 </a:solidFill>
@@ -12434,28 +12122,12 @@
               <a:t> </a:t>
             </a:r>
             <a:r>
-              <a:rPr lang="ja-JP" altLang="en-US" b="1" dirty="0" smtClean="0">
-                <a:solidFill>
-                  <a:srgbClr val="000000"/>
-                </a:solidFill>
-              </a:rPr>
-              <a:t>変換 </a:t>
-            </a:r>
-            <a:r>
               <a:rPr lang="ja-JP" altLang="en-US" b="1" dirty="0">
                 <a:solidFill>
                   <a:srgbClr val="000000"/>
                 </a:solidFill>
               </a:rPr>
-              <a:t>警告</a:t>
-            </a:r>
-            <a:r>
-              <a:rPr lang="ja-JP" altLang="en-US" dirty="0">
-                <a:solidFill>
-                  <a:srgbClr val="000000"/>
-                </a:solidFill>
-              </a:rPr>
-              <a:t/>
+              <a:t>変換 警告</a:t>
             </a:r>
             <a:br>
               <a:rPr lang="ja-JP" altLang="en-US" dirty="0">
@@ -12491,10 +12163,6 @@
             <a:endParaRPr lang="en-US" altLang="ja-JP" dirty="0"/>
           </a:p>
           <a:p>
-            <a:r>
-              <a:rPr lang="en-US" altLang="ja-JP" dirty="0"/>
-              <a:t/>
-            </a:r>
             <a:br>
               <a:rPr lang="en-US" altLang="ja-JP" dirty="0"/>
             </a:br>
@@ -12504,23 +12172,7 @@
                   <a:srgbClr val="000000"/>
                 </a:solidFill>
               </a:rPr>
-              <a:t>[2</a:t>
-            </a:r>
-            <a:r>
-              <a:rPr lang="en-US" altLang="ja-JP" b="1" dirty="0" smtClean="0">
-                <a:solidFill>
-                  <a:srgbClr val="000000"/>
-                </a:solidFill>
-              </a:rPr>
-              <a:t>]</a:t>
-            </a:r>
-            <a:r>
-              <a:rPr lang="en-US" altLang="ja-JP" b="1" dirty="0">
-                <a:solidFill>
-                  <a:srgbClr val="000000"/>
-                </a:solidFill>
-              </a:rPr>
-              <a:t> </a:t>
+              <a:t>[2] </a:t>
             </a:r>
             <a:r>
               <a:rPr lang="en-US" altLang="ja-JP" b="1" dirty="0" err="1">
@@ -12531,28 +12183,12 @@
               <a:t>xx:xx:xx</a:t>
             </a:r>
             <a:r>
-              <a:rPr lang="ja-JP" altLang="en-US" b="1" dirty="0" smtClean="0">
-                <a:solidFill>
-                  <a:srgbClr val="000000"/>
-                </a:solidFill>
-              </a:rPr>
-              <a:t>変換 </a:t>
-            </a:r>
-            <a:r>
               <a:rPr lang="ja-JP" altLang="en-US" b="1" dirty="0">
                 <a:solidFill>
                   <a:srgbClr val="000000"/>
                 </a:solidFill>
               </a:rPr>
-              <a:t>警告</a:t>
-            </a:r>
-            <a:r>
-              <a:rPr lang="ja-JP" altLang="en-US" dirty="0">
-                <a:solidFill>
-                  <a:srgbClr val="000000"/>
-                </a:solidFill>
-              </a:rPr>
-              <a:t/>
+              <a:t>変換 警告</a:t>
             </a:r>
             <a:br>
               <a:rPr lang="ja-JP" altLang="en-US" dirty="0">
@@ -12614,13 +12250,6 @@
   <p:clrMapOvr>
     <a:masterClrMapping/>
   </p:clrMapOvr>
-  <p:timing>
-    <p:tnLst>
-      <p:par>
-        <p:cTn id="1" dur="indefinite" restart="never" nodeType="tmRoot"/>
-      </p:par>
-    </p:tnLst>
-  </p:timing>
 </p:sld>
 </file>
 
@@ -12666,7 +12295,7 @@
           </a:ln>
           <a:extLst>
             <a:ext uri="{C572A759-6A51-4108-AA02-DFA0A04FC94B}">
-              <ma14:wrappingTextBoxFlag xmlns="" xmlns:ma14="http://schemas.microsoft.com/office/mac/drawingml/2011/main" val="1"/>
+              <ma14:wrappingTextBoxFlag xmlns:ma14="http://schemas.microsoft.com/office/mac/drawingml/2011/main" xmlns="" val="1"/>
             </a:ext>
           </a:extLst>
         </p:spPr>
@@ -12894,13 +12523,6 @@
   <p:clrMapOvr>
     <a:masterClrMapping/>
   </p:clrMapOvr>
-  <p:timing>
-    <p:tnLst>
-      <p:par>
-        <p:cTn id="1" dur="indefinite" restart="never" nodeType="tmRoot"/>
-      </p:par>
-    </p:tnLst>
-  </p:timing>
 </p:sld>
 </file>
 
@@ -12994,7 +12616,7 @@
           </a:ln>
           <a:extLst>
             <a:ext uri="{C572A759-6A51-4108-AA02-DFA0A04FC94B}">
-              <ma14:wrappingTextBoxFlag xmlns="" xmlns:ma14="http://schemas.microsoft.com/office/mac/drawingml/2011/main" val="1"/>
+              <ma14:wrappingTextBoxFlag xmlns:ma14="http://schemas.microsoft.com/office/mac/drawingml/2011/main" xmlns="" val="1"/>
             </a:ext>
           </a:extLst>
         </p:spPr>
@@ -13061,11 +12683,7 @@
           <a:p>
             <a:r>
               <a:rPr lang="ja-JP" altLang="en-US" sz="2400" dirty="0"/>
-              <a:t>新しい部品図を作成して</a:t>
-            </a:r>
-            <a:r>
-              <a:rPr lang="ja-JP" altLang="en-US" sz="2400" dirty="0" smtClean="0"/>
-              <a:t>みましょう。</a:t>
+              <a:t>新しい部品図を作成してみましょう。</a:t>
             </a:r>
             <a:endParaRPr lang="en-US" altLang="ja-JP" sz="2400" dirty="0"/>
           </a:p>
@@ -13757,13 +13375,6 @@
   <p:clrMapOvr>
     <a:masterClrMapping/>
   </p:clrMapOvr>
-  <p:timing>
-    <p:tnLst>
-      <p:par>
-        <p:cTn id="1" dur="indefinite" restart="never" nodeType="tmRoot"/>
-      </p:par>
-    </p:tnLst>
-  </p:timing>
 </p:sld>
 </file>
 
@@ -13784,6 +13395,36 @@
           <a:chExt cx="0" cy="0"/>
         </a:xfrm>
       </p:grpSpPr>
+      <p:pic>
+        <p:nvPicPr>
+          <p:cNvPr id="5" name="図 4">
+            <a:extLst>
+              <a:ext uri="{FF2B5EF4-FFF2-40B4-BE49-F238E27FC236}">
+                <a16:creationId xmlns:a16="http://schemas.microsoft.com/office/drawing/2014/main" id="{CD1FA4C6-C476-46EB-A311-94ECABA34565}"/>
+              </a:ext>
+            </a:extLst>
+          </p:cNvPr>
+          <p:cNvPicPr>
+            <a:picLocks noChangeAspect="1"/>
+          </p:cNvPicPr>
+          <p:nvPr/>
+        </p:nvPicPr>
+        <p:blipFill>
+          <a:blip r:embed="rId2"/>
+          <a:stretch>
+            <a:fillRect/>
+          </a:stretch>
+        </p:blipFill>
+        <p:spPr>
+          <a:xfrm>
+            <a:off x="6096000" y="3519046"/>
+            <a:ext cx="5456393" cy="1684166"/>
+          </a:xfrm>
+          <a:prstGeom prst="rect">
+            <a:avLst/>
+          </a:prstGeom>
+        </p:spPr>
+      </p:pic>
       <p:sp>
         <p:nvSpPr>
           <p:cNvPr id="4" name="Shape 130">
@@ -13809,7 +13450,7 @@
           </a:ln>
           <a:extLst>
             <a:ext uri="{C572A759-6A51-4108-AA02-DFA0A04FC94B}">
-              <ma14:wrappingTextBoxFlag xmlns="" xmlns:ma14="http://schemas.microsoft.com/office/mac/drawingml/2011/main" val="1"/>
+              <ma14:wrappingTextBoxFlag xmlns:ma14="http://schemas.microsoft.com/office/mac/drawingml/2011/main" xmlns="" val="1"/>
             </a:ext>
           </a:extLst>
         </p:spPr>
@@ -13940,7 +13581,7 @@
           <p:nvPr/>
         </p:nvPicPr>
         <p:blipFill>
-          <a:blip r:embed="rId2" cstate="print">
+          <a:blip r:embed="rId3" cstate="print">
             <a:extLst>
               <a:ext uri="{28A0092B-C50C-407E-A947-70E740481C1C}">
                 <a14:useLocalDpi xmlns:a14="http://schemas.microsoft.com/office/drawing/2010/main" val="0"/>
@@ -13955,42 +13596,6 @@
           <a:xfrm>
             <a:off x="132013" y="2832635"/>
             <a:ext cx="5524765" cy="2917810"/>
-          </a:xfrm>
-          <a:prstGeom prst="rect">
-            <a:avLst/>
-          </a:prstGeom>
-        </p:spPr>
-      </p:pic>
-      <p:pic>
-        <p:nvPicPr>
-          <p:cNvPr id="12" name="図 11">
-            <a:extLst>
-              <a:ext uri="{FF2B5EF4-FFF2-40B4-BE49-F238E27FC236}">
-                <a16:creationId xmlns:a16="http://schemas.microsoft.com/office/drawing/2014/main" id="{3FB4F31C-BD0B-4F87-9489-8621387A44B7}"/>
-              </a:ext>
-            </a:extLst>
-          </p:cNvPr>
-          <p:cNvPicPr>
-            <a:picLocks noChangeAspect="1"/>
-          </p:cNvPicPr>
-          <p:nvPr/>
-        </p:nvPicPr>
-        <p:blipFill>
-          <a:blip r:embed="rId3" cstate="print">
-            <a:extLst>
-              <a:ext uri="{28A0092B-C50C-407E-A947-70E740481C1C}">
-                <a14:useLocalDpi xmlns:a14="http://schemas.microsoft.com/office/drawing/2010/main" val="0"/>
-              </a:ext>
-            </a:extLst>
-          </a:blip>
-          <a:stretch>
-            <a:fillRect/>
-          </a:stretch>
-        </p:blipFill>
-        <p:spPr>
-          <a:xfrm>
-            <a:off x="6183375" y="3757330"/>
-            <a:ext cx="5801517" cy="1185167"/>
           </a:xfrm>
           <a:prstGeom prst="rect">
             <a:avLst/>
@@ -14181,13 +13786,6 @@
   <p:clrMapOvr>
     <a:masterClrMapping/>
   </p:clrMapOvr>
-  <p:timing>
-    <p:tnLst>
-      <p:par>
-        <p:cTn id="1" dur="indefinite" restart="never" nodeType="tmRoot"/>
-      </p:par>
-    </p:tnLst>
-  </p:timing>
 </p:sld>
 </file>
 
@@ -14208,6 +13806,36 @@
           <a:chExt cx="0" cy="0"/>
         </a:xfrm>
       </p:grpSpPr>
+      <p:pic>
+        <p:nvPicPr>
+          <p:cNvPr id="6" name="図 5">
+            <a:extLst>
+              <a:ext uri="{FF2B5EF4-FFF2-40B4-BE49-F238E27FC236}">
+                <a16:creationId xmlns:a16="http://schemas.microsoft.com/office/drawing/2014/main" id="{506F7859-2D4E-4F83-87FD-2BE079972B70}"/>
+              </a:ext>
+            </a:extLst>
+          </p:cNvPr>
+          <p:cNvPicPr>
+            <a:picLocks noChangeAspect="1"/>
+          </p:cNvPicPr>
+          <p:nvPr/>
+        </p:nvPicPr>
+        <p:blipFill>
+          <a:blip r:embed="rId2"/>
+          <a:stretch>
+            <a:fillRect/>
+          </a:stretch>
+        </p:blipFill>
+        <p:spPr>
+          <a:xfrm>
+            <a:off x="262494" y="2015709"/>
+            <a:ext cx="3296252" cy="3050516"/>
+          </a:xfrm>
+          <a:prstGeom prst="rect">
+            <a:avLst/>
+          </a:prstGeom>
+        </p:spPr>
+      </p:pic>
       <p:sp>
         <p:nvSpPr>
           <p:cNvPr id="4" name="Shape 130">
@@ -14233,7 +13861,7 @@
           </a:ln>
           <a:extLst>
             <a:ext uri="{C572A759-6A51-4108-AA02-DFA0A04FC94B}">
-              <ma14:wrappingTextBoxFlag xmlns="" xmlns:ma14="http://schemas.microsoft.com/office/mac/drawingml/2011/main" val="1"/>
+              <ma14:wrappingTextBoxFlag xmlns:ma14="http://schemas.microsoft.com/office/mac/drawingml/2011/main" xmlns="" val="1"/>
             </a:ext>
           </a:extLst>
         </p:spPr>
@@ -14288,12 +13916,48 @@
           </a:p>
         </p:txBody>
       </p:sp>
+      <p:sp>
+        <p:nvSpPr>
+          <p:cNvPr id="14" name="テキスト ボックス 13">
+            <a:extLst>
+              <a:ext uri="{FF2B5EF4-FFF2-40B4-BE49-F238E27FC236}">
+                <a16:creationId xmlns:a16="http://schemas.microsoft.com/office/drawing/2014/main" id="{55CED313-8089-4551-9847-3191FC917F49}"/>
+              </a:ext>
+            </a:extLst>
+          </p:cNvPr>
+          <p:cNvSpPr txBox="1"/>
+          <p:nvPr/>
+        </p:nvSpPr>
+        <p:spPr>
+          <a:xfrm>
+            <a:off x="422194" y="704828"/>
+            <a:ext cx="10956846" cy="400110"/>
+          </a:xfrm>
+          <a:prstGeom prst="rect">
+            <a:avLst/>
+          </a:prstGeom>
+          <a:noFill/>
+        </p:spPr>
+        <p:txBody>
+          <a:bodyPr wrap="none" rtlCol="0">
+            <a:spAutoFit/>
+          </a:bodyPr>
+          <a:lstStyle/>
+          <a:p>
+            <a:r>
+              <a:rPr kumimoji="1" lang="ja-JP" altLang="en-US" sz="2000" dirty="0"/>
+              <a:t>作成するモデルには以下のようにコネクターをつけパラメータを設定しアイコンをつけます。</a:t>
+            </a:r>
+            <a:endParaRPr lang="en-US" altLang="ja-JP" sz="2000" dirty="0"/>
+          </a:p>
+        </p:txBody>
+      </p:sp>
       <p:pic>
         <p:nvPicPr>
-          <p:cNvPr id="13" name="図 12">
-            <a:extLst>
-              <a:ext uri="{FF2B5EF4-FFF2-40B4-BE49-F238E27FC236}">
-                <a16:creationId xmlns:a16="http://schemas.microsoft.com/office/drawing/2014/main" id="{6FD93217-6FE9-435E-B265-D1C68DBA6D51}"/>
+          <p:cNvPr id="3" name="図 2">
+            <a:extLst>
+              <a:ext uri="{FF2B5EF4-FFF2-40B4-BE49-F238E27FC236}">
+                <a16:creationId xmlns:a16="http://schemas.microsoft.com/office/drawing/2014/main" id="{D5CBDD76-BFF4-4783-9C96-0EB5080C54B9}"/>
               </a:ext>
             </a:extLst>
           </p:cNvPr>
@@ -14303,7 +13967,7 @@
           <p:nvPr/>
         </p:nvPicPr>
         <p:blipFill>
-          <a:blip r:embed="rId2">
+          <a:blip r:embed="rId3" cstate="print">
             <a:extLst>
               <a:ext uri="{28A0092B-C50C-407E-A947-70E740481C1C}">
                 <a14:useLocalDpi xmlns:a14="http://schemas.microsoft.com/office/drawing/2010/main" val="0"/>
@@ -14316,56 +13980,20 @@
         </p:blipFill>
         <p:spPr>
           <a:xfrm>
-            <a:off x="106043" y="2133600"/>
-            <a:ext cx="3656905" cy="3160200"/>
+            <a:off x="4472265" y="1104938"/>
+            <a:ext cx="7501743" cy="1924531"/>
           </a:xfrm>
           <a:prstGeom prst="rect">
             <a:avLst/>
           </a:prstGeom>
         </p:spPr>
       </p:pic>
-      <p:sp>
-        <p:nvSpPr>
-          <p:cNvPr id="14" name="テキスト ボックス 13">
-            <a:extLst>
-              <a:ext uri="{FF2B5EF4-FFF2-40B4-BE49-F238E27FC236}">
-                <a16:creationId xmlns:a16="http://schemas.microsoft.com/office/drawing/2014/main" id="{55CED313-8089-4551-9847-3191FC917F49}"/>
-              </a:ext>
-            </a:extLst>
-          </p:cNvPr>
-          <p:cNvSpPr txBox="1"/>
-          <p:nvPr/>
-        </p:nvSpPr>
-        <p:spPr>
-          <a:xfrm>
-            <a:off x="422194" y="704828"/>
-            <a:ext cx="10956846" cy="400110"/>
-          </a:xfrm>
-          <a:prstGeom prst="rect">
-            <a:avLst/>
-          </a:prstGeom>
-          <a:noFill/>
-        </p:spPr>
-        <p:txBody>
-          <a:bodyPr wrap="none" rtlCol="0">
-            <a:spAutoFit/>
-          </a:bodyPr>
-          <a:lstStyle/>
-          <a:p>
-            <a:r>
-              <a:rPr kumimoji="1" lang="ja-JP" altLang="en-US" sz="2000" dirty="0" smtClean="0"/>
-              <a:t>作成するモデルには以下のようにコネクターをつけパラメータを設定しアイコンをつけます。</a:t>
-            </a:r>
-            <a:endParaRPr lang="en-US" altLang="ja-JP" sz="2000" dirty="0"/>
-          </a:p>
-        </p:txBody>
-      </p:sp>
       <p:pic>
         <p:nvPicPr>
-          <p:cNvPr id="3" name="図 2">
-            <a:extLst>
-              <a:ext uri="{FF2B5EF4-FFF2-40B4-BE49-F238E27FC236}">
-                <a16:creationId xmlns:a16="http://schemas.microsoft.com/office/drawing/2014/main" id="{D5CBDD76-BFF4-4783-9C96-0EB5080C54B9}"/>
+          <p:cNvPr id="5" name="図 4">
+            <a:extLst>
+              <a:ext uri="{FF2B5EF4-FFF2-40B4-BE49-F238E27FC236}">
+                <a16:creationId xmlns:a16="http://schemas.microsoft.com/office/drawing/2014/main" id="{428E1DBA-5490-4E2A-9DC0-98342138C4C6}"/>
               </a:ext>
             </a:extLst>
           </p:cNvPr>
@@ -14375,7 +14003,7 @@
           <p:nvPr/>
         </p:nvPicPr>
         <p:blipFill>
-          <a:blip r:embed="rId3" cstate="print">
+          <a:blip r:embed="rId4" cstate="print">
             <a:extLst>
               <a:ext uri="{28A0092B-C50C-407E-A947-70E740481C1C}">
                 <a14:useLocalDpi xmlns:a14="http://schemas.microsoft.com/office/drawing/2010/main" val="0"/>
@@ -14388,42 +14016,6 @@
         </p:blipFill>
         <p:spPr>
           <a:xfrm>
-            <a:off x="4472265" y="1104938"/>
-            <a:ext cx="7501743" cy="1924531"/>
-          </a:xfrm>
-          <a:prstGeom prst="rect">
-            <a:avLst/>
-          </a:prstGeom>
-        </p:spPr>
-      </p:pic>
-      <p:pic>
-        <p:nvPicPr>
-          <p:cNvPr id="5" name="図 4">
-            <a:extLst>
-              <a:ext uri="{FF2B5EF4-FFF2-40B4-BE49-F238E27FC236}">
-                <a16:creationId xmlns:a16="http://schemas.microsoft.com/office/drawing/2014/main" id="{428E1DBA-5490-4E2A-9DC0-98342138C4C6}"/>
-              </a:ext>
-            </a:extLst>
-          </p:cNvPr>
-          <p:cNvPicPr>
-            <a:picLocks noChangeAspect="1"/>
-          </p:cNvPicPr>
-          <p:nvPr/>
-        </p:nvPicPr>
-        <p:blipFill>
-          <a:blip r:embed="rId4" cstate="print">
-            <a:extLst>
-              <a:ext uri="{28A0092B-C50C-407E-A947-70E740481C1C}">
-                <a14:useLocalDpi xmlns:a14="http://schemas.microsoft.com/office/drawing/2010/main" val="0"/>
-              </a:ext>
-            </a:extLst>
-          </a:blip>
-          <a:stretch>
-            <a:fillRect/>
-          </a:stretch>
-        </p:blipFill>
-        <p:spPr>
-          <a:xfrm>
             <a:off x="6246043" y="3482538"/>
             <a:ext cx="1945320" cy="3300308"/>
           </a:xfrm>
@@ -14443,7 +14035,6 @@
           </p:cNvPr>
           <p:cNvCxnSpPr>
             <a:cxnSpLocks/>
-            <a:stCxn id="13" idx="3"/>
             <a:endCxn id="3" idx="1"/>
           </p:cNvCxnSpPr>
           <p:nvPr/>
@@ -14490,7 +14081,6 @@
           </p:cNvPr>
           <p:cNvCxnSpPr>
             <a:cxnSpLocks/>
-            <a:stCxn id="13" idx="3"/>
             <a:endCxn id="5" idx="1"/>
           </p:cNvCxnSpPr>
           <p:nvPr/>
@@ -14642,13 +14232,6 @@
   <p:clrMapOvr>
     <a:masterClrMapping/>
   </p:clrMapOvr>
-  <p:timing>
-    <p:tnLst>
-      <p:par>
-        <p:cTn id="1" dur="indefinite" restart="never" nodeType="tmRoot"/>
-      </p:par>
-    </p:tnLst>
-  </p:timing>
 </p:sld>
 </file>
 
@@ -14694,7 +14277,7 @@
           </a:ln>
           <a:extLst>
             <a:ext uri="{C572A759-6A51-4108-AA02-DFA0A04FC94B}">
-              <ma14:wrappingTextBoxFlag xmlns="" xmlns:ma14="http://schemas.microsoft.com/office/mac/drawingml/2011/main" val="1"/>
+              <ma14:wrappingTextBoxFlag xmlns:ma14="http://schemas.microsoft.com/office/mac/drawingml/2011/main" xmlns="" val="1"/>
             </a:ext>
           </a:extLst>
         </p:spPr>
@@ -15209,13 +14792,8 @@
           <a:p>
             <a:r>
               <a:rPr kumimoji="1" lang="ja-JP" altLang="en-US" dirty="0"/>
-              <a:t>既存のモデルから必要なパーツを</a:t>
-            </a:r>
-            <a:r>
-              <a:rPr kumimoji="1" lang="ja-JP" altLang="en-US" dirty="0" smtClean="0"/>
-              <a:t>インスタンス化</a:t>
-            </a:r>
-            <a:endParaRPr kumimoji="1" lang="ja-JP" altLang="en-US" dirty="0"/>
+              <a:t>既存のモデルから必要なパーツをインスタンス化</a:t>
+            </a:r>
           </a:p>
         </p:txBody>
       </p:sp>
@@ -15355,13 +14933,8 @@
           <a:p>
             <a:r>
               <a:rPr kumimoji="1" lang="ja-JP" altLang="en-US" dirty="0"/>
-              <a:t>アイコンの外観を</a:t>
-            </a:r>
-            <a:r>
-              <a:rPr kumimoji="1" lang="ja-JP" altLang="en-US" dirty="0" smtClean="0"/>
-              <a:t>作成</a:t>
-            </a:r>
-            <a:endParaRPr kumimoji="1" lang="ja-JP" altLang="en-US" dirty="0"/>
+              <a:t>アイコンの外観を作成</a:t>
+            </a:r>
           </a:p>
         </p:txBody>
       </p:sp>
@@ -15395,13 +14968,8 @@
           <a:p>
             <a:r>
               <a:rPr kumimoji="1" lang="ja-JP" altLang="en-US" dirty="0"/>
-              <a:t>必要なモデルのポートと作成したポートを</a:t>
-            </a:r>
-            <a:r>
-              <a:rPr kumimoji="1" lang="ja-JP" altLang="en-US" dirty="0" smtClean="0"/>
-              <a:t>接続</a:t>
-            </a:r>
-            <a:endParaRPr kumimoji="1" lang="ja-JP" altLang="en-US" dirty="0"/>
+              <a:t>必要なモデルのポートと作成したポートを接続</a:t>
+            </a:r>
           </a:p>
         </p:txBody>
       </p:sp>
@@ -15470,18 +15038,13 @@
           <a:p>
             <a:pPr algn="ctr"/>
             <a:r>
-              <a:rPr kumimoji="1" lang="ja-JP" altLang="en-US" sz="1600" dirty="0" smtClean="0">
+              <a:rPr kumimoji="1" lang="ja-JP" altLang="en-US" sz="1600" dirty="0">
                 <a:solidFill>
                   <a:schemeClr val="tx1"/>
                 </a:solidFill>
               </a:rPr>
               <a:t>ポートの追加</a:t>
             </a:r>
-            <a:endParaRPr kumimoji="1" lang="ja-JP" altLang="en-US" sz="1600" dirty="0">
-              <a:solidFill>
-                <a:schemeClr val="tx1"/>
-              </a:solidFill>
-            </a:endParaRPr>
           </a:p>
         </p:txBody>
       </p:sp>
@@ -15515,13 +15078,8 @@
           <a:p>
             <a:r>
               <a:rPr kumimoji="1" lang="ja-JP" altLang="en-US" dirty="0"/>
-              <a:t>必要なポートをインスタンス化し、ポート部分のアイコンを</a:t>
-            </a:r>
-            <a:r>
-              <a:rPr kumimoji="1" lang="ja-JP" altLang="en-US" dirty="0" smtClean="0"/>
-              <a:t>作成</a:t>
-            </a:r>
-            <a:endParaRPr kumimoji="1" lang="ja-JP" altLang="en-US" dirty="0"/>
+              <a:t>必要なポートをインスタンス化し、ポート部分のアイコンを作成</a:t>
+            </a:r>
           </a:p>
         </p:txBody>
       </p:sp>
@@ -15602,13 +15160,8 @@
           <a:p>
             <a:r>
               <a:rPr kumimoji="1" lang="ja-JP" altLang="en-US" dirty="0"/>
-              <a:t>今回は以下のステップでカスタマイズモデルを作成</a:t>
-            </a:r>
-            <a:r>
-              <a:rPr kumimoji="1" lang="ja-JP" altLang="en-US" dirty="0" smtClean="0"/>
-              <a:t>します。</a:t>
-            </a:r>
-            <a:endParaRPr kumimoji="1" lang="ja-JP" altLang="en-US" dirty="0"/>
+              <a:t>今回は以下のステップでカスタマイズモデルを作成します。</a:t>
+            </a:r>
           </a:p>
         </p:txBody>
       </p:sp>
@@ -15642,13 +15195,8 @@
           <a:p>
             <a:r>
               <a:rPr kumimoji="1" lang="ja-JP" altLang="en-US" dirty="0"/>
-              <a:t>カスタマイズモデルのパラメータを</a:t>
-            </a:r>
-            <a:r>
-              <a:rPr kumimoji="1" lang="ja-JP" altLang="en-US" dirty="0" smtClean="0"/>
-              <a:t>設定</a:t>
-            </a:r>
-            <a:endParaRPr kumimoji="1" lang="ja-JP" altLang="en-US" dirty="0"/>
+              <a:t>カスタマイズモデルのパラメータを設定</a:t>
+            </a:r>
           </a:p>
         </p:txBody>
       </p:sp>
@@ -15662,13 +15210,6 @@
   <p:clrMapOvr>
     <a:masterClrMapping/>
   </p:clrMapOvr>
-  <p:timing>
-    <p:tnLst>
-      <p:par>
-        <p:cTn id="1" dur="indefinite" restart="never" nodeType="tmRoot"/>
-      </p:par>
-    </p:tnLst>
-  </p:timing>
 </p:sld>
 </file>
 
@@ -15714,7 +15255,7 @@
           </a:ln>
           <a:extLst>
             <a:ext uri="{C572A759-6A51-4108-AA02-DFA0A04FC94B}">
-              <ma14:wrappingTextBoxFlag xmlns="" xmlns:ma14="http://schemas.microsoft.com/office/mac/drawingml/2011/main" val="1"/>
+              <ma14:wrappingTextBoxFlag xmlns:ma14="http://schemas.microsoft.com/office/mac/drawingml/2011/main" xmlns="" val="1"/>
             </a:ext>
           </a:extLst>
         </p:spPr>
@@ -15821,24 +15362,15 @@
             <a:p>
               <a:r>
                 <a:rPr lang="ja-JP" altLang="en-US" dirty="0"/>
-                <a:t>モデルを作成して</a:t>
+                <a:t>モデルを作成してください。</a:t>
               </a:r>
-              <a:r>
-                <a:rPr lang="ja-JP" altLang="en-US" dirty="0" smtClean="0"/>
-                <a:t>ください。</a:t>
-              </a:r>
-              <a:endParaRPr lang="en-US" altLang="ja-JP" dirty="0" smtClean="0"/>
+              <a:endParaRPr lang="en-US" altLang="ja-JP" dirty="0"/>
             </a:p>
             <a:p>
               <a:r>
                 <a:rPr lang="ja-JP" altLang="en-US" dirty="0"/>
-                <a:t>モデル</a:t>
+                <a:t>モデルは適宜保存してください。</a:t>
               </a:r>
-              <a:r>
-                <a:rPr lang="ja-JP" altLang="en-US" dirty="0" smtClean="0"/>
-                <a:t>は適宜保存してください。</a:t>
-              </a:r>
-              <a:endParaRPr lang="ja-JP" altLang="en-US" dirty="0"/>
             </a:p>
           </p:txBody>
         </p:sp>
@@ -15955,13 +15487,8 @@
             <a:p>
               <a:r>
                 <a:rPr lang="ja-JP" altLang="en-US" dirty="0"/>
-                <a:t>インスタンスを作成して</a:t>
+                <a:t>インスタンスを作成してください。</a:t>
               </a:r>
-              <a:r>
-                <a:rPr lang="ja-JP" altLang="en-US" dirty="0" smtClean="0"/>
-                <a:t>ください。</a:t>
-              </a:r>
-              <a:endParaRPr lang="ja-JP" altLang="en-US" dirty="0"/>
             </a:p>
           </p:txBody>
         </p:sp>
@@ -16208,13 +15735,6 @@
   <p:clrMapOvr>
     <a:masterClrMapping/>
   </p:clrMapOvr>
-  <p:timing>
-    <p:tnLst>
-      <p:par>
-        <p:cTn id="1" dur="indefinite" restart="never" nodeType="tmRoot"/>
-      </p:par>
-    </p:tnLst>
-  </p:timing>
 </p:sld>
 </file>
 
@@ -16235,6 +15755,36 @@
           <a:chExt cx="0" cy="0"/>
         </a:xfrm>
       </p:grpSpPr>
+      <p:pic>
+        <p:nvPicPr>
+          <p:cNvPr id="14" name="図 13">
+            <a:extLst>
+              <a:ext uri="{FF2B5EF4-FFF2-40B4-BE49-F238E27FC236}">
+                <a16:creationId xmlns:a16="http://schemas.microsoft.com/office/drawing/2014/main" id="{BB6F0D95-840F-4BEF-99F8-5AB672A6693B}"/>
+              </a:ext>
+            </a:extLst>
+          </p:cNvPr>
+          <p:cNvPicPr>
+            <a:picLocks noChangeAspect="1"/>
+          </p:cNvPicPr>
+          <p:nvPr/>
+        </p:nvPicPr>
+        <p:blipFill>
+          <a:blip r:embed="rId2"/>
+          <a:stretch>
+            <a:fillRect/>
+          </a:stretch>
+        </p:blipFill>
+        <p:spPr>
+          <a:xfrm>
+            <a:off x="2022514" y="2394477"/>
+            <a:ext cx="3966607" cy="3670896"/>
+          </a:xfrm>
+          <a:prstGeom prst="rect">
+            <a:avLst/>
+          </a:prstGeom>
+        </p:spPr>
+      </p:pic>
       <p:sp>
         <p:nvSpPr>
           <p:cNvPr id="5" name="Shape 130">
@@ -16260,7 +15810,7 @@
           </a:ln>
           <a:extLst>
             <a:ext uri="{C572A759-6A51-4108-AA02-DFA0A04FC94B}">
-              <ma14:wrappingTextBoxFlag xmlns="" xmlns:ma14="http://schemas.microsoft.com/office/mac/drawingml/2011/main" val="1"/>
+              <ma14:wrappingTextBoxFlag xmlns:ma14="http://schemas.microsoft.com/office/mac/drawingml/2011/main" xmlns="" val="1"/>
             </a:ext>
           </a:extLst>
         </p:spPr>
@@ -16344,15 +15894,7 @@
             <a:p>
               <a:r>
                 <a:rPr lang="ja-JP" altLang="en-US" sz="2400" dirty="0"/>
-                <a:t>以下のアイコンを作成</a:t>
-              </a:r>
-              <a:r>
-                <a:rPr lang="ja-JP" altLang="en-US" sz="2400" dirty="0" smtClean="0"/>
-                <a:t>します</a:t>
-              </a:r>
-              <a:r>
-                <a:rPr lang="ja-JP" altLang="en-US" sz="2400" dirty="0"/>
-                <a:t>。</a:t>
+                <a:t>以下のアイコンを作成します。</a:t>
               </a:r>
               <a:endParaRPr lang="en-US" altLang="ja-JP" sz="2400" dirty="0"/>
             </a:p>
@@ -16411,48 +15953,12 @@
         </p:nvGrpSpPr>
         <p:grpSpPr>
           <a:xfrm>
-            <a:off x="2001499" y="2456518"/>
-            <a:ext cx="9888685" cy="3569632"/>
-            <a:chOff x="3325982" y="2456518"/>
-            <a:chExt cx="8535998" cy="3081337"/>
+            <a:off x="2035472" y="2714327"/>
+            <a:ext cx="9854712" cy="1851521"/>
+            <a:chOff x="3355308" y="2679061"/>
+            <a:chExt cx="8506672" cy="1598249"/>
           </a:xfrm>
         </p:grpSpPr>
-        <p:pic>
-          <p:nvPicPr>
-            <p:cNvPr id="10" name="図 9">
-              <a:extLst>
-                <a:ext uri="{FF2B5EF4-FFF2-40B4-BE49-F238E27FC236}">
-                  <a16:creationId xmlns:a16="http://schemas.microsoft.com/office/drawing/2014/main" id="{76F9C89F-A568-41C6-BA60-343AC95538E0}"/>
-                </a:ext>
-              </a:extLst>
-            </p:cNvPr>
-            <p:cNvPicPr>
-              <a:picLocks noChangeAspect="1"/>
-            </p:cNvPicPr>
-            <p:nvPr/>
-          </p:nvPicPr>
-          <p:blipFill>
-            <a:blip r:embed="rId2">
-              <a:extLst>
-                <a:ext uri="{28A0092B-C50C-407E-A947-70E740481C1C}">
-                  <a14:useLocalDpi xmlns:a14="http://schemas.microsoft.com/office/drawing/2010/main" val="0"/>
-                </a:ext>
-              </a:extLst>
-            </a:blip>
-            <a:stretch>
-              <a:fillRect/>
-            </a:stretch>
-          </p:blipFill>
-          <p:spPr>
-            <a:xfrm>
-              <a:off x="3325982" y="2456518"/>
-              <a:ext cx="3565647" cy="3081337"/>
-            </a:xfrm>
-            <a:prstGeom prst="rect">
-              <a:avLst/>
-            </a:prstGeom>
-          </p:spPr>
-        </p:pic>
         <p:sp>
           <p:nvSpPr>
             <p:cNvPr id="17" name="正方形/長方形 16">
@@ -16512,11 +16018,7 @@
             <a:p>
               <a:r>
                 <a:rPr lang="ja-JP" altLang="en-US" sz="2400" dirty="0"/>
-                <a:t>　</a:t>
-              </a:r>
-              <a:r>
-                <a:rPr lang="ja-JP" altLang="en-US" sz="2400" dirty="0" smtClean="0"/>
-                <a:t>他のモデルと位置</a:t>
+                <a:t>　他のモデルと位置</a:t>
               </a:r>
               <a:r>
                 <a:rPr lang="en-US" altLang="ja-JP" sz="2400" dirty="0"/>
@@ -16531,12 +16033,8 @@
                 <a:t>f</a:t>
               </a:r>
               <a:r>
-                <a:rPr lang="ja-JP" altLang="en-US" sz="2400" dirty="0" smtClean="0"/>
-                <a:t>の受け渡しを</a:t>
-              </a:r>
-              <a:r>
                 <a:rPr lang="ja-JP" altLang="en-US" sz="2400" dirty="0"/>
-                <a:t>可能にします</a:t>
+                <a:t>の受け渡しを可能にします</a:t>
               </a:r>
             </a:p>
           </p:txBody>
@@ -16779,13 +16277,6 @@
   <p:clrMapOvr>
     <a:masterClrMapping/>
   </p:clrMapOvr>
-  <p:timing>
-    <p:tnLst>
-      <p:par>
-        <p:cTn id="1" dur="indefinite" restart="never" nodeType="tmRoot"/>
-      </p:par>
-    </p:tnLst>
-  </p:timing>
 </p:sld>
 </file>
 

--- a/4_CustomizeModel2_ParallelSprings/OpenModelica_Tutorials_4.pptx
+++ b/4_CustomizeModel2_ParallelSprings/OpenModelica_Tutorials_4.pptx
@@ -245,7 +245,7 @@
           <a:p>
             <a:fld id="{48BDAED4-8D25-43AD-8EF1-149C3264C00D}" type="datetimeFigureOut">
               <a:rPr kumimoji="1" lang="ja-JP" altLang="en-US" smtClean="0"/>
-              <a:t>2020/5/2</a:t>
+              <a:t>2021/8/23</a:t>
             </a:fld>
             <a:endParaRPr kumimoji="1" lang="ja-JP" altLang="en-US"/>
           </a:p>
@@ -715,7 +715,7 @@
           <a:p>
             <a:fld id="{4BF116AF-D557-4F39-9FFB-27E038FB1090}" type="datetime1">
               <a:rPr kumimoji="1" lang="ja-JP" altLang="en-US" smtClean="0"/>
-              <a:t>2020/5/2</a:t>
+              <a:t>2021/8/23</a:t>
             </a:fld>
             <a:endParaRPr kumimoji="1" lang="ja-JP" altLang="en-US"/>
           </a:p>
@@ -945,7 +945,7 @@
           <a:p>
             <a:fld id="{593F3817-63D9-43DC-A6B4-F38E7E22B334}" type="datetime1">
               <a:rPr kumimoji="1" lang="ja-JP" altLang="en-US" smtClean="0"/>
-              <a:t>2020/5/2</a:t>
+              <a:t>2021/8/23</a:t>
             </a:fld>
             <a:endParaRPr kumimoji="1" lang="ja-JP" altLang="en-US"/>
           </a:p>
@@ -1185,7 +1185,7 @@
           <a:p>
             <a:fld id="{4B8AFDEF-C18E-4EED-9139-A18CEE1575B1}" type="datetime1">
               <a:rPr kumimoji="1" lang="ja-JP" altLang="en-US" smtClean="0"/>
-              <a:t>2020/5/2</a:t>
+              <a:t>2021/8/23</a:t>
             </a:fld>
             <a:endParaRPr kumimoji="1" lang="ja-JP" altLang="en-US"/>
           </a:p>
@@ -1415,7 +1415,7 @@
           <a:p>
             <a:fld id="{F5B489AD-72A1-4847-9821-843F353584A4}" type="datetime1">
               <a:rPr kumimoji="1" lang="ja-JP" altLang="en-US" smtClean="0"/>
-              <a:t>2020/5/2</a:t>
+              <a:t>2021/8/23</a:t>
             </a:fld>
             <a:endParaRPr kumimoji="1" lang="ja-JP" altLang="en-US"/>
           </a:p>
@@ -1690,7 +1690,7 @@
           <a:p>
             <a:fld id="{8F941BD6-9F86-4D2C-A2C8-918FE8A17ACD}" type="datetime1">
               <a:rPr kumimoji="1" lang="ja-JP" altLang="en-US" smtClean="0"/>
-              <a:t>2020/5/2</a:t>
+              <a:t>2021/8/23</a:t>
             </a:fld>
             <a:endParaRPr kumimoji="1" lang="ja-JP" altLang="en-US"/>
           </a:p>
@@ -2019,7 +2019,7 @@
           <a:p>
             <a:fld id="{AA38B87E-EAC9-47F8-936F-712A38ACEEC0}" type="datetime1">
               <a:rPr kumimoji="1" lang="ja-JP" altLang="en-US" smtClean="0"/>
-              <a:t>2020/5/2</a:t>
+              <a:t>2021/8/23</a:t>
             </a:fld>
             <a:endParaRPr kumimoji="1" lang="ja-JP" altLang="en-US"/>
           </a:p>
@@ -2495,7 +2495,7 @@
           <a:p>
             <a:fld id="{3BA45C1C-AE36-4B61-AE86-B22D986A54B4}" type="datetime1">
               <a:rPr kumimoji="1" lang="ja-JP" altLang="en-US" smtClean="0"/>
-              <a:t>2020/5/2</a:t>
+              <a:t>2021/8/23</a:t>
             </a:fld>
             <a:endParaRPr kumimoji="1" lang="ja-JP" altLang="en-US"/>
           </a:p>
@@ -2636,7 +2636,7 @@
           <a:p>
             <a:fld id="{62A3CB3C-1835-46E7-8FFF-335DAFA2BABB}" type="datetime1">
               <a:rPr kumimoji="1" lang="ja-JP" altLang="en-US" smtClean="0"/>
-              <a:t>2020/5/2</a:t>
+              <a:t>2021/8/23</a:t>
             </a:fld>
             <a:endParaRPr kumimoji="1" lang="ja-JP" altLang="en-US"/>
           </a:p>
@@ -2749,7 +2749,7 @@
           <a:p>
             <a:fld id="{289D324E-99C4-4D83-9165-0DF7EA0DDAED}" type="datetime1">
               <a:rPr kumimoji="1" lang="ja-JP" altLang="en-US" smtClean="0"/>
-              <a:t>2020/5/2</a:t>
+              <a:t>2021/8/23</a:t>
             </a:fld>
             <a:endParaRPr kumimoji="1" lang="ja-JP" altLang="en-US"/>
           </a:p>
@@ -3092,7 +3092,7 @@
           <a:p>
             <a:fld id="{07081287-B7B6-4D06-92AC-65C5C199F8D4}" type="datetime1">
               <a:rPr kumimoji="1" lang="ja-JP" altLang="en-US" smtClean="0"/>
-              <a:t>2020/5/2</a:t>
+              <a:t>2021/8/23</a:t>
             </a:fld>
             <a:endParaRPr kumimoji="1" lang="ja-JP" altLang="en-US"/>
           </a:p>
@@ -3380,7 +3380,7 @@
           <a:p>
             <a:fld id="{F6E40CD1-55DA-4072-86C4-A863BC58A941}" type="datetime1">
               <a:rPr kumimoji="1" lang="ja-JP" altLang="en-US" smtClean="0"/>
-              <a:t>2020/5/2</a:t>
+              <a:t>2021/8/23</a:t>
             </a:fld>
             <a:endParaRPr kumimoji="1" lang="ja-JP" altLang="en-US"/>
           </a:p>
@@ -3653,7 +3653,7 @@
           <a:p>
             <a:fld id="{73DA6C2B-08CB-4C9C-9AF4-BCD1DDC1A46D}" type="datetime1">
               <a:rPr kumimoji="1" lang="ja-JP" altLang="en-US" smtClean="0"/>
-              <a:t>2020/5/2</a:t>
+              <a:t>2021/8/23</a:t>
             </a:fld>
             <a:endParaRPr kumimoji="1" lang="ja-JP" altLang="en-US"/>
           </a:p>
@@ -4182,59 +4182,116 @@
           </a:p>
         </p:txBody>
       </p:sp>
-      <p:sp>
-        <p:nvSpPr>
-          <p:cNvPr id="7" name="正方形/長方形 6">
-            <a:extLst>
-              <a:ext uri="{FF2B5EF4-FFF2-40B4-BE49-F238E27FC236}">
-                <a16:creationId xmlns:a16="http://schemas.microsoft.com/office/drawing/2014/main" id="{13A77C0C-D94F-40AE-B718-6F4E2F995363}"/>
-              </a:ext>
-            </a:extLst>
-          </p:cNvPr>
-          <p:cNvSpPr/>
-          <p:nvPr/>
-        </p:nvSpPr>
-        <p:spPr>
-          <a:xfrm>
-            <a:off x="3230707" y="5796050"/>
-            <a:ext cx="6096000" cy="1200329"/>
+      <p:pic>
+        <p:nvPicPr>
+          <p:cNvPr id="8" name="Picture 2" descr="by">
+            <a:extLst>
+              <a:ext uri="{FF2B5EF4-FFF2-40B4-BE49-F238E27FC236}">
+                <a16:creationId xmlns:a16="http://schemas.microsoft.com/office/drawing/2014/main" id="{4CCBC5B4-F980-4E17-BA1B-A3061727789F}"/>
+              </a:ext>
+            </a:extLst>
+          </p:cNvPr>
+          <p:cNvPicPr>
+            <a:picLocks noChangeAspect="1" noChangeArrowheads="1"/>
+          </p:cNvPicPr>
+          <p:nvPr/>
+        </p:nvPicPr>
+        <p:blipFill>
+          <a:blip r:embed="rId2">
+            <a:extLst>
+              <a:ext uri="{28A0092B-C50C-407E-A947-70E740481C1C}">
+                <a14:useLocalDpi xmlns:a14="http://schemas.microsoft.com/office/drawing/2010/main" val="0"/>
+              </a:ext>
+            </a:extLst>
+          </a:blip>
+          <a:srcRect/>
+          <a:stretch>
+            <a:fillRect/>
+          </a:stretch>
+        </p:blipFill>
+        <p:spPr bwMode="auto">
+          <a:xfrm>
+            <a:off x="2072753" y="5420601"/>
+            <a:ext cx="1419225" cy="495300"/>
           </a:xfrm>
           <a:prstGeom prst="rect">
             <a:avLst/>
           </a:prstGeom>
-        </p:spPr>
-        <p:txBody>
-          <a:bodyPr>
+          <a:noFill/>
+          <a:extLst>
+            <a:ext uri="{909E8E84-426E-40DD-AFC4-6F175D3DCCD1}">
+              <a14:hiddenFill xmlns:a14="http://schemas.microsoft.com/office/drawing/2010/main">
+                <a:solidFill>
+                  <a:srgbClr val="FFFFFF"/>
+                </a:solidFill>
+              </a14:hiddenFill>
+            </a:ext>
+          </a:extLst>
+        </p:spPr>
+      </p:pic>
+      <p:sp>
+        <p:nvSpPr>
+          <p:cNvPr id="9" name="テキスト ボックス 8">
+            <a:extLst>
+              <a:ext uri="{FF2B5EF4-FFF2-40B4-BE49-F238E27FC236}">
+                <a16:creationId xmlns:a16="http://schemas.microsoft.com/office/drawing/2014/main" id="{5EB5A900-A021-420B-987E-41659E5F154A}"/>
+              </a:ext>
+            </a:extLst>
+          </p:cNvPr>
+          <p:cNvSpPr txBox="1"/>
+          <p:nvPr/>
+        </p:nvSpPr>
+        <p:spPr>
+          <a:xfrm>
+            <a:off x="1967490" y="5967655"/>
+            <a:ext cx="7637686" cy="646331"/>
+          </a:xfrm>
+          <a:prstGeom prst="rect">
+            <a:avLst/>
+          </a:prstGeom>
+          <a:noFill/>
+        </p:spPr>
+        <p:txBody>
+          <a:bodyPr wrap="square">
             <a:spAutoFit/>
           </a:bodyPr>
           <a:lstStyle/>
           <a:p>
-            <a:pPr algn="ctr"/>
+            <a:r>
+              <a:rPr lang="ja-JP" altLang="en-US" dirty="0"/>
+              <a:t>“</a:t>
+            </a:r>
             <a:r>
               <a:rPr lang="en-US" altLang="ja-JP" dirty="0"/>
-              <a:t>Copyright (C) 2020 Shigenori Ueda</a:t>
-            </a:r>
-          </a:p>
-          <a:p>
-            <a:pPr algn="ctr"/>
-            <a:r>
-              <a:rPr lang="en-US" altLang="ja-JP" dirty="0"/>
-              <a:t>Released under the MIT license</a:t>
-            </a:r>
-          </a:p>
-          <a:p>
-            <a:pPr algn="ctr"/>
-            <a:r>
-              <a:rPr lang="en-US" altLang="ja-JP" dirty="0">
-                <a:hlinkClick r:id="rId2"/>
+              <a:t>OpenModelica tutorial for beginner </a:t>
+            </a:r>
+            <a:r>
+              <a:rPr lang="en-US" altLang="ja-JP"/>
+              <a:t>4 CustomizeModel2</a:t>
+            </a:r>
+            <a:r>
+              <a:rPr lang="ja-JP" altLang="en-US"/>
+              <a:t>” </a:t>
+            </a:r>
+            <a:r>
+              <a:rPr lang="ja-JP" altLang="en-US" dirty="0"/>
+              <a:t>by </a:t>
+            </a:r>
+            <a:r>
+              <a:rPr lang="en-US" altLang="ja-JP" dirty="0" err="1"/>
+              <a:t>UedaShigenori</a:t>
+            </a:r>
+            <a:r>
+              <a:rPr lang="ja-JP" altLang="en-US" dirty="0"/>
+              <a:t> is licensed under </a:t>
+            </a:r>
+            <a:r>
+              <a:rPr lang="ja-JP" altLang="en-US" dirty="0">
+                <a:hlinkClick r:id="rId3"/>
               </a:rPr>
-              <a:t>https://opensource.org/licenses/mit-license.php</a:t>
-            </a:r>
-            <a:endParaRPr lang="en-US" altLang="ja-JP" dirty="0"/>
-          </a:p>
-          <a:p>
-            <a:pPr algn="ctr"/>
-            <a:endParaRPr lang="en-US" altLang="ja-JP" dirty="0"/>
+              <a:t>CC BY 2.0﻿</a:t>
+            </a:r>
+            <a:endParaRPr lang="ja-JP" altLang="en-US" dirty="0"/>
           </a:p>
         </p:txBody>
       </p:sp>
@@ -4293,7 +4350,7 @@
           </a:ln>
           <a:extLst>
             <a:ext uri="{C572A759-6A51-4108-AA02-DFA0A04FC94B}">
-              <ma14:wrappingTextBoxFlag xmlns:ma14="http://schemas.microsoft.com/office/mac/drawingml/2011/main" xmlns="" val="1"/>
+              <ma14:wrappingTextBoxFlag xmlns="" xmlns:ma14="http://schemas.microsoft.com/office/mac/drawingml/2011/main" val="1"/>
             </a:ext>
           </a:extLst>
         </p:spPr>
@@ -4918,7 +4975,7 @@
           </a:ln>
           <a:extLst>
             <a:ext uri="{C572A759-6A51-4108-AA02-DFA0A04FC94B}">
-              <ma14:wrappingTextBoxFlag xmlns:ma14="http://schemas.microsoft.com/office/mac/drawingml/2011/main" xmlns="" val="1"/>
+              <ma14:wrappingTextBoxFlag xmlns="" xmlns:ma14="http://schemas.microsoft.com/office/mac/drawingml/2011/main" val="1"/>
             </a:ext>
           </a:extLst>
         </p:spPr>
@@ -5475,7 +5532,7 @@
           </a:ln>
           <a:extLst>
             <a:ext uri="{C572A759-6A51-4108-AA02-DFA0A04FC94B}">
-              <ma14:wrappingTextBoxFlag xmlns:ma14="http://schemas.microsoft.com/office/mac/drawingml/2011/main" xmlns="" val="1"/>
+              <ma14:wrappingTextBoxFlag xmlns="" xmlns:ma14="http://schemas.microsoft.com/office/mac/drawingml/2011/main" val="1"/>
             </a:ext>
           </a:extLst>
         </p:spPr>
@@ -5825,7 +5882,7 @@
           </a:ln>
           <a:extLst>
             <a:ext uri="{C572A759-6A51-4108-AA02-DFA0A04FC94B}">
-              <ma14:wrappingTextBoxFlag xmlns:ma14="http://schemas.microsoft.com/office/mac/drawingml/2011/main" xmlns="" val="1"/>
+              <ma14:wrappingTextBoxFlag xmlns="" xmlns:ma14="http://schemas.microsoft.com/office/mac/drawingml/2011/main" val="1"/>
             </a:ext>
           </a:extLst>
         </p:spPr>
@@ -6363,7 +6420,7 @@
           </a:ln>
           <a:extLst>
             <a:ext uri="{C572A759-6A51-4108-AA02-DFA0A04FC94B}">
-              <ma14:wrappingTextBoxFlag xmlns:ma14="http://schemas.microsoft.com/office/mac/drawingml/2011/main" xmlns="" val="1"/>
+              <ma14:wrappingTextBoxFlag xmlns="" xmlns:ma14="http://schemas.microsoft.com/office/mac/drawingml/2011/main" val="1"/>
             </a:ext>
           </a:extLst>
         </p:spPr>
@@ -6708,7 +6765,7 @@
           </a:ln>
           <a:extLst>
             <a:ext uri="{C572A759-6A51-4108-AA02-DFA0A04FC94B}">
-              <ma14:wrappingTextBoxFlag xmlns:ma14="http://schemas.microsoft.com/office/mac/drawingml/2011/main" xmlns="" val="1"/>
+              <ma14:wrappingTextBoxFlag xmlns="" xmlns:ma14="http://schemas.microsoft.com/office/mac/drawingml/2011/main" val="1"/>
             </a:ext>
           </a:extLst>
         </p:spPr>
@@ -7567,7 +7624,7 @@
           </a:ln>
           <a:extLst>
             <a:ext uri="{C572A759-6A51-4108-AA02-DFA0A04FC94B}">
-              <ma14:wrappingTextBoxFlag xmlns:ma14="http://schemas.microsoft.com/office/mac/drawingml/2011/main" xmlns="" val="1"/>
+              <ma14:wrappingTextBoxFlag xmlns="" xmlns:ma14="http://schemas.microsoft.com/office/mac/drawingml/2011/main" val="1"/>
             </a:ext>
           </a:extLst>
         </p:spPr>
@@ -7834,7 +7891,7 @@
           </a:ln>
           <a:extLst>
             <a:ext uri="{C572A759-6A51-4108-AA02-DFA0A04FC94B}">
-              <ma14:wrappingTextBoxFlag xmlns:ma14="http://schemas.microsoft.com/office/mac/drawingml/2011/main" xmlns="" val="1"/>
+              <ma14:wrappingTextBoxFlag xmlns="" xmlns:ma14="http://schemas.microsoft.com/office/mac/drawingml/2011/main" val="1"/>
             </a:ext>
           </a:extLst>
         </p:spPr>
@@ -8395,7 +8452,7 @@
           </a:ln>
           <a:extLst>
             <a:ext uri="{C572A759-6A51-4108-AA02-DFA0A04FC94B}">
-              <ma14:wrappingTextBoxFlag xmlns:ma14="http://schemas.microsoft.com/office/mac/drawingml/2011/main" xmlns="" val="1"/>
+              <ma14:wrappingTextBoxFlag xmlns="" xmlns:ma14="http://schemas.microsoft.com/office/mac/drawingml/2011/main" val="1"/>
             </a:ext>
           </a:extLst>
         </p:spPr>
@@ -8632,7 +8689,7 @@
           </a:ln>
           <a:extLst>
             <a:ext uri="{C572A759-6A51-4108-AA02-DFA0A04FC94B}">
-              <ma14:wrappingTextBoxFlag xmlns:ma14="http://schemas.microsoft.com/office/mac/drawingml/2011/main" xmlns="" val="1"/>
+              <ma14:wrappingTextBoxFlag xmlns="" xmlns:ma14="http://schemas.microsoft.com/office/mac/drawingml/2011/main" val="1"/>
             </a:ext>
           </a:extLst>
         </p:spPr>
@@ -9232,7 +9289,7 @@
           </a:ln>
           <a:extLst>
             <a:ext uri="{C572A759-6A51-4108-AA02-DFA0A04FC94B}">
-              <ma14:wrappingTextBoxFlag xmlns:ma14="http://schemas.microsoft.com/office/mac/drawingml/2011/main" xmlns="" val="1"/>
+              <ma14:wrappingTextBoxFlag xmlns="" xmlns:ma14="http://schemas.microsoft.com/office/mac/drawingml/2011/main" val="1"/>
             </a:ext>
           </a:extLst>
         </p:spPr>
@@ -9590,7 +9647,7 @@
           </a:ln>
           <a:extLst>
             <a:ext uri="{C572A759-6A51-4108-AA02-DFA0A04FC94B}">
-              <ma14:wrappingTextBoxFlag xmlns:ma14="http://schemas.microsoft.com/office/mac/drawingml/2011/main" xmlns="" val="1"/>
+              <ma14:wrappingTextBoxFlag xmlns="" xmlns:ma14="http://schemas.microsoft.com/office/mac/drawingml/2011/main" val="1"/>
             </a:ext>
           </a:extLst>
         </p:spPr>
@@ -10145,7 +10202,7 @@
           </a:ln>
           <a:extLst>
             <a:ext uri="{C572A759-6A51-4108-AA02-DFA0A04FC94B}">
-              <ma14:wrappingTextBoxFlag xmlns:ma14="http://schemas.microsoft.com/office/mac/drawingml/2011/main" xmlns="" val="1"/>
+              <ma14:wrappingTextBoxFlag xmlns="" xmlns:ma14="http://schemas.microsoft.com/office/mac/drawingml/2011/main" val="1"/>
             </a:ext>
           </a:extLst>
         </p:spPr>
@@ -10721,7 +10778,7 @@
           </a:ln>
           <a:extLst>
             <a:ext uri="{C572A759-6A51-4108-AA02-DFA0A04FC94B}">
-              <ma14:wrappingTextBoxFlag xmlns:ma14="http://schemas.microsoft.com/office/mac/drawingml/2011/main" xmlns="" val="1"/>
+              <ma14:wrappingTextBoxFlag xmlns="" xmlns:ma14="http://schemas.microsoft.com/office/mac/drawingml/2011/main" val="1"/>
             </a:ext>
           </a:extLst>
         </p:spPr>
@@ -11301,7 +11358,7 @@
           </a:ln>
           <a:extLst>
             <a:ext uri="{C572A759-6A51-4108-AA02-DFA0A04FC94B}">
-              <ma14:wrappingTextBoxFlag xmlns:ma14="http://schemas.microsoft.com/office/mac/drawingml/2011/main" xmlns="" val="1"/>
+              <ma14:wrappingTextBoxFlag xmlns="" xmlns:ma14="http://schemas.microsoft.com/office/mac/drawingml/2011/main" val="1"/>
             </a:ext>
           </a:extLst>
         </p:spPr>
@@ -11543,7 +11600,7 @@
           </a:ln>
           <a:extLst>
             <a:ext uri="{C572A759-6A51-4108-AA02-DFA0A04FC94B}">
-              <ma14:wrappingTextBoxFlag xmlns:ma14="http://schemas.microsoft.com/office/mac/drawingml/2011/main" xmlns="" val="1"/>
+              <ma14:wrappingTextBoxFlag xmlns="" xmlns:ma14="http://schemas.microsoft.com/office/mac/drawingml/2011/main" val="1"/>
             </a:ext>
           </a:extLst>
         </p:spPr>
@@ -11879,7 +11936,7 @@
           </a:ln>
           <a:extLst>
             <a:ext uri="{C572A759-6A51-4108-AA02-DFA0A04FC94B}">
-              <ma14:wrappingTextBoxFlag xmlns:ma14="http://schemas.microsoft.com/office/mac/drawingml/2011/main" xmlns="" val="1"/>
+              <ma14:wrappingTextBoxFlag xmlns="" xmlns:ma14="http://schemas.microsoft.com/office/mac/drawingml/2011/main" val="1"/>
             </a:ext>
           </a:extLst>
         </p:spPr>
@@ -12295,7 +12352,7 @@
           </a:ln>
           <a:extLst>
             <a:ext uri="{C572A759-6A51-4108-AA02-DFA0A04FC94B}">
-              <ma14:wrappingTextBoxFlag xmlns:ma14="http://schemas.microsoft.com/office/mac/drawingml/2011/main" xmlns="" val="1"/>
+              <ma14:wrappingTextBoxFlag xmlns="" xmlns:ma14="http://schemas.microsoft.com/office/mac/drawingml/2011/main" val="1"/>
             </a:ext>
           </a:extLst>
         </p:spPr>
@@ -12616,7 +12673,7 @@
           </a:ln>
           <a:extLst>
             <a:ext uri="{C572A759-6A51-4108-AA02-DFA0A04FC94B}">
-              <ma14:wrappingTextBoxFlag xmlns:ma14="http://schemas.microsoft.com/office/mac/drawingml/2011/main" xmlns="" val="1"/>
+              <ma14:wrappingTextBoxFlag xmlns="" xmlns:ma14="http://schemas.microsoft.com/office/mac/drawingml/2011/main" val="1"/>
             </a:ext>
           </a:extLst>
         </p:spPr>
@@ -13450,7 +13507,7 @@
           </a:ln>
           <a:extLst>
             <a:ext uri="{C572A759-6A51-4108-AA02-DFA0A04FC94B}">
-              <ma14:wrappingTextBoxFlag xmlns:ma14="http://schemas.microsoft.com/office/mac/drawingml/2011/main" xmlns="" val="1"/>
+              <ma14:wrappingTextBoxFlag xmlns="" xmlns:ma14="http://schemas.microsoft.com/office/mac/drawingml/2011/main" val="1"/>
             </a:ext>
           </a:extLst>
         </p:spPr>
@@ -13861,7 +13918,7 @@
           </a:ln>
           <a:extLst>
             <a:ext uri="{C572A759-6A51-4108-AA02-DFA0A04FC94B}">
-              <ma14:wrappingTextBoxFlag xmlns:ma14="http://schemas.microsoft.com/office/mac/drawingml/2011/main" xmlns="" val="1"/>
+              <ma14:wrappingTextBoxFlag xmlns="" xmlns:ma14="http://schemas.microsoft.com/office/mac/drawingml/2011/main" val="1"/>
             </a:ext>
           </a:extLst>
         </p:spPr>
@@ -14277,7 +14334,7 @@
           </a:ln>
           <a:extLst>
             <a:ext uri="{C572A759-6A51-4108-AA02-DFA0A04FC94B}">
-              <ma14:wrappingTextBoxFlag xmlns:ma14="http://schemas.microsoft.com/office/mac/drawingml/2011/main" xmlns="" val="1"/>
+              <ma14:wrappingTextBoxFlag xmlns="" xmlns:ma14="http://schemas.microsoft.com/office/mac/drawingml/2011/main" val="1"/>
             </a:ext>
           </a:extLst>
         </p:spPr>
@@ -15255,7 +15312,7 @@
           </a:ln>
           <a:extLst>
             <a:ext uri="{C572A759-6A51-4108-AA02-DFA0A04FC94B}">
-              <ma14:wrappingTextBoxFlag xmlns:ma14="http://schemas.microsoft.com/office/mac/drawingml/2011/main" xmlns="" val="1"/>
+              <ma14:wrappingTextBoxFlag xmlns="" xmlns:ma14="http://schemas.microsoft.com/office/mac/drawingml/2011/main" val="1"/>
             </a:ext>
           </a:extLst>
         </p:spPr>
@@ -15810,7 +15867,7 @@
           </a:ln>
           <a:extLst>
             <a:ext uri="{C572A759-6A51-4108-AA02-DFA0A04FC94B}">
-              <ma14:wrappingTextBoxFlag xmlns:ma14="http://schemas.microsoft.com/office/mac/drawingml/2011/main" xmlns="" val="1"/>
+              <ma14:wrappingTextBoxFlag xmlns="" xmlns:ma14="http://schemas.microsoft.com/office/mac/drawingml/2011/main" val="1"/>
             </a:ext>
           </a:extLst>
         </p:spPr>
